--- a/Imposter.pptx
+++ b/Imposter.pptx
@@ -109,6 +109,11 @@
       </a:defRPr>
     </a:lvl9pPr>
   </p:defaultTextStyle>
+  <p:extLst>
+    <p:ext uri="{EFAFB233-063F-42B5-8137-9DF3F51BA10A}">
+      <p15:sldGuideLst xmlns:p15="http://schemas.microsoft.com/office/powerpoint/2012/main"/>
+    </p:ext>
+  </p:extLst>
 </p:presentation>
 </file>
 
@@ -858,7 +863,7 @@
             <a:fld id="{B61BEF0D-F0BB-DE4B-95CE-6DB70DBA9567}" type="datetimeFigureOut">
               <a:rPr lang="en-US" dirty="0"/>
               <a:pPr/>
-              <a:t>10/6/2025</a:t>
+              <a:t>10/7/2025</a:t>
             </a:fld>
             <a:endParaRPr lang="en-US" dirty="0"/>
           </a:p>
@@ -1106,7 +1111,7 @@
             <a:fld id="{B61BEF0D-F0BB-DE4B-95CE-6DB70DBA9567}" type="datetimeFigureOut">
               <a:rPr lang="en-US" dirty="0"/>
               <a:pPr/>
-              <a:t>10/6/2025</a:t>
+              <a:t>10/7/2025</a:t>
             </a:fld>
             <a:endParaRPr lang="en-US" dirty="0"/>
           </a:p>
@@ -1417,7 +1422,7 @@
             <a:fld id="{B61BEF0D-F0BB-DE4B-95CE-6DB70DBA9567}" type="datetimeFigureOut">
               <a:rPr lang="en-US" dirty="0"/>
               <a:pPr/>
-              <a:t>10/6/2025</a:t>
+              <a:t>10/7/2025</a:t>
             </a:fld>
             <a:endParaRPr lang="en-US" dirty="0"/>
           </a:p>
@@ -1747,7 +1752,7 @@
             <a:fld id="{B61BEF0D-F0BB-DE4B-95CE-6DB70DBA9567}" type="datetimeFigureOut">
               <a:rPr lang="en-US" dirty="0"/>
               <a:pPr/>
-              <a:t>10/6/2025</a:t>
+              <a:t>10/7/2025</a:t>
             </a:fld>
             <a:endParaRPr lang="en-US" dirty="0"/>
           </a:p>
@@ -2058,7 +2063,7 @@
             <a:fld id="{B61BEF0D-F0BB-DE4B-95CE-6DB70DBA9567}" type="datetimeFigureOut">
               <a:rPr lang="en-US" dirty="0"/>
               <a:pPr/>
-              <a:t>10/6/2025</a:t>
+              <a:t>10/7/2025</a:t>
             </a:fld>
             <a:endParaRPr lang="en-US" dirty="0"/>
           </a:p>
@@ -2448,7 +2453,7 @@
             <a:fld id="{B61BEF0D-F0BB-DE4B-95CE-6DB70DBA9567}" type="datetimeFigureOut">
               <a:rPr lang="en-US" dirty="0"/>
               <a:pPr/>
-              <a:t>10/6/2025</a:t>
+              <a:t>10/7/2025</a:t>
             </a:fld>
             <a:endParaRPr lang="en-US" dirty="0"/>
           </a:p>
@@ -2614,7 +2619,7 @@
           <a:p>
             <a:fld id="{55C6B4A9-1611-4792-9094-5F34BCA07E0B}" type="datetimeFigureOut">
               <a:rPr lang="en-US" dirty="0"/>
-              <a:t>10/6/2025</a:t>
+              <a:t>10/7/2025</a:t>
             </a:fld>
             <a:endParaRPr lang="en-US" dirty="0"/>
           </a:p>
@@ -2790,7 +2795,7 @@
             <a:fld id="{B61BEF0D-F0BB-DE4B-95CE-6DB70DBA9567}" type="datetimeFigureOut">
               <a:rPr lang="en-US" dirty="0"/>
               <a:pPr/>
-              <a:t>10/6/2025</a:t>
+              <a:t>10/7/2025</a:t>
             </a:fld>
             <a:endParaRPr lang="en-US" dirty="0"/>
           </a:p>
@@ -2956,7 +2961,7 @@
           <a:p>
             <a:fld id="{42A54C80-263E-416B-A8E0-580EDEADCBDC}" type="datetimeFigureOut">
               <a:rPr lang="en-US" dirty="0"/>
-              <a:t>10/6/2025</a:t>
+              <a:t>10/7/2025</a:t>
             </a:fld>
             <a:endParaRPr lang="en-US" dirty="0"/>
           </a:p>
@@ -3199,7 +3204,7 @@
             <a:fld id="{B61BEF0D-F0BB-DE4B-95CE-6DB70DBA9567}" type="datetimeFigureOut">
               <a:rPr lang="en-US" dirty="0"/>
               <a:pPr/>
-              <a:t>10/6/2025</a:t>
+              <a:t>10/7/2025</a:t>
             </a:fld>
             <a:endParaRPr lang="en-US" dirty="0"/>
           </a:p>
@@ -3427,7 +3432,7 @@
           <a:p>
             <a:fld id="{42A54C80-263E-416B-A8E0-580EDEADCBDC}" type="datetimeFigureOut">
               <a:rPr lang="en-US" dirty="0"/>
-              <a:t>10/6/2025</a:t>
+              <a:t>10/7/2025</a:t>
             </a:fld>
             <a:endParaRPr lang="en-US" dirty="0"/>
           </a:p>
@@ -3797,7 +3802,7 @@
             <a:fld id="{B61BEF0D-F0BB-DE4B-95CE-6DB70DBA9567}" type="datetimeFigureOut">
               <a:rPr lang="en-US" dirty="0"/>
               <a:pPr/>
-              <a:t>10/6/2025</a:t>
+              <a:t>10/7/2025</a:t>
             </a:fld>
             <a:endParaRPr lang="en-US" dirty="0"/>
           </a:p>
@@ -3917,7 +3922,7 @@
             <a:fld id="{B61BEF0D-F0BB-DE4B-95CE-6DB70DBA9567}" type="datetimeFigureOut">
               <a:rPr lang="en-US" dirty="0"/>
               <a:pPr/>
-              <a:t>10/6/2025</a:t>
+              <a:t>10/7/2025</a:t>
             </a:fld>
             <a:endParaRPr lang="en-US" dirty="0"/>
           </a:p>
@@ -4009,7 +4014,7 @@
             <a:fld id="{B61BEF0D-F0BB-DE4B-95CE-6DB70DBA9567}" type="datetimeFigureOut">
               <a:rPr lang="en-US" dirty="0"/>
               <a:pPr/>
-              <a:t>10/6/2025</a:t>
+              <a:t>10/7/2025</a:t>
             </a:fld>
             <a:endParaRPr lang="en-US" dirty="0"/>
           </a:p>
@@ -4260,7 +4265,7 @@
           <a:p>
             <a:fld id="{42A54C80-263E-416B-A8E0-580EDEADCBDC}" type="datetimeFigureOut">
               <a:rPr lang="en-US" dirty="0"/>
-              <a:t>10/6/2025</a:t>
+              <a:t>10/7/2025</a:t>
             </a:fld>
             <a:endParaRPr lang="en-US" dirty="0"/>
           </a:p>
@@ -4562,7 +4567,7 @@
             <a:fld id="{B61BEF0D-F0BB-DE4B-95CE-6DB70DBA9567}" type="datetimeFigureOut">
               <a:rPr lang="en-US" dirty="0"/>
               <a:pPr/>
-              <a:t>10/6/2025</a:t>
+              <a:t>10/7/2025</a:t>
             </a:fld>
             <a:endParaRPr lang="en-US" dirty="0"/>
           </a:p>
@@ -5260,7 +5265,7 @@
             <a:fld id="{B61BEF0D-F0BB-DE4B-95CE-6DB70DBA9567}" type="datetimeFigureOut">
               <a:rPr lang="en-US" dirty="0"/>
               <a:pPr/>
-              <a:t>10/6/2025</a:t>
+              <a:t>10/7/2025</a:t>
             </a:fld>
             <a:endParaRPr lang="en-US" dirty="0"/>
           </a:p>
@@ -6133,38 +6138,65 @@
             <p:ph idx="1"/>
           </p:nvPr>
         </p:nvSpPr>
-        <p:spPr/>
-        <p:txBody>
-          <a:bodyPr/>
+        <p:spPr>
+          <a:xfrm>
+            <a:off x="677333" y="1602557"/>
+            <a:ext cx="9626163" cy="4438805"/>
+          </a:xfrm>
+        </p:spPr>
+        <p:txBody>
+          <a:bodyPr>
+            <a:normAutofit lnSpcReduction="10000"/>
+          </a:bodyPr>
           <a:lstStyle/>
           <a:p>
             <a:r>
               <a:rPr lang="en-US" dirty="0"/>
-              <a:t>The project follows a structured approach beginning with </a:t>
+              <a:t>This multi-class classification project, aimed at </a:t>
             </a:r>
             <a:r>
               <a:rPr lang="en-US" b="1" dirty="0"/>
-              <a:t>data preprocessing</a:t>
+              <a:t>Fake News Detection</a:t>
             </a:r>
             <a:r>
               <a:rPr lang="en-US" dirty="0"/>
-              <a:t>, where all text statements are cleaned by lowercasing, tokenizing, removing </a:t>
-            </a:r>
-            <a:r>
-              <a:rPr lang="en-US" dirty="0" err="1"/>
-              <a:t>stopwords</a:t>
+              <a:t> using the LIAR dataset, was executed through a structured, four-phase methodology. The process began with </a:t>
+            </a:r>
+            <a:r>
+              <a:rPr lang="en-US" b="1" dirty="0"/>
+              <a:t>Exploratory Data Analysis (EDA) and Feature Engineering</a:t>
             </a:r>
             <a:r>
               <a:rPr lang="en-US" dirty="0"/>
-              <a:t>, and lemmatizing to create consistent inputs. The processed text is then transformed into numerical features using the </a:t>
+              <a:t>, where raw text statements underwent cleaning and normalization (tokenization, lemmatization). Crucially, new predictive </a:t>
             </a:r>
             <a:r>
               <a:rPr lang="en-US" b="1" dirty="0"/>
-              <a:t>TF-IDF vectorizer</a:t>
+              <a:t>Ratio Features</a:t>
             </a:r>
             <a:r>
               <a:rPr lang="en-US" dirty="0"/>
-              <a:t>, capturing the importance of words and phrases across statements. Several machine learning models were trained and compared, including </a:t>
+              <a:t> were engineered based on the speaker's historical truthfulness counts. The second phase, </a:t>
+            </a:r>
+            <a:r>
+              <a:rPr lang="en-US" b="1" dirty="0"/>
+              <a:t>Baseline Model Making</a:t>
+            </a:r>
+            <a:r>
+              <a:rPr lang="en-US" dirty="0"/>
+              <a:t>, established an initial benchmark using a comprehensive </a:t>
+            </a:r>
+            <a:r>
+              <a:rPr lang="en-US" b="1" dirty="0" err="1"/>
+              <a:t>scikit</a:t>
+            </a:r>
+            <a:r>
+              <a:rPr lang="en-US" b="1" dirty="0"/>
+              <a:t>-learn Pipeline</a:t>
+            </a:r>
+            <a:r>
+              <a:rPr lang="en-US" dirty="0"/>
+              <a:t> incorporating TF-IDF for text and scaling/encoding for numerical and categorical features, training a </a:t>
             </a:r>
             <a:r>
               <a:rPr lang="en-US" b="1" dirty="0"/>
@@ -6172,83 +6204,64 @@
             </a:r>
             <a:r>
               <a:rPr lang="en-US" dirty="0"/>
-              <a:t>, </a:t>
+              <a:t> model. The project then moved into </a:t>
             </a:r>
             <a:r>
               <a:rPr lang="en-US" b="1" dirty="0"/>
-              <a:t>Naive Bayes</a:t>
+              <a:t>Comprehensive Experimentation</a:t>
             </a:r>
             <a:r>
               <a:rPr lang="en-US" dirty="0"/>
-              <a:t>, </a:t>
-            </a:r>
-            <a:r>
-              <a:rPr lang="en-US" b="1" dirty="0" err="1"/>
+              <a:t>, evaluating a wider array of models, including traditional Machine Learning (</a:t>
+            </a:r>
+            <a:r>
+              <a:rPr lang="en-US" dirty="0" err="1"/>
+              <a:t>LinearSVC</a:t>
+            </a:r>
+            <a:r>
+              <a:rPr lang="en-US" dirty="0"/>
+              <a:t>), Ensemble Methods, and </a:t>
+            </a:r>
+            <a:r>
+              <a:rPr lang="en-US" b="1" dirty="0"/>
+              <a:t>Deep Learning</a:t>
+            </a:r>
+            <a:r>
+              <a:rPr lang="en-US" dirty="0"/>
+              <a:t> models (LSTM and GRU), along with targeted hyperparameter tuning. The final, dedicated phase focused on </a:t>
+            </a:r>
+            <a:r>
+              <a:rPr lang="en-US" b="1" dirty="0"/>
+              <a:t>Specialized Gradient Boosting</a:t>
+            </a:r>
+            <a:r>
+              <a:rPr lang="en-US" dirty="0"/>
+              <a:t> (GBC/</a:t>
+            </a:r>
+            <a:r>
+              <a:rPr lang="en-US" dirty="0" err="1"/>
               <a:t>XGBoost</a:t>
             </a:r>
             <a:r>
               <a:rPr lang="en-US" dirty="0"/>
-              <a:t>, and </a:t>
+              <a:t>) for maximum performance. Throughout all phases, the models were primarily evaluated using the </a:t>
             </a:r>
             <a:r>
               <a:rPr lang="en-US" b="1" dirty="0"/>
-              <a:t>Gradient Boosting</a:t>
+              <a:t>Macro F1-Score</a:t>
             </a:r>
             <a:r>
               <a:rPr lang="en-US" dirty="0"/>
-              <a:t>, with </a:t>
+              <a:t> to ensure balanced performance across all six truthfulness categories. The best-performing model was then selected and applied to the untouched Test Set for a final, unbiased assessment before being deployed via a </a:t>
             </a:r>
             <a:r>
               <a:rPr lang="en-US" b="1" dirty="0"/>
-              <a:t>Gradient Boosting emerging as the best-performing model</a:t>
+              <a:t>Flask API</a:t>
             </a:r>
             <a:r>
               <a:rPr lang="en-US" dirty="0"/>
-              <a:t>. Model evaluation was conducted using standard metrics such as </a:t>
-            </a:r>
-            <a:r>
-              <a:rPr lang="en-US" b="1" dirty="0"/>
-              <a:t>accuracy</a:t>
-            </a:r>
-            <a:r>
-              <a:rPr lang="en-US" dirty="0"/>
-              <a:t>, </a:t>
-            </a:r>
-            <a:r>
-              <a:rPr lang="en-US" b="1" dirty="0"/>
-              <a:t>precision</a:t>
-            </a:r>
-            <a:r>
-              <a:rPr lang="en-US" dirty="0"/>
-              <a:t>, </a:t>
-            </a:r>
-            <a:r>
-              <a:rPr lang="en-US" b="1" dirty="0"/>
-              <a:t>recall</a:t>
-            </a:r>
-            <a:r>
-              <a:rPr lang="en-US" dirty="0"/>
-              <a:t>, and </a:t>
-            </a:r>
-            <a:r>
-              <a:rPr lang="en-US" b="1" dirty="0"/>
-              <a:t>F1-score</a:t>
-            </a:r>
-            <a:r>
-              <a:rPr lang="en-US" dirty="0"/>
-              <a:t> to ensure balanced assessment. The trained model was then integrated into a </a:t>
-            </a:r>
-            <a:r>
-              <a:rPr lang="en-US" b="1" dirty="0"/>
-              <a:t>Flask web application</a:t>
-            </a:r>
-            <a:r>
-              <a:rPr lang="en-US" dirty="0"/>
-              <a:t>, enabling users to input news statements and instantly receive a truthfulness prediction.</a:t>
-            </a:r>
-          </a:p>
-          <a:p>
-            <a:endParaRPr lang="en-US" dirty="0"/>
+              <a:t>.</a:t>
+            </a:r>
           </a:p>
         </p:txBody>
       </p:sp>

--- a/Imposter.pptx
+++ b/Imposter.pptx
@@ -8,9 +8,13 @@
     <p:sldId id="256" r:id="rId2"/>
     <p:sldId id="257" r:id="rId3"/>
     <p:sldId id="258" r:id="rId4"/>
-    <p:sldId id="259" r:id="rId5"/>
-    <p:sldId id="260" r:id="rId6"/>
-    <p:sldId id="261" r:id="rId7"/>
+    <p:sldId id="262" r:id="rId5"/>
+    <p:sldId id="263" r:id="rId6"/>
+    <p:sldId id="259" r:id="rId7"/>
+    <p:sldId id="264" r:id="rId8"/>
+    <p:sldId id="260" r:id="rId9"/>
+    <p:sldId id="265" r:id="rId10"/>
+    <p:sldId id="261" r:id="rId11"/>
   </p:sldIdLst>
   <p:sldSz cx="12192000" cy="6858000"/>
   <p:notesSz cx="6858000" cy="9144000"/>
@@ -863,7 +867,7 @@
             <a:fld id="{B61BEF0D-F0BB-DE4B-95CE-6DB70DBA9567}" type="datetimeFigureOut">
               <a:rPr lang="en-US" dirty="0"/>
               <a:pPr/>
-              <a:t>10/7/2025</a:t>
+              <a:t>10/14/2025</a:t>
             </a:fld>
             <a:endParaRPr lang="en-US" dirty="0"/>
           </a:p>
@@ -1111,7 +1115,7 @@
             <a:fld id="{B61BEF0D-F0BB-DE4B-95CE-6DB70DBA9567}" type="datetimeFigureOut">
               <a:rPr lang="en-US" dirty="0"/>
               <a:pPr/>
-              <a:t>10/7/2025</a:t>
+              <a:t>10/14/2025</a:t>
             </a:fld>
             <a:endParaRPr lang="en-US" dirty="0"/>
           </a:p>
@@ -1422,7 +1426,7 @@
             <a:fld id="{B61BEF0D-F0BB-DE4B-95CE-6DB70DBA9567}" type="datetimeFigureOut">
               <a:rPr lang="en-US" dirty="0"/>
               <a:pPr/>
-              <a:t>10/7/2025</a:t>
+              <a:t>10/14/2025</a:t>
             </a:fld>
             <a:endParaRPr lang="en-US" dirty="0"/>
           </a:p>
@@ -1752,7 +1756,7 @@
             <a:fld id="{B61BEF0D-F0BB-DE4B-95CE-6DB70DBA9567}" type="datetimeFigureOut">
               <a:rPr lang="en-US" dirty="0"/>
               <a:pPr/>
-              <a:t>10/7/2025</a:t>
+              <a:t>10/14/2025</a:t>
             </a:fld>
             <a:endParaRPr lang="en-US" dirty="0"/>
           </a:p>
@@ -2063,7 +2067,7 @@
             <a:fld id="{B61BEF0D-F0BB-DE4B-95CE-6DB70DBA9567}" type="datetimeFigureOut">
               <a:rPr lang="en-US" dirty="0"/>
               <a:pPr/>
-              <a:t>10/7/2025</a:t>
+              <a:t>10/14/2025</a:t>
             </a:fld>
             <a:endParaRPr lang="en-US" dirty="0"/>
           </a:p>
@@ -2453,7 +2457,7 @@
             <a:fld id="{B61BEF0D-F0BB-DE4B-95CE-6DB70DBA9567}" type="datetimeFigureOut">
               <a:rPr lang="en-US" dirty="0"/>
               <a:pPr/>
-              <a:t>10/7/2025</a:t>
+              <a:t>10/14/2025</a:t>
             </a:fld>
             <a:endParaRPr lang="en-US" dirty="0"/>
           </a:p>
@@ -2619,7 +2623,7 @@
           <a:p>
             <a:fld id="{55C6B4A9-1611-4792-9094-5F34BCA07E0B}" type="datetimeFigureOut">
               <a:rPr lang="en-US" dirty="0"/>
-              <a:t>10/7/2025</a:t>
+              <a:t>10/14/2025</a:t>
             </a:fld>
             <a:endParaRPr lang="en-US" dirty="0"/>
           </a:p>
@@ -2795,7 +2799,7 @@
             <a:fld id="{B61BEF0D-F0BB-DE4B-95CE-6DB70DBA9567}" type="datetimeFigureOut">
               <a:rPr lang="en-US" dirty="0"/>
               <a:pPr/>
-              <a:t>10/7/2025</a:t>
+              <a:t>10/14/2025</a:t>
             </a:fld>
             <a:endParaRPr lang="en-US" dirty="0"/>
           </a:p>
@@ -2961,7 +2965,7 @@
           <a:p>
             <a:fld id="{42A54C80-263E-416B-A8E0-580EDEADCBDC}" type="datetimeFigureOut">
               <a:rPr lang="en-US" dirty="0"/>
-              <a:t>10/7/2025</a:t>
+              <a:t>10/14/2025</a:t>
             </a:fld>
             <a:endParaRPr lang="en-US" dirty="0"/>
           </a:p>
@@ -3204,7 +3208,7 @@
             <a:fld id="{B61BEF0D-F0BB-DE4B-95CE-6DB70DBA9567}" type="datetimeFigureOut">
               <a:rPr lang="en-US" dirty="0"/>
               <a:pPr/>
-              <a:t>10/7/2025</a:t>
+              <a:t>10/14/2025</a:t>
             </a:fld>
             <a:endParaRPr lang="en-US" dirty="0"/>
           </a:p>
@@ -3432,7 +3436,7 @@
           <a:p>
             <a:fld id="{42A54C80-263E-416B-A8E0-580EDEADCBDC}" type="datetimeFigureOut">
               <a:rPr lang="en-US" dirty="0"/>
-              <a:t>10/7/2025</a:t>
+              <a:t>10/14/2025</a:t>
             </a:fld>
             <a:endParaRPr lang="en-US" dirty="0"/>
           </a:p>
@@ -3802,7 +3806,7 @@
             <a:fld id="{B61BEF0D-F0BB-DE4B-95CE-6DB70DBA9567}" type="datetimeFigureOut">
               <a:rPr lang="en-US" dirty="0"/>
               <a:pPr/>
-              <a:t>10/7/2025</a:t>
+              <a:t>10/14/2025</a:t>
             </a:fld>
             <a:endParaRPr lang="en-US" dirty="0"/>
           </a:p>
@@ -3922,7 +3926,7 @@
             <a:fld id="{B61BEF0D-F0BB-DE4B-95CE-6DB70DBA9567}" type="datetimeFigureOut">
               <a:rPr lang="en-US" dirty="0"/>
               <a:pPr/>
-              <a:t>10/7/2025</a:t>
+              <a:t>10/14/2025</a:t>
             </a:fld>
             <a:endParaRPr lang="en-US" dirty="0"/>
           </a:p>
@@ -4014,7 +4018,7 @@
             <a:fld id="{B61BEF0D-F0BB-DE4B-95CE-6DB70DBA9567}" type="datetimeFigureOut">
               <a:rPr lang="en-US" dirty="0"/>
               <a:pPr/>
-              <a:t>10/7/2025</a:t>
+              <a:t>10/14/2025</a:t>
             </a:fld>
             <a:endParaRPr lang="en-US" dirty="0"/>
           </a:p>
@@ -4265,7 +4269,7 @@
           <a:p>
             <a:fld id="{42A54C80-263E-416B-A8E0-580EDEADCBDC}" type="datetimeFigureOut">
               <a:rPr lang="en-US" dirty="0"/>
-              <a:t>10/7/2025</a:t>
+              <a:t>10/14/2025</a:t>
             </a:fld>
             <a:endParaRPr lang="en-US" dirty="0"/>
           </a:p>
@@ -4567,7 +4571,7 @@
             <a:fld id="{B61BEF0D-F0BB-DE4B-95CE-6DB70DBA9567}" type="datetimeFigureOut">
               <a:rPr lang="en-US" dirty="0"/>
               <a:pPr/>
-              <a:t>10/7/2025</a:t>
+              <a:t>10/14/2025</a:t>
             </a:fld>
             <a:endParaRPr lang="en-US" dirty="0"/>
           </a:p>
@@ -5265,7 +5269,7 @@
             <a:fld id="{B61BEF0D-F0BB-DE4B-95CE-6DB70DBA9567}" type="datetimeFigureOut">
               <a:rPr lang="en-US" dirty="0"/>
               <a:pPr/>
-              <a:t>10/7/2025</a:t>
+              <a:t>10/14/2025</a:t>
             </a:fld>
             <a:endParaRPr lang="en-US" dirty="0"/>
           </a:p>
@@ -5854,6 +5858,71 @@
 </p:sld>
 </file>
 
+<file path=ppt/slides/slide10.xml><?xml version="1.0" encoding="utf-8"?>
+<p:sld xmlns:a="http://schemas.openxmlformats.org/drawingml/2006/main" xmlns:r="http://schemas.openxmlformats.org/officeDocument/2006/relationships" xmlns:p="http://schemas.openxmlformats.org/presentationml/2006/main">
+  <p:cSld>
+    <p:spTree>
+      <p:nvGrpSpPr>
+        <p:cNvPr id="1" name=""/>
+        <p:cNvGrpSpPr/>
+        <p:nvPr/>
+      </p:nvGrpSpPr>
+      <p:grpSpPr>
+        <a:xfrm>
+          <a:off x="0" y="0"/>
+          <a:ext cx="0" cy="0"/>
+          <a:chOff x="0" y="0"/>
+          <a:chExt cx="0" cy="0"/>
+        </a:xfrm>
+      </p:grpSpPr>
+      <p:sp>
+        <p:nvSpPr>
+          <p:cNvPr id="4" name="TextBox 3">
+            <a:extLst>
+              <a:ext uri="{FF2B5EF4-FFF2-40B4-BE49-F238E27FC236}">
+                <a16:creationId xmlns:a16="http://schemas.microsoft.com/office/drawing/2014/main" id="{FFA8ED56-5502-40FD-B174-7C92879391B0}"/>
+              </a:ext>
+            </a:extLst>
+          </p:cNvPr>
+          <p:cNvSpPr txBox="1"/>
+          <p:nvPr/>
+        </p:nvSpPr>
+        <p:spPr>
+          <a:xfrm>
+            <a:off x="3796645" y="2875002"/>
+            <a:ext cx="4598709" cy="1107996"/>
+          </a:xfrm>
+          <a:prstGeom prst="rect">
+            <a:avLst/>
+          </a:prstGeom>
+          <a:noFill/>
+        </p:spPr>
+        <p:txBody>
+          <a:bodyPr wrap="square" rtlCol="0">
+            <a:spAutoFit/>
+          </a:bodyPr>
+          <a:lstStyle/>
+          <a:p>
+            <a:r>
+              <a:rPr lang="en-US" sz="6600" dirty="0"/>
+              <a:t>THANK YOU</a:t>
+            </a:r>
+          </a:p>
+        </p:txBody>
+      </p:sp>
+    </p:spTree>
+    <p:extLst>
+      <p:ext uri="{BB962C8B-B14F-4D97-AF65-F5344CB8AC3E}">
+        <p14:creationId xmlns:p14="http://schemas.microsoft.com/office/powerpoint/2010/main" val="1795129977"/>
+      </p:ext>
+    </p:extLst>
+  </p:cSld>
+  <p:clrMapOvr>
+    <a:masterClrMapping/>
+  </p:clrMapOvr>
+</p:sld>
+</file>
+
 <file path=ppt/slides/slide2.xml><?xml version="1.0" encoding="utf-8"?>
 <p:sld xmlns:a="http://schemas.openxmlformats.org/drawingml/2006/main" xmlns:r="http://schemas.openxmlformats.org/officeDocument/2006/relationships" xmlns:p="http://schemas.openxmlformats.org/presentationml/2006/main">
   <p:cSld>
@@ -5922,11 +5991,24 @@
           <a:p>
             <a:r>
               <a:rPr lang="en-US" dirty="0"/>
-              <a:t>The widespread circulation of fake news on digital platforms poses a major threat to public trust and informed decision-making. Detecting misinformation is challenging because false statements often use subtle linguistic cues, emotional tones, and biased phrasing that make them appear credible. This project aims to build a machine learning model capable of classifying news statements into multiple truthfulness levels using the LIAR dataset. A Flask-based web application is also developed to allow real-time predictions, helping demonstrate how natural language processing can support efforts to identify and limit misinformation online.</a:t>
-            </a:r>
-          </a:p>
-          <a:p>
-            <a:endParaRPr lang="en-US" dirty="0"/>
+              <a:t>This project focuses on building a </a:t>
+            </a:r>
+            <a:r>
+              <a:rPr lang="en-US" b="1" dirty="0"/>
+              <a:t>machine learning model that detects fake news</a:t>
+            </a:r>
+            <a:r>
+              <a:rPr lang="en-US" dirty="0"/>
+              <a:t>, addressing the growing problem of misinformation spreading rapidly across digital platforms. False information often appears credible due to subtle wording, emotional tone, or biased phrasing, making it difficult to identify manually. To tackle this, the model analyzes news statements using natural language processing techniques and classifies them into multiple truthfulness categories based on the </a:t>
+            </a:r>
+            <a:r>
+              <a:rPr lang="en-US" b="1" dirty="0"/>
+              <a:t>LIAR dataset</a:t>
+            </a:r>
+            <a:r>
+              <a:rPr lang="en-US" dirty="0"/>
+              <a:t>.</a:t>
+            </a:r>
           </a:p>
         </p:txBody>
       </p:sp>
@@ -6008,9 +6090,16 @@
             <p:ph idx="1"/>
           </p:nvPr>
         </p:nvSpPr>
-        <p:spPr/>
-        <p:txBody>
-          <a:bodyPr/>
+        <p:spPr>
+          <a:xfrm>
+            <a:off x="677334" y="1415871"/>
+            <a:ext cx="8596668" cy="2543387"/>
+          </a:xfrm>
+        </p:spPr>
+        <p:txBody>
+          <a:bodyPr>
+            <a:normAutofit lnSpcReduction="10000"/>
+          </a:bodyPr>
           <a:lstStyle/>
           <a:p>
             <a:r>
@@ -6093,182 +6182,40 @@
           <a:chExt cx="0" cy="0"/>
         </a:xfrm>
       </p:grpSpPr>
-      <p:sp>
-        <p:nvSpPr>
-          <p:cNvPr id="2" name="Title 1">
+      <p:pic>
+        <p:nvPicPr>
+          <p:cNvPr id="4" name="Picture 3">
             <a:extLst>
               <a:ext uri="{FF2B5EF4-FFF2-40B4-BE49-F238E27FC236}">
-                <a16:creationId xmlns:a16="http://schemas.microsoft.com/office/drawing/2014/main" id="{F3B286A8-3334-46C4-8C48-958B61158EFA}"/>
+                <a16:creationId xmlns:a16="http://schemas.microsoft.com/office/drawing/2014/main" id="{5EF5706C-0CF3-4C9D-95D7-ACD3C533A096}"/>
               </a:ext>
             </a:extLst>
           </p:cNvPr>
-          <p:cNvSpPr>
-            <a:spLocks noGrp="1"/>
-          </p:cNvSpPr>
-          <p:nvPr>
-            <p:ph type="title"/>
-          </p:nvPr>
-        </p:nvSpPr>
-        <p:spPr/>
-        <p:txBody>
-          <a:bodyPr/>
-          <a:lstStyle/>
-          <a:p>
-            <a:r>
-              <a:rPr lang="en-US" b="1" dirty="0"/>
-              <a:t>🛠️ Methodology</a:t>
-            </a:r>
-            <a:endParaRPr lang="en-US" dirty="0"/>
-          </a:p>
-        </p:txBody>
-      </p:sp>
-      <p:sp>
-        <p:nvSpPr>
-          <p:cNvPr id="3" name="Content Placeholder 2">
-            <a:extLst>
-              <a:ext uri="{FF2B5EF4-FFF2-40B4-BE49-F238E27FC236}">
-                <a16:creationId xmlns:a16="http://schemas.microsoft.com/office/drawing/2014/main" id="{5A94D5F1-C9B9-4E17-9D8C-F8B3E9E68525}"/>
-              </a:ext>
-            </a:extLst>
-          </p:cNvPr>
-          <p:cNvSpPr>
-            <a:spLocks noGrp="1"/>
-          </p:cNvSpPr>
-          <p:nvPr>
-            <p:ph idx="1"/>
-          </p:nvPr>
-        </p:nvSpPr>
+          <p:cNvPicPr>
+            <a:picLocks noChangeAspect="1"/>
+          </p:cNvPicPr>
+          <p:nvPr/>
+        </p:nvPicPr>
+        <p:blipFill>
+          <a:blip r:embed="rId2"/>
+          <a:stretch>
+            <a:fillRect/>
+          </a:stretch>
+        </p:blipFill>
         <p:spPr>
           <a:xfrm>
-            <a:off x="677333" y="1602557"/>
-            <a:ext cx="9626163" cy="4438805"/>
+            <a:off x="442123" y="992706"/>
+            <a:ext cx="11307753" cy="5020376"/>
           </a:xfrm>
+          <a:prstGeom prst="rect">
+            <a:avLst/>
+          </a:prstGeom>
         </p:spPr>
-        <p:txBody>
-          <a:bodyPr>
-            <a:normAutofit lnSpcReduction="10000"/>
-          </a:bodyPr>
-          <a:lstStyle/>
-          <a:p>
-            <a:r>
-              <a:rPr lang="en-US" dirty="0"/>
-              <a:t>This multi-class classification project, aimed at </a:t>
-            </a:r>
-            <a:r>
-              <a:rPr lang="en-US" b="1" dirty="0"/>
-              <a:t>Fake News Detection</a:t>
-            </a:r>
-            <a:r>
-              <a:rPr lang="en-US" dirty="0"/>
-              <a:t> using the LIAR dataset, was executed through a structured, four-phase methodology. The process began with </a:t>
-            </a:r>
-            <a:r>
-              <a:rPr lang="en-US" b="1" dirty="0"/>
-              <a:t>Exploratory Data Analysis (EDA) and Feature Engineering</a:t>
-            </a:r>
-            <a:r>
-              <a:rPr lang="en-US" dirty="0"/>
-              <a:t>, where raw text statements underwent cleaning and normalization (tokenization, lemmatization). Crucially, new predictive </a:t>
-            </a:r>
-            <a:r>
-              <a:rPr lang="en-US" b="1" dirty="0"/>
-              <a:t>Ratio Features</a:t>
-            </a:r>
-            <a:r>
-              <a:rPr lang="en-US" dirty="0"/>
-              <a:t> were engineered based on the speaker's historical truthfulness counts. The second phase, </a:t>
-            </a:r>
-            <a:r>
-              <a:rPr lang="en-US" b="1" dirty="0"/>
-              <a:t>Baseline Model Making</a:t>
-            </a:r>
-            <a:r>
-              <a:rPr lang="en-US" dirty="0"/>
-              <a:t>, established an initial benchmark using a comprehensive </a:t>
-            </a:r>
-            <a:r>
-              <a:rPr lang="en-US" b="1" dirty="0" err="1"/>
-              <a:t>scikit</a:t>
-            </a:r>
-            <a:r>
-              <a:rPr lang="en-US" b="1" dirty="0"/>
-              <a:t>-learn Pipeline</a:t>
-            </a:r>
-            <a:r>
-              <a:rPr lang="en-US" dirty="0"/>
-              <a:t> incorporating TF-IDF for text and scaling/encoding for numerical and categorical features, training a </a:t>
-            </a:r>
-            <a:r>
-              <a:rPr lang="en-US" b="1" dirty="0"/>
-              <a:t>Logistic Regression</a:t>
-            </a:r>
-            <a:r>
-              <a:rPr lang="en-US" dirty="0"/>
-              <a:t> model. The project then moved into </a:t>
-            </a:r>
-            <a:r>
-              <a:rPr lang="en-US" b="1" dirty="0"/>
-              <a:t>Comprehensive Experimentation</a:t>
-            </a:r>
-            <a:r>
-              <a:rPr lang="en-US" dirty="0"/>
-              <a:t>, evaluating a wider array of models, including traditional Machine Learning (</a:t>
-            </a:r>
-            <a:r>
-              <a:rPr lang="en-US" dirty="0" err="1"/>
-              <a:t>LinearSVC</a:t>
-            </a:r>
-            <a:r>
-              <a:rPr lang="en-US" dirty="0"/>
-              <a:t>), Ensemble Methods, and </a:t>
-            </a:r>
-            <a:r>
-              <a:rPr lang="en-US" b="1" dirty="0"/>
-              <a:t>Deep Learning</a:t>
-            </a:r>
-            <a:r>
-              <a:rPr lang="en-US" dirty="0"/>
-              <a:t> models (LSTM and GRU), along with targeted hyperparameter tuning. The final, dedicated phase focused on </a:t>
-            </a:r>
-            <a:r>
-              <a:rPr lang="en-US" b="1" dirty="0"/>
-              <a:t>Specialized Gradient Boosting</a:t>
-            </a:r>
-            <a:r>
-              <a:rPr lang="en-US" dirty="0"/>
-              <a:t> (GBC/</a:t>
-            </a:r>
-            <a:r>
-              <a:rPr lang="en-US" dirty="0" err="1"/>
-              <a:t>XGBoost</a:t>
-            </a:r>
-            <a:r>
-              <a:rPr lang="en-US" dirty="0"/>
-              <a:t>) for maximum performance. Throughout all phases, the models were primarily evaluated using the </a:t>
-            </a:r>
-            <a:r>
-              <a:rPr lang="en-US" b="1" dirty="0"/>
-              <a:t>Macro F1-Score</a:t>
-            </a:r>
-            <a:r>
-              <a:rPr lang="en-US" dirty="0"/>
-              <a:t> to ensure balanced performance across all six truthfulness categories. The best-performing model was then selected and applied to the untouched Test Set for a final, unbiased assessment before being deployed via a </a:t>
-            </a:r>
-            <a:r>
-              <a:rPr lang="en-US" b="1" dirty="0"/>
-              <a:t>Flask API</a:t>
-            </a:r>
-            <a:r>
-              <a:rPr lang="en-US" dirty="0"/>
-              <a:t>.</a:t>
-            </a:r>
-          </a:p>
-        </p:txBody>
-      </p:sp>
+      </p:pic>
     </p:spTree>
     <p:extLst>
       <p:ext uri="{BB962C8B-B14F-4D97-AF65-F5344CB8AC3E}">
-        <p14:creationId xmlns:p14="http://schemas.microsoft.com/office/powerpoint/2010/main" val="3686092881"/>
+        <p14:creationId xmlns:p14="http://schemas.microsoft.com/office/powerpoint/2010/main" val="80234082"/>
       </p:ext>
     </p:extLst>
   </p:cSld>
@@ -6300,7 +6247,7 @@
           <p:cNvPr id="2" name="Title 1">
             <a:extLst>
               <a:ext uri="{FF2B5EF4-FFF2-40B4-BE49-F238E27FC236}">
-                <a16:creationId xmlns:a16="http://schemas.microsoft.com/office/drawing/2014/main" id="{0424FD6D-80EA-450A-A6AB-3F1D09A1D757}"/>
+                <a16:creationId xmlns:a16="http://schemas.microsoft.com/office/drawing/2014/main" id="{16DF86D9-9652-4AE7-B3FE-7208D5A890C9}"/>
               </a:ext>
             </a:extLst>
           </p:cNvPr>
@@ -6317,72 +6264,136 @@
           <a:lstStyle/>
           <a:p>
             <a:r>
-              <a:rPr lang="en-US" b="1" dirty="0"/>
-              <a:t>📊 Results &amp; Discussion</a:t>
-            </a:r>
-            <a:br>
-              <a:rPr lang="en-US" b="1" dirty="0"/>
-            </a:br>
-            <a:endParaRPr lang="en-US" dirty="0"/>
-          </a:p>
-        </p:txBody>
-      </p:sp>
-      <p:sp>
-        <p:nvSpPr>
-          <p:cNvPr id="3" name="Content Placeholder 2">
+              <a:rPr lang="en-US" dirty="0"/>
+              <a:t>EDA Visualizations</a:t>
+            </a:r>
+          </a:p>
+        </p:txBody>
+      </p:sp>
+      <p:pic>
+        <p:nvPicPr>
+          <p:cNvPr id="4" name="Picture 3">
             <a:extLst>
               <a:ext uri="{FF2B5EF4-FFF2-40B4-BE49-F238E27FC236}">
-                <a16:creationId xmlns:a16="http://schemas.microsoft.com/office/drawing/2014/main" id="{6008018F-2113-4B2C-9181-0EBEFA9CB6F4}"/>
+                <a16:creationId xmlns:a16="http://schemas.microsoft.com/office/drawing/2014/main" id="{3A747E35-C34F-4CC1-8515-CF93F4EF6D9D}"/>
               </a:ext>
             </a:extLst>
           </p:cNvPr>
-          <p:cNvSpPr>
-            <a:spLocks noGrp="1"/>
-          </p:cNvSpPr>
-          <p:nvPr>
-            <p:ph idx="1"/>
-          </p:nvPr>
-        </p:nvSpPr>
-        <p:spPr/>
-        <p:txBody>
-          <a:bodyPr/>
-          <a:lstStyle/>
-          <a:p>
-            <a:r>
-              <a:rPr lang="en-US" dirty="0"/>
-              <a:t>The </a:t>
-            </a:r>
-            <a:r>
-              <a:rPr lang="en-US" b="1" dirty="0"/>
-              <a:t>Gradient Boosting model</a:t>
-            </a:r>
-            <a:r>
-              <a:rPr lang="en-US" dirty="0"/>
-              <a:t> achieved the most reliable results among all tested approaches, reaching an accuracy of around </a:t>
-            </a:r>
-            <a:r>
-              <a:rPr lang="en-US" b="1" dirty="0"/>
-              <a:t>30–40%</a:t>
-            </a:r>
-            <a:r>
-              <a:rPr lang="en-US" dirty="0"/>
-              <a:t> on the test set. While this indicates that the model is </a:t>
-            </a:r>
-            <a:r>
-              <a:rPr lang="en-US" b="1" dirty="0"/>
-              <a:t>underfitting</a:t>
-            </a:r>
-            <a:r>
-              <a:rPr lang="en-US" dirty="0"/>
-              <a:t> and not yet capturing deeper linguistic patterns.</a:t>
-            </a:r>
-          </a:p>
-        </p:txBody>
-      </p:sp>
+          <p:cNvPicPr>
+            <a:picLocks noChangeAspect="1"/>
+          </p:cNvPicPr>
+          <p:nvPr/>
+        </p:nvPicPr>
+        <p:blipFill>
+          <a:blip r:embed="rId2"/>
+          <a:stretch>
+            <a:fillRect/>
+          </a:stretch>
+        </p:blipFill>
+        <p:spPr>
+          <a:xfrm>
+            <a:off x="6974165" y="225356"/>
+            <a:ext cx="3552172" cy="2089288"/>
+          </a:xfrm>
+          <a:prstGeom prst="rect">
+            <a:avLst/>
+          </a:prstGeom>
+        </p:spPr>
+      </p:pic>
+      <p:pic>
+        <p:nvPicPr>
+          <p:cNvPr id="5" name="Picture 4">
+            <a:extLst>
+              <a:ext uri="{FF2B5EF4-FFF2-40B4-BE49-F238E27FC236}">
+                <a16:creationId xmlns:a16="http://schemas.microsoft.com/office/drawing/2014/main" id="{9EF34764-65D2-4694-8B1D-770185820187}"/>
+              </a:ext>
+            </a:extLst>
+          </p:cNvPr>
+          <p:cNvPicPr>
+            <a:picLocks noChangeAspect="1"/>
+          </p:cNvPicPr>
+          <p:nvPr/>
+        </p:nvPicPr>
+        <p:blipFill>
+          <a:blip r:embed="rId3"/>
+          <a:stretch>
+            <a:fillRect/>
+          </a:stretch>
+        </p:blipFill>
+        <p:spPr>
+          <a:xfrm>
+            <a:off x="537882" y="1270000"/>
+            <a:ext cx="3552172" cy="2563215"/>
+          </a:xfrm>
+          <a:prstGeom prst="rect">
+            <a:avLst/>
+          </a:prstGeom>
+        </p:spPr>
+      </p:pic>
+      <p:pic>
+        <p:nvPicPr>
+          <p:cNvPr id="6" name="Picture 5">
+            <a:extLst>
+              <a:ext uri="{FF2B5EF4-FFF2-40B4-BE49-F238E27FC236}">
+                <a16:creationId xmlns:a16="http://schemas.microsoft.com/office/drawing/2014/main" id="{52DCBFDE-8D61-467D-8C7B-CA202F02685D}"/>
+              </a:ext>
+            </a:extLst>
+          </p:cNvPr>
+          <p:cNvPicPr>
+            <a:picLocks noChangeAspect="1"/>
+          </p:cNvPicPr>
+          <p:nvPr/>
+        </p:nvPicPr>
+        <p:blipFill>
+          <a:blip r:embed="rId4"/>
+          <a:stretch>
+            <a:fillRect/>
+          </a:stretch>
+        </p:blipFill>
+        <p:spPr>
+          <a:xfrm>
+            <a:off x="6781060" y="2786413"/>
+            <a:ext cx="4741637" cy="2724449"/>
+          </a:xfrm>
+          <a:prstGeom prst="rect">
+            <a:avLst/>
+          </a:prstGeom>
+        </p:spPr>
+      </p:pic>
+      <p:pic>
+        <p:nvPicPr>
+          <p:cNvPr id="7" name="Picture 6">
+            <a:extLst>
+              <a:ext uri="{FF2B5EF4-FFF2-40B4-BE49-F238E27FC236}">
+                <a16:creationId xmlns:a16="http://schemas.microsoft.com/office/drawing/2014/main" id="{31C13DBB-AEBB-4333-90C1-B7CB232D19D8}"/>
+              </a:ext>
+            </a:extLst>
+          </p:cNvPr>
+          <p:cNvPicPr>
+            <a:picLocks noChangeAspect="1"/>
+          </p:cNvPicPr>
+          <p:nvPr/>
+        </p:nvPicPr>
+        <p:blipFill>
+          <a:blip r:embed="rId5"/>
+          <a:stretch>
+            <a:fillRect/>
+          </a:stretch>
+        </p:blipFill>
+        <p:spPr>
+          <a:xfrm>
+            <a:off x="2945091" y="4043719"/>
+            <a:ext cx="3150909" cy="2744475"/>
+          </a:xfrm>
+          <a:prstGeom prst="rect">
+            <a:avLst/>
+          </a:prstGeom>
+        </p:spPr>
+      </p:pic>
     </p:spTree>
     <p:extLst>
       <p:ext uri="{BB962C8B-B14F-4D97-AF65-F5344CB8AC3E}">
-        <p14:creationId xmlns:p14="http://schemas.microsoft.com/office/powerpoint/2010/main" val="3674145016"/>
+        <p14:creationId xmlns:p14="http://schemas.microsoft.com/office/powerpoint/2010/main" val="2228389332"/>
       </p:ext>
     </p:extLst>
   </p:cSld>
@@ -6411,10 +6422,80 @@
       </p:grpSpPr>
       <p:sp>
         <p:nvSpPr>
+          <p:cNvPr id="2" name="Title 1">
+            <a:extLst>
+              <a:ext uri="{FF2B5EF4-FFF2-40B4-BE49-F238E27FC236}">
+                <a16:creationId xmlns:a16="http://schemas.microsoft.com/office/drawing/2014/main" id="{F3B286A8-3334-46C4-8C48-958B61158EFA}"/>
+              </a:ext>
+            </a:extLst>
+          </p:cNvPr>
+          <p:cNvSpPr>
+            <a:spLocks noGrp="1"/>
+          </p:cNvSpPr>
+          <p:nvPr>
+            <p:ph type="title"/>
+          </p:nvPr>
+        </p:nvSpPr>
+        <p:spPr/>
+        <p:txBody>
+          <a:bodyPr/>
+          <a:lstStyle/>
+          <a:p>
+            <a:r>
+              <a:rPr lang="en-US" b="1" dirty="0"/>
+              <a:t>🛠️ Methodology</a:t>
+            </a:r>
+            <a:endParaRPr lang="en-US" dirty="0"/>
+          </a:p>
+        </p:txBody>
+      </p:sp>
+      <p:sp>
+        <p:nvSpPr>
+          <p:cNvPr id="3" name="Content Placeholder 2">
+            <a:extLst>
+              <a:ext uri="{FF2B5EF4-FFF2-40B4-BE49-F238E27FC236}">
+                <a16:creationId xmlns:a16="http://schemas.microsoft.com/office/drawing/2014/main" id="{5A94D5F1-C9B9-4E17-9D8C-F8B3E9E68525}"/>
+              </a:ext>
+            </a:extLst>
+          </p:cNvPr>
+          <p:cNvSpPr>
+            <a:spLocks noGrp="1"/>
+          </p:cNvSpPr>
+          <p:nvPr>
+            <p:ph idx="1"/>
+          </p:nvPr>
+        </p:nvSpPr>
+        <p:spPr>
+          <a:xfrm>
+            <a:off x="4790823" y="3908775"/>
+            <a:ext cx="1478002" cy="646331"/>
+          </a:xfrm>
+        </p:spPr>
+        <p:txBody>
+          <a:bodyPr>
+            <a:normAutofit/>
+          </a:bodyPr>
+          <a:lstStyle/>
+          <a:p>
+            <a:pPr marL="0" indent="0" algn="ctr">
+              <a:buNone/>
+            </a:pPr>
+            <a:r>
+              <a:rPr lang="en-US" dirty="0">
+                <a:hlinkClick r:id="rId2"/>
+              </a:rPr>
+              <a:t>View Flow Chart Online </a:t>
+            </a:r>
+            <a:endParaRPr lang="en-US" dirty="0"/>
+          </a:p>
+        </p:txBody>
+      </p:sp>
+      <p:sp>
+        <p:nvSpPr>
           <p:cNvPr id="4" name="TextBox 3">
             <a:extLst>
               <a:ext uri="{FF2B5EF4-FFF2-40B4-BE49-F238E27FC236}">
-                <a16:creationId xmlns:a16="http://schemas.microsoft.com/office/drawing/2014/main" id="{FFA8ED56-5502-40FD-B174-7C92879391B0}"/>
+                <a16:creationId xmlns:a16="http://schemas.microsoft.com/office/drawing/2014/main" id="{DAA1F43C-179D-453C-A3B4-DE7AA63EB418}"/>
               </a:ext>
             </a:extLst>
           </p:cNvPr>
@@ -6423,8 +6504,8 @@
         </p:nvSpPr>
         <p:spPr>
           <a:xfrm>
-            <a:off x="3796645" y="2875002"/>
-            <a:ext cx="4598709" cy="1107996"/>
+            <a:off x="4507015" y="1944715"/>
+            <a:ext cx="2045618" cy="646331"/>
           </a:xfrm>
           <a:prstGeom prst="rect">
             <a:avLst/>
@@ -6437,9 +6518,54 @@
           </a:bodyPr>
           <a:lstStyle/>
           <a:p>
-            <a:r>
-              <a:rPr lang="en-US" sz="6600" dirty="0"/>
-              <a:t>THANK YOU</a:t>
+            <a:pPr algn="ctr"/>
+            <a:r>
+              <a:rPr lang="en-US" dirty="0">
+                <a:hlinkClick r:id="rId3" action="ppaction://hlinkfile"/>
+              </a:rPr>
+              <a:t>Download Flow Chart HTML File</a:t>
+            </a:r>
+            <a:endParaRPr lang="en-US" dirty="0"/>
+          </a:p>
+        </p:txBody>
+      </p:sp>
+      <p:sp>
+        <p:nvSpPr>
+          <p:cNvPr id="5" name="TextBox 4">
+            <a:extLst>
+              <a:ext uri="{FF2B5EF4-FFF2-40B4-BE49-F238E27FC236}">
+                <a16:creationId xmlns:a16="http://schemas.microsoft.com/office/drawing/2014/main" id="{A5FC419D-2AB1-4638-ADE2-D194F44BC924}"/>
+              </a:ext>
+            </a:extLst>
+          </p:cNvPr>
+          <p:cNvSpPr txBox="1"/>
+          <p:nvPr/>
+        </p:nvSpPr>
+        <p:spPr>
+          <a:xfrm>
+            <a:off x="5297865" y="3059668"/>
+            <a:ext cx="474810" cy="369332"/>
+          </a:xfrm>
+          <a:prstGeom prst="rect">
+            <a:avLst/>
+          </a:prstGeom>
+          <a:noFill/>
+        </p:spPr>
+        <p:txBody>
+          <a:bodyPr wrap="none" rtlCol="0">
+            <a:spAutoFit/>
+          </a:bodyPr>
+          <a:lstStyle/>
+          <a:p>
+            <a:r>
+              <a:rPr lang="en-US" dirty="0">
+                <a:solidFill>
+                  <a:schemeClr val="accent1">
+                    <a:lumMod val="75000"/>
+                  </a:schemeClr>
+                </a:solidFill>
+              </a:rPr>
+              <a:t>OR</a:t>
             </a:r>
           </a:p>
         </p:txBody>
@@ -6447,7 +6573,3887 @@
     </p:spTree>
     <p:extLst>
       <p:ext uri="{BB962C8B-B14F-4D97-AF65-F5344CB8AC3E}">
-        <p14:creationId xmlns:p14="http://schemas.microsoft.com/office/powerpoint/2010/main" val="1795129977"/>
+        <p14:creationId xmlns:p14="http://schemas.microsoft.com/office/powerpoint/2010/main" val="3686092881"/>
+      </p:ext>
+    </p:extLst>
+  </p:cSld>
+  <p:clrMapOvr>
+    <a:masterClrMapping/>
+  </p:clrMapOvr>
+</p:sld>
+</file>
+
+<file path=ppt/slides/slide7.xml><?xml version="1.0" encoding="utf-8"?>
+<p:sld xmlns:a="http://schemas.openxmlformats.org/drawingml/2006/main" xmlns:r="http://schemas.openxmlformats.org/officeDocument/2006/relationships" xmlns:p="http://schemas.openxmlformats.org/presentationml/2006/main">
+  <p:cSld>
+    <p:spTree>
+      <p:nvGrpSpPr>
+        <p:cNvPr id="1" name=""/>
+        <p:cNvGrpSpPr/>
+        <p:nvPr/>
+      </p:nvGrpSpPr>
+      <p:grpSpPr>
+        <a:xfrm>
+          <a:off x="0" y="0"/>
+          <a:ext cx="0" cy="0"/>
+          <a:chOff x="0" y="0"/>
+          <a:chExt cx="0" cy="0"/>
+        </a:xfrm>
+      </p:grpSpPr>
+      <p:graphicFrame>
+        <p:nvGraphicFramePr>
+          <p:cNvPr id="4" name="Content Placeholder 3">
+            <a:extLst>
+              <a:ext uri="{FF2B5EF4-FFF2-40B4-BE49-F238E27FC236}">
+                <a16:creationId xmlns:a16="http://schemas.microsoft.com/office/drawing/2014/main" id="{0B5AEBDC-3CDA-4841-984A-A739952C5AE1}"/>
+              </a:ext>
+            </a:extLst>
+          </p:cNvPr>
+          <p:cNvGraphicFramePr>
+            <a:graphicFrameLocks noGrp="1"/>
+          </p:cNvGraphicFramePr>
+          <p:nvPr>
+            <p:ph idx="1"/>
+            <p:extLst>
+              <p:ext uri="{D42A27DB-BD31-4B8C-83A1-F6EECF244321}">
+                <p14:modId xmlns:p14="http://schemas.microsoft.com/office/powerpoint/2010/main" val="1635686666"/>
+              </p:ext>
+            </p:extLst>
+          </p:nvPr>
+        </p:nvGraphicFramePr>
+        <p:xfrm>
+          <a:off x="611347" y="4107730"/>
+          <a:ext cx="8596310" cy="2468880"/>
+        </p:xfrm>
+        <a:graphic>
+          <a:graphicData uri="http://schemas.openxmlformats.org/drawingml/2006/table">
+            <a:tbl>
+              <a:tblPr/>
+              <a:tblGrid>
+                <a:gridCol w="1719262">
+                  <a:extLst>
+                    <a:ext uri="{9D8B030D-6E8A-4147-A177-3AD203B41FA5}">
+                      <a16:colId xmlns:a16="http://schemas.microsoft.com/office/drawing/2014/main" val="2144958883"/>
+                    </a:ext>
+                  </a:extLst>
+                </a:gridCol>
+                <a:gridCol w="1719262">
+                  <a:extLst>
+                    <a:ext uri="{9D8B030D-6E8A-4147-A177-3AD203B41FA5}">
+                      <a16:colId xmlns:a16="http://schemas.microsoft.com/office/drawing/2014/main" val="1813881759"/>
+                    </a:ext>
+                  </a:extLst>
+                </a:gridCol>
+                <a:gridCol w="1719262">
+                  <a:extLst>
+                    <a:ext uri="{9D8B030D-6E8A-4147-A177-3AD203B41FA5}">
+                      <a16:colId xmlns:a16="http://schemas.microsoft.com/office/drawing/2014/main" val="2277090665"/>
+                    </a:ext>
+                  </a:extLst>
+                </a:gridCol>
+                <a:gridCol w="1719262">
+                  <a:extLst>
+                    <a:ext uri="{9D8B030D-6E8A-4147-A177-3AD203B41FA5}">
+                      <a16:colId xmlns:a16="http://schemas.microsoft.com/office/drawing/2014/main" val="2390459180"/>
+                    </a:ext>
+                  </a:extLst>
+                </a:gridCol>
+                <a:gridCol w="1719262">
+                  <a:extLst>
+                    <a:ext uri="{9D8B030D-6E8A-4147-A177-3AD203B41FA5}">
+                      <a16:colId xmlns:a16="http://schemas.microsoft.com/office/drawing/2014/main" val="763631855"/>
+                    </a:ext>
+                  </a:extLst>
+                </a:gridCol>
+              </a:tblGrid>
+              <a:tr h="0">
+                <a:tc>
+                  <a:txBody>
+                    <a:bodyPr/>
+                    <a:lstStyle/>
+                    <a:p>
+                      <a:r>
+                        <a:rPr lang="en-US" b="1"/>
+                        <a:t>Model</a:t>
+                      </a:r>
+                      <a:endParaRPr lang="en-US"/>
+                    </a:p>
+                  </a:txBody>
+                  <a:tcPr anchor="ctr">
+                    <a:lnL>
+                      <a:noFill/>
+                    </a:lnL>
+                    <a:lnR>
+                      <a:noFill/>
+                    </a:lnR>
+                    <a:lnT>
+                      <a:noFill/>
+                    </a:lnT>
+                    <a:lnB>
+                      <a:noFill/>
+                    </a:lnB>
+                  </a:tcPr>
+                </a:tc>
+                <a:tc>
+                  <a:txBody>
+                    <a:bodyPr/>
+                    <a:lstStyle/>
+                    <a:p>
+                      <a:r>
+                        <a:rPr lang="en-US" b="1"/>
+                        <a:t>Accuracy</a:t>
+                      </a:r>
+                      <a:endParaRPr lang="en-US"/>
+                    </a:p>
+                  </a:txBody>
+                  <a:tcPr anchor="ctr">
+                    <a:lnL>
+                      <a:noFill/>
+                    </a:lnL>
+                    <a:lnR>
+                      <a:noFill/>
+                    </a:lnR>
+                    <a:lnT>
+                      <a:noFill/>
+                    </a:lnT>
+                    <a:lnB>
+                      <a:noFill/>
+                    </a:lnB>
+                  </a:tcPr>
+                </a:tc>
+                <a:tc>
+                  <a:txBody>
+                    <a:bodyPr/>
+                    <a:lstStyle/>
+                    <a:p>
+                      <a:r>
+                        <a:rPr lang="en-US" b="1"/>
+                        <a:t>Precision</a:t>
+                      </a:r>
+                      <a:endParaRPr lang="en-US"/>
+                    </a:p>
+                  </a:txBody>
+                  <a:tcPr anchor="ctr">
+                    <a:lnL>
+                      <a:noFill/>
+                    </a:lnL>
+                    <a:lnR>
+                      <a:noFill/>
+                    </a:lnR>
+                    <a:lnT>
+                      <a:noFill/>
+                    </a:lnT>
+                    <a:lnB>
+                      <a:noFill/>
+                    </a:lnB>
+                  </a:tcPr>
+                </a:tc>
+                <a:tc>
+                  <a:txBody>
+                    <a:bodyPr/>
+                    <a:lstStyle/>
+                    <a:p>
+                      <a:r>
+                        <a:rPr lang="en-US" b="1"/>
+                        <a:t>Recall</a:t>
+                      </a:r>
+                      <a:endParaRPr lang="en-US"/>
+                    </a:p>
+                  </a:txBody>
+                  <a:tcPr anchor="ctr">
+                    <a:lnL>
+                      <a:noFill/>
+                    </a:lnL>
+                    <a:lnR>
+                      <a:noFill/>
+                    </a:lnR>
+                    <a:lnT>
+                      <a:noFill/>
+                    </a:lnT>
+                    <a:lnB>
+                      <a:noFill/>
+                    </a:lnB>
+                  </a:tcPr>
+                </a:tc>
+                <a:tc>
+                  <a:txBody>
+                    <a:bodyPr/>
+                    <a:lstStyle/>
+                    <a:p>
+                      <a:r>
+                        <a:rPr lang="en-US" b="1"/>
+                        <a:t>F1-Score</a:t>
+                      </a:r>
+                      <a:endParaRPr lang="en-US"/>
+                    </a:p>
+                  </a:txBody>
+                  <a:tcPr anchor="ctr">
+                    <a:lnL>
+                      <a:noFill/>
+                    </a:lnL>
+                    <a:lnR>
+                      <a:noFill/>
+                    </a:lnR>
+                    <a:lnT>
+                      <a:noFill/>
+                    </a:lnT>
+                    <a:lnB>
+                      <a:noFill/>
+                    </a:lnB>
+                  </a:tcPr>
+                </a:tc>
+                <a:extLst>
+                  <a:ext uri="{0D108BD9-81ED-4DB2-BD59-A6C34878D82A}">
+                    <a16:rowId xmlns:a16="http://schemas.microsoft.com/office/drawing/2014/main" val="1208984030"/>
+                  </a:ext>
+                </a:extLst>
+              </a:tr>
+              <a:tr h="0">
+                <a:tc>
+                  <a:txBody>
+                    <a:bodyPr/>
+                    <a:lstStyle/>
+                    <a:p>
+                      <a:r>
+                        <a:rPr lang="en-US"/>
+                        <a:t>Logistic Regression</a:t>
+                      </a:r>
+                    </a:p>
+                  </a:txBody>
+                  <a:tcPr anchor="ctr">
+                    <a:lnL>
+                      <a:noFill/>
+                    </a:lnL>
+                    <a:lnR>
+                      <a:noFill/>
+                    </a:lnR>
+                    <a:lnT>
+                      <a:noFill/>
+                    </a:lnT>
+                    <a:lnB>
+                      <a:noFill/>
+                    </a:lnB>
+                  </a:tcPr>
+                </a:tc>
+                <a:tc>
+                  <a:txBody>
+                    <a:bodyPr/>
+                    <a:lstStyle/>
+                    <a:p>
+                      <a:r>
+                        <a:rPr lang="en-US" b="1"/>
+                        <a:t>0.2478</a:t>
+                      </a:r>
+                      <a:endParaRPr lang="en-US"/>
+                    </a:p>
+                  </a:txBody>
+                  <a:tcPr anchor="ctr">
+                    <a:lnL>
+                      <a:noFill/>
+                    </a:lnL>
+                    <a:lnR>
+                      <a:noFill/>
+                    </a:lnR>
+                    <a:lnT>
+                      <a:noFill/>
+                    </a:lnT>
+                    <a:lnB>
+                      <a:noFill/>
+                    </a:lnB>
+                  </a:tcPr>
+                </a:tc>
+                <a:tc>
+                  <a:txBody>
+                    <a:bodyPr/>
+                    <a:lstStyle/>
+                    <a:p>
+                      <a:r>
+                        <a:rPr lang="en-US" b="1"/>
+                        <a:t>0.2535</a:t>
+                      </a:r>
+                      <a:endParaRPr lang="en-US"/>
+                    </a:p>
+                  </a:txBody>
+                  <a:tcPr anchor="ctr">
+                    <a:lnL>
+                      <a:noFill/>
+                    </a:lnL>
+                    <a:lnR>
+                      <a:noFill/>
+                    </a:lnR>
+                    <a:lnT>
+                      <a:noFill/>
+                    </a:lnT>
+                    <a:lnB>
+                      <a:noFill/>
+                    </a:lnB>
+                  </a:tcPr>
+                </a:tc>
+                <a:tc>
+                  <a:txBody>
+                    <a:bodyPr/>
+                    <a:lstStyle/>
+                    <a:p>
+                      <a:r>
+                        <a:rPr lang="en-US" b="1"/>
+                        <a:t>0.2478</a:t>
+                      </a:r>
+                      <a:endParaRPr lang="en-US"/>
+                    </a:p>
+                  </a:txBody>
+                  <a:tcPr anchor="ctr">
+                    <a:lnL>
+                      <a:noFill/>
+                    </a:lnL>
+                    <a:lnR>
+                      <a:noFill/>
+                    </a:lnR>
+                    <a:lnT>
+                      <a:noFill/>
+                    </a:lnT>
+                    <a:lnB>
+                      <a:noFill/>
+                    </a:lnB>
+                  </a:tcPr>
+                </a:tc>
+                <a:tc>
+                  <a:txBody>
+                    <a:bodyPr/>
+                    <a:lstStyle/>
+                    <a:p>
+                      <a:r>
+                        <a:rPr lang="en-US" b="1" dirty="0"/>
+                        <a:t>0.2389</a:t>
+                      </a:r>
+                      <a:endParaRPr lang="en-US" dirty="0"/>
+                    </a:p>
+                  </a:txBody>
+                  <a:tcPr anchor="ctr">
+                    <a:lnL>
+                      <a:noFill/>
+                    </a:lnL>
+                    <a:lnR>
+                      <a:noFill/>
+                    </a:lnR>
+                    <a:lnT>
+                      <a:noFill/>
+                    </a:lnT>
+                    <a:lnB>
+                      <a:noFill/>
+                    </a:lnB>
+                  </a:tcPr>
+                </a:tc>
+                <a:extLst>
+                  <a:ext uri="{0D108BD9-81ED-4DB2-BD59-A6C34878D82A}">
+                    <a16:rowId xmlns:a16="http://schemas.microsoft.com/office/drawing/2014/main" val="2857027099"/>
+                  </a:ext>
+                </a:extLst>
+              </a:tr>
+              <a:tr h="0">
+                <a:tc>
+                  <a:txBody>
+                    <a:bodyPr/>
+                    <a:lstStyle/>
+                    <a:p>
+                      <a:r>
+                        <a:rPr lang="en-US"/>
+                        <a:t>Naive Bayes</a:t>
+                      </a:r>
+                    </a:p>
+                  </a:txBody>
+                  <a:tcPr anchor="ctr">
+                    <a:lnL>
+                      <a:noFill/>
+                    </a:lnL>
+                    <a:lnR>
+                      <a:noFill/>
+                    </a:lnR>
+                    <a:lnT>
+                      <a:noFill/>
+                    </a:lnT>
+                    <a:lnB>
+                      <a:noFill/>
+                    </a:lnB>
+                  </a:tcPr>
+                </a:tc>
+                <a:tc>
+                  <a:txBody>
+                    <a:bodyPr/>
+                    <a:lstStyle/>
+                    <a:p>
+                      <a:r>
+                        <a:rPr lang="en-US"/>
+                        <a:t>0.2396</a:t>
+                      </a:r>
+                    </a:p>
+                  </a:txBody>
+                  <a:tcPr anchor="ctr">
+                    <a:lnL>
+                      <a:noFill/>
+                    </a:lnL>
+                    <a:lnR>
+                      <a:noFill/>
+                    </a:lnR>
+                    <a:lnT>
+                      <a:noFill/>
+                    </a:lnT>
+                    <a:lnB>
+                      <a:noFill/>
+                    </a:lnB>
+                  </a:tcPr>
+                </a:tc>
+                <a:tc>
+                  <a:txBody>
+                    <a:bodyPr/>
+                    <a:lstStyle/>
+                    <a:p>
+                      <a:r>
+                        <a:rPr lang="en-US"/>
+                        <a:t>0.2531</a:t>
+                      </a:r>
+                    </a:p>
+                  </a:txBody>
+                  <a:tcPr anchor="ctr">
+                    <a:lnL>
+                      <a:noFill/>
+                    </a:lnL>
+                    <a:lnR>
+                      <a:noFill/>
+                    </a:lnR>
+                    <a:lnT>
+                      <a:noFill/>
+                    </a:lnT>
+                    <a:lnB>
+                      <a:noFill/>
+                    </a:lnB>
+                  </a:tcPr>
+                </a:tc>
+                <a:tc>
+                  <a:txBody>
+                    <a:bodyPr/>
+                    <a:lstStyle/>
+                    <a:p>
+                      <a:r>
+                        <a:rPr lang="en-US"/>
+                        <a:t>0.2396</a:t>
+                      </a:r>
+                    </a:p>
+                  </a:txBody>
+                  <a:tcPr anchor="ctr">
+                    <a:lnL>
+                      <a:noFill/>
+                    </a:lnL>
+                    <a:lnR>
+                      <a:noFill/>
+                    </a:lnR>
+                    <a:lnT>
+                      <a:noFill/>
+                    </a:lnT>
+                    <a:lnB>
+                      <a:noFill/>
+                    </a:lnB>
+                  </a:tcPr>
+                </a:tc>
+                <a:tc>
+                  <a:txBody>
+                    <a:bodyPr/>
+                    <a:lstStyle/>
+                    <a:p>
+                      <a:r>
+                        <a:rPr lang="en-US"/>
+                        <a:t>0.2184</a:t>
+                      </a:r>
+                    </a:p>
+                  </a:txBody>
+                  <a:tcPr anchor="ctr">
+                    <a:lnL>
+                      <a:noFill/>
+                    </a:lnL>
+                    <a:lnR>
+                      <a:noFill/>
+                    </a:lnR>
+                    <a:lnT>
+                      <a:noFill/>
+                    </a:lnT>
+                    <a:lnB>
+                      <a:noFill/>
+                    </a:lnB>
+                  </a:tcPr>
+                </a:tc>
+                <a:extLst>
+                  <a:ext uri="{0D108BD9-81ED-4DB2-BD59-A6C34878D82A}">
+                    <a16:rowId xmlns:a16="http://schemas.microsoft.com/office/drawing/2014/main" val="3387553124"/>
+                  </a:ext>
+                </a:extLst>
+              </a:tr>
+              <a:tr h="0">
+                <a:tc>
+                  <a:txBody>
+                    <a:bodyPr/>
+                    <a:lstStyle/>
+                    <a:p>
+                      <a:r>
+                        <a:rPr lang="en-US"/>
+                        <a:t>Linear SVM</a:t>
+                      </a:r>
+                    </a:p>
+                  </a:txBody>
+                  <a:tcPr anchor="ctr">
+                    <a:lnL>
+                      <a:noFill/>
+                    </a:lnL>
+                    <a:lnR>
+                      <a:noFill/>
+                    </a:lnR>
+                    <a:lnT>
+                      <a:noFill/>
+                    </a:lnT>
+                    <a:lnB>
+                      <a:noFill/>
+                    </a:lnB>
+                  </a:tcPr>
+                </a:tc>
+                <a:tc>
+                  <a:txBody>
+                    <a:bodyPr/>
+                    <a:lstStyle/>
+                    <a:p>
+                      <a:r>
+                        <a:rPr lang="en-US"/>
+                        <a:t>0.2378</a:t>
+                      </a:r>
+                    </a:p>
+                  </a:txBody>
+                  <a:tcPr anchor="ctr">
+                    <a:lnL>
+                      <a:noFill/>
+                    </a:lnL>
+                    <a:lnR>
+                      <a:noFill/>
+                    </a:lnR>
+                    <a:lnT>
+                      <a:noFill/>
+                    </a:lnT>
+                    <a:lnB>
+                      <a:noFill/>
+                    </a:lnB>
+                  </a:tcPr>
+                </a:tc>
+                <a:tc>
+                  <a:txBody>
+                    <a:bodyPr/>
+                    <a:lstStyle/>
+                    <a:p>
+                      <a:r>
+                        <a:rPr lang="en-US"/>
+                        <a:t>0.2365</a:t>
+                      </a:r>
+                    </a:p>
+                  </a:txBody>
+                  <a:tcPr anchor="ctr">
+                    <a:lnL>
+                      <a:noFill/>
+                    </a:lnL>
+                    <a:lnR>
+                      <a:noFill/>
+                    </a:lnR>
+                    <a:lnT>
+                      <a:noFill/>
+                    </a:lnT>
+                    <a:lnB>
+                      <a:noFill/>
+                    </a:lnB>
+                  </a:tcPr>
+                </a:tc>
+                <a:tc>
+                  <a:txBody>
+                    <a:bodyPr/>
+                    <a:lstStyle/>
+                    <a:p>
+                      <a:r>
+                        <a:rPr lang="en-US"/>
+                        <a:t>0.2378</a:t>
+                      </a:r>
+                    </a:p>
+                  </a:txBody>
+                  <a:tcPr anchor="ctr">
+                    <a:lnL>
+                      <a:noFill/>
+                    </a:lnL>
+                    <a:lnR>
+                      <a:noFill/>
+                    </a:lnR>
+                    <a:lnT>
+                      <a:noFill/>
+                    </a:lnT>
+                    <a:lnB>
+                      <a:noFill/>
+                    </a:lnB>
+                  </a:tcPr>
+                </a:tc>
+                <a:tc>
+                  <a:txBody>
+                    <a:bodyPr/>
+                    <a:lstStyle/>
+                    <a:p>
+                      <a:r>
+                        <a:rPr lang="en-US"/>
+                        <a:t>0.2367</a:t>
+                      </a:r>
+                    </a:p>
+                  </a:txBody>
+                  <a:tcPr anchor="ctr">
+                    <a:lnL>
+                      <a:noFill/>
+                    </a:lnL>
+                    <a:lnR>
+                      <a:noFill/>
+                    </a:lnR>
+                    <a:lnT>
+                      <a:noFill/>
+                    </a:lnT>
+                    <a:lnB>
+                      <a:noFill/>
+                    </a:lnB>
+                  </a:tcPr>
+                </a:tc>
+                <a:extLst>
+                  <a:ext uri="{0D108BD9-81ED-4DB2-BD59-A6C34878D82A}">
+                    <a16:rowId xmlns:a16="http://schemas.microsoft.com/office/drawing/2014/main" val="3521519051"/>
+                  </a:ext>
+                </a:extLst>
+              </a:tr>
+              <a:tr h="0">
+                <a:tc>
+                  <a:txBody>
+                    <a:bodyPr/>
+                    <a:lstStyle/>
+                    <a:p>
+                      <a:r>
+                        <a:rPr lang="en-US"/>
+                        <a:t>LSTM</a:t>
+                      </a:r>
+                    </a:p>
+                  </a:txBody>
+                  <a:tcPr anchor="ctr">
+                    <a:lnL>
+                      <a:noFill/>
+                    </a:lnL>
+                    <a:lnR>
+                      <a:noFill/>
+                    </a:lnR>
+                    <a:lnT>
+                      <a:noFill/>
+                    </a:lnT>
+                    <a:lnB>
+                      <a:noFill/>
+                    </a:lnB>
+                  </a:tcPr>
+                </a:tc>
+                <a:tc>
+                  <a:txBody>
+                    <a:bodyPr/>
+                    <a:lstStyle/>
+                    <a:p>
+                      <a:r>
+                        <a:rPr lang="en-US"/>
+                        <a:t>0.1957</a:t>
+                      </a:r>
+                    </a:p>
+                  </a:txBody>
+                  <a:tcPr anchor="ctr">
+                    <a:lnL>
+                      <a:noFill/>
+                    </a:lnL>
+                    <a:lnR>
+                      <a:noFill/>
+                    </a:lnR>
+                    <a:lnT>
+                      <a:noFill/>
+                    </a:lnT>
+                    <a:lnB>
+                      <a:noFill/>
+                    </a:lnB>
+                  </a:tcPr>
+                </a:tc>
+                <a:tc>
+                  <a:txBody>
+                    <a:bodyPr/>
+                    <a:lstStyle/>
+                    <a:p>
+                      <a:r>
+                        <a:rPr lang="en-US"/>
+                        <a:t>0.0385</a:t>
+                      </a:r>
+                    </a:p>
+                  </a:txBody>
+                  <a:tcPr anchor="ctr">
+                    <a:lnL>
+                      <a:noFill/>
+                    </a:lnL>
+                    <a:lnR>
+                      <a:noFill/>
+                    </a:lnR>
+                    <a:lnT>
+                      <a:noFill/>
+                    </a:lnT>
+                    <a:lnB>
+                      <a:noFill/>
+                    </a:lnB>
+                  </a:tcPr>
+                </a:tc>
+                <a:tc>
+                  <a:txBody>
+                    <a:bodyPr/>
+                    <a:lstStyle/>
+                    <a:p>
+                      <a:r>
+                        <a:rPr lang="en-US"/>
+                        <a:t>0.1957</a:t>
+                      </a:r>
+                    </a:p>
+                  </a:txBody>
+                  <a:tcPr anchor="ctr">
+                    <a:lnL>
+                      <a:noFill/>
+                    </a:lnL>
+                    <a:lnR>
+                      <a:noFill/>
+                    </a:lnR>
+                    <a:lnT>
+                      <a:noFill/>
+                    </a:lnT>
+                    <a:lnB>
+                      <a:noFill/>
+                    </a:lnB>
+                  </a:tcPr>
+                </a:tc>
+                <a:tc>
+                  <a:txBody>
+                    <a:bodyPr/>
+                    <a:lstStyle/>
+                    <a:p>
+                      <a:r>
+                        <a:rPr lang="en-US"/>
+                        <a:t>0.0643</a:t>
+                      </a:r>
+                    </a:p>
+                  </a:txBody>
+                  <a:tcPr anchor="ctr">
+                    <a:lnL>
+                      <a:noFill/>
+                    </a:lnL>
+                    <a:lnR>
+                      <a:noFill/>
+                    </a:lnR>
+                    <a:lnT>
+                      <a:noFill/>
+                    </a:lnT>
+                    <a:lnB>
+                      <a:noFill/>
+                    </a:lnB>
+                  </a:tcPr>
+                </a:tc>
+                <a:extLst>
+                  <a:ext uri="{0D108BD9-81ED-4DB2-BD59-A6C34878D82A}">
+                    <a16:rowId xmlns:a16="http://schemas.microsoft.com/office/drawing/2014/main" val="1813746849"/>
+                  </a:ext>
+                </a:extLst>
+              </a:tr>
+              <a:tr h="0">
+                <a:tc>
+                  <a:txBody>
+                    <a:bodyPr/>
+                    <a:lstStyle/>
+                    <a:p>
+                      <a:r>
+                        <a:rPr lang="en-US"/>
+                        <a:t>GRU</a:t>
+                      </a:r>
+                    </a:p>
+                  </a:txBody>
+                  <a:tcPr anchor="ctr">
+                    <a:lnL>
+                      <a:noFill/>
+                    </a:lnL>
+                    <a:lnR>
+                      <a:noFill/>
+                    </a:lnR>
+                    <a:lnT>
+                      <a:noFill/>
+                    </a:lnT>
+                    <a:lnB>
+                      <a:noFill/>
+                    </a:lnB>
+                  </a:tcPr>
+                </a:tc>
+                <a:tc>
+                  <a:txBody>
+                    <a:bodyPr/>
+                    <a:lstStyle/>
+                    <a:p>
+                      <a:r>
+                        <a:rPr lang="en-US"/>
+                        <a:t>0.2049</a:t>
+                      </a:r>
+                    </a:p>
+                  </a:txBody>
+                  <a:tcPr anchor="ctr">
+                    <a:lnL>
+                      <a:noFill/>
+                    </a:lnL>
+                    <a:lnR>
+                      <a:noFill/>
+                    </a:lnR>
+                    <a:lnT>
+                      <a:noFill/>
+                    </a:lnT>
+                    <a:lnB>
+                      <a:noFill/>
+                    </a:lnB>
+                  </a:tcPr>
+                </a:tc>
+                <a:tc>
+                  <a:txBody>
+                    <a:bodyPr/>
+                    <a:lstStyle/>
+                    <a:p>
+                      <a:r>
+                        <a:rPr lang="en-US"/>
+                        <a:t>0.0420</a:t>
+                      </a:r>
+                    </a:p>
+                  </a:txBody>
+                  <a:tcPr anchor="ctr">
+                    <a:lnL>
+                      <a:noFill/>
+                    </a:lnL>
+                    <a:lnR>
+                      <a:noFill/>
+                    </a:lnR>
+                    <a:lnT>
+                      <a:noFill/>
+                    </a:lnT>
+                    <a:lnB>
+                      <a:noFill/>
+                    </a:lnB>
+                  </a:tcPr>
+                </a:tc>
+                <a:tc>
+                  <a:txBody>
+                    <a:bodyPr/>
+                    <a:lstStyle/>
+                    <a:p>
+                      <a:r>
+                        <a:rPr lang="en-US"/>
+                        <a:t>0.2049</a:t>
+                      </a:r>
+                    </a:p>
+                  </a:txBody>
+                  <a:tcPr anchor="ctr">
+                    <a:lnL>
+                      <a:noFill/>
+                    </a:lnL>
+                    <a:lnR>
+                      <a:noFill/>
+                    </a:lnR>
+                    <a:lnT>
+                      <a:noFill/>
+                    </a:lnT>
+                    <a:lnB>
+                      <a:noFill/>
+                    </a:lnB>
+                  </a:tcPr>
+                </a:tc>
+                <a:tc>
+                  <a:txBody>
+                    <a:bodyPr/>
+                    <a:lstStyle/>
+                    <a:p>
+                      <a:r>
+                        <a:rPr lang="en-US" dirty="0"/>
+                        <a:t>0.0697</a:t>
+                      </a:r>
+                    </a:p>
+                  </a:txBody>
+                  <a:tcPr anchor="ctr">
+                    <a:lnL>
+                      <a:noFill/>
+                    </a:lnL>
+                    <a:lnR>
+                      <a:noFill/>
+                    </a:lnR>
+                    <a:lnT>
+                      <a:noFill/>
+                    </a:lnT>
+                    <a:lnB>
+                      <a:noFill/>
+                    </a:lnB>
+                  </a:tcPr>
+                </a:tc>
+                <a:extLst>
+                  <a:ext uri="{0D108BD9-81ED-4DB2-BD59-A6C34878D82A}">
+                    <a16:rowId xmlns:a16="http://schemas.microsoft.com/office/drawing/2014/main" val="2096432786"/>
+                  </a:ext>
+                </a:extLst>
+              </a:tr>
+            </a:tbl>
+          </a:graphicData>
+        </a:graphic>
+      </p:graphicFrame>
+      <p:sp>
+        <p:nvSpPr>
+          <p:cNvPr id="7" name="TextBox 6">
+            <a:extLst>
+              <a:ext uri="{FF2B5EF4-FFF2-40B4-BE49-F238E27FC236}">
+                <a16:creationId xmlns:a16="http://schemas.microsoft.com/office/drawing/2014/main" id="{BAC1343B-9516-46A4-926D-24AB7DB4002B}"/>
+              </a:ext>
+            </a:extLst>
+          </p:cNvPr>
+          <p:cNvSpPr txBox="1"/>
+          <p:nvPr/>
+        </p:nvSpPr>
+        <p:spPr>
+          <a:xfrm>
+            <a:off x="348792" y="3711134"/>
+            <a:ext cx="3799002" cy="369332"/>
+          </a:xfrm>
+          <a:prstGeom prst="rect">
+            <a:avLst/>
+          </a:prstGeom>
+          <a:noFill/>
+        </p:spPr>
+        <p:txBody>
+          <a:bodyPr wrap="square" rtlCol="0">
+            <a:spAutoFit/>
+          </a:bodyPr>
+          <a:lstStyle/>
+          <a:p>
+            <a:r>
+              <a:rPr lang="en-US" b="1" dirty="0"/>
+              <a:t>More Experimentation Results:</a:t>
+            </a:r>
+          </a:p>
+        </p:txBody>
+      </p:sp>
+      <p:sp>
+        <p:nvSpPr>
+          <p:cNvPr id="8" name="TextBox 7">
+            <a:extLst>
+              <a:ext uri="{FF2B5EF4-FFF2-40B4-BE49-F238E27FC236}">
+                <a16:creationId xmlns:a16="http://schemas.microsoft.com/office/drawing/2014/main" id="{26D48C04-9F96-4BED-BF0D-486456D7AE79}"/>
+              </a:ext>
+            </a:extLst>
+          </p:cNvPr>
+          <p:cNvSpPr txBox="1"/>
+          <p:nvPr/>
+        </p:nvSpPr>
+        <p:spPr>
+          <a:xfrm>
+            <a:off x="348792" y="96724"/>
+            <a:ext cx="3799002" cy="369332"/>
+          </a:xfrm>
+          <a:prstGeom prst="rect">
+            <a:avLst/>
+          </a:prstGeom>
+          <a:noFill/>
+        </p:spPr>
+        <p:txBody>
+          <a:bodyPr wrap="square" rtlCol="0">
+            <a:spAutoFit/>
+          </a:bodyPr>
+          <a:lstStyle/>
+          <a:p>
+            <a:r>
+              <a:rPr lang="en-US" b="1" dirty="0"/>
+              <a:t>Experimentation Results:</a:t>
+            </a:r>
+          </a:p>
+        </p:txBody>
+      </p:sp>
+      <p:graphicFrame>
+        <p:nvGraphicFramePr>
+          <p:cNvPr id="9" name="Table 8">
+            <a:extLst>
+              <a:ext uri="{FF2B5EF4-FFF2-40B4-BE49-F238E27FC236}">
+                <a16:creationId xmlns:a16="http://schemas.microsoft.com/office/drawing/2014/main" id="{5A0B61F2-B469-4C42-B28F-17B3241206BF}"/>
+              </a:ext>
+            </a:extLst>
+          </p:cNvPr>
+          <p:cNvGraphicFramePr>
+            <a:graphicFrameLocks noGrp="1"/>
+          </p:cNvGraphicFramePr>
+          <p:nvPr>
+            <p:extLst>
+              <p:ext uri="{D42A27DB-BD31-4B8C-83A1-F6EECF244321}">
+                <p14:modId xmlns:p14="http://schemas.microsoft.com/office/powerpoint/2010/main" val="2038534688"/>
+              </p:ext>
+            </p:extLst>
+          </p:nvPr>
+        </p:nvGraphicFramePr>
+        <p:xfrm>
+          <a:off x="611347" y="479625"/>
+          <a:ext cx="9437628" cy="3204240"/>
+        </p:xfrm>
+        <a:graphic>
+          <a:graphicData uri="http://schemas.openxmlformats.org/drawingml/2006/table">
+            <a:tbl>
+              <a:tblPr/>
+              <a:tblGrid>
+                <a:gridCol w="1572938">
+                  <a:extLst>
+                    <a:ext uri="{9D8B030D-6E8A-4147-A177-3AD203B41FA5}">
+                      <a16:colId xmlns:a16="http://schemas.microsoft.com/office/drawing/2014/main" val="2535399793"/>
+                    </a:ext>
+                  </a:extLst>
+                </a:gridCol>
+                <a:gridCol w="1572938">
+                  <a:extLst>
+                    <a:ext uri="{9D8B030D-6E8A-4147-A177-3AD203B41FA5}">
+                      <a16:colId xmlns:a16="http://schemas.microsoft.com/office/drawing/2014/main" val="429417141"/>
+                    </a:ext>
+                  </a:extLst>
+                </a:gridCol>
+                <a:gridCol w="1572938">
+                  <a:extLst>
+                    <a:ext uri="{9D8B030D-6E8A-4147-A177-3AD203B41FA5}">
+                      <a16:colId xmlns:a16="http://schemas.microsoft.com/office/drawing/2014/main" val="692446876"/>
+                    </a:ext>
+                  </a:extLst>
+                </a:gridCol>
+                <a:gridCol w="1572938">
+                  <a:extLst>
+                    <a:ext uri="{9D8B030D-6E8A-4147-A177-3AD203B41FA5}">
+                      <a16:colId xmlns:a16="http://schemas.microsoft.com/office/drawing/2014/main" val="1916046425"/>
+                    </a:ext>
+                  </a:extLst>
+                </a:gridCol>
+                <a:gridCol w="1572938">
+                  <a:extLst>
+                    <a:ext uri="{9D8B030D-6E8A-4147-A177-3AD203B41FA5}">
+                      <a16:colId xmlns:a16="http://schemas.microsoft.com/office/drawing/2014/main" val="2546919646"/>
+                    </a:ext>
+                  </a:extLst>
+                </a:gridCol>
+                <a:gridCol w="1572938">
+                  <a:extLst>
+                    <a:ext uri="{9D8B030D-6E8A-4147-A177-3AD203B41FA5}">
+                      <a16:colId xmlns:a16="http://schemas.microsoft.com/office/drawing/2014/main" val="349308438"/>
+                    </a:ext>
+                  </a:extLst>
+                </a:gridCol>
+              </a:tblGrid>
+              <a:tr h="246480">
+                <a:tc>
+                  <a:txBody>
+                    <a:bodyPr/>
+                    <a:lstStyle/>
+                    <a:p>
+                      <a:r>
+                        <a:rPr lang="en-US" sz="800" b="1"/>
+                        <a:t>Model</a:t>
+                      </a:r>
+                      <a:endParaRPr lang="en-US" sz="800"/>
+                    </a:p>
+                  </a:txBody>
+                  <a:tcPr marL="42653" marR="42653" marT="21327" marB="21327" anchor="ctr">
+                    <a:lnL>
+                      <a:noFill/>
+                    </a:lnL>
+                    <a:lnR>
+                      <a:noFill/>
+                    </a:lnR>
+                    <a:lnT>
+                      <a:noFill/>
+                    </a:lnT>
+                    <a:lnB>
+                      <a:noFill/>
+                    </a:lnB>
+                  </a:tcPr>
+                </a:tc>
+                <a:tc>
+                  <a:txBody>
+                    <a:bodyPr/>
+                    <a:lstStyle/>
+                    <a:p>
+                      <a:r>
+                        <a:rPr lang="en-US" sz="800" b="1"/>
+                        <a:t>Preprocessing</a:t>
+                      </a:r>
+                      <a:endParaRPr lang="en-US" sz="800"/>
+                    </a:p>
+                  </a:txBody>
+                  <a:tcPr marL="42653" marR="42653" marT="21327" marB="21327" anchor="ctr">
+                    <a:lnL>
+                      <a:noFill/>
+                    </a:lnL>
+                    <a:lnR>
+                      <a:noFill/>
+                    </a:lnR>
+                    <a:lnT>
+                      <a:noFill/>
+                    </a:lnT>
+                    <a:lnB>
+                      <a:noFill/>
+                    </a:lnB>
+                  </a:tcPr>
+                </a:tc>
+                <a:tc>
+                  <a:txBody>
+                    <a:bodyPr/>
+                    <a:lstStyle/>
+                    <a:p>
+                      <a:r>
+                        <a:rPr lang="en-US" sz="800" b="1"/>
+                        <a:t>Vectorizer</a:t>
+                      </a:r>
+                      <a:endParaRPr lang="en-US" sz="800"/>
+                    </a:p>
+                  </a:txBody>
+                  <a:tcPr marL="42653" marR="42653" marT="21327" marB="21327" anchor="ctr">
+                    <a:lnL>
+                      <a:noFill/>
+                    </a:lnL>
+                    <a:lnR>
+                      <a:noFill/>
+                    </a:lnR>
+                    <a:lnT>
+                      <a:noFill/>
+                    </a:lnT>
+                    <a:lnB>
+                      <a:noFill/>
+                    </a:lnB>
+                  </a:tcPr>
+                </a:tc>
+                <a:tc>
+                  <a:txBody>
+                    <a:bodyPr/>
+                    <a:lstStyle/>
+                    <a:p>
+                      <a:r>
+                        <a:rPr lang="en-US" sz="800" b="1"/>
+                        <a:t>Train Accuracy</a:t>
+                      </a:r>
+                      <a:endParaRPr lang="en-US" sz="800"/>
+                    </a:p>
+                  </a:txBody>
+                  <a:tcPr marL="42653" marR="42653" marT="21327" marB="21327" anchor="ctr">
+                    <a:lnL>
+                      <a:noFill/>
+                    </a:lnL>
+                    <a:lnR>
+                      <a:noFill/>
+                    </a:lnR>
+                    <a:lnT>
+                      <a:noFill/>
+                    </a:lnT>
+                    <a:lnB>
+                      <a:noFill/>
+                    </a:lnB>
+                  </a:tcPr>
+                </a:tc>
+                <a:tc>
+                  <a:txBody>
+                    <a:bodyPr/>
+                    <a:lstStyle/>
+                    <a:p>
+                      <a:r>
+                        <a:rPr lang="en-US" sz="800" b="1"/>
+                        <a:t>Validation Accuracy</a:t>
+                      </a:r>
+                      <a:endParaRPr lang="en-US" sz="800"/>
+                    </a:p>
+                  </a:txBody>
+                  <a:tcPr marL="42653" marR="42653" marT="21327" marB="21327" anchor="ctr">
+                    <a:lnL>
+                      <a:noFill/>
+                    </a:lnL>
+                    <a:lnR>
+                      <a:noFill/>
+                    </a:lnR>
+                    <a:lnT>
+                      <a:noFill/>
+                    </a:lnT>
+                    <a:lnB>
+                      <a:noFill/>
+                    </a:lnB>
+                  </a:tcPr>
+                </a:tc>
+                <a:tc>
+                  <a:txBody>
+                    <a:bodyPr/>
+                    <a:lstStyle/>
+                    <a:p>
+                      <a:r>
+                        <a:rPr lang="en-US" sz="800" b="1"/>
+                        <a:t>F1-Macro</a:t>
+                      </a:r>
+                      <a:endParaRPr lang="en-US" sz="800"/>
+                    </a:p>
+                  </a:txBody>
+                  <a:tcPr marL="42653" marR="42653" marT="21327" marB="21327" anchor="ctr">
+                    <a:lnL>
+                      <a:noFill/>
+                    </a:lnL>
+                    <a:lnR>
+                      <a:noFill/>
+                    </a:lnR>
+                    <a:lnT>
+                      <a:noFill/>
+                    </a:lnT>
+                    <a:lnB>
+                      <a:noFill/>
+                    </a:lnB>
+                  </a:tcPr>
+                </a:tc>
+                <a:extLst>
+                  <a:ext uri="{0D108BD9-81ED-4DB2-BD59-A6C34878D82A}">
+                    <a16:rowId xmlns:a16="http://schemas.microsoft.com/office/drawing/2014/main" val="2593797553"/>
+                  </a:ext>
+                </a:extLst>
+              </a:tr>
+              <a:tr h="246480">
+                <a:tc>
+                  <a:txBody>
+                    <a:bodyPr/>
+                    <a:lstStyle/>
+                    <a:p>
+                      <a:r>
+                        <a:rPr lang="en-US" sz="800" b="1"/>
+                        <a:t>Gradient Boosting</a:t>
+                      </a:r>
+                      <a:endParaRPr lang="en-US" sz="800"/>
+                    </a:p>
+                  </a:txBody>
+                  <a:tcPr marL="42653" marR="42653" marT="21327" marB="21327" anchor="ctr">
+                    <a:lnL>
+                      <a:noFill/>
+                    </a:lnL>
+                    <a:lnR>
+                      <a:noFill/>
+                    </a:lnR>
+                    <a:lnT>
+                      <a:noFill/>
+                    </a:lnT>
+                    <a:lnB>
+                      <a:noFill/>
+                    </a:lnB>
+                  </a:tcPr>
+                </a:tc>
+                <a:tc>
+                  <a:txBody>
+                    <a:bodyPr/>
+                    <a:lstStyle/>
+                    <a:p>
+                      <a:r>
+                        <a:rPr lang="en-US" sz="800"/>
+                        <a:t>Basic</a:t>
+                      </a:r>
+                    </a:p>
+                  </a:txBody>
+                  <a:tcPr marL="42653" marR="42653" marT="21327" marB="21327" anchor="ctr">
+                    <a:lnL>
+                      <a:noFill/>
+                    </a:lnL>
+                    <a:lnR>
+                      <a:noFill/>
+                    </a:lnR>
+                    <a:lnT>
+                      <a:noFill/>
+                    </a:lnT>
+                    <a:lnB>
+                      <a:noFill/>
+                    </a:lnB>
+                  </a:tcPr>
+                </a:tc>
+                <a:tc>
+                  <a:txBody>
+                    <a:bodyPr/>
+                    <a:lstStyle/>
+                    <a:p>
+                      <a:r>
+                        <a:rPr lang="en-US" sz="800"/>
+                        <a:t>TF-IDF (Standard)</a:t>
+                      </a:r>
+                    </a:p>
+                  </a:txBody>
+                  <a:tcPr marL="42653" marR="42653" marT="21327" marB="21327" anchor="ctr">
+                    <a:lnL>
+                      <a:noFill/>
+                    </a:lnL>
+                    <a:lnR>
+                      <a:noFill/>
+                    </a:lnR>
+                    <a:lnT>
+                      <a:noFill/>
+                    </a:lnT>
+                    <a:lnB>
+                      <a:noFill/>
+                    </a:lnB>
+                  </a:tcPr>
+                </a:tc>
+                <a:tc>
+                  <a:txBody>
+                    <a:bodyPr/>
+                    <a:lstStyle/>
+                    <a:p>
+                      <a:r>
+                        <a:rPr lang="en-US" sz="800"/>
+                        <a:t>0.5527</a:t>
+                      </a:r>
+                    </a:p>
+                  </a:txBody>
+                  <a:tcPr marL="42653" marR="42653" marT="21327" marB="21327" anchor="ctr">
+                    <a:lnL>
+                      <a:noFill/>
+                    </a:lnL>
+                    <a:lnR>
+                      <a:noFill/>
+                    </a:lnR>
+                    <a:lnT>
+                      <a:noFill/>
+                    </a:lnT>
+                    <a:lnB>
+                      <a:noFill/>
+                    </a:lnB>
+                  </a:tcPr>
+                </a:tc>
+                <a:tc>
+                  <a:txBody>
+                    <a:bodyPr/>
+                    <a:lstStyle/>
+                    <a:p>
+                      <a:r>
+                        <a:rPr lang="en-US" sz="800" b="1"/>
+                        <a:t>0.3832</a:t>
+                      </a:r>
+                      <a:endParaRPr lang="en-US" sz="800"/>
+                    </a:p>
+                  </a:txBody>
+                  <a:tcPr marL="42653" marR="42653" marT="21327" marB="21327" anchor="ctr">
+                    <a:lnL>
+                      <a:noFill/>
+                    </a:lnL>
+                    <a:lnR>
+                      <a:noFill/>
+                    </a:lnR>
+                    <a:lnT>
+                      <a:noFill/>
+                    </a:lnT>
+                    <a:lnB>
+                      <a:noFill/>
+                    </a:lnB>
+                  </a:tcPr>
+                </a:tc>
+                <a:tc>
+                  <a:txBody>
+                    <a:bodyPr/>
+                    <a:lstStyle/>
+                    <a:p>
+                      <a:r>
+                        <a:rPr lang="en-US" sz="800"/>
+                        <a:t>0.3313</a:t>
+                      </a:r>
+                    </a:p>
+                  </a:txBody>
+                  <a:tcPr marL="42653" marR="42653" marT="21327" marB="21327" anchor="ctr">
+                    <a:lnL>
+                      <a:noFill/>
+                    </a:lnL>
+                    <a:lnR>
+                      <a:noFill/>
+                    </a:lnR>
+                    <a:lnT>
+                      <a:noFill/>
+                    </a:lnT>
+                    <a:lnB>
+                      <a:noFill/>
+                    </a:lnB>
+                  </a:tcPr>
+                </a:tc>
+                <a:extLst>
+                  <a:ext uri="{0D108BD9-81ED-4DB2-BD59-A6C34878D82A}">
+                    <a16:rowId xmlns:a16="http://schemas.microsoft.com/office/drawing/2014/main" val="2990153888"/>
+                  </a:ext>
+                </a:extLst>
+              </a:tr>
+              <a:tr h="246480">
+                <a:tc>
+                  <a:txBody>
+                    <a:bodyPr/>
+                    <a:lstStyle/>
+                    <a:p>
+                      <a:r>
+                        <a:rPr lang="en-US" sz="800"/>
+                        <a:t>Gradient Boosting</a:t>
+                      </a:r>
+                    </a:p>
+                  </a:txBody>
+                  <a:tcPr marL="42653" marR="42653" marT="21327" marB="21327" anchor="ctr">
+                    <a:lnL>
+                      <a:noFill/>
+                    </a:lnL>
+                    <a:lnR>
+                      <a:noFill/>
+                    </a:lnR>
+                    <a:lnT>
+                      <a:noFill/>
+                    </a:lnT>
+                    <a:lnB>
+                      <a:noFill/>
+                    </a:lnB>
+                  </a:tcPr>
+                </a:tc>
+                <a:tc>
+                  <a:txBody>
+                    <a:bodyPr/>
+                    <a:lstStyle/>
+                    <a:p>
+                      <a:r>
+                        <a:rPr lang="en-US" sz="800"/>
+                        <a:t>Basic</a:t>
+                      </a:r>
+                    </a:p>
+                  </a:txBody>
+                  <a:tcPr marL="42653" marR="42653" marT="21327" marB="21327" anchor="ctr">
+                    <a:lnL>
+                      <a:noFill/>
+                    </a:lnL>
+                    <a:lnR>
+                      <a:noFill/>
+                    </a:lnR>
+                    <a:lnT>
+                      <a:noFill/>
+                    </a:lnT>
+                    <a:lnB>
+                      <a:noFill/>
+                    </a:lnB>
+                  </a:tcPr>
+                </a:tc>
+                <a:tc>
+                  <a:txBody>
+                    <a:bodyPr/>
+                    <a:lstStyle/>
+                    <a:p>
+                      <a:r>
+                        <a:rPr lang="en-US" sz="800"/>
+                        <a:t>TF-IDF (Large)</a:t>
+                      </a:r>
+                    </a:p>
+                  </a:txBody>
+                  <a:tcPr marL="42653" marR="42653" marT="21327" marB="21327" anchor="ctr">
+                    <a:lnL>
+                      <a:noFill/>
+                    </a:lnL>
+                    <a:lnR>
+                      <a:noFill/>
+                    </a:lnR>
+                    <a:lnT>
+                      <a:noFill/>
+                    </a:lnT>
+                    <a:lnB>
+                      <a:noFill/>
+                    </a:lnB>
+                  </a:tcPr>
+                </a:tc>
+                <a:tc>
+                  <a:txBody>
+                    <a:bodyPr/>
+                    <a:lstStyle/>
+                    <a:p>
+                      <a:r>
+                        <a:rPr lang="en-US" sz="800"/>
+                        <a:t>0.5534</a:t>
+                      </a:r>
+                    </a:p>
+                  </a:txBody>
+                  <a:tcPr marL="42653" marR="42653" marT="21327" marB="21327" anchor="ctr">
+                    <a:lnL>
+                      <a:noFill/>
+                    </a:lnL>
+                    <a:lnR>
+                      <a:noFill/>
+                    </a:lnR>
+                    <a:lnT>
+                      <a:noFill/>
+                    </a:lnT>
+                    <a:lnB>
+                      <a:noFill/>
+                    </a:lnB>
+                  </a:tcPr>
+                </a:tc>
+                <a:tc>
+                  <a:txBody>
+                    <a:bodyPr/>
+                    <a:lstStyle/>
+                    <a:p>
+                      <a:r>
+                        <a:rPr lang="en-US" sz="800"/>
+                        <a:t>0.3816</a:t>
+                      </a:r>
+                    </a:p>
+                  </a:txBody>
+                  <a:tcPr marL="42653" marR="42653" marT="21327" marB="21327" anchor="ctr">
+                    <a:lnL>
+                      <a:noFill/>
+                    </a:lnL>
+                    <a:lnR>
+                      <a:noFill/>
+                    </a:lnR>
+                    <a:lnT>
+                      <a:noFill/>
+                    </a:lnT>
+                    <a:lnB>
+                      <a:noFill/>
+                    </a:lnB>
+                  </a:tcPr>
+                </a:tc>
+                <a:tc>
+                  <a:txBody>
+                    <a:bodyPr/>
+                    <a:lstStyle/>
+                    <a:p>
+                      <a:r>
+                        <a:rPr lang="en-US" sz="800"/>
+                        <a:t>0.3295</a:t>
+                      </a:r>
+                    </a:p>
+                  </a:txBody>
+                  <a:tcPr marL="42653" marR="42653" marT="21327" marB="21327" anchor="ctr">
+                    <a:lnL>
+                      <a:noFill/>
+                    </a:lnL>
+                    <a:lnR>
+                      <a:noFill/>
+                    </a:lnR>
+                    <a:lnT>
+                      <a:noFill/>
+                    </a:lnT>
+                    <a:lnB>
+                      <a:noFill/>
+                    </a:lnB>
+                  </a:tcPr>
+                </a:tc>
+                <a:extLst>
+                  <a:ext uri="{0D108BD9-81ED-4DB2-BD59-A6C34878D82A}">
+                    <a16:rowId xmlns:a16="http://schemas.microsoft.com/office/drawing/2014/main" val="1473216318"/>
+                  </a:ext>
+                </a:extLst>
+              </a:tr>
+              <a:tr h="246480">
+                <a:tc>
+                  <a:txBody>
+                    <a:bodyPr/>
+                    <a:lstStyle/>
+                    <a:p>
+                      <a:r>
+                        <a:rPr lang="en-US" sz="800"/>
+                        <a:t>Gradient Boosting</a:t>
+                      </a:r>
+                    </a:p>
+                  </a:txBody>
+                  <a:tcPr marL="42653" marR="42653" marT="21327" marB="21327" anchor="ctr">
+                    <a:lnL>
+                      <a:noFill/>
+                    </a:lnL>
+                    <a:lnR>
+                      <a:noFill/>
+                    </a:lnR>
+                    <a:lnT>
+                      <a:noFill/>
+                    </a:lnT>
+                    <a:lnB>
+                      <a:noFill/>
+                    </a:lnB>
+                  </a:tcPr>
+                </a:tc>
+                <a:tc>
+                  <a:txBody>
+                    <a:bodyPr/>
+                    <a:lstStyle/>
+                    <a:p>
+                      <a:r>
+                        <a:rPr lang="en-US" sz="800"/>
+                        <a:t>Stemming</a:t>
+                      </a:r>
+                    </a:p>
+                  </a:txBody>
+                  <a:tcPr marL="42653" marR="42653" marT="21327" marB="21327" anchor="ctr">
+                    <a:lnL>
+                      <a:noFill/>
+                    </a:lnL>
+                    <a:lnR>
+                      <a:noFill/>
+                    </a:lnR>
+                    <a:lnT>
+                      <a:noFill/>
+                    </a:lnT>
+                    <a:lnB>
+                      <a:noFill/>
+                    </a:lnB>
+                  </a:tcPr>
+                </a:tc>
+                <a:tc>
+                  <a:txBody>
+                    <a:bodyPr/>
+                    <a:lstStyle/>
+                    <a:p>
+                      <a:r>
+                        <a:rPr lang="en-US" sz="800"/>
+                        <a:t>TF-IDF (Standard)</a:t>
+                      </a:r>
+                    </a:p>
+                  </a:txBody>
+                  <a:tcPr marL="42653" marR="42653" marT="21327" marB="21327" anchor="ctr">
+                    <a:lnL>
+                      <a:noFill/>
+                    </a:lnL>
+                    <a:lnR>
+                      <a:noFill/>
+                    </a:lnR>
+                    <a:lnT>
+                      <a:noFill/>
+                    </a:lnT>
+                    <a:lnB>
+                      <a:noFill/>
+                    </a:lnB>
+                  </a:tcPr>
+                </a:tc>
+                <a:tc>
+                  <a:txBody>
+                    <a:bodyPr/>
+                    <a:lstStyle/>
+                    <a:p>
+                      <a:r>
+                        <a:rPr lang="en-US" sz="800"/>
+                        <a:t>0.5342</a:t>
+                      </a:r>
+                    </a:p>
+                  </a:txBody>
+                  <a:tcPr marL="42653" marR="42653" marT="21327" marB="21327" anchor="ctr">
+                    <a:lnL>
+                      <a:noFill/>
+                    </a:lnL>
+                    <a:lnR>
+                      <a:noFill/>
+                    </a:lnR>
+                    <a:lnT>
+                      <a:noFill/>
+                    </a:lnT>
+                    <a:lnB>
+                      <a:noFill/>
+                    </a:lnB>
+                  </a:tcPr>
+                </a:tc>
+                <a:tc>
+                  <a:txBody>
+                    <a:bodyPr/>
+                    <a:lstStyle/>
+                    <a:p>
+                      <a:r>
+                        <a:rPr lang="en-US" sz="800"/>
+                        <a:t>0.3808</a:t>
+                      </a:r>
+                    </a:p>
+                  </a:txBody>
+                  <a:tcPr marL="42653" marR="42653" marT="21327" marB="21327" anchor="ctr">
+                    <a:lnL>
+                      <a:noFill/>
+                    </a:lnL>
+                    <a:lnR>
+                      <a:noFill/>
+                    </a:lnR>
+                    <a:lnT>
+                      <a:noFill/>
+                    </a:lnT>
+                    <a:lnB>
+                      <a:noFill/>
+                    </a:lnB>
+                  </a:tcPr>
+                </a:tc>
+                <a:tc>
+                  <a:txBody>
+                    <a:bodyPr/>
+                    <a:lstStyle/>
+                    <a:p>
+                      <a:r>
+                        <a:rPr lang="en-US" sz="800"/>
+                        <a:t>0.3180</a:t>
+                      </a:r>
+                    </a:p>
+                  </a:txBody>
+                  <a:tcPr marL="42653" marR="42653" marT="21327" marB="21327" anchor="ctr">
+                    <a:lnL>
+                      <a:noFill/>
+                    </a:lnL>
+                    <a:lnR>
+                      <a:noFill/>
+                    </a:lnR>
+                    <a:lnT>
+                      <a:noFill/>
+                    </a:lnT>
+                    <a:lnB>
+                      <a:noFill/>
+                    </a:lnB>
+                  </a:tcPr>
+                </a:tc>
+                <a:extLst>
+                  <a:ext uri="{0D108BD9-81ED-4DB2-BD59-A6C34878D82A}">
+                    <a16:rowId xmlns:a16="http://schemas.microsoft.com/office/drawing/2014/main" val="767604328"/>
+                  </a:ext>
+                </a:extLst>
+              </a:tr>
+              <a:tr h="246480">
+                <a:tc>
+                  <a:txBody>
+                    <a:bodyPr/>
+                    <a:lstStyle/>
+                    <a:p>
+                      <a:r>
+                        <a:rPr lang="en-US" sz="800"/>
+                        <a:t>Random Forest</a:t>
+                      </a:r>
+                    </a:p>
+                  </a:txBody>
+                  <a:tcPr marL="42653" marR="42653" marT="21327" marB="21327" anchor="ctr">
+                    <a:lnL>
+                      <a:noFill/>
+                    </a:lnL>
+                    <a:lnR>
+                      <a:noFill/>
+                    </a:lnR>
+                    <a:lnT>
+                      <a:noFill/>
+                    </a:lnT>
+                    <a:lnB>
+                      <a:noFill/>
+                    </a:lnB>
+                  </a:tcPr>
+                </a:tc>
+                <a:tc>
+                  <a:txBody>
+                    <a:bodyPr/>
+                    <a:lstStyle/>
+                    <a:p>
+                      <a:r>
+                        <a:rPr lang="en-US" sz="800"/>
+                        <a:t>Basic</a:t>
+                      </a:r>
+                    </a:p>
+                  </a:txBody>
+                  <a:tcPr marL="42653" marR="42653" marT="21327" marB="21327" anchor="ctr">
+                    <a:lnL>
+                      <a:noFill/>
+                    </a:lnL>
+                    <a:lnR>
+                      <a:noFill/>
+                    </a:lnR>
+                    <a:lnT>
+                      <a:noFill/>
+                    </a:lnT>
+                    <a:lnB>
+                      <a:noFill/>
+                    </a:lnB>
+                  </a:tcPr>
+                </a:tc>
+                <a:tc>
+                  <a:txBody>
+                    <a:bodyPr/>
+                    <a:lstStyle/>
+                    <a:p>
+                      <a:r>
+                        <a:rPr lang="en-US" sz="800"/>
+                        <a:t>TF-IDF (Standard)</a:t>
+                      </a:r>
+                    </a:p>
+                  </a:txBody>
+                  <a:tcPr marL="42653" marR="42653" marT="21327" marB="21327" anchor="ctr">
+                    <a:lnL>
+                      <a:noFill/>
+                    </a:lnL>
+                    <a:lnR>
+                      <a:noFill/>
+                    </a:lnR>
+                    <a:lnT>
+                      <a:noFill/>
+                    </a:lnT>
+                    <a:lnB>
+                      <a:noFill/>
+                    </a:lnB>
+                  </a:tcPr>
+                </a:tc>
+                <a:tc>
+                  <a:txBody>
+                    <a:bodyPr/>
+                    <a:lstStyle/>
+                    <a:p>
+                      <a:r>
+                        <a:rPr lang="en-US" sz="800"/>
+                        <a:t>0.9997</a:t>
+                      </a:r>
+                    </a:p>
+                  </a:txBody>
+                  <a:tcPr marL="42653" marR="42653" marT="21327" marB="21327" anchor="ctr">
+                    <a:lnL>
+                      <a:noFill/>
+                    </a:lnL>
+                    <a:lnR>
+                      <a:noFill/>
+                    </a:lnR>
+                    <a:lnT>
+                      <a:noFill/>
+                    </a:lnT>
+                    <a:lnB>
+                      <a:noFill/>
+                    </a:lnB>
+                  </a:tcPr>
+                </a:tc>
+                <a:tc>
+                  <a:txBody>
+                    <a:bodyPr/>
+                    <a:lstStyle/>
+                    <a:p>
+                      <a:r>
+                        <a:rPr lang="en-US" sz="800"/>
+                        <a:t>0.3808</a:t>
+                      </a:r>
+                    </a:p>
+                  </a:txBody>
+                  <a:tcPr marL="42653" marR="42653" marT="21327" marB="21327" anchor="ctr">
+                    <a:lnL>
+                      <a:noFill/>
+                    </a:lnL>
+                    <a:lnR>
+                      <a:noFill/>
+                    </a:lnR>
+                    <a:lnT>
+                      <a:noFill/>
+                    </a:lnT>
+                    <a:lnB>
+                      <a:noFill/>
+                    </a:lnB>
+                  </a:tcPr>
+                </a:tc>
+                <a:tc>
+                  <a:txBody>
+                    <a:bodyPr/>
+                    <a:lstStyle/>
+                    <a:p>
+                      <a:r>
+                        <a:rPr lang="en-US" sz="800"/>
+                        <a:t>0.3121</a:t>
+                      </a:r>
+                    </a:p>
+                  </a:txBody>
+                  <a:tcPr marL="42653" marR="42653" marT="21327" marB="21327" anchor="ctr">
+                    <a:lnL>
+                      <a:noFill/>
+                    </a:lnL>
+                    <a:lnR>
+                      <a:noFill/>
+                    </a:lnR>
+                    <a:lnT>
+                      <a:noFill/>
+                    </a:lnT>
+                    <a:lnB>
+                      <a:noFill/>
+                    </a:lnB>
+                  </a:tcPr>
+                </a:tc>
+                <a:extLst>
+                  <a:ext uri="{0D108BD9-81ED-4DB2-BD59-A6C34878D82A}">
+                    <a16:rowId xmlns:a16="http://schemas.microsoft.com/office/drawing/2014/main" val="675341531"/>
+                  </a:ext>
+                </a:extLst>
+              </a:tr>
+              <a:tr h="246480">
+                <a:tc>
+                  <a:txBody>
+                    <a:bodyPr/>
+                    <a:lstStyle/>
+                    <a:p>
+                      <a:r>
+                        <a:rPr lang="en-US" sz="800"/>
+                        <a:t>Random Forest</a:t>
+                      </a:r>
+                    </a:p>
+                  </a:txBody>
+                  <a:tcPr marL="42653" marR="42653" marT="21327" marB="21327" anchor="ctr">
+                    <a:lnL>
+                      <a:noFill/>
+                    </a:lnL>
+                    <a:lnR>
+                      <a:noFill/>
+                    </a:lnR>
+                    <a:lnT>
+                      <a:noFill/>
+                    </a:lnT>
+                    <a:lnB>
+                      <a:noFill/>
+                    </a:lnB>
+                  </a:tcPr>
+                </a:tc>
+                <a:tc>
+                  <a:txBody>
+                    <a:bodyPr/>
+                    <a:lstStyle/>
+                    <a:p>
+                      <a:r>
+                        <a:rPr lang="en-US" sz="800"/>
+                        <a:t>Basic</a:t>
+                      </a:r>
+                    </a:p>
+                  </a:txBody>
+                  <a:tcPr marL="42653" marR="42653" marT="21327" marB="21327" anchor="ctr">
+                    <a:lnL>
+                      <a:noFill/>
+                    </a:lnL>
+                    <a:lnR>
+                      <a:noFill/>
+                    </a:lnR>
+                    <a:lnT>
+                      <a:noFill/>
+                    </a:lnT>
+                    <a:lnB>
+                      <a:noFill/>
+                    </a:lnB>
+                  </a:tcPr>
+                </a:tc>
+                <a:tc>
+                  <a:txBody>
+                    <a:bodyPr/>
+                    <a:lstStyle/>
+                    <a:p>
+                      <a:r>
+                        <a:rPr lang="en-US" sz="800"/>
+                        <a:t>TF-IDF (Large)</a:t>
+                      </a:r>
+                    </a:p>
+                  </a:txBody>
+                  <a:tcPr marL="42653" marR="42653" marT="21327" marB="21327" anchor="ctr">
+                    <a:lnL>
+                      <a:noFill/>
+                    </a:lnL>
+                    <a:lnR>
+                      <a:noFill/>
+                    </a:lnR>
+                    <a:lnT>
+                      <a:noFill/>
+                    </a:lnT>
+                    <a:lnB>
+                      <a:noFill/>
+                    </a:lnB>
+                  </a:tcPr>
+                </a:tc>
+                <a:tc>
+                  <a:txBody>
+                    <a:bodyPr/>
+                    <a:lstStyle/>
+                    <a:p>
+                      <a:r>
+                        <a:rPr lang="en-US" sz="800"/>
+                        <a:t>0.9997</a:t>
+                      </a:r>
+                    </a:p>
+                  </a:txBody>
+                  <a:tcPr marL="42653" marR="42653" marT="21327" marB="21327" anchor="ctr">
+                    <a:lnL>
+                      <a:noFill/>
+                    </a:lnL>
+                    <a:lnR>
+                      <a:noFill/>
+                    </a:lnR>
+                    <a:lnT>
+                      <a:noFill/>
+                    </a:lnT>
+                    <a:lnB>
+                      <a:noFill/>
+                    </a:lnB>
+                  </a:tcPr>
+                </a:tc>
+                <a:tc>
+                  <a:txBody>
+                    <a:bodyPr/>
+                    <a:lstStyle/>
+                    <a:p>
+                      <a:r>
+                        <a:rPr lang="en-US" sz="800"/>
+                        <a:t>0.3746</a:t>
+                      </a:r>
+                    </a:p>
+                  </a:txBody>
+                  <a:tcPr marL="42653" marR="42653" marT="21327" marB="21327" anchor="ctr">
+                    <a:lnL>
+                      <a:noFill/>
+                    </a:lnL>
+                    <a:lnR>
+                      <a:noFill/>
+                    </a:lnR>
+                    <a:lnT>
+                      <a:noFill/>
+                    </a:lnT>
+                    <a:lnB>
+                      <a:noFill/>
+                    </a:lnB>
+                  </a:tcPr>
+                </a:tc>
+                <a:tc>
+                  <a:txBody>
+                    <a:bodyPr/>
+                    <a:lstStyle/>
+                    <a:p>
+                      <a:r>
+                        <a:rPr lang="en-US" sz="800"/>
+                        <a:t>0.2929</a:t>
+                      </a:r>
+                    </a:p>
+                  </a:txBody>
+                  <a:tcPr marL="42653" marR="42653" marT="21327" marB="21327" anchor="ctr">
+                    <a:lnL>
+                      <a:noFill/>
+                    </a:lnL>
+                    <a:lnR>
+                      <a:noFill/>
+                    </a:lnR>
+                    <a:lnT>
+                      <a:noFill/>
+                    </a:lnT>
+                    <a:lnB>
+                      <a:noFill/>
+                    </a:lnB>
+                  </a:tcPr>
+                </a:tc>
+                <a:extLst>
+                  <a:ext uri="{0D108BD9-81ED-4DB2-BD59-A6C34878D82A}">
+                    <a16:rowId xmlns:a16="http://schemas.microsoft.com/office/drawing/2014/main" val="1968265032"/>
+                  </a:ext>
+                </a:extLst>
+              </a:tr>
+              <a:tr h="246480">
+                <a:tc>
+                  <a:txBody>
+                    <a:bodyPr/>
+                    <a:lstStyle/>
+                    <a:p>
+                      <a:r>
+                        <a:rPr lang="en-US" sz="800"/>
+                        <a:t>Gradient Boosting</a:t>
+                      </a:r>
+                    </a:p>
+                  </a:txBody>
+                  <a:tcPr marL="42653" marR="42653" marT="21327" marB="21327" anchor="ctr">
+                    <a:lnL>
+                      <a:noFill/>
+                    </a:lnL>
+                    <a:lnR>
+                      <a:noFill/>
+                    </a:lnR>
+                    <a:lnT>
+                      <a:noFill/>
+                    </a:lnT>
+                    <a:lnB>
+                      <a:noFill/>
+                    </a:lnB>
+                  </a:tcPr>
+                </a:tc>
+                <a:tc>
+                  <a:txBody>
+                    <a:bodyPr/>
+                    <a:lstStyle/>
+                    <a:p>
+                      <a:r>
+                        <a:rPr lang="en-US" sz="800"/>
+                        <a:t>Stopwords</a:t>
+                      </a:r>
+                    </a:p>
+                  </a:txBody>
+                  <a:tcPr marL="42653" marR="42653" marT="21327" marB="21327" anchor="ctr">
+                    <a:lnL>
+                      <a:noFill/>
+                    </a:lnL>
+                    <a:lnR>
+                      <a:noFill/>
+                    </a:lnR>
+                    <a:lnT>
+                      <a:noFill/>
+                    </a:lnT>
+                    <a:lnB>
+                      <a:noFill/>
+                    </a:lnB>
+                  </a:tcPr>
+                </a:tc>
+                <a:tc>
+                  <a:txBody>
+                    <a:bodyPr/>
+                    <a:lstStyle/>
+                    <a:p>
+                      <a:r>
+                        <a:rPr lang="en-US" sz="800"/>
+                        <a:t>TF-IDF (Standard)</a:t>
+                      </a:r>
+                    </a:p>
+                  </a:txBody>
+                  <a:tcPr marL="42653" marR="42653" marT="21327" marB="21327" anchor="ctr">
+                    <a:lnL>
+                      <a:noFill/>
+                    </a:lnL>
+                    <a:lnR>
+                      <a:noFill/>
+                    </a:lnR>
+                    <a:lnT>
+                      <a:noFill/>
+                    </a:lnT>
+                    <a:lnB>
+                      <a:noFill/>
+                    </a:lnB>
+                  </a:tcPr>
+                </a:tc>
+                <a:tc>
+                  <a:txBody>
+                    <a:bodyPr/>
+                    <a:lstStyle/>
+                    <a:p>
+                      <a:r>
+                        <a:rPr lang="en-US" sz="800"/>
+                        <a:t>0.5380</a:t>
+                      </a:r>
+                    </a:p>
+                  </a:txBody>
+                  <a:tcPr marL="42653" marR="42653" marT="21327" marB="21327" anchor="ctr">
+                    <a:lnL>
+                      <a:noFill/>
+                    </a:lnL>
+                    <a:lnR>
+                      <a:noFill/>
+                    </a:lnR>
+                    <a:lnT>
+                      <a:noFill/>
+                    </a:lnT>
+                    <a:lnB>
+                      <a:noFill/>
+                    </a:lnB>
+                  </a:tcPr>
+                </a:tc>
+                <a:tc>
+                  <a:txBody>
+                    <a:bodyPr/>
+                    <a:lstStyle/>
+                    <a:p>
+                      <a:r>
+                        <a:rPr lang="en-US" sz="800"/>
+                        <a:t>0.3731</a:t>
+                      </a:r>
+                    </a:p>
+                  </a:txBody>
+                  <a:tcPr marL="42653" marR="42653" marT="21327" marB="21327" anchor="ctr">
+                    <a:lnL>
+                      <a:noFill/>
+                    </a:lnL>
+                    <a:lnR>
+                      <a:noFill/>
+                    </a:lnR>
+                    <a:lnT>
+                      <a:noFill/>
+                    </a:lnT>
+                    <a:lnB>
+                      <a:noFill/>
+                    </a:lnB>
+                  </a:tcPr>
+                </a:tc>
+                <a:tc>
+                  <a:txBody>
+                    <a:bodyPr/>
+                    <a:lstStyle/>
+                    <a:p>
+                      <a:r>
+                        <a:rPr lang="en-US" sz="800"/>
+                        <a:t>0.3121</a:t>
+                      </a:r>
+                    </a:p>
+                  </a:txBody>
+                  <a:tcPr marL="42653" marR="42653" marT="21327" marB="21327" anchor="ctr">
+                    <a:lnL>
+                      <a:noFill/>
+                    </a:lnL>
+                    <a:lnR>
+                      <a:noFill/>
+                    </a:lnR>
+                    <a:lnT>
+                      <a:noFill/>
+                    </a:lnT>
+                    <a:lnB>
+                      <a:noFill/>
+                    </a:lnB>
+                  </a:tcPr>
+                </a:tc>
+                <a:extLst>
+                  <a:ext uri="{0D108BD9-81ED-4DB2-BD59-A6C34878D82A}">
+                    <a16:rowId xmlns:a16="http://schemas.microsoft.com/office/drawing/2014/main" val="502184563"/>
+                  </a:ext>
+                </a:extLst>
+              </a:tr>
+              <a:tr h="246480">
+                <a:tc>
+                  <a:txBody>
+                    <a:bodyPr/>
+                    <a:lstStyle/>
+                    <a:p>
+                      <a:r>
+                        <a:rPr lang="en-US" sz="800"/>
+                        <a:t>Random Forest</a:t>
+                      </a:r>
+                    </a:p>
+                  </a:txBody>
+                  <a:tcPr marL="42653" marR="42653" marT="21327" marB="21327" anchor="ctr">
+                    <a:lnL>
+                      <a:noFill/>
+                    </a:lnL>
+                    <a:lnR>
+                      <a:noFill/>
+                    </a:lnR>
+                    <a:lnT>
+                      <a:noFill/>
+                    </a:lnT>
+                    <a:lnB>
+                      <a:noFill/>
+                    </a:lnB>
+                  </a:tcPr>
+                </a:tc>
+                <a:tc>
+                  <a:txBody>
+                    <a:bodyPr/>
+                    <a:lstStyle/>
+                    <a:p>
+                      <a:r>
+                        <a:rPr lang="en-US" sz="800"/>
+                        <a:t>Stopwords</a:t>
+                      </a:r>
+                    </a:p>
+                  </a:txBody>
+                  <a:tcPr marL="42653" marR="42653" marT="21327" marB="21327" anchor="ctr">
+                    <a:lnL>
+                      <a:noFill/>
+                    </a:lnL>
+                    <a:lnR>
+                      <a:noFill/>
+                    </a:lnR>
+                    <a:lnT>
+                      <a:noFill/>
+                    </a:lnT>
+                    <a:lnB>
+                      <a:noFill/>
+                    </a:lnB>
+                  </a:tcPr>
+                </a:tc>
+                <a:tc>
+                  <a:txBody>
+                    <a:bodyPr/>
+                    <a:lstStyle/>
+                    <a:p>
+                      <a:r>
+                        <a:rPr lang="en-US" sz="800"/>
+                        <a:t>TF-IDF (Standard)</a:t>
+                      </a:r>
+                    </a:p>
+                  </a:txBody>
+                  <a:tcPr marL="42653" marR="42653" marT="21327" marB="21327" anchor="ctr">
+                    <a:lnL>
+                      <a:noFill/>
+                    </a:lnL>
+                    <a:lnR>
+                      <a:noFill/>
+                    </a:lnR>
+                    <a:lnT>
+                      <a:noFill/>
+                    </a:lnT>
+                    <a:lnB>
+                      <a:noFill/>
+                    </a:lnB>
+                  </a:tcPr>
+                </a:tc>
+                <a:tc>
+                  <a:txBody>
+                    <a:bodyPr/>
+                    <a:lstStyle/>
+                    <a:p>
+                      <a:r>
+                        <a:rPr lang="en-US" sz="800"/>
+                        <a:t>0.9997</a:t>
+                      </a:r>
+                    </a:p>
+                  </a:txBody>
+                  <a:tcPr marL="42653" marR="42653" marT="21327" marB="21327" anchor="ctr">
+                    <a:lnL>
+                      <a:noFill/>
+                    </a:lnL>
+                    <a:lnR>
+                      <a:noFill/>
+                    </a:lnR>
+                    <a:lnT>
+                      <a:noFill/>
+                    </a:lnT>
+                    <a:lnB>
+                      <a:noFill/>
+                    </a:lnB>
+                  </a:tcPr>
+                </a:tc>
+                <a:tc>
+                  <a:txBody>
+                    <a:bodyPr/>
+                    <a:lstStyle/>
+                    <a:p>
+                      <a:r>
+                        <a:rPr lang="en-US" sz="800"/>
+                        <a:t>0.3692</a:t>
+                      </a:r>
+                    </a:p>
+                  </a:txBody>
+                  <a:tcPr marL="42653" marR="42653" marT="21327" marB="21327" anchor="ctr">
+                    <a:lnL>
+                      <a:noFill/>
+                    </a:lnL>
+                    <a:lnR>
+                      <a:noFill/>
+                    </a:lnR>
+                    <a:lnT>
+                      <a:noFill/>
+                    </a:lnT>
+                    <a:lnB>
+                      <a:noFill/>
+                    </a:lnB>
+                  </a:tcPr>
+                </a:tc>
+                <a:tc>
+                  <a:txBody>
+                    <a:bodyPr/>
+                    <a:lstStyle/>
+                    <a:p>
+                      <a:r>
+                        <a:rPr lang="en-US" sz="800"/>
+                        <a:t>0.3008</a:t>
+                      </a:r>
+                    </a:p>
+                  </a:txBody>
+                  <a:tcPr marL="42653" marR="42653" marT="21327" marB="21327" anchor="ctr">
+                    <a:lnL>
+                      <a:noFill/>
+                    </a:lnL>
+                    <a:lnR>
+                      <a:noFill/>
+                    </a:lnR>
+                    <a:lnT>
+                      <a:noFill/>
+                    </a:lnT>
+                    <a:lnB>
+                      <a:noFill/>
+                    </a:lnB>
+                  </a:tcPr>
+                </a:tc>
+                <a:extLst>
+                  <a:ext uri="{0D108BD9-81ED-4DB2-BD59-A6C34878D82A}">
+                    <a16:rowId xmlns:a16="http://schemas.microsoft.com/office/drawing/2014/main" val="3983923153"/>
+                  </a:ext>
+                </a:extLst>
+              </a:tr>
+              <a:tr h="246480">
+                <a:tc>
+                  <a:txBody>
+                    <a:bodyPr/>
+                    <a:lstStyle/>
+                    <a:p>
+                      <a:r>
+                        <a:rPr lang="en-US" sz="800"/>
+                        <a:t>Random Forest</a:t>
+                      </a:r>
+                    </a:p>
+                  </a:txBody>
+                  <a:tcPr marL="42653" marR="42653" marT="21327" marB="21327" anchor="ctr">
+                    <a:lnL>
+                      <a:noFill/>
+                    </a:lnL>
+                    <a:lnR>
+                      <a:noFill/>
+                    </a:lnR>
+                    <a:lnT>
+                      <a:noFill/>
+                    </a:lnT>
+                    <a:lnB>
+                      <a:noFill/>
+                    </a:lnB>
+                  </a:tcPr>
+                </a:tc>
+                <a:tc>
+                  <a:txBody>
+                    <a:bodyPr/>
+                    <a:lstStyle/>
+                    <a:p>
+                      <a:r>
+                        <a:rPr lang="en-US" sz="800"/>
+                        <a:t>Stemming</a:t>
+                      </a:r>
+                    </a:p>
+                  </a:txBody>
+                  <a:tcPr marL="42653" marR="42653" marT="21327" marB="21327" anchor="ctr">
+                    <a:lnL>
+                      <a:noFill/>
+                    </a:lnL>
+                    <a:lnR>
+                      <a:noFill/>
+                    </a:lnR>
+                    <a:lnT>
+                      <a:noFill/>
+                    </a:lnT>
+                    <a:lnB>
+                      <a:noFill/>
+                    </a:lnB>
+                  </a:tcPr>
+                </a:tc>
+                <a:tc>
+                  <a:txBody>
+                    <a:bodyPr/>
+                    <a:lstStyle/>
+                    <a:p>
+                      <a:r>
+                        <a:rPr lang="en-US" sz="800"/>
+                        <a:t>TF-IDF (Standard)</a:t>
+                      </a:r>
+                    </a:p>
+                  </a:txBody>
+                  <a:tcPr marL="42653" marR="42653" marT="21327" marB="21327" anchor="ctr">
+                    <a:lnL>
+                      <a:noFill/>
+                    </a:lnL>
+                    <a:lnR>
+                      <a:noFill/>
+                    </a:lnR>
+                    <a:lnT>
+                      <a:noFill/>
+                    </a:lnT>
+                    <a:lnB>
+                      <a:noFill/>
+                    </a:lnB>
+                  </a:tcPr>
+                </a:tc>
+                <a:tc>
+                  <a:txBody>
+                    <a:bodyPr/>
+                    <a:lstStyle/>
+                    <a:p>
+                      <a:r>
+                        <a:rPr lang="en-US" sz="800"/>
+                        <a:t>0.9997</a:t>
+                      </a:r>
+                    </a:p>
+                  </a:txBody>
+                  <a:tcPr marL="42653" marR="42653" marT="21327" marB="21327" anchor="ctr">
+                    <a:lnL>
+                      <a:noFill/>
+                    </a:lnL>
+                    <a:lnR>
+                      <a:noFill/>
+                    </a:lnR>
+                    <a:lnT>
+                      <a:noFill/>
+                    </a:lnT>
+                    <a:lnB>
+                      <a:noFill/>
+                    </a:lnB>
+                  </a:tcPr>
+                </a:tc>
+                <a:tc>
+                  <a:txBody>
+                    <a:bodyPr/>
+                    <a:lstStyle/>
+                    <a:p>
+                      <a:r>
+                        <a:rPr lang="en-US" sz="800"/>
+                        <a:t>0.3676</a:t>
+                      </a:r>
+                    </a:p>
+                  </a:txBody>
+                  <a:tcPr marL="42653" marR="42653" marT="21327" marB="21327" anchor="ctr">
+                    <a:lnL>
+                      <a:noFill/>
+                    </a:lnL>
+                    <a:lnR>
+                      <a:noFill/>
+                    </a:lnR>
+                    <a:lnT>
+                      <a:noFill/>
+                    </a:lnT>
+                    <a:lnB>
+                      <a:noFill/>
+                    </a:lnB>
+                  </a:tcPr>
+                </a:tc>
+                <a:tc>
+                  <a:txBody>
+                    <a:bodyPr/>
+                    <a:lstStyle/>
+                    <a:p>
+                      <a:r>
+                        <a:rPr lang="en-US" sz="800"/>
+                        <a:t>0.2978</a:t>
+                      </a:r>
+                    </a:p>
+                  </a:txBody>
+                  <a:tcPr marL="42653" marR="42653" marT="21327" marB="21327" anchor="ctr">
+                    <a:lnL>
+                      <a:noFill/>
+                    </a:lnL>
+                    <a:lnR>
+                      <a:noFill/>
+                    </a:lnR>
+                    <a:lnT>
+                      <a:noFill/>
+                    </a:lnT>
+                    <a:lnB>
+                      <a:noFill/>
+                    </a:lnB>
+                  </a:tcPr>
+                </a:tc>
+                <a:extLst>
+                  <a:ext uri="{0D108BD9-81ED-4DB2-BD59-A6C34878D82A}">
+                    <a16:rowId xmlns:a16="http://schemas.microsoft.com/office/drawing/2014/main" val="2873732005"/>
+                  </a:ext>
+                </a:extLst>
+              </a:tr>
+              <a:tr h="246480">
+                <a:tc>
+                  <a:txBody>
+                    <a:bodyPr/>
+                    <a:lstStyle/>
+                    <a:p>
+                      <a:r>
+                        <a:rPr lang="en-US" sz="800"/>
+                        <a:t>Logistic Regression</a:t>
+                      </a:r>
+                    </a:p>
+                  </a:txBody>
+                  <a:tcPr marL="42653" marR="42653" marT="21327" marB="21327" anchor="ctr">
+                    <a:lnL>
+                      <a:noFill/>
+                    </a:lnL>
+                    <a:lnR>
+                      <a:noFill/>
+                    </a:lnR>
+                    <a:lnT>
+                      <a:noFill/>
+                    </a:lnT>
+                    <a:lnB>
+                      <a:noFill/>
+                    </a:lnB>
+                  </a:tcPr>
+                </a:tc>
+                <a:tc>
+                  <a:txBody>
+                    <a:bodyPr/>
+                    <a:lstStyle/>
+                    <a:p>
+                      <a:r>
+                        <a:rPr lang="en-US" sz="800"/>
+                        <a:t>Basic</a:t>
+                      </a:r>
+                    </a:p>
+                  </a:txBody>
+                  <a:tcPr marL="42653" marR="42653" marT="21327" marB="21327" anchor="ctr">
+                    <a:lnL>
+                      <a:noFill/>
+                    </a:lnL>
+                    <a:lnR>
+                      <a:noFill/>
+                    </a:lnR>
+                    <a:lnT>
+                      <a:noFill/>
+                    </a:lnT>
+                    <a:lnB>
+                      <a:noFill/>
+                    </a:lnB>
+                  </a:tcPr>
+                </a:tc>
+                <a:tc>
+                  <a:txBody>
+                    <a:bodyPr/>
+                    <a:lstStyle/>
+                    <a:p>
+                      <a:r>
+                        <a:rPr lang="en-US" sz="800"/>
+                        <a:t>TF-IDF (Standard)</a:t>
+                      </a:r>
+                    </a:p>
+                  </a:txBody>
+                  <a:tcPr marL="42653" marR="42653" marT="21327" marB="21327" anchor="ctr">
+                    <a:lnL>
+                      <a:noFill/>
+                    </a:lnL>
+                    <a:lnR>
+                      <a:noFill/>
+                    </a:lnR>
+                    <a:lnT>
+                      <a:noFill/>
+                    </a:lnT>
+                    <a:lnB>
+                      <a:noFill/>
+                    </a:lnB>
+                  </a:tcPr>
+                </a:tc>
+                <a:tc>
+                  <a:txBody>
+                    <a:bodyPr/>
+                    <a:lstStyle/>
+                    <a:p>
+                      <a:r>
+                        <a:rPr lang="en-US" sz="800"/>
+                        <a:t>0.4456</a:t>
+                      </a:r>
+                    </a:p>
+                  </a:txBody>
+                  <a:tcPr marL="42653" marR="42653" marT="21327" marB="21327" anchor="ctr">
+                    <a:lnL>
+                      <a:noFill/>
+                    </a:lnL>
+                    <a:lnR>
+                      <a:noFill/>
+                    </a:lnR>
+                    <a:lnT>
+                      <a:noFill/>
+                    </a:lnT>
+                    <a:lnB>
+                      <a:noFill/>
+                    </a:lnB>
+                  </a:tcPr>
+                </a:tc>
+                <a:tc>
+                  <a:txBody>
+                    <a:bodyPr/>
+                    <a:lstStyle/>
+                    <a:p>
+                      <a:r>
+                        <a:rPr lang="en-US" sz="800"/>
+                        <a:t>0.3622</a:t>
+                      </a:r>
+                    </a:p>
+                  </a:txBody>
+                  <a:tcPr marL="42653" marR="42653" marT="21327" marB="21327" anchor="ctr">
+                    <a:lnL>
+                      <a:noFill/>
+                    </a:lnL>
+                    <a:lnR>
+                      <a:noFill/>
+                    </a:lnR>
+                    <a:lnT>
+                      <a:noFill/>
+                    </a:lnT>
+                    <a:lnB>
+                      <a:noFill/>
+                    </a:lnB>
+                  </a:tcPr>
+                </a:tc>
+                <a:tc>
+                  <a:txBody>
+                    <a:bodyPr/>
+                    <a:lstStyle/>
+                    <a:p>
+                      <a:r>
+                        <a:rPr lang="en-US" sz="800" b="1"/>
+                        <a:t>0.3547</a:t>
+                      </a:r>
+                      <a:endParaRPr lang="en-US" sz="800"/>
+                    </a:p>
+                  </a:txBody>
+                  <a:tcPr marL="42653" marR="42653" marT="21327" marB="21327" anchor="ctr">
+                    <a:lnL>
+                      <a:noFill/>
+                    </a:lnL>
+                    <a:lnR>
+                      <a:noFill/>
+                    </a:lnR>
+                    <a:lnT>
+                      <a:noFill/>
+                    </a:lnT>
+                    <a:lnB>
+                      <a:noFill/>
+                    </a:lnB>
+                  </a:tcPr>
+                </a:tc>
+                <a:extLst>
+                  <a:ext uri="{0D108BD9-81ED-4DB2-BD59-A6C34878D82A}">
+                    <a16:rowId xmlns:a16="http://schemas.microsoft.com/office/drawing/2014/main" val="3907102910"/>
+                  </a:ext>
+                </a:extLst>
+              </a:tr>
+              <a:tr h="246480">
+                <a:tc>
+                  <a:txBody>
+                    <a:bodyPr/>
+                    <a:lstStyle/>
+                    <a:p>
+                      <a:r>
+                        <a:rPr lang="en-US" sz="800"/>
+                        <a:t>Logistic Regression</a:t>
+                      </a:r>
+                    </a:p>
+                  </a:txBody>
+                  <a:tcPr marL="42653" marR="42653" marT="21327" marB="21327" anchor="ctr">
+                    <a:lnL>
+                      <a:noFill/>
+                    </a:lnL>
+                    <a:lnR>
+                      <a:noFill/>
+                    </a:lnR>
+                    <a:lnT>
+                      <a:noFill/>
+                    </a:lnT>
+                    <a:lnB>
+                      <a:noFill/>
+                    </a:lnB>
+                  </a:tcPr>
+                </a:tc>
+                <a:tc>
+                  <a:txBody>
+                    <a:bodyPr/>
+                    <a:lstStyle/>
+                    <a:p>
+                      <a:r>
+                        <a:rPr lang="en-US" sz="800"/>
+                        <a:t>Stemming</a:t>
+                      </a:r>
+                    </a:p>
+                  </a:txBody>
+                  <a:tcPr marL="42653" marR="42653" marT="21327" marB="21327" anchor="ctr">
+                    <a:lnL>
+                      <a:noFill/>
+                    </a:lnL>
+                    <a:lnR>
+                      <a:noFill/>
+                    </a:lnR>
+                    <a:lnT>
+                      <a:noFill/>
+                    </a:lnT>
+                    <a:lnB>
+                      <a:noFill/>
+                    </a:lnB>
+                  </a:tcPr>
+                </a:tc>
+                <a:tc>
+                  <a:txBody>
+                    <a:bodyPr/>
+                    <a:lstStyle/>
+                    <a:p>
+                      <a:r>
+                        <a:rPr lang="en-US" sz="800"/>
+                        <a:t>TF-IDF (Standard)</a:t>
+                      </a:r>
+                    </a:p>
+                  </a:txBody>
+                  <a:tcPr marL="42653" marR="42653" marT="21327" marB="21327" anchor="ctr">
+                    <a:lnL>
+                      <a:noFill/>
+                    </a:lnL>
+                    <a:lnR>
+                      <a:noFill/>
+                    </a:lnR>
+                    <a:lnT>
+                      <a:noFill/>
+                    </a:lnT>
+                    <a:lnB>
+                      <a:noFill/>
+                    </a:lnB>
+                  </a:tcPr>
+                </a:tc>
+                <a:tc>
+                  <a:txBody>
+                    <a:bodyPr/>
+                    <a:lstStyle/>
+                    <a:p>
+                      <a:r>
+                        <a:rPr lang="en-US" sz="800"/>
+                        <a:t>0.4421</a:t>
+                      </a:r>
+                    </a:p>
+                  </a:txBody>
+                  <a:tcPr marL="42653" marR="42653" marT="21327" marB="21327" anchor="ctr">
+                    <a:lnL>
+                      <a:noFill/>
+                    </a:lnL>
+                    <a:lnR>
+                      <a:noFill/>
+                    </a:lnR>
+                    <a:lnT>
+                      <a:noFill/>
+                    </a:lnT>
+                    <a:lnB>
+                      <a:noFill/>
+                    </a:lnB>
+                  </a:tcPr>
+                </a:tc>
+                <a:tc>
+                  <a:txBody>
+                    <a:bodyPr/>
+                    <a:lstStyle/>
+                    <a:p>
+                      <a:r>
+                        <a:rPr lang="en-US" sz="800"/>
+                        <a:t>0.3606</a:t>
+                      </a:r>
+                    </a:p>
+                  </a:txBody>
+                  <a:tcPr marL="42653" marR="42653" marT="21327" marB="21327" anchor="ctr">
+                    <a:lnL>
+                      <a:noFill/>
+                    </a:lnL>
+                    <a:lnR>
+                      <a:noFill/>
+                    </a:lnR>
+                    <a:lnT>
+                      <a:noFill/>
+                    </a:lnT>
+                    <a:lnB>
+                      <a:noFill/>
+                    </a:lnB>
+                  </a:tcPr>
+                </a:tc>
+                <a:tc>
+                  <a:txBody>
+                    <a:bodyPr/>
+                    <a:lstStyle/>
+                    <a:p>
+                      <a:r>
+                        <a:rPr lang="en-US" sz="800"/>
+                        <a:t>0.3511</a:t>
+                      </a:r>
+                    </a:p>
+                  </a:txBody>
+                  <a:tcPr marL="42653" marR="42653" marT="21327" marB="21327" anchor="ctr">
+                    <a:lnL>
+                      <a:noFill/>
+                    </a:lnL>
+                    <a:lnR>
+                      <a:noFill/>
+                    </a:lnR>
+                    <a:lnT>
+                      <a:noFill/>
+                    </a:lnT>
+                    <a:lnB>
+                      <a:noFill/>
+                    </a:lnB>
+                  </a:tcPr>
+                </a:tc>
+                <a:extLst>
+                  <a:ext uri="{0D108BD9-81ED-4DB2-BD59-A6C34878D82A}">
+                    <a16:rowId xmlns:a16="http://schemas.microsoft.com/office/drawing/2014/main" val="4115800165"/>
+                  </a:ext>
+                </a:extLst>
+              </a:tr>
+              <a:tr h="246480">
+                <a:tc>
+                  <a:txBody>
+                    <a:bodyPr/>
+                    <a:lstStyle/>
+                    <a:p>
+                      <a:r>
+                        <a:rPr lang="en-US" sz="800"/>
+                        <a:t>Logistic Regression</a:t>
+                      </a:r>
+                    </a:p>
+                  </a:txBody>
+                  <a:tcPr marL="42653" marR="42653" marT="21327" marB="21327" anchor="ctr">
+                    <a:lnL>
+                      <a:noFill/>
+                    </a:lnL>
+                    <a:lnR>
+                      <a:noFill/>
+                    </a:lnR>
+                    <a:lnT>
+                      <a:noFill/>
+                    </a:lnT>
+                    <a:lnB>
+                      <a:noFill/>
+                    </a:lnB>
+                  </a:tcPr>
+                </a:tc>
+                <a:tc>
+                  <a:txBody>
+                    <a:bodyPr/>
+                    <a:lstStyle/>
+                    <a:p>
+                      <a:r>
+                        <a:rPr lang="en-US" sz="800"/>
+                        <a:t>Basic</a:t>
+                      </a:r>
+                    </a:p>
+                  </a:txBody>
+                  <a:tcPr marL="42653" marR="42653" marT="21327" marB="21327" anchor="ctr">
+                    <a:lnL>
+                      <a:noFill/>
+                    </a:lnL>
+                    <a:lnR>
+                      <a:noFill/>
+                    </a:lnR>
+                    <a:lnT>
+                      <a:noFill/>
+                    </a:lnT>
+                    <a:lnB>
+                      <a:noFill/>
+                    </a:lnB>
+                  </a:tcPr>
+                </a:tc>
+                <a:tc>
+                  <a:txBody>
+                    <a:bodyPr/>
+                    <a:lstStyle/>
+                    <a:p>
+                      <a:r>
+                        <a:rPr lang="en-US" sz="800"/>
+                        <a:t>TF-IDF (Large)</a:t>
+                      </a:r>
+                    </a:p>
+                  </a:txBody>
+                  <a:tcPr marL="42653" marR="42653" marT="21327" marB="21327" anchor="ctr">
+                    <a:lnL>
+                      <a:noFill/>
+                    </a:lnL>
+                    <a:lnR>
+                      <a:noFill/>
+                    </a:lnR>
+                    <a:lnT>
+                      <a:noFill/>
+                    </a:lnT>
+                    <a:lnB>
+                      <a:noFill/>
+                    </a:lnB>
+                  </a:tcPr>
+                </a:tc>
+                <a:tc>
+                  <a:txBody>
+                    <a:bodyPr/>
+                    <a:lstStyle/>
+                    <a:p>
+                      <a:r>
+                        <a:rPr lang="en-US" sz="800"/>
+                        <a:t>0.4495</a:t>
+                      </a:r>
+                    </a:p>
+                  </a:txBody>
+                  <a:tcPr marL="42653" marR="42653" marT="21327" marB="21327" anchor="ctr">
+                    <a:lnL>
+                      <a:noFill/>
+                    </a:lnL>
+                    <a:lnR>
+                      <a:noFill/>
+                    </a:lnR>
+                    <a:lnT>
+                      <a:noFill/>
+                    </a:lnT>
+                    <a:lnB>
+                      <a:noFill/>
+                    </a:lnB>
+                  </a:tcPr>
+                </a:tc>
+                <a:tc>
+                  <a:txBody>
+                    <a:bodyPr/>
+                    <a:lstStyle/>
+                    <a:p>
+                      <a:r>
+                        <a:rPr lang="en-US" sz="800"/>
+                        <a:t>0.3606</a:t>
+                      </a:r>
+                    </a:p>
+                  </a:txBody>
+                  <a:tcPr marL="42653" marR="42653" marT="21327" marB="21327" anchor="ctr">
+                    <a:lnL>
+                      <a:noFill/>
+                    </a:lnL>
+                    <a:lnR>
+                      <a:noFill/>
+                    </a:lnR>
+                    <a:lnT>
+                      <a:noFill/>
+                    </a:lnT>
+                    <a:lnB>
+                      <a:noFill/>
+                    </a:lnB>
+                  </a:tcPr>
+                </a:tc>
+                <a:tc>
+                  <a:txBody>
+                    <a:bodyPr/>
+                    <a:lstStyle/>
+                    <a:p>
+                      <a:r>
+                        <a:rPr lang="en-US" sz="800"/>
+                        <a:t>0.3524</a:t>
+                      </a:r>
+                    </a:p>
+                  </a:txBody>
+                  <a:tcPr marL="42653" marR="42653" marT="21327" marB="21327" anchor="ctr">
+                    <a:lnL>
+                      <a:noFill/>
+                    </a:lnL>
+                    <a:lnR>
+                      <a:noFill/>
+                    </a:lnR>
+                    <a:lnT>
+                      <a:noFill/>
+                    </a:lnT>
+                    <a:lnB>
+                      <a:noFill/>
+                    </a:lnB>
+                  </a:tcPr>
+                </a:tc>
+                <a:extLst>
+                  <a:ext uri="{0D108BD9-81ED-4DB2-BD59-A6C34878D82A}">
+                    <a16:rowId xmlns:a16="http://schemas.microsoft.com/office/drawing/2014/main" val="2060366655"/>
+                  </a:ext>
+                </a:extLst>
+              </a:tr>
+              <a:tr h="246480">
+                <a:tc>
+                  <a:txBody>
+                    <a:bodyPr/>
+                    <a:lstStyle/>
+                    <a:p>
+                      <a:r>
+                        <a:rPr lang="en-US" sz="800" dirty="0"/>
+                        <a:t>Logistic Regression</a:t>
+                      </a:r>
+                    </a:p>
+                  </a:txBody>
+                  <a:tcPr marL="42653" marR="42653" marT="21327" marB="21327" anchor="ctr">
+                    <a:lnL>
+                      <a:noFill/>
+                    </a:lnL>
+                    <a:lnR>
+                      <a:noFill/>
+                    </a:lnR>
+                    <a:lnT>
+                      <a:noFill/>
+                    </a:lnT>
+                    <a:lnB>
+                      <a:noFill/>
+                    </a:lnB>
+                  </a:tcPr>
+                </a:tc>
+                <a:tc>
+                  <a:txBody>
+                    <a:bodyPr/>
+                    <a:lstStyle/>
+                    <a:p>
+                      <a:r>
+                        <a:rPr lang="en-US" sz="800" dirty="0" err="1"/>
+                        <a:t>Stopwords</a:t>
+                      </a:r>
+                      <a:endParaRPr lang="en-US" sz="800" dirty="0"/>
+                    </a:p>
+                  </a:txBody>
+                  <a:tcPr marL="42653" marR="42653" marT="21327" marB="21327" anchor="ctr">
+                    <a:lnL>
+                      <a:noFill/>
+                    </a:lnL>
+                    <a:lnR>
+                      <a:noFill/>
+                    </a:lnR>
+                    <a:lnT>
+                      <a:noFill/>
+                    </a:lnT>
+                    <a:lnB>
+                      <a:noFill/>
+                    </a:lnB>
+                  </a:tcPr>
+                </a:tc>
+                <a:tc>
+                  <a:txBody>
+                    <a:bodyPr/>
+                    <a:lstStyle/>
+                    <a:p>
+                      <a:r>
+                        <a:rPr lang="en-US" sz="800"/>
+                        <a:t>TF-IDF (Standard)</a:t>
+                      </a:r>
+                    </a:p>
+                  </a:txBody>
+                  <a:tcPr marL="42653" marR="42653" marT="21327" marB="21327" anchor="ctr">
+                    <a:lnL>
+                      <a:noFill/>
+                    </a:lnL>
+                    <a:lnR>
+                      <a:noFill/>
+                    </a:lnR>
+                    <a:lnT>
+                      <a:noFill/>
+                    </a:lnT>
+                    <a:lnB>
+                      <a:noFill/>
+                    </a:lnB>
+                  </a:tcPr>
+                </a:tc>
+                <a:tc>
+                  <a:txBody>
+                    <a:bodyPr/>
+                    <a:lstStyle/>
+                    <a:p>
+                      <a:r>
+                        <a:rPr lang="en-US" sz="800"/>
+                        <a:t>0.4449</a:t>
+                      </a:r>
+                    </a:p>
+                  </a:txBody>
+                  <a:tcPr marL="42653" marR="42653" marT="21327" marB="21327" anchor="ctr">
+                    <a:lnL>
+                      <a:noFill/>
+                    </a:lnL>
+                    <a:lnR>
+                      <a:noFill/>
+                    </a:lnR>
+                    <a:lnT>
+                      <a:noFill/>
+                    </a:lnT>
+                    <a:lnB>
+                      <a:noFill/>
+                    </a:lnB>
+                  </a:tcPr>
+                </a:tc>
+                <a:tc>
+                  <a:txBody>
+                    <a:bodyPr/>
+                    <a:lstStyle/>
+                    <a:p>
+                      <a:r>
+                        <a:rPr lang="en-US" sz="800"/>
+                        <a:t>0.3575</a:t>
+                      </a:r>
+                    </a:p>
+                  </a:txBody>
+                  <a:tcPr marL="42653" marR="42653" marT="21327" marB="21327" anchor="ctr">
+                    <a:lnL>
+                      <a:noFill/>
+                    </a:lnL>
+                    <a:lnR>
+                      <a:noFill/>
+                    </a:lnR>
+                    <a:lnT>
+                      <a:noFill/>
+                    </a:lnT>
+                    <a:lnB>
+                      <a:noFill/>
+                    </a:lnB>
+                  </a:tcPr>
+                </a:tc>
+                <a:tc>
+                  <a:txBody>
+                    <a:bodyPr/>
+                    <a:lstStyle/>
+                    <a:p>
+                      <a:r>
+                        <a:rPr lang="en-US" sz="800" dirty="0"/>
+                        <a:t>0.3488</a:t>
+                      </a:r>
+                    </a:p>
+                  </a:txBody>
+                  <a:tcPr marL="42653" marR="42653" marT="21327" marB="21327" anchor="ctr">
+                    <a:lnL>
+                      <a:noFill/>
+                    </a:lnL>
+                    <a:lnR>
+                      <a:noFill/>
+                    </a:lnR>
+                    <a:lnT>
+                      <a:noFill/>
+                    </a:lnT>
+                    <a:lnB>
+                      <a:noFill/>
+                    </a:lnB>
+                  </a:tcPr>
+                </a:tc>
+                <a:extLst>
+                  <a:ext uri="{0D108BD9-81ED-4DB2-BD59-A6C34878D82A}">
+                    <a16:rowId xmlns:a16="http://schemas.microsoft.com/office/drawing/2014/main" val="2519639270"/>
+                  </a:ext>
+                </a:extLst>
+              </a:tr>
+            </a:tbl>
+          </a:graphicData>
+        </a:graphic>
+      </p:graphicFrame>
+    </p:spTree>
+    <p:extLst>
+      <p:ext uri="{BB962C8B-B14F-4D97-AF65-F5344CB8AC3E}">
+        <p14:creationId xmlns:p14="http://schemas.microsoft.com/office/powerpoint/2010/main" val="4250388206"/>
+      </p:ext>
+    </p:extLst>
+  </p:cSld>
+  <p:clrMapOvr>
+    <a:masterClrMapping/>
+  </p:clrMapOvr>
+</p:sld>
+</file>
+
+<file path=ppt/slides/slide8.xml><?xml version="1.0" encoding="utf-8"?>
+<p:sld xmlns:a="http://schemas.openxmlformats.org/drawingml/2006/main" xmlns:r="http://schemas.openxmlformats.org/officeDocument/2006/relationships" xmlns:p="http://schemas.openxmlformats.org/presentationml/2006/main">
+  <p:cSld>
+    <p:spTree>
+      <p:nvGrpSpPr>
+        <p:cNvPr id="1" name=""/>
+        <p:cNvGrpSpPr/>
+        <p:nvPr/>
+      </p:nvGrpSpPr>
+      <p:grpSpPr>
+        <a:xfrm>
+          <a:off x="0" y="0"/>
+          <a:ext cx="0" cy="0"/>
+          <a:chOff x="0" y="0"/>
+          <a:chExt cx="0" cy="0"/>
+        </a:xfrm>
+      </p:grpSpPr>
+      <p:sp>
+        <p:nvSpPr>
+          <p:cNvPr id="2" name="Title 1">
+            <a:extLst>
+              <a:ext uri="{FF2B5EF4-FFF2-40B4-BE49-F238E27FC236}">
+                <a16:creationId xmlns:a16="http://schemas.microsoft.com/office/drawing/2014/main" id="{0424FD6D-80EA-450A-A6AB-3F1D09A1D757}"/>
+              </a:ext>
+            </a:extLst>
+          </p:cNvPr>
+          <p:cNvSpPr>
+            <a:spLocks noGrp="1"/>
+          </p:cNvSpPr>
+          <p:nvPr>
+            <p:ph type="title"/>
+          </p:nvPr>
+        </p:nvSpPr>
+        <p:spPr/>
+        <p:txBody>
+          <a:bodyPr/>
+          <a:lstStyle/>
+          <a:p>
+            <a:r>
+              <a:rPr lang="en-US" b="1" dirty="0"/>
+              <a:t>📊 Results &amp; Discussion</a:t>
+            </a:r>
+            <a:br>
+              <a:rPr lang="en-US" b="1" dirty="0"/>
+            </a:br>
+            <a:endParaRPr lang="en-US" dirty="0"/>
+          </a:p>
+        </p:txBody>
+      </p:sp>
+      <p:sp>
+        <p:nvSpPr>
+          <p:cNvPr id="3" name="Content Placeholder 2">
+            <a:extLst>
+              <a:ext uri="{FF2B5EF4-FFF2-40B4-BE49-F238E27FC236}">
+                <a16:creationId xmlns:a16="http://schemas.microsoft.com/office/drawing/2014/main" id="{6008018F-2113-4B2C-9181-0EBEFA9CB6F4}"/>
+              </a:ext>
+            </a:extLst>
+          </p:cNvPr>
+          <p:cNvSpPr>
+            <a:spLocks noGrp="1"/>
+          </p:cNvSpPr>
+          <p:nvPr>
+            <p:ph idx="1"/>
+          </p:nvPr>
+        </p:nvSpPr>
+        <p:spPr/>
+        <p:txBody>
+          <a:bodyPr/>
+          <a:lstStyle/>
+          <a:p>
+            <a:r>
+              <a:rPr lang="en-US" dirty="0"/>
+              <a:t>The </a:t>
+            </a:r>
+            <a:r>
+              <a:rPr lang="en-US" b="1" dirty="0"/>
+              <a:t>Gradient Boosting model</a:t>
+            </a:r>
+            <a:r>
+              <a:rPr lang="en-US" dirty="0"/>
+              <a:t> achieved the most reliable results among all tested approaches, reaching an accuracy of around </a:t>
+            </a:r>
+            <a:r>
+              <a:rPr lang="en-US" b="1" dirty="0"/>
+              <a:t>30–40%</a:t>
+            </a:r>
+            <a:r>
+              <a:rPr lang="en-US" dirty="0"/>
+              <a:t> on the test set. While this indicates that the model is </a:t>
+            </a:r>
+            <a:r>
+              <a:rPr lang="en-US" b="1" dirty="0"/>
+              <a:t>underfitting</a:t>
+            </a:r>
+            <a:r>
+              <a:rPr lang="en-US" dirty="0"/>
+              <a:t> and not yet capturing deeper linguistic patterns.</a:t>
+            </a:r>
+          </a:p>
+        </p:txBody>
+      </p:sp>
+      <p:graphicFrame>
+        <p:nvGraphicFramePr>
+          <p:cNvPr id="4" name="Table 3">
+            <a:extLst>
+              <a:ext uri="{FF2B5EF4-FFF2-40B4-BE49-F238E27FC236}">
+                <a16:creationId xmlns:a16="http://schemas.microsoft.com/office/drawing/2014/main" id="{BAA32A28-9A7A-4374-994C-0085D55D4AA8}"/>
+              </a:ext>
+            </a:extLst>
+          </p:cNvPr>
+          <p:cNvGraphicFramePr>
+            <a:graphicFrameLocks noGrp="1"/>
+          </p:cNvGraphicFramePr>
+          <p:nvPr>
+            <p:extLst>
+              <p:ext uri="{D42A27DB-BD31-4B8C-83A1-F6EECF244321}">
+                <p14:modId xmlns:p14="http://schemas.microsoft.com/office/powerpoint/2010/main" val="3384653893"/>
+              </p:ext>
+            </p:extLst>
+          </p:nvPr>
+        </p:nvGraphicFramePr>
+        <p:xfrm>
+          <a:off x="1064362" y="3647441"/>
+          <a:ext cx="8596312" cy="2560320"/>
+        </p:xfrm>
+        <a:graphic>
+          <a:graphicData uri="http://schemas.openxmlformats.org/drawingml/2006/table">
+            <a:tbl>
+              <a:tblPr/>
+              <a:tblGrid>
+                <a:gridCol w="4298156">
+                  <a:extLst>
+                    <a:ext uri="{9D8B030D-6E8A-4147-A177-3AD203B41FA5}">
+                      <a16:colId xmlns:a16="http://schemas.microsoft.com/office/drawing/2014/main" val="1595823355"/>
+                    </a:ext>
+                  </a:extLst>
+                </a:gridCol>
+                <a:gridCol w="4298156">
+                  <a:extLst>
+                    <a:ext uri="{9D8B030D-6E8A-4147-A177-3AD203B41FA5}">
+                      <a16:colId xmlns:a16="http://schemas.microsoft.com/office/drawing/2014/main" val="2785045482"/>
+                    </a:ext>
+                  </a:extLst>
+                </a:gridCol>
+              </a:tblGrid>
+              <a:tr h="0">
+                <a:tc>
+                  <a:txBody>
+                    <a:bodyPr/>
+                    <a:lstStyle/>
+                    <a:p>
+                      <a:r>
+                        <a:rPr lang="en-US" b="1" dirty="0"/>
+                        <a:t>Parameter</a:t>
+                      </a:r>
+                      <a:endParaRPr lang="en-US" dirty="0"/>
+                    </a:p>
+                  </a:txBody>
+                  <a:tcPr anchor="ctr">
+                    <a:lnL>
+                      <a:noFill/>
+                    </a:lnL>
+                    <a:lnR>
+                      <a:noFill/>
+                    </a:lnR>
+                    <a:lnT>
+                      <a:noFill/>
+                    </a:lnT>
+                    <a:lnB>
+                      <a:noFill/>
+                    </a:lnB>
+                  </a:tcPr>
+                </a:tc>
+                <a:tc>
+                  <a:txBody>
+                    <a:bodyPr/>
+                    <a:lstStyle/>
+                    <a:p>
+                      <a:r>
+                        <a:rPr lang="en-US" b="1"/>
+                        <a:t>Details</a:t>
+                      </a:r>
+                      <a:endParaRPr lang="en-US"/>
+                    </a:p>
+                  </a:txBody>
+                  <a:tcPr anchor="ctr">
+                    <a:lnL>
+                      <a:noFill/>
+                    </a:lnL>
+                    <a:lnR>
+                      <a:noFill/>
+                    </a:lnR>
+                    <a:lnT>
+                      <a:noFill/>
+                    </a:lnT>
+                    <a:lnB>
+                      <a:noFill/>
+                    </a:lnB>
+                  </a:tcPr>
+                </a:tc>
+                <a:extLst>
+                  <a:ext uri="{0D108BD9-81ED-4DB2-BD59-A6C34878D82A}">
+                    <a16:rowId xmlns:a16="http://schemas.microsoft.com/office/drawing/2014/main" val="25313154"/>
+                  </a:ext>
+                </a:extLst>
+              </a:tr>
+              <a:tr h="0">
+                <a:tc>
+                  <a:txBody>
+                    <a:bodyPr/>
+                    <a:lstStyle/>
+                    <a:p>
+                      <a:r>
+                        <a:rPr lang="en-US" b="0" dirty="0"/>
+                        <a:t>Model</a:t>
+                      </a:r>
+                    </a:p>
+                  </a:txBody>
+                  <a:tcPr anchor="ctr">
+                    <a:lnL>
+                      <a:noFill/>
+                    </a:lnL>
+                    <a:lnR>
+                      <a:noFill/>
+                    </a:lnR>
+                    <a:lnT>
+                      <a:noFill/>
+                    </a:lnT>
+                    <a:lnB>
+                      <a:noFill/>
+                    </a:lnB>
+                  </a:tcPr>
+                </a:tc>
+                <a:tc>
+                  <a:txBody>
+                    <a:bodyPr/>
+                    <a:lstStyle/>
+                    <a:p>
+                      <a:r>
+                        <a:rPr lang="en-US"/>
+                        <a:t>Gradient Boosting</a:t>
+                      </a:r>
+                    </a:p>
+                  </a:txBody>
+                  <a:tcPr anchor="ctr">
+                    <a:lnL>
+                      <a:noFill/>
+                    </a:lnL>
+                    <a:lnR>
+                      <a:noFill/>
+                    </a:lnR>
+                    <a:lnT>
+                      <a:noFill/>
+                    </a:lnT>
+                    <a:lnB>
+                      <a:noFill/>
+                    </a:lnB>
+                  </a:tcPr>
+                </a:tc>
+                <a:extLst>
+                  <a:ext uri="{0D108BD9-81ED-4DB2-BD59-A6C34878D82A}">
+                    <a16:rowId xmlns:a16="http://schemas.microsoft.com/office/drawing/2014/main" val="402780223"/>
+                  </a:ext>
+                </a:extLst>
+              </a:tr>
+              <a:tr h="0">
+                <a:tc>
+                  <a:txBody>
+                    <a:bodyPr/>
+                    <a:lstStyle/>
+                    <a:p>
+                      <a:r>
+                        <a:rPr lang="en-US" b="0" dirty="0"/>
+                        <a:t>Preprocessing</a:t>
+                      </a:r>
+                    </a:p>
+                  </a:txBody>
+                  <a:tcPr anchor="ctr">
+                    <a:lnL>
+                      <a:noFill/>
+                    </a:lnL>
+                    <a:lnR>
+                      <a:noFill/>
+                    </a:lnR>
+                    <a:lnT>
+                      <a:noFill/>
+                    </a:lnT>
+                    <a:lnB>
+                      <a:noFill/>
+                    </a:lnB>
+                  </a:tcPr>
+                </a:tc>
+                <a:tc>
+                  <a:txBody>
+                    <a:bodyPr/>
+                    <a:lstStyle/>
+                    <a:p>
+                      <a:r>
+                        <a:rPr lang="en-US"/>
+                        <a:t>Basic</a:t>
+                      </a:r>
+                    </a:p>
+                  </a:txBody>
+                  <a:tcPr anchor="ctr">
+                    <a:lnL>
+                      <a:noFill/>
+                    </a:lnL>
+                    <a:lnR>
+                      <a:noFill/>
+                    </a:lnR>
+                    <a:lnT>
+                      <a:noFill/>
+                    </a:lnT>
+                    <a:lnB>
+                      <a:noFill/>
+                    </a:lnB>
+                  </a:tcPr>
+                </a:tc>
+                <a:extLst>
+                  <a:ext uri="{0D108BD9-81ED-4DB2-BD59-A6C34878D82A}">
+                    <a16:rowId xmlns:a16="http://schemas.microsoft.com/office/drawing/2014/main" val="1665576930"/>
+                  </a:ext>
+                </a:extLst>
+              </a:tr>
+              <a:tr h="0">
+                <a:tc>
+                  <a:txBody>
+                    <a:bodyPr/>
+                    <a:lstStyle/>
+                    <a:p>
+                      <a:r>
+                        <a:rPr lang="en-US" b="0" dirty="0"/>
+                        <a:t>Vectorizer</a:t>
+                      </a:r>
+                    </a:p>
+                  </a:txBody>
+                  <a:tcPr anchor="ctr">
+                    <a:lnL>
+                      <a:noFill/>
+                    </a:lnL>
+                    <a:lnR>
+                      <a:noFill/>
+                    </a:lnR>
+                    <a:lnT>
+                      <a:noFill/>
+                    </a:lnT>
+                    <a:lnB>
+                      <a:noFill/>
+                    </a:lnB>
+                  </a:tcPr>
+                </a:tc>
+                <a:tc>
+                  <a:txBody>
+                    <a:bodyPr/>
+                    <a:lstStyle/>
+                    <a:p>
+                      <a:r>
+                        <a:rPr lang="en-US"/>
+                        <a:t>TF-IDF (Standard)</a:t>
+                      </a:r>
+                    </a:p>
+                  </a:txBody>
+                  <a:tcPr anchor="ctr">
+                    <a:lnL>
+                      <a:noFill/>
+                    </a:lnL>
+                    <a:lnR>
+                      <a:noFill/>
+                    </a:lnR>
+                    <a:lnT>
+                      <a:noFill/>
+                    </a:lnT>
+                    <a:lnB>
+                      <a:noFill/>
+                    </a:lnB>
+                  </a:tcPr>
+                </a:tc>
+                <a:extLst>
+                  <a:ext uri="{0D108BD9-81ED-4DB2-BD59-A6C34878D82A}">
+                    <a16:rowId xmlns:a16="http://schemas.microsoft.com/office/drawing/2014/main" val="340822165"/>
+                  </a:ext>
+                </a:extLst>
+              </a:tr>
+              <a:tr h="0">
+                <a:tc>
+                  <a:txBody>
+                    <a:bodyPr/>
+                    <a:lstStyle/>
+                    <a:p>
+                      <a:r>
+                        <a:rPr lang="en-US" b="0" dirty="0"/>
+                        <a:t>Training</a:t>
+                      </a:r>
+                      <a:r>
+                        <a:rPr lang="en-US" b="1" dirty="0"/>
+                        <a:t> </a:t>
+                      </a:r>
+                      <a:r>
+                        <a:rPr lang="en-US" b="0" dirty="0"/>
+                        <a:t>Accuracy</a:t>
+                      </a:r>
+                    </a:p>
+                  </a:txBody>
+                  <a:tcPr anchor="ctr">
+                    <a:lnL>
+                      <a:noFill/>
+                    </a:lnL>
+                    <a:lnR>
+                      <a:noFill/>
+                    </a:lnR>
+                    <a:lnT>
+                      <a:noFill/>
+                    </a:lnT>
+                    <a:lnB>
+                      <a:noFill/>
+                    </a:lnB>
+                  </a:tcPr>
+                </a:tc>
+                <a:tc>
+                  <a:txBody>
+                    <a:bodyPr/>
+                    <a:lstStyle/>
+                    <a:p>
+                      <a:r>
+                        <a:rPr lang="en-US"/>
+                        <a:t>0.3572</a:t>
+                      </a:r>
+                    </a:p>
+                  </a:txBody>
+                  <a:tcPr anchor="ctr">
+                    <a:lnL>
+                      <a:noFill/>
+                    </a:lnL>
+                    <a:lnR>
+                      <a:noFill/>
+                    </a:lnR>
+                    <a:lnT>
+                      <a:noFill/>
+                    </a:lnT>
+                    <a:lnB>
+                      <a:noFill/>
+                    </a:lnB>
+                  </a:tcPr>
+                </a:tc>
+                <a:extLst>
+                  <a:ext uri="{0D108BD9-81ED-4DB2-BD59-A6C34878D82A}">
+                    <a16:rowId xmlns:a16="http://schemas.microsoft.com/office/drawing/2014/main" val="282425283"/>
+                  </a:ext>
+                </a:extLst>
+              </a:tr>
+              <a:tr h="0">
+                <a:tc>
+                  <a:txBody>
+                    <a:bodyPr/>
+                    <a:lstStyle/>
+                    <a:p>
+                      <a:r>
+                        <a:rPr lang="en-US" b="0" dirty="0"/>
+                        <a:t>Validation Accuracy</a:t>
+                      </a:r>
+                    </a:p>
+                  </a:txBody>
+                  <a:tcPr anchor="ctr">
+                    <a:lnL>
+                      <a:noFill/>
+                    </a:lnL>
+                    <a:lnR>
+                      <a:noFill/>
+                    </a:lnR>
+                    <a:lnT>
+                      <a:noFill/>
+                    </a:lnT>
+                    <a:lnB>
+                      <a:noFill/>
+                    </a:lnB>
+                  </a:tcPr>
+                </a:tc>
+                <a:tc>
+                  <a:txBody>
+                    <a:bodyPr/>
+                    <a:lstStyle/>
+                    <a:p>
+                      <a:r>
+                        <a:rPr lang="en-US" b="0" dirty="0"/>
+                        <a:t>0.3450</a:t>
+                      </a:r>
+                    </a:p>
+                  </a:txBody>
+                  <a:tcPr anchor="ctr">
+                    <a:lnL>
+                      <a:noFill/>
+                    </a:lnL>
+                    <a:lnR>
+                      <a:noFill/>
+                    </a:lnR>
+                    <a:lnT>
+                      <a:noFill/>
+                    </a:lnT>
+                    <a:lnB>
+                      <a:noFill/>
+                    </a:lnB>
+                  </a:tcPr>
+                </a:tc>
+                <a:extLst>
+                  <a:ext uri="{0D108BD9-81ED-4DB2-BD59-A6C34878D82A}">
+                    <a16:rowId xmlns:a16="http://schemas.microsoft.com/office/drawing/2014/main" val="3166576367"/>
+                  </a:ext>
+                </a:extLst>
+              </a:tr>
+              <a:tr h="0">
+                <a:tc>
+                  <a:txBody>
+                    <a:bodyPr/>
+                    <a:lstStyle/>
+                    <a:p>
+                      <a:r>
+                        <a:rPr lang="en-US" b="0" dirty="0"/>
+                        <a:t>F1-Macro Score</a:t>
+                      </a:r>
+                    </a:p>
+                  </a:txBody>
+                  <a:tcPr anchor="ctr">
+                    <a:lnL>
+                      <a:noFill/>
+                    </a:lnL>
+                    <a:lnR>
+                      <a:noFill/>
+                    </a:lnR>
+                    <a:lnT>
+                      <a:noFill/>
+                    </a:lnT>
+                    <a:lnB>
+                      <a:noFill/>
+                    </a:lnB>
+                  </a:tcPr>
+                </a:tc>
+                <a:tc>
+                  <a:txBody>
+                    <a:bodyPr/>
+                    <a:lstStyle/>
+                    <a:p>
+                      <a:r>
+                        <a:rPr lang="en-US" b="0" dirty="0"/>
+                        <a:t>0.2248</a:t>
+                      </a:r>
+                    </a:p>
+                  </a:txBody>
+                  <a:tcPr anchor="ctr">
+                    <a:lnL>
+                      <a:noFill/>
+                    </a:lnL>
+                    <a:lnR>
+                      <a:noFill/>
+                    </a:lnR>
+                    <a:lnT>
+                      <a:noFill/>
+                    </a:lnT>
+                    <a:lnB>
+                      <a:noFill/>
+                    </a:lnB>
+                  </a:tcPr>
+                </a:tc>
+                <a:extLst>
+                  <a:ext uri="{0D108BD9-81ED-4DB2-BD59-A6C34878D82A}">
+                    <a16:rowId xmlns:a16="http://schemas.microsoft.com/office/drawing/2014/main" val="3918115088"/>
+                  </a:ext>
+                </a:extLst>
+              </a:tr>
+            </a:tbl>
+          </a:graphicData>
+        </a:graphic>
+      </p:graphicFrame>
+    </p:spTree>
+    <p:extLst>
+      <p:ext uri="{BB962C8B-B14F-4D97-AF65-F5344CB8AC3E}">
+        <p14:creationId xmlns:p14="http://schemas.microsoft.com/office/powerpoint/2010/main" val="3674145016"/>
+      </p:ext>
+    </p:extLst>
+  </p:cSld>
+  <p:clrMapOvr>
+    <a:masterClrMapping/>
+  </p:clrMapOvr>
+</p:sld>
+</file>
+
+<file path=ppt/slides/slide9.xml><?xml version="1.0" encoding="utf-8"?>
+<p:sld xmlns:a="http://schemas.openxmlformats.org/drawingml/2006/main" xmlns:r="http://schemas.openxmlformats.org/officeDocument/2006/relationships" xmlns:p="http://schemas.openxmlformats.org/presentationml/2006/main">
+  <p:cSld>
+    <p:spTree>
+      <p:nvGrpSpPr>
+        <p:cNvPr id="1" name=""/>
+        <p:cNvGrpSpPr/>
+        <p:nvPr/>
+      </p:nvGrpSpPr>
+      <p:grpSpPr>
+        <a:xfrm>
+          <a:off x="0" y="0"/>
+          <a:ext cx="0" cy="0"/>
+          <a:chOff x="0" y="0"/>
+          <a:chExt cx="0" cy="0"/>
+        </a:xfrm>
+      </p:grpSpPr>
+      <p:sp>
+        <p:nvSpPr>
+          <p:cNvPr id="2" name="Title 1">
+            <a:extLst>
+              <a:ext uri="{FF2B5EF4-FFF2-40B4-BE49-F238E27FC236}">
+                <a16:creationId xmlns:a16="http://schemas.microsoft.com/office/drawing/2014/main" id="{6E1D51D1-E209-4996-8825-E032DB57E9DE}"/>
+              </a:ext>
+            </a:extLst>
+          </p:cNvPr>
+          <p:cNvSpPr>
+            <a:spLocks noGrp="1"/>
+          </p:cNvSpPr>
+          <p:nvPr>
+            <p:ph type="title"/>
+          </p:nvPr>
+        </p:nvSpPr>
+        <p:spPr/>
+        <p:txBody>
+          <a:bodyPr/>
+          <a:lstStyle/>
+          <a:p>
+            <a:r>
+              <a:rPr lang="en-US" dirty="0"/>
+              <a:t>Deployed URL</a:t>
+            </a:r>
+          </a:p>
+        </p:txBody>
+      </p:sp>
+      <p:sp>
+        <p:nvSpPr>
+          <p:cNvPr id="3" name="Content Placeholder 2">
+            <a:extLst>
+              <a:ext uri="{FF2B5EF4-FFF2-40B4-BE49-F238E27FC236}">
+                <a16:creationId xmlns:a16="http://schemas.microsoft.com/office/drawing/2014/main" id="{7AA95387-778C-4B01-8FDA-732132701C59}"/>
+              </a:ext>
+            </a:extLst>
+          </p:cNvPr>
+          <p:cNvSpPr>
+            <a:spLocks noGrp="1"/>
+          </p:cNvSpPr>
+          <p:nvPr>
+            <p:ph idx="1"/>
+          </p:nvPr>
+        </p:nvSpPr>
+        <p:spPr/>
+        <p:txBody>
+          <a:bodyPr/>
+          <a:lstStyle/>
+          <a:p>
+            <a:r>
+              <a:rPr lang="en-US" dirty="0">
+                <a:hlinkClick r:id="rId2"/>
+              </a:rPr>
+              <a:t>Click to open</a:t>
+            </a:r>
+            <a:endParaRPr lang="en-US" dirty="0"/>
+          </a:p>
+        </p:txBody>
+      </p:sp>
+    </p:spTree>
+    <p:extLst>
+      <p:ext uri="{BB962C8B-B14F-4D97-AF65-F5344CB8AC3E}">
+        <p14:creationId xmlns:p14="http://schemas.microsoft.com/office/powerpoint/2010/main" val="4201121988"/>
       </p:ext>
     </p:extLst>
   </p:cSld>

--- a/Imposter.pptx
+++ b/Imposter.pptx
@@ -4,6 +4,9 @@
   <p:sldMasterIdLst>
     <p:sldMasterId id="2147483648" r:id="rId1"/>
   </p:sldMasterIdLst>
+  <p:notesMasterIdLst>
+    <p:notesMasterId r:id="rId17"/>
+  </p:notesMasterIdLst>
   <p:sldIdLst>
     <p:sldId id="256" r:id="rId2"/>
     <p:sldId id="257" r:id="rId3"/>
@@ -11,10 +14,15 @@
     <p:sldId id="262" r:id="rId5"/>
     <p:sldId id="263" r:id="rId6"/>
     <p:sldId id="259" r:id="rId7"/>
-    <p:sldId id="264" r:id="rId8"/>
-    <p:sldId id="260" r:id="rId9"/>
-    <p:sldId id="265" r:id="rId10"/>
-    <p:sldId id="261" r:id="rId11"/>
+    <p:sldId id="270" r:id="rId8"/>
+    <p:sldId id="269" r:id="rId9"/>
+    <p:sldId id="266" r:id="rId10"/>
+    <p:sldId id="267" r:id="rId11"/>
+    <p:sldId id="264" r:id="rId12"/>
+    <p:sldId id="271" r:id="rId13"/>
+    <p:sldId id="260" r:id="rId14"/>
+    <p:sldId id="265" r:id="rId15"/>
+    <p:sldId id="261" r:id="rId16"/>
   </p:sldIdLst>
   <p:sldSz cx="12192000" cy="6858000"/>
   <p:notesSz cx="6858000" cy="9144000"/>
@@ -119,6 +127,355 @@
     </p:ext>
   </p:extLst>
 </p:presentation>
+</file>
+
+<file path=ppt/notesMasters/notesMaster1.xml><?xml version="1.0" encoding="utf-8"?>
+<p:notesMaster xmlns:a="http://schemas.openxmlformats.org/drawingml/2006/main" xmlns:r="http://schemas.openxmlformats.org/officeDocument/2006/relationships" xmlns:p="http://schemas.openxmlformats.org/presentationml/2006/main">
+  <p:cSld>
+    <p:bg>
+      <p:bgRef idx="1001">
+        <a:schemeClr val="bg1"/>
+      </p:bgRef>
+    </p:bg>
+    <p:spTree>
+      <p:nvGrpSpPr>
+        <p:cNvPr id="1" name=""/>
+        <p:cNvGrpSpPr/>
+        <p:nvPr/>
+      </p:nvGrpSpPr>
+      <p:grpSpPr>
+        <a:xfrm>
+          <a:off x="0" y="0"/>
+          <a:ext cx="0" cy="0"/>
+          <a:chOff x="0" y="0"/>
+          <a:chExt cx="0" cy="0"/>
+        </a:xfrm>
+      </p:grpSpPr>
+      <p:sp>
+        <p:nvSpPr>
+          <p:cNvPr id="2" name="Header Placeholder 1"/>
+          <p:cNvSpPr>
+            <a:spLocks noGrp="1"/>
+          </p:cNvSpPr>
+          <p:nvPr>
+            <p:ph type="hdr" sz="quarter"/>
+          </p:nvPr>
+        </p:nvSpPr>
+        <p:spPr>
+          <a:xfrm>
+            <a:off x="0" y="0"/>
+            <a:ext cx="2971800" cy="458788"/>
+          </a:xfrm>
+          <a:prstGeom prst="rect">
+            <a:avLst/>
+          </a:prstGeom>
+        </p:spPr>
+        <p:txBody>
+          <a:bodyPr vert="horz" lIns="91440" tIns="45720" rIns="91440" bIns="45720" rtlCol="0"/>
+          <a:lstStyle>
+            <a:lvl1pPr algn="l">
+              <a:defRPr sz="1200"/>
+            </a:lvl1pPr>
+          </a:lstStyle>
+          <a:p>
+            <a:endParaRPr lang="en-US"/>
+          </a:p>
+        </p:txBody>
+      </p:sp>
+      <p:sp>
+        <p:nvSpPr>
+          <p:cNvPr id="3" name="Date Placeholder 2"/>
+          <p:cNvSpPr>
+            <a:spLocks noGrp="1"/>
+          </p:cNvSpPr>
+          <p:nvPr>
+            <p:ph type="dt" idx="1"/>
+          </p:nvPr>
+        </p:nvSpPr>
+        <p:spPr>
+          <a:xfrm>
+            <a:off x="3884613" y="0"/>
+            <a:ext cx="2971800" cy="458788"/>
+          </a:xfrm>
+          <a:prstGeom prst="rect">
+            <a:avLst/>
+          </a:prstGeom>
+        </p:spPr>
+        <p:txBody>
+          <a:bodyPr vert="horz" lIns="91440" tIns="45720" rIns="91440" bIns="45720" rtlCol="0"/>
+          <a:lstStyle>
+            <a:lvl1pPr algn="r">
+              <a:defRPr sz="1200"/>
+            </a:lvl1pPr>
+          </a:lstStyle>
+          <a:p>
+            <a:fld id="{8095211E-FF04-4F66-BD9B-ED115027C58E}" type="datetimeFigureOut">
+              <a:rPr lang="en-US" smtClean="0"/>
+              <a:t>10/16/2025</a:t>
+            </a:fld>
+            <a:endParaRPr lang="en-US"/>
+          </a:p>
+        </p:txBody>
+      </p:sp>
+      <p:sp>
+        <p:nvSpPr>
+          <p:cNvPr id="4" name="Slide Image Placeholder 3"/>
+          <p:cNvSpPr>
+            <a:spLocks noGrp="1" noRot="1" noChangeAspect="1"/>
+          </p:cNvSpPr>
+          <p:nvPr>
+            <p:ph type="sldImg" idx="2"/>
+          </p:nvPr>
+        </p:nvSpPr>
+        <p:spPr>
+          <a:xfrm>
+            <a:off x="685800" y="1143000"/>
+            <a:ext cx="5486400" cy="3086100"/>
+          </a:xfrm>
+          <a:prstGeom prst="rect">
+            <a:avLst/>
+          </a:prstGeom>
+          <a:noFill/>
+          <a:ln w="12700">
+            <a:solidFill>
+              <a:prstClr val="black"/>
+            </a:solidFill>
+          </a:ln>
+        </p:spPr>
+        <p:txBody>
+          <a:bodyPr vert="horz" lIns="91440" tIns="45720" rIns="91440" bIns="45720" rtlCol="0" anchor="ctr"/>
+          <a:lstStyle/>
+          <a:p>
+            <a:endParaRPr lang="en-US"/>
+          </a:p>
+        </p:txBody>
+      </p:sp>
+      <p:sp>
+        <p:nvSpPr>
+          <p:cNvPr id="5" name="Notes Placeholder 4"/>
+          <p:cNvSpPr>
+            <a:spLocks noGrp="1"/>
+          </p:cNvSpPr>
+          <p:nvPr>
+            <p:ph type="body" sz="quarter" idx="3"/>
+          </p:nvPr>
+        </p:nvSpPr>
+        <p:spPr>
+          <a:xfrm>
+            <a:off x="685800" y="4400550"/>
+            <a:ext cx="5486400" cy="3600450"/>
+          </a:xfrm>
+          <a:prstGeom prst="rect">
+            <a:avLst/>
+          </a:prstGeom>
+        </p:spPr>
+        <p:txBody>
+          <a:bodyPr vert="horz" lIns="91440" tIns="45720" rIns="91440" bIns="45720" rtlCol="0"/>
+          <a:lstStyle/>
+          <a:p>
+            <a:pPr lvl="0"/>
+            <a:r>
+              <a:rPr lang="en-US"/>
+              <a:t>Edit Master text styles</a:t>
+            </a:r>
+          </a:p>
+          <a:p>
+            <a:pPr lvl="1"/>
+            <a:r>
+              <a:rPr lang="en-US"/>
+              <a:t>Second level</a:t>
+            </a:r>
+          </a:p>
+          <a:p>
+            <a:pPr lvl="2"/>
+            <a:r>
+              <a:rPr lang="en-US"/>
+              <a:t>Third level</a:t>
+            </a:r>
+          </a:p>
+          <a:p>
+            <a:pPr lvl="3"/>
+            <a:r>
+              <a:rPr lang="en-US"/>
+              <a:t>Fourth level</a:t>
+            </a:r>
+          </a:p>
+          <a:p>
+            <a:pPr lvl="4"/>
+            <a:r>
+              <a:rPr lang="en-US"/>
+              <a:t>Fifth level</a:t>
+            </a:r>
+          </a:p>
+        </p:txBody>
+      </p:sp>
+      <p:sp>
+        <p:nvSpPr>
+          <p:cNvPr id="6" name="Footer Placeholder 5"/>
+          <p:cNvSpPr>
+            <a:spLocks noGrp="1"/>
+          </p:cNvSpPr>
+          <p:nvPr>
+            <p:ph type="ftr" sz="quarter" idx="4"/>
+          </p:nvPr>
+        </p:nvSpPr>
+        <p:spPr>
+          <a:xfrm>
+            <a:off x="0" y="8685213"/>
+            <a:ext cx="2971800" cy="458787"/>
+          </a:xfrm>
+          <a:prstGeom prst="rect">
+            <a:avLst/>
+          </a:prstGeom>
+        </p:spPr>
+        <p:txBody>
+          <a:bodyPr vert="horz" lIns="91440" tIns="45720" rIns="91440" bIns="45720" rtlCol="0" anchor="b"/>
+          <a:lstStyle>
+            <a:lvl1pPr algn="l">
+              <a:defRPr sz="1200"/>
+            </a:lvl1pPr>
+          </a:lstStyle>
+          <a:p>
+            <a:endParaRPr lang="en-US"/>
+          </a:p>
+        </p:txBody>
+      </p:sp>
+      <p:sp>
+        <p:nvSpPr>
+          <p:cNvPr id="7" name="Slide Number Placeholder 6"/>
+          <p:cNvSpPr>
+            <a:spLocks noGrp="1"/>
+          </p:cNvSpPr>
+          <p:nvPr>
+            <p:ph type="sldNum" sz="quarter" idx="5"/>
+          </p:nvPr>
+        </p:nvSpPr>
+        <p:spPr>
+          <a:xfrm>
+            <a:off x="3884613" y="8685213"/>
+            <a:ext cx="2971800" cy="458787"/>
+          </a:xfrm>
+          <a:prstGeom prst="rect">
+            <a:avLst/>
+          </a:prstGeom>
+        </p:spPr>
+        <p:txBody>
+          <a:bodyPr vert="horz" lIns="91440" tIns="45720" rIns="91440" bIns="45720" rtlCol="0" anchor="b"/>
+          <a:lstStyle>
+            <a:lvl1pPr algn="r">
+              <a:defRPr sz="1200"/>
+            </a:lvl1pPr>
+          </a:lstStyle>
+          <a:p>
+            <a:fld id="{A8E123A1-71E6-4F41-BC2F-5CCF829A5379}" type="slidenum">
+              <a:rPr lang="en-US" smtClean="0"/>
+              <a:t>‹#›</a:t>
+            </a:fld>
+            <a:endParaRPr lang="en-US"/>
+          </a:p>
+        </p:txBody>
+      </p:sp>
+    </p:spTree>
+    <p:extLst>
+      <p:ext uri="{BB962C8B-B14F-4D97-AF65-F5344CB8AC3E}">
+        <p14:creationId xmlns:p14="http://schemas.microsoft.com/office/powerpoint/2010/main" val="1935053055"/>
+      </p:ext>
+    </p:extLst>
+  </p:cSld>
+  <p:clrMap bg1="lt1" tx1="dk1" bg2="lt2" tx2="dk2" accent1="accent1" accent2="accent2" accent3="accent3" accent4="accent4" accent5="accent5" accent6="accent6" hlink="hlink" folHlink="folHlink"/>
+  <p:notesStyle>
+    <a:lvl1pPr marL="0" algn="l" defTabSz="914400" rtl="0" eaLnBrk="1" latinLnBrk="0" hangingPunct="1">
+      <a:defRPr sz="1200" kern="1200">
+        <a:solidFill>
+          <a:schemeClr val="tx1"/>
+        </a:solidFill>
+        <a:latin typeface="+mn-lt"/>
+        <a:ea typeface="+mn-ea"/>
+        <a:cs typeface="+mn-cs"/>
+      </a:defRPr>
+    </a:lvl1pPr>
+    <a:lvl2pPr marL="457200" algn="l" defTabSz="914400" rtl="0" eaLnBrk="1" latinLnBrk="0" hangingPunct="1">
+      <a:defRPr sz="1200" kern="1200">
+        <a:solidFill>
+          <a:schemeClr val="tx1"/>
+        </a:solidFill>
+        <a:latin typeface="+mn-lt"/>
+        <a:ea typeface="+mn-ea"/>
+        <a:cs typeface="+mn-cs"/>
+      </a:defRPr>
+    </a:lvl2pPr>
+    <a:lvl3pPr marL="914400" algn="l" defTabSz="914400" rtl="0" eaLnBrk="1" latinLnBrk="0" hangingPunct="1">
+      <a:defRPr sz="1200" kern="1200">
+        <a:solidFill>
+          <a:schemeClr val="tx1"/>
+        </a:solidFill>
+        <a:latin typeface="+mn-lt"/>
+        <a:ea typeface="+mn-ea"/>
+        <a:cs typeface="+mn-cs"/>
+      </a:defRPr>
+    </a:lvl3pPr>
+    <a:lvl4pPr marL="1371600" algn="l" defTabSz="914400" rtl="0" eaLnBrk="1" latinLnBrk="0" hangingPunct="1">
+      <a:defRPr sz="1200" kern="1200">
+        <a:solidFill>
+          <a:schemeClr val="tx1"/>
+        </a:solidFill>
+        <a:latin typeface="+mn-lt"/>
+        <a:ea typeface="+mn-ea"/>
+        <a:cs typeface="+mn-cs"/>
+      </a:defRPr>
+    </a:lvl4pPr>
+    <a:lvl5pPr marL="1828800" algn="l" defTabSz="914400" rtl="0" eaLnBrk="1" latinLnBrk="0" hangingPunct="1">
+      <a:defRPr sz="1200" kern="1200">
+        <a:solidFill>
+          <a:schemeClr val="tx1"/>
+        </a:solidFill>
+        <a:latin typeface="+mn-lt"/>
+        <a:ea typeface="+mn-ea"/>
+        <a:cs typeface="+mn-cs"/>
+      </a:defRPr>
+    </a:lvl5pPr>
+    <a:lvl6pPr marL="2286000" algn="l" defTabSz="914400" rtl="0" eaLnBrk="1" latinLnBrk="0" hangingPunct="1">
+      <a:defRPr sz="1200" kern="1200">
+        <a:solidFill>
+          <a:schemeClr val="tx1"/>
+        </a:solidFill>
+        <a:latin typeface="+mn-lt"/>
+        <a:ea typeface="+mn-ea"/>
+        <a:cs typeface="+mn-cs"/>
+      </a:defRPr>
+    </a:lvl6pPr>
+    <a:lvl7pPr marL="2743200" algn="l" defTabSz="914400" rtl="0" eaLnBrk="1" latinLnBrk="0" hangingPunct="1">
+      <a:defRPr sz="1200" kern="1200">
+        <a:solidFill>
+          <a:schemeClr val="tx1"/>
+        </a:solidFill>
+        <a:latin typeface="+mn-lt"/>
+        <a:ea typeface="+mn-ea"/>
+        <a:cs typeface="+mn-cs"/>
+      </a:defRPr>
+    </a:lvl7pPr>
+    <a:lvl8pPr marL="3200400" algn="l" defTabSz="914400" rtl="0" eaLnBrk="1" latinLnBrk="0" hangingPunct="1">
+      <a:defRPr sz="1200" kern="1200">
+        <a:solidFill>
+          <a:schemeClr val="tx1"/>
+        </a:solidFill>
+        <a:latin typeface="+mn-lt"/>
+        <a:ea typeface="+mn-ea"/>
+        <a:cs typeface="+mn-cs"/>
+      </a:defRPr>
+    </a:lvl8pPr>
+    <a:lvl9pPr marL="3657600" algn="l" defTabSz="914400" rtl="0" eaLnBrk="1" latinLnBrk="0" hangingPunct="1">
+      <a:defRPr sz="1200" kern="1200">
+        <a:solidFill>
+          <a:schemeClr val="tx1"/>
+        </a:solidFill>
+        <a:latin typeface="+mn-lt"/>
+        <a:ea typeface="+mn-ea"/>
+        <a:cs typeface="+mn-cs"/>
+      </a:defRPr>
+    </a:lvl9pPr>
+  </p:notesStyle>
+</p:notesMaster>
 </file>
 
 <file path=ppt/slideLayouts/slideLayout1.xml><?xml version="1.0" encoding="utf-8"?>
@@ -867,7 +1224,7 @@
             <a:fld id="{B61BEF0D-F0BB-DE4B-95CE-6DB70DBA9567}" type="datetimeFigureOut">
               <a:rPr lang="en-US" dirty="0"/>
               <a:pPr/>
-              <a:t>10/14/2025</a:t>
+              <a:t>10/16/2025</a:t>
             </a:fld>
             <a:endParaRPr lang="en-US" dirty="0"/>
           </a:p>
@@ -1115,7 +1472,7 @@
             <a:fld id="{B61BEF0D-F0BB-DE4B-95CE-6DB70DBA9567}" type="datetimeFigureOut">
               <a:rPr lang="en-US" dirty="0"/>
               <a:pPr/>
-              <a:t>10/14/2025</a:t>
+              <a:t>10/16/2025</a:t>
             </a:fld>
             <a:endParaRPr lang="en-US" dirty="0"/>
           </a:p>
@@ -1426,7 +1783,7 @@
             <a:fld id="{B61BEF0D-F0BB-DE4B-95CE-6DB70DBA9567}" type="datetimeFigureOut">
               <a:rPr lang="en-US" dirty="0"/>
               <a:pPr/>
-              <a:t>10/14/2025</a:t>
+              <a:t>10/16/2025</a:t>
             </a:fld>
             <a:endParaRPr lang="en-US" dirty="0"/>
           </a:p>
@@ -1756,7 +2113,7 @@
             <a:fld id="{B61BEF0D-F0BB-DE4B-95CE-6DB70DBA9567}" type="datetimeFigureOut">
               <a:rPr lang="en-US" dirty="0"/>
               <a:pPr/>
-              <a:t>10/14/2025</a:t>
+              <a:t>10/16/2025</a:t>
             </a:fld>
             <a:endParaRPr lang="en-US" dirty="0"/>
           </a:p>
@@ -2067,7 +2424,7 @@
             <a:fld id="{B61BEF0D-F0BB-DE4B-95CE-6DB70DBA9567}" type="datetimeFigureOut">
               <a:rPr lang="en-US" dirty="0"/>
               <a:pPr/>
-              <a:t>10/14/2025</a:t>
+              <a:t>10/16/2025</a:t>
             </a:fld>
             <a:endParaRPr lang="en-US" dirty="0"/>
           </a:p>
@@ -2457,7 +2814,7 @@
             <a:fld id="{B61BEF0D-F0BB-DE4B-95CE-6DB70DBA9567}" type="datetimeFigureOut">
               <a:rPr lang="en-US" dirty="0"/>
               <a:pPr/>
-              <a:t>10/14/2025</a:t>
+              <a:t>10/16/2025</a:t>
             </a:fld>
             <a:endParaRPr lang="en-US" dirty="0"/>
           </a:p>
@@ -2623,7 +2980,7 @@
           <a:p>
             <a:fld id="{55C6B4A9-1611-4792-9094-5F34BCA07E0B}" type="datetimeFigureOut">
               <a:rPr lang="en-US" dirty="0"/>
-              <a:t>10/14/2025</a:t>
+              <a:t>10/16/2025</a:t>
             </a:fld>
             <a:endParaRPr lang="en-US" dirty="0"/>
           </a:p>
@@ -2799,7 +3156,7 @@
             <a:fld id="{B61BEF0D-F0BB-DE4B-95CE-6DB70DBA9567}" type="datetimeFigureOut">
               <a:rPr lang="en-US" dirty="0"/>
               <a:pPr/>
-              <a:t>10/14/2025</a:t>
+              <a:t>10/16/2025</a:t>
             </a:fld>
             <a:endParaRPr lang="en-US" dirty="0"/>
           </a:p>
@@ -2965,7 +3322,7 @@
           <a:p>
             <a:fld id="{42A54C80-263E-416B-A8E0-580EDEADCBDC}" type="datetimeFigureOut">
               <a:rPr lang="en-US" dirty="0"/>
-              <a:t>10/14/2025</a:t>
+              <a:t>10/16/2025</a:t>
             </a:fld>
             <a:endParaRPr lang="en-US" dirty="0"/>
           </a:p>
@@ -3208,7 +3565,7 @@
             <a:fld id="{B61BEF0D-F0BB-DE4B-95CE-6DB70DBA9567}" type="datetimeFigureOut">
               <a:rPr lang="en-US" dirty="0"/>
               <a:pPr/>
-              <a:t>10/14/2025</a:t>
+              <a:t>10/16/2025</a:t>
             </a:fld>
             <a:endParaRPr lang="en-US" dirty="0"/>
           </a:p>
@@ -3436,7 +3793,7 @@
           <a:p>
             <a:fld id="{42A54C80-263E-416B-A8E0-580EDEADCBDC}" type="datetimeFigureOut">
               <a:rPr lang="en-US" dirty="0"/>
-              <a:t>10/14/2025</a:t>
+              <a:t>10/16/2025</a:t>
             </a:fld>
             <a:endParaRPr lang="en-US" dirty="0"/>
           </a:p>
@@ -3806,7 +4163,7 @@
             <a:fld id="{B61BEF0D-F0BB-DE4B-95CE-6DB70DBA9567}" type="datetimeFigureOut">
               <a:rPr lang="en-US" dirty="0"/>
               <a:pPr/>
-              <a:t>10/14/2025</a:t>
+              <a:t>10/16/2025</a:t>
             </a:fld>
             <a:endParaRPr lang="en-US" dirty="0"/>
           </a:p>
@@ -3926,7 +4283,7 @@
             <a:fld id="{B61BEF0D-F0BB-DE4B-95CE-6DB70DBA9567}" type="datetimeFigureOut">
               <a:rPr lang="en-US" dirty="0"/>
               <a:pPr/>
-              <a:t>10/14/2025</a:t>
+              <a:t>10/16/2025</a:t>
             </a:fld>
             <a:endParaRPr lang="en-US" dirty="0"/>
           </a:p>
@@ -4018,7 +4375,7 @@
             <a:fld id="{B61BEF0D-F0BB-DE4B-95CE-6DB70DBA9567}" type="datetimeFigureOut">
               <a:rPr lang="en-US" dirty="0"/>
               <a:pPr/>
-              <a:t>10/14/2025</a:t>
+              <a:t>10/16/2025</a:t>
             </a:fld>
             <a:endParaRPr lang="en-US" dirty="0"/>
           </a:p>
@@ -4269,7 +4626,7 @@
           <a:p>
             <a:fld id="{42A54C80-263E-416B-A8E0-580EDEADCBDC}" type="datetimeFigureOut">
               <a:rPr lang="en-US" dirty="0"/>
-              <a:t>10/14/2025</a:t>
+              <a:t>10/16/2025</a:t>
             </a:fld>
             <a:endParaRPr lang="en-US" dirty="0"/>
           </a:p>
@@ -4571,7 +4928,7 @@
             <a:fld id="{B61BEF0D-F0BB-DE4B-95CE-6DB70DBA9567}" type="datetimeFigureOut">
               <a:rPr lang="en-US" dirty="0"/>
               <a:pPr/>
-              <a:t>10/14/2025</a:t>
+              <a:t>10/16/2025</a:t>
             </a:fld>
             <a:endParaRPr lang="en-US" dirty="0"/>
           </a:p>
@@ -5269,7 +5626,7 @@
             <a:fld id="{B61BEF0D-F0BB-DE4B-95CE-6DB70DBA9567}" type="datetimeFigureOut">
               <a:rPr lang="en-US" dirty="0"/>
               <a:pPr/>
-              <a:t>10/14/2025</a:t>
+              <a:t>10/16/2025</a:t>
             </a:fld>
             <a:endParaRPr lang="en-US" dirty="0"/>
           </a:p>
@@ -5877,10 +6234,334 @@
       </p:grpSpPr>
       <p:sp>
         <p:nvSpPr>
-          <p:cNvPr id="4" name="TextBox 3">
+          <p:cNvPr id="2" name="Title 1">
             <a:extLst>
               <a:ext uri="{FF2B5EF4-FFF2-40B4-BE49-F238E27FC236}">
-                <a16:creationId xmlns:a16="http://schemas.microsoft.com/office/drawing/2014/main" id="{FFA8ED56-5502-40FD-B174-7C92879391B0}"/>
+                <a16:creationId xmlns:a16="http://schemas.microsoft.com/office/drawing/2014/main" id="{2E6490BD-726B-42E6-81EE-5C7F2D2289B7}"/>
+              </a:ext>
+            </a:extLst>
+          </p:cNvPr>
+          <p:cNvSpPr>
+            <a:spLocks noGrp="1"/>
+          </p:cNvSpPr>
+          <p:nvPr>
+            <p:ph type="title"/>
+          </p:nvPr>
+        </p:nvSpPr>
+        <p:spPr>
+          <a:xfrm>
+            <a:off x="677334" y="609600"/>
+            <a:ext cx="8596668" cy="705640"/>
+          </a:xfrm>
+        </p:spPr>
+        <p:txBody>
+          <a:bodyPr>
+            <a:normAutofit/>
+          </a:bodyPr>
+          <a:lstStyle/>
+          <a:p>
+            <a:r>
+              <a:rPr lang="en-US" dirty="0" err="1"/>
+              <a:t>Cont</a:t>
+            </a:r>
+            <a:r>
+              <a:rPr lang="en-US" dirty="0"/>
+              <a:t>…</a:t>
+            </a:r>
+          </a:p>
+        </p:txBody>
+      </p:sp>
+      <p:sp>
+        <p:nvSpPr>
+          <p:cNvPr id="4" name="Rectangle 3">
+            <a:extLst>
+              <a:ext uri="{FF2B5EF4-FFF2-40B4-BE49-F238E27FC236}">
+                <a16:creationId xmlns:a16="http://schemas.microsoft.com/office/drawing/2014/main" id="{0D30BB94-A0E9-4B9E-AC5D-EEF164548C31}"/>
+              </a:ext>
+            </a:extLst>
+          </p:cNvPr>
+          <p:cNvSpPr/>
+          <p:nvPr/>
+        </p:nvSpPr>
+        <p:spPr>
+          <a:xfrm>
+            <a:off x="486628" y="1659118"/>
+            <a:ext cx="1894787" cy="961534"/>
+          </a:xfrm>
+          <a:prstGeom prst="rect">
+            <a:avLst/>
+          </a:prstGeom>
+        </p:spPr>
+        <p:style>
+          <a:lnRef idx="2">
+            <a:schemeClr val="accent1">
+              <a:shade val="50000"/>
+            </a:schemeClr>
+          </a:lnRef>
+          <a:fillRef idx="1">
+            <a:schemeClr val="accent1"/>
+          </a:fillRef>
+          <a:effectRef idx="0">
+            <a:schemeClr val="accent1"/>
+          </a:effectRef>
+          <a:fontRef idx="minor">
+            <a:schemeClr val="lt1"/>
+          </a:fontRef>
+        </p:style>
+        <p:txBody>
+          <a:bodyPr rtlCol="0" anchor="ctr"/>
+          <a:lstStyle/>
+          <a:p>
+            <a:pPr algn="ctr"/>
+            <a:r>
+              <a:rPr lang="en-US" dirty="0"/>
+              <a:t>Linear SVM</a:t>
+            </a:r>
+          </a:p>
+        </p:txBody>
+      </p:sp>
+      <p:sp>
+        <p:nvSpPr>
+          <p:cNvPr id="5" name="Rectangle 4">
+            <a:extLst>
+              <a:ext uri="{FF2B5EF4-FFF2-40B4-BE49-F238E27FC236}">
+                <a16:creationId xmlns:a16="http://schemas.microsoft.com/office/drawing/2014/main" id="{0B133180-AC7E-48A2-8233-52C2C207BB95}"/>
+              </a:ext>
+            </a:extLst>
+          </p:cNvPr>
+          <p:cNvSpPr/>
+          <p:nvPr/>
+        </p:nvSpPr>
+        <p:spPr>
+          <a:xfrm>
+            <a:off x="3577363" y="1659118"/>
+            <a:ext cx="1894787" cy="961534"/>
+          </a:xfrm>
+          <a:prstGeom prst="rect">
+            <a:avLst/>
+          </a:prstGeom>
+        </p:spPr>
+        <p:style>
+          <a:lnRef idx="2">
+            <a:schemeClr val="accent1">
+              <a:shade val="50000"/>
+            </a:schemeClr>
+          </a:lnRef>
+          <a:fillRef idx="1">
+            <a:schemeClr val="accent1"/>
+          </a:fillRef>
+          <a:effectRef idx="0">
+            <a:schemeClr val="accent1"/>
+          </a:effectRef>
+          <a:fontRef idx="minor">
+            <a:schemeClr val="lt1"/>
+          </a:fontRef>
+        </p:style>
+        <p:txBody>
+          <a:bodyPr rtlCol="0" anchor="ctr"/>
+          <a:lstStyle/>
+          <a:p>
+            <a:pPr algn="ctr"/>
+            <a:r>
+              <a:rPr lang="en-US" dirty="0"/>
+              <a:t>Naïve Byes</a:t>
+            </a:r>
+          </a:p>
+        </p:txBody>
+      </p:sp>
+      <p:sp>
+        <p:nvSpPr>
+          <p:cNvPr id="6" name="Rectangle 5">
+            <a:extLst>
+              <a:ext uri="{FF2B5EF4-FFF2-40B4-BE49-F238E27FC236}">
+                <a16:creationId xmlns:a16="http://schemas.microsoft.com/office/drawing/2014/main" id="{FC9B4A99-425C-4C2C-B9BE-6CEE5486D887}"/>
+              </a:ext>
+            </a:extLst>
+          </p:cNvPr>
+          <p:cNvSpPr/>
+          <p:nvPr/>
+        </p:nvSpPr>
+        <p:spPr>
+          <a:xfrm>
+            <a:off x="6668101" y="1659118"/>
+            <a:ext cx="1894787" cy="961534"/>
+          </a:xfrm>
+          <a:prstGeom prst="rect">
+            <a:avLst/>
+          </a:prstGeom>
+        </p:spPr>
+        <p:style>
+          <a:lnRef idx="2">
+            <a:schemeClr val="accent1">
+              <a:shade val="50000"/>
+            </a:schemeClr>
+          </a:lnRef>
+          <a:fillRef idx="1">
+            <a:schemeClr val="accent1"/>
+          </a:fillRef>
+          <a:effectRef idx="0">
+            <a:schemeClr val="accent1"/>
+          </a:effectRef>
+          <a:fontRef idx="minor">
+            <a:schemeClr val="lt1"/>
+          </a:fontRef>
+        </p:style>
+        <p:txBody>
+          <a:bodyPr rtlCol="0" anchor="ctr"/>
+          <a:lstStyle/>
+          <a:p>
+            <a:pPr algn="ctr"/>
+            <a:r>
+              <a:rPr lang="en-US" dirty="0"/>
+              <a:t>LSTM</a:t>
+            </a:r>
+          </a:p>
+        </p:txBody>
+      </p:sp>
+      <p:sp>
+        <p:nvSpPr>
+          <p:cNvPr id="9" name="Arrow: Down 8">
+            <a:extLst>
+              <a:ext uri="{FF2B5EF4-FFF2-40B4-BE49-F238E27FC236}">
+                <a16:creationId xmlns:a16="http://schemas.microsoft.com/office/drawing/2014/main" id="{A62AC8CE-01A3-40EC-AFCD-564C50E506E5}"/>
+              </a:ext>
+            </a:extLst>
+          </p:cNvPr>
+          <p:cNvSpPr/>
+          <p:nvPr/>
+        </p:nvSpPr>
+        <p:spPr>
+          <a:xfrm>
+            <a:off x="1191705" y="2828041"/>
+            <a:ext cx="484632" cy="978408"/>
+          </a:xfrm>
+          <a:prstGeom prst="downArrow">
+            <a:avLst/>
+          </a:prstGeom>
+        </p:spPr>
+        <p:style>
+          <a:lnRef idx="2">
+            <a:schemeClr val="accent1">
+              <a:shade val="50000"/>
+            </a:schemeClr>
+          </a:lnRef>
+          <a:fillRef idx="1">
+            <a:schemeClr val="accent1"/>
+          </a:fillRef>
+          <a:effectRef idx="0">
+            <a:schemeClr val="accent1"/>
+          </a:effectRef>
+          <a:fontRef idx="minor">
+            <a:schemeClr val="lt1"/>
+          </a:fontRef>
+        </p:style>
+        <p:txBody>
+          <a:bodyPr rtlCol="0" anchor="ctr"/>
+          <a:lstStyle/>
+          <a:p>
+            <a:pPr algn="ctr"/>
+            <a:endParaRPr lang="en-US"/>
+          </a:p>
+        </p:txBody>
+      </p:sp>
+      <p:sp>
+        <p:nvSpPr>
+          <p:cNvPr id="10" name="Arrow: Down 9">
+            <a:extLst>
+              <a:ext uri="{FF2B5EF4-FFF2-40B4-BE49-F238E27FC236}">
+                <a16:creationId xmlns:a16="http://schemas.microsoft.com/office/drawing/2014/main" id="{5791F881-80F5-4243-AE28-9886503445B1}"/>
+              </a:ext>
+            </a:extLst>
+          </p:cNvPr>
+          <p:cNvSpPr/>
+          <p:nvPr/>
+        </p:nvSpPr>
+        <p:spPr>
+          <a:xfrm>
+            <a:off x="4282440" y="2868891"/>
+            <a:ext cx="484632" cy="978408"/>
+          </a:xfrm>
+          <a:prstGeom prst="downArrow">
+            <a:avLst/>
+          </a:prstGeom>
+        </p:spPr>
+        <p:style>
+          <a:lnRef idx="2">
+            <a:schemeClr val="accent1">
+              <a:shade val="50000"/>
+            </a:schemeClr>
+          </a:lnRef>
+          <a:fillRef idx="1">
+            <a:schemeClr val="accent1"/>
+          </a:fillRef>
+          <a:effectRef idx="0">
+            <a:schemeClr val="accent1"/>
+          </a:effectRef>
+          <a:fontRef idx="minor">
+            <a:schemeClr val="lt1"/>
+          </a:fontRef>
+        </p:style>
+        <p:txBody>
+          <a:bodyPr rtlCol="0" anchor="ctr"/>
+          <a:lstStyle/>
+          <a:p>
+            <a:pPr algn="ctr"/>
+            <a:endParaRPr lang="en-US"/>
+          </a:p>
+        </p:txBody>
+      </p:sp>
+      <p:sp>
+        <p:nvSpPr>
+          <p:cNvPr id="11" name="Arrow: Down 10">
+            <a:extLst>
+              <a:ext uri="{FF2B5EF4-FFF2-40B4-BE49-F238E27FC236}">
+                <a16:creationId xmlns:a16="http://schemas.microsoft.com/office/drawing/2014/main" id="{D157294F-A68E-44B1-AF93-7BB997AE7684}"/>
+              </a:ext>
+            </a:extLst>
+          </p:cNvPr>
+          <p:cNvSpPr/>
+          <p:nvPr/>
+        </p:nvSpPr>
+        <p:spPr>
+          <a:xfrm>
+            <a:off x="7373178" y="2828041"/>
+            <a:ext cx="484632" cy="978408"/>
+          </a:xfrm>
+          <a:prstGeom prst="downArrow">
+            <a:avLst/>
+          </a:prstGeom>
+        </p:spPr>
+        <p:style>
+          <a:lnRef idx="2">
+            <a:schemeClr val="accent1">
+              <a:shade val="50000"/>
+            </a:schemeClr>
+          </a:lnRef>
+          <a:fillRef idx="1">
+            <a:schemeClr val="accent1"/>
+          </a:fillRef>
+          <a:effectRef idx="0">
+            <a:schemeClr val="accent1"/>
+          </a:effectRef>
+          <a:fontRef idx="minor">
+            <a:schemeClr val="lt1"/>
+          </a:fontRef>
+        </p:style>
+        <p:txBody>
+          <a:bodyPr rtlCol="0" anchor="ctr"/>
+          <a:lstStyle/>
+          <a:p>
+            <a:pPr algn="ctr"/>
+            <a:endParaRPr lang="en-US"/>
+          </a:p>
+        </p:txBody>
+      </p:sp>
+      <p:sp>
+        <p:nvSpPr>
+          <p:cNvPr id="15" name="TextBox 14">
+            <a:extLst>
+              <a:ext uri="{FF2B5EF4-FFF2-40B4-BE49-F238E27FC236}">
+                <a16:creationId xmlns:a16="http://schemas.microsoft.com/office/drawing/2014/main" id="{08276678-14DC-4922-B017-ECF2FB82A242}"/>
               </a:ext>
             </a:extLst>
           </p:cNvPr>
@@ -5889,8 +6570,8 @@
         </p:nvSpPr>
         <p:spPr>
           <a:xfrm>
-            <a:off x="3796645" y="2875002"/>
-            <a:ext cx="4598709" cy="1107996"/>
+            <a:off x="-46640" y="4191011"/>
+            <a:ext cx="2961319" cy="1754326"/>
           </a:xfrm>
           <a:prstGeom prst="rect">
             <a:avLst/>
@@ -5903,17 +6584,429 @@
           </a:bodyPr>
           <a:lstStyle/>
           <a:p>
-            <a:r>
-              <a:rPr lang="en-US" sz="6600" dirty="0"/>
-              <a:t>THANK YOU</a:t>
-            </a:r>
+            <a:pPr algn="ctr"/>
+            <a:r>
+              <a:rPr lang="en-US" dirty="0"/>
+              <a:t>Effective for high-dimensional text data. It finds the optimal boundary between fake and true news with strong generalization.</a:t>
+            </a:r>
+          </a:p>
+        </p:txBody>
+      </p:sp>
+      <p:sp>
+        <p:nvSpPr>
+          <p:cNvPr id="16" name="Rectangle 15">
+            <a:extLst>
+              <a:ext uri="{FF2B5EF4-FFF2-40B4-BE49-F238E27FC236}">
+                <a16:creationId xmlns:a16="http://schemas.microsoft.com/office/drawing/2014/main" id="{7F7C5406-3EDA-41BF-92CA-F0326DDBB70A}"/>
+              </a:ext>
+            </a:extLst>
+          </p:cNvPr>
+          <p:cNvSpPr/>
+          <p:nvPr/>
+        </p:nvSpPr>
+        <p:spPr>
+          <a:xfrm>
+            <a:off x="-46640" y="4150327"/>
+            <a:ext cx="2961319" cy="1835694"/>
+          </a:xfrm>
+          <a:prstGeom prst="rect">
+            <a:avLst/>
+          </a:prstGeom>
+          <a:noFill/>
+          <a:ln>
+            <a:solidFill>
+              <a:schemeClr val="tx1"/>
+            </a:solidFill>
+          </a:ln>
+        </p:spPr>
+        <p:style>
+          <a:lnRef idx="2">
+            <a:schemeClr val="accent1">
+              <a:shade val="50000"/>
+            </a:schemeClr>
+          </a:lnRef>
+          <a:fillRef idx="1">
+            <a:schemeClr val="accent1"/>
+          </a:fillRef>
+          <a:effectRef idx="0">
+            <a:schemeClr val="accent1"/>
+          </a:effectRef>
+          <a:fontRef idx="minor">
+            <a:schemeClr val="lt1"/>
+          </a:fontRef>
+        </p:style>
+        <p:txBody>
+          <a:bodyPr rtlCol="0" anchor="ctr"/>
+          <a:lstStyle/>
+          <a:p>
+            <a:pPr algn="ctr"/>
+            <a:endParaRPr lang="en-US"/>
+          </a:p>
+        </p:txBody>
+      </p:sp>
+      <p:sp>
+        <p:nvSpPr>
+          <p:cNvPr id="21" name="TextBox 20">
+            <a:extLst>
+              <a:ext uri="{FF2B5EF4-FFF2-40B4-BE49-F238E27FC236}">
+                <a16:creationId xmlns:a16="http://schemas.microsoft.com/office/drawing/2014/main" id="{22AE711B-8A96-402C-A5AA-0C7D39C51556}"/>
+              </a:ext>
+            </a:extLst>
+          </p:cNvPr>
+          <p:cNvSpPr txBox="1"/>
+          <p:nvPr/>
+        </p:nvSpPr>
+        <p:spPr>
+          <a:xfrm>
+            <a:off x="3046653" y="4329510"/>
+            <a:ext cx="2961319" cy="1477328"/>
+          </a:xfrm>
+          <a:prstGeom prst="rect">
+            <a:avLst/>
+          </a:prstGeom>
+          <a:noFill/>
+        </p:spPr>
+        <p:txBody>
+          <a:bodyPr wrap="square" rtlCol="0">
+            <a:spAutoFit/>
+          </a:bodyPr>
+          <a:lstStyle/>
+          <a:p>
+            <a:pPr algn="ctr"/>
+            <a:r>
+              <a:rPr lang="en-US" dirty="0"/>
+              <a:t>A fast, probabilistic text classifier that uses word frequency patterns, serving as a reliable lightweight benchmark.</a:t>
+            </a:r>
+          </a:p>
+        </p:txBody>
+      </p:sp>
+      <p:sp>
+        <p:nvSpPr>
+          <p:cNvPr id="22" name="Rectangle 21">
+            <a:extLst>
+              <a:ext uri="{FF2B5EF4-FFF2-40B4-BE49-F238E27FC236}">
+                <a16:creationId xmlns:a16="http://schemas.microsoft.com/office/drawing/2014/main" id="{A7FF966D-CC40-49E5-810E-DB98E9B7BB87}"/>
+              </a:ext>
+            </a:extLst>
+          </p:cNvPr>
+          <p:cNvSpPr/>
+          <p:nvPr/>
+        </p:nvSpPr>
+        <p:spPr>
+          <a:xfrm>
+            <a:off x="3046653" y="4150327"/>
+            <a:ext cx="2961319" cy="1835694"/>
+          </a:xfrm>
+          <a:prstGeom prst="rect">
+            <a:avLst/>
+          </a:prstGeom>
+          <a:noFill/>
+          <a:ln>
+            <a:solidFill>
+              <a:schemeClr val="tx1"/>
+            </a:solidFill>
+          </a:ln>
+        </p:spPr>
+        <p:style>
+          <a:lnRef idx="2">
+            <a:schemeClr val="accent1">
+              <a:shade val="50000"/>
+            </a:schemeClr>
+          </a:lnRef>
+          <a:fillRef idx="1">
+            <a:schemeClr val="accent1"/>
+          </a:fillRef>
+          <a:effectRef idx="0">
+            <a:schemeClr val="accent1"/>
+          </a:effectRef>
+          <a:fontRef idx="minor">
+            <a:schemeClr val="lt1"/>
+          </a:fontRef>
+        </p:style>
+        <p:txBody>
+          <a:bodyPr rtlCol="0" anchor="ctr"/>
+          <a:lstStyle/>
+          <a:p>
+            <a:pPr algn="ctr"/>
+            <a:endParaRPr lang="en-US"/>
+          </a:p>
+        </p:txBody>
+      </p:sp>
+      <p:sp>
+        <p:nvSpPr>
+          <p:cNvPr id="23" name="TextBox 22">
+            <a:extLst>
+              <a:ext uri="{FF2B5EF4-FFF2-40B4-BE49-F238E27FC236}">
+                <a16:creationId xmlns:a16="http://schemas.microsoft.com/office/drawing/2014/main" id="{08D38404-47E2-4620-BC3C-2B1DF42CF0F2}"/>
+              </a:ext>
+            </a:extLst>
+          </p:cNvPr>
+          <p:cNvSpPr txBox="1"/>
+          <p:nvPr/>
+        </p:nvSpPr>
+        <p:spPr>
+          <a:xfrm>
+            <a:off x="6139946" y="4231695"/>
+            <a:ext cx="2961319" cy="1754326"/>
+          </a:xfrm>
+          <a:prstGeom prst="rect">
+            <a:avLst/>
+          </a:prstGeom>
+          <a:noFill/>
+        </p:spPr>
+        <p:txBody>
+          <a:bodyPr wrap="square" rtlCol="0">
+            <a:spAutoFit/>
+          </a:bodyPr>
+          <a:lstStyle/>
+          <a:p>
+            <a:pPr algn="ctr"/>
+            <a:r>
+              <a:rPr lang="en-US" dirty="0"/>
+              <a:t>A deep neural network that captures long-term dependencies in word sequences, useful for understanding contextual meaning.</a:t>
+            </a:r>
+          </a:p>
+        </p:txBody>
+      </p:sp>
+      <p:sp>
+        <p:nvSpPr>
+          <p:cNvPr id="24" name="Rectangle 23">
+            <a:extLst>
+              <a:ext uri="{FF2B5EF4-FFF2-40B4-BE49-F238E27FC236}">
+                <a16:creationId xmlns:a16="http://schemas.microsoft.com/office/drawing/2014/main" id="{F3DFE7E5-AFCE-45E5-A850-A26338686942}"/>
+              </a:ext>
+            </a:extLst>
+          </p:cNvPr>
+          <p:cNvSpPr/>
+          <p:nvPr/>
+        </p:nvSpPr>
+        <p:spPr>
+          <a:xfrm>
+            <a:off x="6139946" y="4150327"/>
+            <a:ext cx="2961319" cy="1835694"/>
+          </a:xfrm>
+          <a:prstGeom prst="rect">
+            <a:avLst/>
+          </a:prstGeom>
+          <a:noFill/>
+          <a:ln>
+            <a:solidFill>
+              <a:schemeClr val="tx1"/>
+            </a:solidFill>
+          </a:ln>
+        </p:spPr>
+        <p:style>
+          <a:lnRef idx="2">
+            <a:schemeClr val="accent1">
+              <a:shade val="50000"/>
+            </a:schemeClr>
+          </a:lnRef>
+          <a:fillRef idx="1">
+            <a:schemeClr val="accent1"/>
+          </a:fillRef>
+          <a:effectRef idx="0">
+            <a:schemeClr val="accent1"/>
+          </a:effectRef>
+          <a:fontRef idx="minor">
+            <a:schemeClr val="lt1"/>
+          </a:fontRef>
+        </p:style>
+        <p:txBody>
+          <a:bodyPr rtlCol="0" anchor="ctr"/>
+          <a:lstStyle/>
+          <a:p>
+            <a:pPr algn="ctr"/>
+            <a:endParaRPr lang="en-US"/>
+          </a:p>
+        </p:txBody>
+      </p:sp>
+      <p:sp>
+        <p:nvSpPr>
+          <p:cNvPr id="17" name="Rectangle 16">
+            <a:extLst>
+              <a:ext uri="{FF2B5EF4-FFF2-40B4-BE49-F238E27FC236}">
+                <a16:creationId xmlns:a16="http://schemas.microsoft.com/office/drawing/2014/main" id="{66D19647-EFBA-4767-AB58-282A02F49D7B}"/>
+              </a:ext>
+            </a:extLst>
+          </p:cNvPr>
+          <p:cNvSpPr/>
+          <p:nvPr/>
+        </p:nvSpPr>
+        <p:spPr>
+          <a:xfrm>
+            <a:off x="9758836" y="1659118"/>
+            <a:ext cx="1894787" cy="961534"/>
+          </a:xfrm>
+          <a:prstGeom prst="rect">
+            <a:avLst/>
+          </a:prstGeom>
+        </p:spPr>
+        <p:style>
+          <a:lnRef idx="2">
+            <a:schemeClr val="accent1">
+              <a:shade val="50000"/>
+            </a:schemeClr>
+          </a:lnRef>
+          <a:fillRef idx="1">
+            <a:schemeClr val="accent1"/>
+          </a:fillRef>
+          <a:effectRef idx="0">
+            <a:schemeClr val="accent1"/>
+          </a:effectRef>
+          <a:fontRef idx="minor">
+            <a:schemeClr val="lt1"/>
+          </a:fontRef>
+        </p:style>
+        <p:txBody>
+          <a:bodyPr rtlCol="0" anchor="ctr"/>
+          <a:lstStyle/>
+          <a:p>
+            <a:pPr algn="ctr"/>
+            <a:r>
+              <a:rPr lang="en-US" dirty="0"/>
+              <a:t>GRU</a:t>
+            </a:r>
+          </a:p>
+        </p:txBody>
+      </p:sp>
+      <p:sp>
+        <p:nvSpPr>
+          <p:cNvPr id="18" name="Arrow: Down 17">
+            <a:extLst>
+              <a:ext uri="{FF2B5EF4-FFF2-40B4-BE49-F238E27FC236}">
+                <a16:creationId xmlns:a16="http://schemas.microsoft.com/office/drawing/2014/main" id="{916D5FEB-C64B-454D-8A40-D2322D0554D9}"/>
+              </a:ext>
+            </a:extLst>
+          </p:cNvPr>
+          <p:cNvSpPr/>
+          <p:nvPr/>
+        </p:nvSpPr>
+        <p:spPr>
+          <a:xfrm>
+            <a:off x="10463913" y="2828041"/>
+            <a:ext cx="484632" cy="978408"/>
+          </a:xfrm>
+          <a:prstGeom prst="downArrow">
+            <a:avLst/>
+          </a:prstGeom>
+        </p:spPr>
+        <p:style>
+          <a:lnRef idx="2">
+            <a:schemeClr val="accent1">
+              <a:shade val="50000"/>
+            </a:schemeClr>
+          </a:lnRef>
+          <a:fillRef idx="1">
+            <a:schemeClr val="accent1"/>
+          </a:fillRef>
+          <a:effectRef idx="0">
+            <a:schemeClr val="accent1"/>
+          </a:effectRef>
+          <a:fontRef idx="minor">
+            <a:schemeClr val="lt1"/>
+          </a:fontRef>
+        </p:style>
+        <p:txBody>
+          <a:bodyPr rtlCol="0" anchor="ctr"/>
+          <a:lstStyle/>
+          <a:p>
+            <a:pPr algn="ctr"/>
+            <a:endParaRPr lang="en-US"/>
+          </a:p>
+        </p:txBody>
+      </p:sp>
+      <p:sp>
+        <p:nvSpPr>
+          <p:cNvPr id="19" name="TextBox 18">
+            <a:extLst>
+              <a:ext uri="{FF2B5EF4-FFF2-40B4-BE49-F238E27FC236}">
+                <a16:creationId xmlns:a16="http://schemas.microsoft.com/office/drawing/2014/main" id="{E04EF177-F556-4E54-B6E6-D9088F14A45C}"/>
+              </a:ext>
+            </a:extLst>
+          </p:cNvPr>
+          <p:cNvSpPr txBox="1"/>
+          <p:nvPr/>
+        </p:nvSpPr>
+        <p:spPr>
+          <a:xfrm>
+            <a:off x="9230681" y="4329510"/>
+            <a:ext cx="2961319" cy="1477328"/>
+          </a:xfrm>
+          <a:prstGeom prst="rect">
+            <a:avLst/>
+          </a:prstGeom>
+          <a:noFill/>
+        </p:spPr>
+        <p:txBody>
+          <a:bodyPr wrap="square" rtlCol="0">
+            <a:spAutoFit/>
+          </a:bodyPr>
+          <a:lstStyle/>
+          <a:p>
+            <a:pPr algn="ctr"/>
+            <a:r>
+              <a:rPr lang="en-US" dirty="0"/>
+              <a:t>A simpler alternative to LSTM, faster to train while maintaining good performance on sequence-based text tasks.</a:t>
+            </a:r>
+          </a:p>
+        </p:txBody>
+      </p:sp>
+      <p:sp>
+        <p:nvSpPr>
+          <p:cNvPr id="20" name="Rectangle 19">
+            <a:extLst>
+              <a:ext uri="{FF2B5EF4-FFF2-40B4-BE49-F238E27FC236}">
+                <a16:creationId xmlns:a16="http://schemas.microsoft.com/office/drawing/2014/main" id="{AB61E6E3-D31A-43FE-8D6C-F32E8ADEA31A}"/>
+              </a:ext>
+            </a:extLst>
+          </p:cNvPr>
+          <p:cNvSpPr/>
+          <p:nvPr/>
+        </p:nvSpPr>
+        <p:spPr>
+          <a:xfrm>
+            <a:off x="9230681" y="4150327"/>
+            <a:ext cx="2961319" cy="1835694"/>
+          </a:xfrm>
+          <a:prstGeom prst="rect">
+            <a:avLst/>
+          </a:prstGeom>
+          <a:noFill/>
+          <a:ln>
+            <a:solidFill>
+              <a:schemeClr val="tx1"/>
+            </a:solidFill>
+          </a:ln>
+        </p:spPr>
+        <p:style>
+          <a:lnRef idx="2">
+            <a:schemeClr val="accent1">
+              <a:shade val="50000"/>
+            </a:schemeClr>
+          </a:lnRef>
+          <a:fillRef idx="1">
+            <a:schemeClr val="accent1"/>
+          </a:fillRef>
+          <a:effectRef idx="0">
+            <a:schemeClr val="accent1"/>
+          </a:effectRef>
+          <a:fontRef idx="minor">
+            <a:schemeClr val="lt1"/>
+          </a:fontRef>
+        </p:style>
+        <p:txBody>
+          <a:bodyPr rtlCol="0" anchor="ctr"/>
+          <a:lstStyle/>
+          <a:p>
+            <a:pPr algn="ctr"/>
+            <a:endParaRPr lang="en-US"/>
           </a:p>
         </p:txBody>
       </p:sp>
     </p:spTree>
     <p:extLst>
       <p:ext uri="{BB962C8B-B14F-4D97-AF65-F5344CB8AC3E}">
-        <p14:creationId xmlns:p14="http://schemas.microsoft.com/office/powerpoint/2010/main" val="1795129977"/>
+        <p14:creationId xmlns:p14="http://schemas.microsoft.com/office/powerpoint/2010/main" val="2369523374"/>
       </p:ext>
     </p:extLst>
   </p:cSld>
@@ -5923,667 +7016,7 @@
 </p:sld>
 </file>
 
-<file path=ppt/slides/slide2.xml><?xml version="1.0" encoding="utf-8"?>
-<p:sld xmlns:a="http://schemas.openxmlformats.org/drawingml/2006/main" xmlns:r="http://schemas.openxmlformats.org/officeDocument/2006/relationships" xmlns:p="http://schemas.openxmlformats.org/presentationml/2006/main">
-  <p:cSld>
-    <p:spTree>
-      <p:nvGrpSpPr>
-        <p:cNvPr id="1" name=""/>
-        <p:cNvGrpSpPr/>
-        <p:nvPr/>
-      </p:nvGrpSpPr>
-      <p:grpSpPr>
-        <a:xfrm>
-          <a:off x="0" y="0"/>
-          <a:ext cx="0" cy="0"/>
-          <a:chOff x="0" y="0"/>
-          <a:chExt cx="0" cy="0"/>
-        </a:xfrm>
-      </p:grpSpPr>
-      <p:sp>
-        <p:nvSpPr>
-          <p:cNvPr id="2" name="Title 1">
-            <a:extLst>
-              <a:ext uri="{FF2B5EF4-FFF2-40B4-BE49-F238E27FC236}">
-                <a16:creationId xmlns:a16="http://schemas.microsoft.com/office/drawing/2014/main" id="{5E81DE29-FEA6-47F2-893D-191FF93DA04C}"/>
-              </a:ext>
-            </a:extLst>
-          </p:cNvPr>
-          <p:cNvSpPr>
-            <a:spLocks noGrp="1"/>
-          </p:cNvSpPr>
-          <p:nvPr>
-            <p:ph type="title"/>
-          </p:nvPr>
-        </p:nvSpPr>
-        <p:spPr/>
-        <p:txBody>
-          <a:bodyPr/>
-          <a:lstStyle/>
-          <a:p>
-            <a:r>
-              <a:rPr lang="en-US" b="1" dirty="0"/>
-              <a:t>🤔 Problem Statement</a:t>
-            </a:r>
-          </a:p>
-        </p:txBody>
-      </p:sp>
-      <p:sp>
-        <p:nvSpPr>
-          <p:cNvPr id="3" name="Content Placeholder 2">
-            <a:extLst>
-              <a:ext uri="{FF2B5EF4-FFF2-40B4-BE49-F238E27FC236}">
-                <a16:creationId xmlns:a16="http://schemas.microsoft.com/office/drawing/2014/main" id="{A9DF0A5A-BC8A-497A-8528-FE26149035EB}"/>
-              </a:ext>
-            </a:extLst>
-          </p:cNvPr>
-          <p:cNvSpPr>
-            <a:spLocks noGrp="1"/>
-          </p:cNvSpPr>
-          <p:nvPr>
-            <p:ph idx="1"/>
-          </p:nvPr>
-        </p:nvSpPr>
-        <p:spPr/>
-        <p:txBody>
-          <a:bodyPr/>
-          <a:lstStyle/>
-          <a:p>
-            <a:r>
-              <a:rPr lang="en-US" dirty="0"/>
-              <a:t>This project focuses on building a </a:t>
-            </a:r>
-            <a:r>
-              <a:rPr lang="en-US" b="1" dirty="0"/>
-              <a:t>machine learning model that detects fake news</a:t>
-            </a:r>
-            <a:r>
-              <a:rPr lang="en-US" dirty="0"/>
-              <a:t>, addressing the growing problem of misinformation spreading rapidly across digital platforms. False information often appears credible due to subtle wording, emotional tone, or biased phrasing, making it difficult to identify manually. To tackle this, the model analyzes news statements using natural language processing techniques and classifies them into multiple truthfulness categories based on the </a:t>
-            </a:r>
-            <a:r>
-              <a:rPr lang="en-US" b="1" dirty="0"/>
-              <a:t>LIAR dataset</a:t>
-            </a:r>
-            <a:r>
-              <a:rPr lang="en-US" dirty="0"/>
-              <a:t>.</a:t>
-            </a:r>
-          </a:p>
-        </p:txBody>
-      </p:sp>
-    </p:spTree>
-    <p:extLst>
-      <p:ext uri="{BB962C8B-B14F-4D97-AF65-F5344CB8AC3E}">
-        <p14:creationId xmlns:p14="http://schemas.microsoft.com/office/powerpoint/2010/main" val="3724542090"/>
-      </p:ext>
-    </p:extLst>
-  </p:cSld>
-  <p:clrMapOvr>
-    <a:masterClrMapping/>
-  </p:clrMapOvr>
-</p:sld>
-</file>
-
-<file path=ppt/slides/slide3.xml><?xml version="1.0" encoding="utf-8"?>
-<p:sld xmlns:a="http://schemas.openxmlformats.org/drawingml/2006/main" xmlns:r="http://schemas.openxmlformats.org/officeDocument/2006/relationships" xmlns:p="http://schemas.openxmlformats.org/presentationml/2006/main">
-  <p:cSld>
-    <p:spTree>
-      <p:nvGrpSpPr>
-        <p:cNvPr id="1" name=""/>
-        <p:cNvGrpSpPr/>
-        <p:nvPr/>
-      </p:nvGrpSpPr>
-      <p:grpSpPr>
-        <a:xfrm>
-          <a:off x="0" y="0"/>
-          <a:ext cx="0" cy="0"/>
-          <a:chOff x="0" y="0"/>
-          <a:chExt cx="0" cy="0"/>
-        </a:xfrm>
-      </p:grpSpPr>
-      <p:sp>
-        <p:nvSpPr>
-          <p:cNvPr id="2" name="Title 1">
-            <a:extLst>
-              <a:ext uri="{FF2B5EF4-FFF2-40B4-BE49-F238E27FC236}">
-                <a16:creationId xmlns:a16="http://schemas.microsoft.com/office/drawing/2014/main" id="{EECF6757-BD0C-41CA-863D-1550C865078C}"/>
-              </a:ext>
-            </a:extLst>
-          </p:cNvPr>
-          <p:cNvSpPr>
-            <a:spLocks noGrp="1"/>
-          </p:cNvSpPr>
-          <p:nvPr>
-            <p:ph type="title"/>
-          </p:nvPr>
-        </p:nvSpPr>
-        <p:spPr/>
-        <p:txBody>
-          <a:bodyPr/>
-          <a:lstStyle/>
-          <a:p>
-            <a:r>
-              <a:rPr lang="en-US" b="1" dirty="0"/>
-              <a:t>📂 Dataset</a:t>
-            </a:r>
-            <a:br>
-              <a:rPr lang="en-US" b="1" dirty="0"/>
-            </a:br>
-            <a:endParaRPr lang="en-US" dirty="0"/>
-          </a:p>
-        </p:txBody>
-      </p:sp>
-      <p:sp>
-        <p:nvSpPr>
-          <p:cNvPr id="3" name="Content Placeholder 2">
-            <a:extLst>
-              <a:ext uri="{FF2B5EF4-FFF2-40B4-BE49-F238E27FC236}">
-                <a16:creationId xmlns:a16="http://schemas.microsoft.com/office/drawing/2014/main" id="{2C1C9FBB-2BF0-4BB8-96E1-3ABDB8F62009}"/>
-              </a:ext>
-            </a:extLst>
-          </p:cNvPr>
-          <p:cNvSpPr>
-            <a:spLocks noGrp="1"/>
-          </p:cNvSpPr>
-          <p:nvPr>
-            <p:ph idx="1"/>
-          </p:nvPr>
-        </p:nvSpPr>
-        <p:spPr>
-          <a:xfrm>
-            <a:off x="677334" y="1415871"/>
-            <a:ext cx="8596668" cy="2543387"/>
-          </a:xfrm>
-        </p:spPr>
-        <p:txBody>
-          <a:bodyPr>
-            <a:normAutofit lnSpcReduction="10000"/>
-          </a:bodyPr>
-          <a:lstStyle/>
-          <a:p>
-            <a:r>
-              <a:rPr lang="en-US" dirty="0"/>
-              <a:t>This project uses the </a:t>
-            </a:r>
-            <a:r>
-              <a:rPr lang="en-US" b="1" dirty="0"/>
-              <a:t>LIAR dataset</a:t>
-            </a:r>
-            <a:r>
-              <a:rPr lang="en-US" dirty="0"/>
-              <a:t>, a publicly available benchmark collected by </a:t>
-            </a:r>
-            <a:r>
-              <a:rPr lang="en-US" b="1" dirty="0"/>
-              <a:t>William Yang Wang (UCSB)</a:t>
-            </a:r>
-            <a:r>
-              <a:rPr lang="en-US" dirty="0"/>
-              <a:t> for fake news classification. It contains over </a:t>
-            </a:r>
-            <a:r>
-              <a:rPr lang="en-US" b="1" dirty="0"/>
-              <a:t>12,000 short political statements</a:t>
-            </a:r>
-            <a:r>
-              <a:rPr lang="en-US" dirty="0"/>
-              <a:t> labeled into six categories — </a:t>
-            </a:r>
-            <a:r>
-              <a:rPr lang="en-US" i="1" dirty="0"/>
-              <a:t>pants-fire, false, barely-true, half-true, mostly-true,</a:t>
-            </a:r>
-            <a:r>
-              <a:rPr lang="en-US" dirty="0"/>
-              <a:t> and </a:t>
-            </a:r>
-            <a:r>
-              <a:rPr lang="en-US" i="1" dirty="0"/>
-              <a:t>true</a:t>
-            </a:r>
-            <a:r>
-              <a:rPr lang="en-US" dirty="0"/>
-              <a:t>. Each record includes additional metadata such as the speaker, context, and source, providing valuable linguistic and contextual variety. The data is divided into training, validation, and test sets, ensuring fair evaluation. This dataset was chosen because it reflects the complexity of real-world misinformation and supports the development of multi-class classification models.</a:t>
-            </a:r>
-          </a:p>
-          <a:p>
-            <a:endParaRPr lang="en-US" dirty="0"/>
-          </a:p>
-        </p:txBody>
-      </p:sp>
-    </p:spTree>
-    <p:extLst>
-      <p:ext uri="{BB962C8B-B14F-4D97-AF65-F5344CB8AC3E}">
-        <p14:creationId xmlns:p14="http://schemas.microsoft.com/office/powerpoint/2010/main" val="1036525823"/>
-      </p:ext>
-    </p:extLst>
-  </p:cSld>
-  <p:clrMapOvr>
-    <a:masterClrMapping/>
-  </p:clrMapOvr>
-</p:sld>
-</file>
-
-<file path=ppt/slides/slide4.xml><?xml version="1.0" encoding="utf-8"?>
-<p:sld xmlns:a="http://schemas.openxmlformats.org/drawingml/2006/main" xmlns:r="http://schemas.openxmlformats.org/officeDocument/2006/relationships" xmlns:p="http://schemas.openxmlformats.org/presentationml/2006/main">
-  <p:cSld>
-    <p:spTree>
-      <p:nvGrpSpPr>
-        <p:cNvPr id="1" name=""/>
-        <p:cNvGrpSpPr/>
-        <p:nvPr/>
-      </p:nvGrpSpPr>
-      <p:grpSpPr>
-        <a:xfrm>
-          <a:off x="0" y="0"/>
-          <a:ext cx="0" cy="0"/>
-          <a:chOff x="0" y="0"/>
-          <a:chExt cx="0" cy="0"/>
-        </a:xfrm>
-      </p:grpSpPr>
-      <p:pic>
-        <p:nvPicPr>
-          <p:cNvPr id="4" name="Picture 3">
-            <a:extLst>
-              <a:ext uri="{FF2B5EF4-FFF2-40B4-BE49-F238E27FC236}">
-                <a16:creationId xmlns:a16="http://schemas.microsoft.com/office/drawing/2014/main" id="{5EF5706C-0CF3-4C9D-95D7-ACD3C533A096}"/>
-              </a:ext>
-            </a:extLst>
-          </p:cNvPr>
-          <p:cNvPicPr>
-            <a:picLocks noChangeAspect="1"/>
-          </p:cNvPicPr>
-          <p:nvPr/>
-        </p:nvPicPr>
-        <p:blipFill>
-          <a:blip r:embed="rId2"/>
-          <a:stretch>
-            <a:fillRect/>
-          </a:stretch>
-        </p:blipFill>
-        <p:spPr>
-          <a:xfrm>
-            <a:off x="442123" y="992706"/>
-            <a:ext cx="11307753" cy="5020376"/>
-          </a:xfrm>
-          <a:prstGeom prst="rect">
-            <a:avLst/>
-          </a:prstGeom>
-        </p:spPr>
-      </p:pic>
-    </p:spTree>
-    <p:extLst>
-      <p:ext uri="{BB962C8B-B14F-4D97-AF65-F5344CB8AC3E}">
-        <p14:creationId xmlns:p14="http://schemas.microsoft.com/office/powerpoint/2010/main" val="80234082"/>
-      </p:ext>
-    </p:extLst>
-  </p:cSld>
-  <p:clrMapOvr>
-    <a:masterClrMapping/>
-  </p:clrMapOvr>
-</p:sld>
-</file>
-
-<file path=ppt/slides/slide5.xml><?xml version="1.0" encoding="utf-8"?>
-<p:sld xmlns:a="http://schemas.openxmlformats.org/drawingml/2006/main" xmlns:r="http://schemas.openxmlformats.org/officeDocument/2006/relationships" xmlns:p="http://schemas.openxmlformats.org/presentationml/2006/main">
-  <p:cSld>
-    <p:spTree>
-      <p:nvGrpSpPr>
-        <p:cNvPr id="1" name=""/>
-        <p:cNvGrpSpPr/>
-        <p:nvPr/>
-      </p:nvGrpSpPr>
-      <p:grpSpPr>
-        <a:xfrm>
-          <a:off x="0" y="0"/>
-          <a:ext cx="0" cy="0"/>
-          <a:chOff x="0" y="0"/>
-          <a:chExt cx="0" cy="0"/>
-        </a:xfrm>
-      </p:grpSpPr>
-      <p:sp>
-        <p:nvSpPr>
-          <p:cNvPr id="2" name="Title 1">
-            <a:extLst>
-              <a:ext uri="{FF2B5EF4-FFF2-40B4-BE49-F238E27FC236}">
-                <a16:creationId xmlns:a16="http://schemas.microsoft.com/office/drawing/2014/main" id="{16DF86D9-9652-4AE7-B3FE-7208D5A890C9}"/>
-              </a:ext>
-            </a:extLst>
-          </p:cNvPr>
-          <p:cNvSpPr>
-            <a:spLocks noGrp="1"/>
-          </p:cNvSpPr>
-          <p:nvPr>
-            <p:ph type="title"/>
-          </p:nvPr>
-        </p:nvSpPr>
-        <p:spPr/>
-        <p:txBody>
-          <a:bodyPr/>
-          <a:lstStyle/>
-          <a:p>
-            <a:r>
-              <a:rPr lang="en-US" dirty="0"/>
-              <a:t>EDA Visualizations</a:t>
-            </a:r>
-          </a:p>
-        </p:txBody>
-      </p:sp>
-      <p:pic>
-        <p:nvPicPr>
-          <p:cNvPr id="4" name="Picture 3">
-            <a:extLst>
-              <a:ext uri="{FF2B5EF4-FFF2-40B4-BE49-F238E27FC236}">
-                <a16:creationId xmlns:a16="http://schemas.microsoft.com/office/drawing/2014/main" id="{3A747E35-C34F-4CC1-8515-CF93F4EF6D9D}"/>
-              </a:ext>
-            </a:extLst>
-          </p:cNvPr>
-          <p:cNvPicPr>
-            <a:picLocks noChangeAspect="1"/>
-          </p:cNvPicPr>
-          <p:nvPr/>
-        </p:nvPicPr>
-        <p:blipFill>
-          <a:blip r:embed="rId2"/>
-          <a:stretch>
-            <a:fillRect/>
-          </a:stretch>
-        </p:blipFill>
-        <p:spPr>
-          <a:xfrm>
-            <a:off x="6974165" y="225356"/>
-            <a:ext cx="3552172" cy="2089288"/>
-          </a:xfrm>
-          <a:prstGeom prst="rect">
-            <a:avLst/>
-          </a:prstGeom>
-        </p:spPr>
-      </p:pic>
-      <p:pic>
-        <p:nvPicPr>
-          <p:cNvPr id="5" name="Picture 4">
-            <a:extLst>
-              <a:ext uri="{FF2B5EF4-FFF2-40B4-BE49-F238E27FC236}">
-                <a16:creationId xmlns:a16="http://schemas.microsoft.com/office/drawing/2014/main" id="{9EF34764-65D2-4694-8B1D-770185820187}"/>
-              </a:ext>
-            </a:extLst>
-          </p:cNvPr>
-          <p:cNvPicPr>
-            <a:picLocks noChangeAspect="1"/>
-          </p:cNvPicPr>
-          <p:nvPr/>
-        </p:nvPicPr>
-        <p:blipFill>
-          <a:blip r:embed="rId3"/>
-          <a:stretch>
-            <a:fillRect/>
-          </a:stretch>
-        </p:blipFill>
-        <p:spPr>
-          <a:xfrm>
-            <a:off x="537882" y="1270000"/>
-            <a:ext cx="3552172" cy="2563215"/>
-          </a:xfrm>
-          <a:prstGeom prst="rect">
-            <a:avLst/>
-          </a:prstGeom>
-        </p:spPr>
-      </p:pic>
-      <p:pic>
-        <p:nvPicPr>
-          <p:cNvPr id="6" name="Picture 5">
-            <a:extLst>
-              <a:ext uri="{FF2B5EF4-FFF2-40B4-BE49-F238E27FC236}">
-                <a16:creationId xmlns:a16="http://schemas.microsoft.com/office/drawing/2014/main" id="{52DCBFDE-8D61-467D-8C7B-CA202F02685D}"/>
-              </a:ext>
-            </a:extLst>
-          </p:cNvPr>
-          <p:cNvPicPr>
-            <a:picLocks noChangeAspect="1"/>
-          </p:cNvPicPr>
-          <p:nvPr/>
-        </p:nvPicPr>
-        <p:blipFill>
-          <a:blip r:embed="rId4"/>
-          <a:stretch>
-            <a:fillRect/>
-          </a:stretch>
-        </p:blipFill>
-        <p:spPr>
-          <a:xfrm>
-            <a:off x="6781060" y="2786413"/>
-            <a:ext cx="4741637" cy="2724449"/>
-          </a:xfrm>
-          <a:prstGeom prst="rect">
-            <a:avLst/>
-          </a:prstGeom>
-        </p:spPr>
-      </p:pic>
-      <p:pic>
-        <p:nvPicPr>
-          <p:cNvPr id="7" name="Picture 6">
-            <a:extLst>
-              <a:ext uri="{FF2B5EF4-FFF2-40B4-BE49-F238E27FC236}">
-                <a16:creationId xmlns:a16="http://schemas.microsoft.com/office/drawing/2014/main" id="{31C13DBB-AEBB-4333-90C1-B7CB232D19D8}"/>
-              </a:ext>
-            </a:extLst>
-          </p:cNvPr>
-          <p:cNvPicPr>
-            <a:picLocks noChangeAspect="1"/>
-          </p:cNvPicPr>
-          <p:nvPr/>
-        </p:nvPicPr>
-        <p:blipFill>
-          <a:blip r:embed="rId5"/>
-          <a:stretch>
-            <a:fillRect/>
-          </a:stretch>
-        </p:blipFill>
-        <p:spPr>
-          <a:xfrm>
-            <a:off x="2945091" y="4043719"/>
-            <a:ext cx="3150909" cy="2744475"/>
-          </a:xfrm>
-          <a:prstGeom prst="rect">
-            <a:avLst/>
-          </a:prstGeom>
-        </p:spPr>
-      </p:pic>
-    </p:spTree>
-    <p:extLst>
-      <p:ext uri="{BB962C8B-B14F-4D97-AF65-F5344CB8AC3E}">
-        <p14:creationId xmlns:p14="http://schemas.microsoft.com/office/powerpoint/2010/main" val="2228389332"/>
-      </p:ext>
-    </p:extLst>
-  </p:cSld>
-  <p:clrMapOvr>
-    <a:masterClrMapping/>
-  </p:clrMapOvr>
-</p:sld>
-</file>
-
-<file path=ppt/slides/slide6.xml><?xml version="1.0" encoding="utf-8"?>
-<p:sld xmlns:a="http://schemas.openxmlformats.org/drawingml/2006/main" xmlns:r="http://schemas.openxmlformats.org/officeDocument/2006/relationships" xmlns:p="http://schemas.openxmlformats.org/presentationml/2006/main">
-  <p:cSld>
-    <p:spTree>
-      <p:nvGrpSpPr>
-        <p:cNvPr id="1" name=""/>
-        <p:cNvGrpSpPr/>
-        <p:nvPr/>
-      </p:nvGrpSpPr>
-      <p:grpSpPr>
-        <a:xfrm>
-          <a:off x="0" y="0"/>
-          <a:ext cx="0" cy="0"/>
-          <a:chOff x="0" y="0"/>
-          <a:chExt cx="0" cy="0"/>
-        </a:xfrm>
-      </p:grpSpPr>
-      <p:sp>
-        <p:nvSpPr>
-          <p:cNvPr id="2" name="Title 1">
-            <a:extLst>
-              <a:ext uri="{FF2B5EF4-FFF2-40B4-BE49-F238E27FC236}">
-                <a16:creationId xmlns:a16="http://schemas.microsoft.com/office/drawing/2014/main" id="{F3B286A8-3334-46C4-8C48-958B61158EFA}"/>
-              </a:ext>
-            </a:extLst>
-          </p:cNvPr>
-          <p:cNvSpPr>
-            <a:spLocks noGrp="1"/>
-          </p:cNvSpPr>
-          <p:nvPr>
-            <p:ph type="title"/>
-          </p:nvPr>
-        </p:nvSpPr>
-        <p:spPr/>
-        <p:txBody>
-          <a:bodyPr/>
-          <a:lstStyle/>
-          <a:p>
-            <a:r>
-              <a:rPr lang="en-US" b="1" dirty="0"/>
-              <a:t>🛠️ Methodology</a:t>
-            </a:r>
-            <a:endParaRPr lang="en-US" dirty="0"/>
-          </a:p>
-        </p:txBody>
-      </p:sp>
-      <p:sp>
-        <p:nvSpPr>
-          <p:cNvPr id="3" name="Content Placeholder 2">
-            <a:extLst>
-              <a:ext uri="{FF2B5EF4-FFF2-40B4-BE49-F238E27FC236}">
-                <a16:creationId xmlns:a16="http://schemas.microsoft.com/office/drawing/2014/main" id="{5A94D5F1-C9B9-4E17-9D8C-F8B3E9E68525}"/>
-              </a:ext>
-            </a:extLst>
-          </p:cNvPr>
-          <p:cNvSpPr>
-            <a:spLocks noGrp="1"/>
-          </p:cNvSpPr>
-          <p:nvPr>
-            <p:ph idx="1"/>
-          </p:nvPr>
-        </p:nvSpPr>
-        <p:spPr>
-          <a:xfrm>
-            <a:off x="4790823" y="3908775"/>
-            <a:ext cx="1478002" cy="646331"/>
-          </a:xfrm>
-        </p:spPr>
-        <p:txBody>
-          <a:bodyPr>
-            <a:normAutofit/>
-          </a:bodyPr>
-          <a:lstStyle/>
-          <a:p>
-            <a:pPr marL="0" indent="0" algn="ctr">
-              <a:buNone/>
-            </a:pPr>
-            <a:r>
-              <a:rPr lang="en-US" dirty="0">
-                <a:hlinkClick r:id="rId2"/>
-              </a:rPr>
-              <a:t>View Flow Chart Online </a:t>
-            </a:r>
-            <a:endParaRPr lang="en-US" dirty="0"/>
-          </a:p>
-        </p:txBody>
-      </p:sp>
-      <p:sp>
-        <p:nvSpPr>
-          <p:cNvPr id="4" name="TextBox 3">
-            <a:extLst>
-              <a:ext uri="{FF2B5EF4-FFF2-40B4-BE49-F238E27FC236}">
-                <a16:creationId xmlns:a16="http://schemas.microsoft.com/office/drawing/2014/main" id="{DAA1F43C-179D-453C-A3B4-DE7AA63EB418}"/>
-              </a:ext>
-            </a:extLst>
-          </p:cNvPr>
-          <p:cNvSpPr txBox="1"/>
-          <p:nvPr/>
-        </p:nvSpPr>
-        <p:spPr>
-          <a:xfrm>
-            <a:off x="4507015" y="1944715"/>
-            <a:ext cx="2045618" cy="646331"/>
-          </a:xfrm>
-          <a:prstGeom prst="rect">
-            <a:avLst/>
-          </a:prstGeom>
-          <a:noFill/>
-        </p:spPr>
-        <p:txBody>
-          <a:bodyPr wrap="square" rtlCol="0">
-            <a:spAutoFit/>
-          </a:bodyPr>
-          <a:lstStyle/>
-          <a:p>
-            <a:pPr algn="ctr"/>
-            <a:r>
-              <a:rPr lang="en-US" dirty="0">
-                <a:hlinkClick r:id="rId3" action="ppaction://hlinkfile"/>
-              </a:rPr>
-              <a:t>Download Flow Chart HTML File</a:t>
-            </a:r>
-            <a:endParaRPr lang="en-US" dirty="0"/>
-          </a:p>
-        </p:txBody>
-      </p:sp>
-      <p:sp>
-        <p:nvSpPr>
-          <p:cNvPr id="5" name="TextBox 4">
-            <a:extLst>
-              <a:ext uri="{FF2B5EF4-FFF2-40B4-BE49-F238E27FC236}">
-                <a16:creationId xmlns:a16="http://schemas.microsoft.com/office/drawing/2014/main" id="{A5FC419D-2AB1-4638-ADE2-D194F44BC924}"/>
-              </a:ext>
-            </a:extLst>
-          </p:cNvPr>
-          <p:cNvSpPr txBox="1"/>
-          <p:nvPr/>
-        </p:nvSpPr>
-        <p:spPr>
-          <a:xfrm>
-            <a:off x="5297865" y="3059668"/>
-            <a:ext cx="474810" cy="369332"/>
-          </a:xfrm>
-          <a:prstGeom prst="rect">
-            <a:avLst/>
-          </a:prstGeom>
-          <a:noFill/>
-        </p:spPr>
-        <p:txBody>
-          <a:bodyPr wrap="none" rtlCol="0">
-            <a:spAutoFit/>
-          </a:bodyPr>
-          <a:lstStyle/>
-          <a:p>
-            <a:r>
-              <a:rPr lang="en-US" dirty="0">
-                <a:solidFill>
-                  <a:schemeClr val="accent1">
-                    <a:lumMod val="75000"/>
-                  </a:schemeClr>
-                </a:solidFill>
-              </a:rPr>
-              <a:t>OR</a:t>
-            </a:r>
-          </a:p>
-        </p:txBody>
-      </p:sp>
-    </p:spTree>
-    <p:extLst>
-      <p:ext uri="{BB962C8B-B14F-4D97-AF65-F5344CB8AC3E}">
-        <p14:creationId xmlns:p14="http://schemas.microsoft.com/office/powerpoint/2010/main" val="3686092881"/>
-      </p:ext>
-    </p:extLst>
-  </p:cSld>
-  <p:clrMapOvr>
-    <a:masterClrMapping/>
-  </p:clrMapOvr>
-</p:sld>
-</file>
-
-<file path=ppt/slides/slide7.xml><?xml version="1.0" encoding="utf-8"?>
+<file path=ppt/slides/slide11.xml><?xml version="1.0" encoding="utf-8"?>
 <p:sld xmlns:a="http://schemas.openxmlformats.org/drawingml/2006/main" xmlns:r="http://schemas.openxmlformats.org/officeDocument/2006/relationships" xmlns:p="http://schemas.openxmlformats.org/presentationml/2006/main">
   <p:cSld>
     <p:spTree>
@@ -6781,10 +7214,10 @@
                     <a:lstStyle/>
                     <a:p>
                       <a:r>
-                        <a:rPr lang="en-US" b="1"/>
+                        <a:rPr lang="en-US" b="1" dirty="0"/>
                         <a:t>F1-Score</a:t>
                       </a:r>
-                      <a:endParaRPr lang="en-US"/>
+                      <a:endParaRPr lang="en-US" dirty="0"/>
                     </a:p>
                   </a:txBody>
                   <a:tcPr anchor="ctr">
@@ -6841,10 +7274,10 @@
                     <a:lstStyle/>
                     <a:p>
                       <a:r>
-                        <a:rPr lang="en-US" b="1"/>
+                        <a:rPr lang="en-US" b="1" dirty="0"/>
                         <a:t>0.2478</a:t>
                       </a:r>
-                      <a:endParaRPr lang="en-US"/>
+                      <a:endParaRPr lang="en-US" dirty="0"/>
                     </a:p>
                   </a:txBody>
                   <a:tcPr anchor="ctr">
@@ -7419,7 +7852,7 @@
                     <a:lstStyle/>
                     <a:p>
                       <a:r>
-                        <a:rPr lang="en-US"/>
+                        <a:rPr lang="en-US" dirty="0"/>
                         <a:t>0.0420</a:t>
                       </a:r>
                     </a:p>
@@ -7758,10 +8191,10 @@
                     <a:lstStyle/>
                     <a:p>
                       <a:r>
-                        <a:rPr lang="en-US" sz="800" b="1"/>
+                        <a:rPr lang="en-US" sz="800" b="1" dirty="0"/>
                         <a:t>Validation Accuracy</a:t>
                       </a:r>
-                      <a:endParaRPr lang="en-US" sz="800"/>
+                      <a:endParaRPr lang="en-US" sz="800" dirty="0"/>
                     </a:p>
                   </a:txBody>
                   <a:tcPr marL="42653" marR="42653" marT="21327" marB="21327" anchor="ctr">
@@ -9203,7 +9636,7 @@
                     <a:lstStyle/>
                     <a:p>
                       <a:r>
-                        <a:rPr lang="en-US" sz="800"/>
+                        <a:rPr lang="en-US" sz="800" dirty="0"/>
                         <a:t>0.4456</a:t>
                       </a:r>
                     </a:p>
@@ -9478,7 +9911,7 @@
                     <a:lstStyle/>
                     <a:p>
                       <a:r>
-                        <a:rPr lang="en-US" sz="800"/>
+                        <a:rPr lang="en-US" sz="800" dirty="0"/>
                         <a:t>Basic</a:t>
                       </a:r>
                     </a:p>
@@ -9530,7 +9963,7 @@
                     <a:lstStyle/>
                     <a:p>
                       <a:r>
-                        <a:rPr lang="en-US" sz="800"/>
+                        <a:rPr lang="en-US" sz="800" dirty="0"/>
                         <a:t>0.4495</a:t>
                       </a:r>
                     </a:p>
@@ -9668,7 +10101,7 @@
                     <a:lstStyle/>
                     <a:p>
                       <a:r>
-                        <a:rPr lang="en-US" sz="800"/>
+                        <a:rPr lang="en-US" sz="800" dirty="0"/>
                         <a:t>TF-IDF (Standard)</a:t>
                       </a:r>
                     </a:p>
@@ -9694,7 +10127,7 @@
                     <a:lstStyle/>
                     <a:p>
                       <a:r>
-                        <a:rPr lang="en-US" sz="800"/>
+                        <a:rPr lang="en-US" sz="800" dirty="0"/>
                         <a:t>0.4449</a:t>
                       </a:r>
                     </a:p>
@@ -9720,7 +10153,7 @@
                     <a:lstStyle/>
                     <a:p>
                       <a:r>
-                        <a:rPr lang="en-US" sz="800"/>
+                        <a:rPr lang="en-US" sz="800" dirty="0"/>
                         <a:t>0.3575</a:t>
                       </a:r>
                     </a:p>
@@ -9789,7 +10222,65 @@
 </p:sld>
 </file>
 
-<file path=ppt/slides/slide8.xml><?xml version="1.0" encoding="utf-8"?>
+<file path=ppt/slides/slide12.xml><?xml version="1.0" encoding="utf-8"?>
+<p:sld xmlns:a="http://schemas.openxmlformats.org/drawingml/2006/main" xmlns:r="http://schemas.openxmlformats.org/officeDocument/2006/relationships" xmlns:p="http://schemas.openxmlformats.org/presentationml/2006/main">
+  <p:cSld>
+    <p:spTree>
+      <p:nvGrpSpPr>
+        <p:cNvPr id="1" name=""/>
+        <p:cNvGrpSpPr/>
+        <p:nvPr/>
+      </p:nvGrpSpPr>
+      <p:grpSpPr>
+        <a:xfrm>
+          <a:off x="0" y="0"/>
+          <a:ext cx="0" cy="0"/>
+          <a:chOff x="0" y="0"/>
+          <a:chExt cx="0" cy="0"/>
+        </a:xfrm>
+      </p:grpSpPr>
+      <p:sp>
+        <p:nvSpPr>
+          <p:cNvPr id="2" name="Title 1">
+            <a:extLst>
+              <a:ext uri="{FF2B5EF4-FFF2-40B4-BE49-F238E27FC236}">
+                <a16:creationId xmlns:a16="http://schemas.microsoft.com/office/drawing/2014/main" id="{E15E2A07-24A1-4606-8916-2C008F5A519A}"/>
+              </a:ext>
+            </a:extLst>
+          </p:cNvPr>
+          <p:cNvSpPr>
+            <a:spLocks noGrp="1"/>
+          </p:cNvSpPr>
+          <p:nvPr>
+            <p:ph type="title"/>
+          </p:nvPr>
+        </p:nvSpPr>
+        <p:spPr/>
+        <p:txBody>
+          <a:bodyPr/>
+          <a:lstStyle/>
+          <a:p>
+            <a:r>
+              <a:rPr lang="en-US" dirty="0"/>
+              <a:t>Loss Curves (Top 2)</a:t>
+            </a:r>
+          </a:p>
+        </p:txBody>
+      </p:sp>
+    </p:spTree>
+    <p:extLst>
+      <p:ext uri="{BB962C8B-B14F-4D97-AF65-F5344CB8AC3E}">
+        <p14:creationId xmlns:p14="http://schemas.microsoft.com/office/powerpoint/2010/main" val="1301305411"/>
+      </p:ext>
+    </p:extLst>
+  </p:cSld>
+  <p:clrMapOvr>
+    <a:masterClrMapping/>
+  </p:clrMapOvr>
+</p:sld>
+</file>
+
+<file path=ppt/slides/slide13.xml><?xml version="1.0" encoding="utf-8"?>
 <p:sld xmlns:a="http://schemas.openxmlformats.org/drawingml/2006/main" xmlns:r="http://schemas.openxmlformats.org/officeDocument/2006/relationships" xmlns:p="http://schemas.openxmlformats.org/presentationml/2006/main">
   <p:cSld>
     <p:spTree>
@@ -10087,7 +10578,7 @@
                     <a:lstStyle/>
                     <a:p>
                       <a:r>
-                        <a:rPr lang="en-US"/>
+                        <a:rPr lang="en-US" dirty="0"/>
                         <a:t>Basic</a:t>
                       </a:r>
                     </a:p>
@@ -10374,6 +10865,2292 @@
 </p:sld>
 </file>
 
+<file path=ppt/slides/slide14.xml><?xml version="1.0" encoding="utf-8"?>
+<p:sld xmlns:a="http://schemas.openxmlformats.org/drawingml/2006/main" xmlns:r="http://schemas.openxmlformats.org/officeDocument/2006/relationships" xmlns:p="http://schemas.openxmlformats.org/presentationml/2006/main">
+  <p:cSld>
+    <p:spTree>
+      <p:nvGrpSpPr>
+        <p:cNvPr id="1" name=""/>
+        <p:cNvGrpSpPr/>
+        <p:nvPr/>
+      </p:nvGrpSpPr>
+      <p:grpSpPr>
+        <a:xfrm>
+          <a:off x="0" y="0"/>
+          <a:ext cx="0" cy="0"/>
+          <a:chOff x="0" y="0"/>
+          <a:chExt cx="0" cy="0"/>
+        </a:xfrm>
+      </p:grpSpPr>
+      <p:sp>
+        <p:nvSpPr>
+          <p:cNvPr id="2" name="Title 1">
+            <a:extLst>
+              <a:ext uri="{FF2B5EF4-FFF2-40B4-BE49-F238E27FC236}">
+                <a16:creationId xmlns:a16="http://schemas.microsoft.com/office/drawing/2014/main" id="{6E1D51D1-E209-4996-8825-E032DB57E9DE}"/>
+              </a:ext>
+            </a:extLst>
+          </p:cNvPr>
+          <p:cNvSpPr>
+            <a:spLocks noGrp="1"/>
+          </p:cNvSpPr>
+          <p:nvPr>
+            <p:ph type="title"/>
+          </p:nvPr>
+        </p:nvSpPr>
+        <p:spPr/>
+        <p:txBody>
+          <a:bodyPr/>
+          <a:lstStyle/>
+          <a:p>
+            <a:r>
+              <a:rPr lang="en-US" dirty="0"/>
+              <a:t>Deployed URL</a:t>
+            </a:r>
+          </a:p>
+        </p:txBody>
+      </p:sp>
+      <p:sp>
+        <p:nvSpPr>
+          <p:cNvPr id="3" name="Content Placeholder 2">
+            <a:extLst>
+              <a:ext uri="{FF2B5EF4-FFF2-40B4-BE49-F238E27FC236}">
+                <a16:creationId xmlns:a16="http://schemas.microsoft.com/office/drawing/2014/main" id="{7AA95387-778C-4B01-8FDA-732132701C59}"/>
+              </a:ext>
+            </a:extLst>
+          </p:cNvPr>
+          <p:cNvSpPr>
+            <a:spLocks noGrp="1"/>
+          </p:cNvSpPr>
+          <p:nvPr>
+            <p:ph idx="1"/>
+          </p:nvPr>
+        </p:nvSpPr>
+        <p:spPr/>
+        <p:txBody>
+          <a:bodyPr/>
+          <a:lstStyle/>
+          <a:p>
+            <a:r>
+              <a:rPr lang="en-US" dirty="0">
+                <a:hlinkClick r:id="rId2"/>
+              </a:rPr>
+              <a:t>Click to open</a:t>
+            </a:r>
+            <a:endParaRPr lang="en-US" dirty="0"/>
+          </a:p>
+        </p:txBody>
+      </p:sp>
+    </p:spTree>
+    <p:extLst>
+      <p:ext uri="{BB962C8B-B14F-4D97-AF65-F5344CB8AC3E}">
+        <p14:creationId xmlns:p14="http://schemas.microsoft.com/office/powerpoint/2010/main" val="4201121988"/>
+      </p:ext>
+    </p:extLst>
+  </p:cSld>
+  <p:clrMapOvr>
+    <a:masterClrMapping/>
+  </p:clrMapOvr>
+</p:sld>
+</file>
+
+<file path=ppt/slides/slide15.xml><?xml version="1.0" encoding="utf-8"?>
+<p:sld xmlns:a="http://schemas.openxmlformats.org/drawingml/2006/main" xmlns:r="http://schemas.openxmlformats.org/officeDocument/2006/relationships" xmlns:p="http://schemas.openxmlformats.org/presentationml/2006/main">
+  <p:cSld>
+    <p:spTree>
+      <p:nvGrpSpPr>
+        <p:cNvPr id="1" name=""/>
+        <p:cNvGrpSpPr/>
+        <p:nvPr/>
+      </p:nvGrpSpPr>
+      <p:grpSpPr>
+        <a:xfrm>
+          <a:off x="0" y="0"/>
+          <a:ext cx="0" cy="0"/>
+          <a:chOff x="0" y="0"/>
+          <a:chExt cx="0" cy="0"/>
+        </a:xfrm>
+      </p:grpSpPr>
+      <p:sp>
+        <p:nvSpPr>
+          <p:cNvPr id="4" name="TextBox 3">
+            <a:extLst>
+              <a:ext uri="{FF2B5EF4-FFF2-40B4-BE49-F238E27FC236}">
+                <a16:creationId xmlns:a16="http://schemas.microsoft.com/office/drawing/2014/main" id="{FFA8ED56-5502-40FD-B174-7C92879391B0}"/>
+              </a:ext>
+            </a:extLst>
+          </p:cNvPr>
+          <p:cNvSpPr txBox="1"/>
+          <p:nvPr/>
+        </p:nvSpPr>
+        <p:spPr>
+          <a:xfrm>
+            <a:off x="3796645" y="2875002"/>
+            <a:ext cx="4598709" cy="1107996"/>
+          </a:xfrm>
+          <a:prstGeom prst="rect">
+            <a:avLst/>
+          </a:prstGeom>
+          <a:noFill/>
+        </p:spPr>
+        <p:txBody>
+          <a:bodyPr wrap="square" rtlCol="0">
+            <a:spAutoFit/>
+          </a:bodyPr>
+          <a:lstStyle/>
+          <a:p>
+            <a:r>
+              <a:rPr lang="en-US" sz="6600" dirty="0"/>
+              <a:t>THANK YOU</a:t>
+            </a:r>
+          </a:p>
+        </p:txBody>
+      </p:sp>
+    </p:spTree>
+    <p:extLst>
+      <p:ext uri="{BB962C8B-B14F-4D97-AF65-F5344CB8AC3E}">
+        <p14:creationId xmlns:p14="http://schemas.microsoft.com/office/powerpoint/2010/main" val="1795129977"/>
+      </p:ext>
+    </p:extLst>
+  </p:cSld>
+  <p:clrMapOvr>
+    <a:masterClrMapping/>
+  </p:clrMapOvr>
+</p:sld>
+</file>
+
+<file path=ppt/slides/slide2.xml><?xml version="1.0" encoding="utf-8"?>
+<p:sld xmlns:a="http://schemas.openxmlformats.org/drawingml/2006/main" xmlns:r="http://schemas.openxmlformats.org/officeDocument/2006/relationships" xmlns:p="http://schemas.openxmlformats.org/presentationml/2006/main">
+  <p:cSld>
+    <p:spTree>
+      <p:nvGrpSpPr>
+        <p:cNvPr id="1" name=""/>
+        <p:cNvGrpSpPr/>
+        <p:nvPr/>
+      </p:nvGrpSpPr>
+      <p:grpSpPr>
+        <a:xfrm>
+          <a:off x="0" y="0"/>
+          <a:ext cx="0" cy="0"/>
+          <a:chOff x="0" y="0"/>
+          <a:chExt cx="0" cy="0"/>
+        </a:xfrm>
+      </p:grpSpPr>
+      <p:sp>
+        <p:nvSpPr>
+          <p:cNvPr id="2" name="Title 1">
+            <a:extLst>
+              <a:ext uri="{FF2B5EF4-FFF2-40B4-BE49-F238E27FC236}">
+                <a16:creationId xmlns:a16="http://schemas.microsoft.com/office/drawing/2014/main" id="{5E81DE29-FEA6-47F2-893D-191FF93DA04C}"/>
+              </a:ext>
+            </a:extLst>
+          </p:cNvPr>
+          <p:cNvSpPr>
+            <a:spLocks noGrp="1"/>
+          </p:cNvSpPr>
+          <p:nvPr>
+            <p:ph type="title"/>
+          </p:nvPr>
+        </p:nvSpPr>
+        <p:spPr/>
+        <p:txBody>
+          <a:bodyPr/>
+          <a:lstStyle/>
+          <a:p>
+            <a:r>
+              <a:rPr lang="en-US" b="1" dirty="0"/>
+              <a:t>🤔 Problem Statement</a:t>
+            </a:r>
+          </a:p>
+        </p:txBody>
+      </p:sp>
+      <p:sp>
+        <p:nvSpPr>
+          <p:cNvPr id="3" name="Content Placeholder 2">
+            <a:extLst>
+              <a:ext uri="{FF2B5EF4-FFF2-40B4-BE49-F238E27FC236}">
+                <a16:creationId xmlns:a16="http://schemas.microsoft.com/office/drawing/2014/main" id="{A9DF0A5A-BC8A-497A-8528-FE26149035EB}"/>
+              </a:ext>
+            </a:extLst>
+          </p:cNvPr>
+          <p:cNvSpPr>
+            <a:spLocks noGrp="1"/>
+          </p:cNvSpPr>
+          <p:nvPr>
+            <p:ph idx="1"/>
+          </p:nvPr>
+        </p:nvSpPr>
+        <p:spPr/>
+        <p:txBody>
+          <a:bodyPr/>
+          <a:lstStyle/>
+          <a:p>
+            <a:r>
+              <a:rPr lang="en-US" dirty="0"/>
+              <a:t>This project focuses on building a </a:t>
+            </a:r>
+            <a:r>
+              <a:rPr lang="en-US" b="1" dirty="0"/>
+              <a:t>machine learning model that detects fake news</a:t>
+            </a:r>
+            <a:r>
+              <a:rPr lang="en-US" dirty="0"/>
+              <a:t>, addressing the growing problem of misinformation spreading rapidly across digital platforms. False information often appears credible due to subtle wording, emotional tone, or biased phrasing, making it difficult to identify manually. To tackle this, the model analyzes news statements using natural language processing techniques and classifies them into multiple truthfulness categories based on the </a:t>
+            </a:r>
+            <a:r>
+              <a:rPr lang="en-US" b="1" dirty="0"/>
+              <a:t>LIAR dataset</a:t>
+            </a:r>
+            <a:r>
+              <a:rPr lang="en-US" dirty="0"/>
+              <a:t>.</a:t>
+            </a:r>
+          </a:p>
+        </p:txBody>
+      </p:sp>
+    </p:spTree>
+    <p:extLst>
+      <p:ext uri="{BB962C8B-B14F-4D97-AF65-F5344CB8AC3E}">
+        <p14:creationId xmlns:p14="http://schemas.microsoft.com/office/powerpoint/2010/main" val="3724542090"/>
+      </p:ext>
+    </p:extLst>
+  </p:cSld>
+  <p:clrMapOvr>
+    <a:masterClrMapping/>
+  </p:clrMapOvr>
+</p:sld>
+</file>
+
+<file path=ppt/slides/slide3.xml><?xml version="1.0" encoding="utf-8"?>
+<p:sld xmlns:a="http://schemas.openxmlformats.org/drawingml/2006/main" xmlns:r="http://schemas.openxmlformats.org/officeDocument/2006/relationships" xmlns:p="http://schemas.openxmlformats.org/presentationml/2006/main">
+  <p:cSld>
+    <p:spTree>
+      <p:nvGrpSpPr>
+        <p:cNvPr id="1" name=""/>
+        <p:cNvGrpSpPr/>
+        <p:nvPr/>
+      </p:nvGrpSpPr>
+      <p:grpSpPr>
+        <a:xfrm>
+          <a:off x="0" y="0"/>
+          <a:ext cx="0" cy="0"/>
+          <a:chOff x="0" y="0"/>
+          <a:chExt cx="0" cy="0"/>
+        </a:xfrm>
+      </p:grpSpPr>
+      <p:sp>
+        <p:nvSpPr>
+          <p:cNvPr id="2" name="Title 1">
+            <a:extLst>
+              <a:ext uri="{FF2B5EF4-FFF2-40B4-BE49-F238E27FC236}">
+                <a16:creationId xmlns:a16="http://schemas.microsoft.com/office/drawing/2014/main" id="{EECF6757-BD0C-41CA-863D-1550C865078C}"/>
+              </a:ext>
+            </a:extLst>
+          </p:cNvPr>
+          <p:cNvSpPr>
+            <a:spLocks noGrp="1"/>
+          </p:cNvSpPr>
+          <p:nvPr>
+            <p:ph type="title"/>
+          </p:nvPr>
+        </p:nvSpPr>
+        <p:spPr/>
+        <p:txBody>
+          <a:bodyPr/>
+          <a:lstStyle/>
+          <a:p>
+            <a:r>
+              <a:rPr lang="en-US" b="1" dirty="0"/>
+              <a:t>📂 Dataset</a:t>
+            </a:r>
+            <a:br>
+              <a:rPr lang="en-US" b="1" dirty="0"/>
+            </a:br>
+            <a:endParaRPr lang="en-US" dirty="0"/>
+          </a:p>
+        </p:txBody>
+      </p:sp>
+      <p:sp>
+        <p:nvSpPr>
+          <p:cNvPr id="3" name="Content Placeholder 2">
+            <a:extLst>
+              <a:ext uri="{FF2B5EF4-FFF2-40B4-BE49-F238E27FC236}">
+                <a16:creationId xmlns:a16="http://schemas.microsoft.com/office/drawing/2014/main" id="{2C1C9FBB-2BF0-4BB8-96E1-3ABDB8F62009}"/>
+              </a:ext>
+            </a:extLst>
+          </p:cNvPr>
+          <p:cNvSpPr>
+            <a:spLocks noGrp="1"/>
+          </p:cNvSpPr>
+          <p:nvPr>
+            <p:ph idx="1"/>
+          </p:nvPr>
+        </p:nvSpPr>
+        <p:spPr>
+          <a:xfrm>
+            <a:off x="677334" y="1415871"/>
+            <a:ext cx="8596668" cy="2543387"/>
+          </a:xfrm>
+        </p:spPr>
+        <p:txBody>
+          <a:bodyPr>
+            <a:normAutofit lnSpcReduction="10000"/>
+          </a:bodyPr>
+          <a:lstStyle/>
+          <a:p>
+            <a:r>
+              <a:rPr lang="en-US" dirty="0"/>
+              <a:t>This project uses the </a:t>
+            </a:r>
+            <a:r>
+              <a:rPr lang="en-US" b="1" dirty="0"/>
+              <a:t>LIAR dataset</a:t>
+            </a:r>
+            <a:r>
+              <a:rPr lang="en-US" dirty="0"/>
+              <a:t>, a publicly available benchmark collected by </a:t>
+            </a:r>
+            <a:r>
+              <a:rPr lang="en-US" b="1" dirty="0"/>
+              <a:t>William Yang Wang (UCSB)</a:t>
+            </a:r>
+            <a:r>
+              <a:rPr lang="en-US" dirty="0"/>
+              <a:t> for fake news classification. It contains over </a:t>
+            </a:r>
+            <a:r>
+              <a:rPr lang="en-US" b="1" dirty="0"/>
+              <a:t>12,000 short political statements</a:t>
+            </a:r>
+            <a:r>
+              <a:rPr lang="en-US" dirty="0"/>
+              <a:t> labeled into six categories — </a:t>
+            </a:r>
+            <a:r>
+              <a:rPr lang="en-US" i="1" dirty="0"/>
+              <a:t>pants-fire, false, barely-true, half-true, mostly-true,</a:t>
+            </a:r>
+            <a:r>
+              <a:rPr lang="en-US" dirty="0"/>
+              <a:t> and </a:t>
+            </a:r>
+            <a:r>
+              <a:rPr lang="en-US" i="1" dirty="0"/>
+              <a:t>true</a:t>
+            </a:r>
+            <a:r>
+              <a:rPr lang="en-US" dirty="0"/>
+              <a:t>. Each record includes additional metadata such as the speaker, context, and source, providing valuable linguistic and contextual variety. The data is divided into training, validation, and test sets, ensuring fair evaluation. This dataset was chosen because it reflects the complexity of real-world misinformation and supports the development of multi-class classification models.</a:t>
+            </a:r>
+          </a:p>
+          <a:p>
+            <a:endParaRPr lang="en-US" dirty="0"/>
+          </a:p>
+        </p:txBody>
+      </p:sp>
+    </p:spTree>
+    <p:extLst>
+      <p:ext uri="{BB962C8B-B14F-4D97-AF65-F5344CB8AC3E}">
+        <p14:creationId xmlns:p14="http://schemas.microsoft.com/office/powerpoint/2010/main" val="1036525823"/>
+      </p:ext>
+    </p:extLst>
+  </p:cSld>
+  <p:clrMapOvr>
+    <a:masterClrMapping/>
+  </p:clrMapOvr>
+</p:sld>
+</file>
+
+<file path=ppt/slides/slide4.xml><?xml version="1.0" encoding="utf-8"?>
+<p:sld xmlns:a="http://schemas.openxmlformats.org/drawingml/2006/main" xmlns:r="http://schemas.openxmlformats.org/officeDocument/2006/relationships" xmlns:p="http://schemas.openxmlformats.org/presentationml/2006/main">
+  <p:cSld>
+    <p:spTree>
+      <p:nvGrpSpPr>
+        <p:cNvPr id="1" name=""/>
+        <p:cNvGrpSpPr/>
+        <p:nvPr/>
+      </p:nvGrpSpPr>
+      <p:grpSpPr>
+        <a:xfrm>
+          <a:off x="0" y="0"/>
+          <a:ext cx="0" cy="0"/>
+          <a:chOff x="0" y="0"/>
+          <a:chExt cx="0" cy="0"/>
+        </a:xfrm>
+      </p:grpSpPr>
+      <p:pic>
+        <p:nvPicPr>
+          <p:cNvPr id="4" name="Picture 3">
+            <a:extLst>
+              <a:ext uri="{FF2B5EF4-FFF2-40B4-BE49-F238E27FC236}">
+                <a16:creationId xmlns:a16="http://schemas.microsoft.com/office/drawing/2014/main" id="{5EF5706C-0CF3-4C9D-95D7-ACD3C533A096}"/>
+              </a:ext>
+            </a:extLst>
+          </p:cNvPr>
+          <p:cNvPicPr>
+            <a:picLocks noChangeAspect="1"/>
+          </p:cNvPicPr>
+          <p:nvPr/>
+        </p:nvPicPr>
+        <p:blipFill>
+          <a:blip r:embed="rId2"/>
+          <a:stretch>
+            <a:fillRect/>
+          </a:stretch>
+        </p:blipFill>
+        <p:spPr>
+          <a:xfrm>
+            <a:off x="442123" y="992706"/>
+            <a:ext cx="11307753" cy="5020376"/>
+          </a:xfrm>
+          <a:prstGeom prst="rect">
+            <a:avLst/>
+          </a:prstGeom>
+        </p:spPr>
+      </p:pic>
+    </p:spTree>
+    <p:extLst>
+      <p:ext uri="{BB962C8B-B14F-4D97-AF65-F5344CB8AC3E}">
+        <p14:creationId xmlns:p14="http://schemas.microsoft.com/office/powerpoint/2010/main" val="80234082"/>
+      </p:ext>
+    </p:extLst>
+  </p:cSld>
+  <p:clrMapOvr>
+    <a:masterClrMapping/>
+  </p:clrMapOvr>
+</p:sld>
+</file>
+
+<file path=ppt/slides/slide5.xml><?xml version="1.0" encoding="utf-8"?>
+<p:sld xmlns:a="http://schemas.openxmlformats.org/drawingml/2006/main" xmlns:r="http://schemas.openxmlformats.org/officeDocument/2006/relationships" xmlns:p="http://schemas.openxmlformats.org/presentationml/2006/main">
+  <p:cSld>
+    <p:spTree>
+      <p:nvGrpSpPr>
+        <p:cNvPr id="1" name=""/>
+        <p:cNvGrpSpPr/>
+        <p:nvPr/>
+      </p:nvGrpSpPr>
+      <p:grpSpPr>
+        <a:xfrm>
+          <a:off x="0" y="0"/>
+          <a:ext cx="0" cy="0"/>
+          <a:chOff x="0" y="0"/>
+          <a:chExt cx="0" cy="0"/>
+        </a:xfrm>
+      </p:grpSpPr>
+      <p:sp>
+        <p:nvSpPr>
+          <p:cNvPr id="2" name="Title 1">
+            <a:extLst>
+              <a:ext uri="{FF2B5EF4-FFF2-40B4-BE49-F238E27FC236}">
+                <a16:creationId xmlns:a16="http://schemas.microsoft.com/office/drawing/2014/main" id="{16DF86D9-9652-4AE7-B3FE-7208D5A890C9}"/>
+              </a:ext>
+            </a:extLst>
+          </p:cNvPr>
+          <p:cNvSpPr>
+            <a:spLocks noGrp="1"/>
+          </p:cNvSpPr>
+          <p:nvPr>
+            <p:ph type="title"/>
+          </p:nvPr>
+        </p:nvSpPr>
+        <p:spPr/>
+        <p:txBody>
+          <a:bodyPr/>
+          <a:lstStyle/>
+          <a:p>
+            <a:r>
+              <a:rPr lang="en-US" dirty="0"/>
+              <a:t>EDA Visualizations</a:t>
+            </a:r>
+          </a:p>
+        </p:txBody>
+      </p:sp>
+      <p:pic>
+        <p:nvPicPr>
+          <p:cNvPr id="3" name="Picture 2">
+            <a:extLst>
+              <a:ext uri="{FF2B5EF4-FFF2-40B4-BE49-F238E27FC236}">
+                <a16:creationId xmlns:a16="http://schemas.microsoft.com/office/drawing/2014/main" id="{A576D853-DC2D-437A-BA13-EFD5549605DF}"/>
+              </a:ext>
+            </a:extLst>
+          </p:cNvPr>
+          <p:cNvPicPr>
+            <a:picLocks noChangeAspect="1"/>
+          </p:cNvPicPr>
+          <p:nvPr/>
+        </p:nvPicPr>
+        <p:blipFill>
+          <a:blip r:embed="rId2"/>
+          <a:stretch>
+            <a:fillRect/>
+          </a:stretch>
+        </p:blipFill>
+        <p:spPr>
+          <a:xfrm>
+            <a:off x="234031" y="3740797"/>
+            <a:ext cx="4829175" cy="2605088"/>
+          </a:xfrm>
+          <a:prstGeom prst="rect">
+            <a:avLst/>
+          </a:prstGeom>
+          <a:ln>
+            <a:solidFill>
+              <a:schemeClr val="tx2">
+                <a:lumMod val="50000"/>
+              </a:schemeClr>
+            </a:solidFill>
+          </a:ln>
+        </p:spPr>
+      </p:pic>
+      <p:sp>
+        <p:nvSpPr>
+          <p:cNvPr id="9" name="TextBox 8">
+            <a:extLst>
+              <a:ext uri="{FF2B5EF4-FFF2-40B4-BE49-F238E27FC236}">
+                <a16:creationId xmlns:a16="http://schemas.microsoft.com/office/drawing/2014/main" id="{F832FC5C-F7E7-4703-A466-FBC5DB7C37CC}"/>
+              </a:ext>
+            </a:extLst>
+          </p:cNvPr>
+          <p:cNvSpPr txBox="1"/>
+          <p:nvPr/>
+        </p:nvSpPr>
+        <p:spPr>
+          <a:xfrm>
+            <a:off x="5376421" y="4350843"/>
+            <a:ext cx="6815579" cy="2031325"/>
+          </a:xfrm>
+          <a:prstGeom prst="rect">
+            <a:avLst/>
+          </a:prstGeom>
+          <a:noFill/>
+        </p:spPr>
+        <p:txBody>
+          <a:bodyPr wrap="square" rtlCol="0">
+            <a:spAutoFit/>
+          </a:bodyPr>
+          <a:lstStyle/>
+          <a:p>
+            <a:r>
+              <a:rPr lang="en-US" b="1" dirty="0"/>
+              <a:t>Party Affiliation</a:t>
+            </a:r>
+            <a:r>
+              <a:rPr lang="en-US" dirty="0"/>
+              <a:t> is an extremely powerful, non-textual feature for fake news detection, as the distribution of labels is highly non-uniform across the groups. Claims associated with </a:t>
+            </a:r>
+            <a:r>
+              <a:rPr lang="en-US" b="1" dirty="0"/>
+              <a:t>Republicans</a:t>
+            </a:r>
+            <a:r>
+              <a:rPr lang="en-US" dirty="0"/>
+              <a:t> are statistically skewed towards the least credible categories, showing the highest counts in 'false', 'barely-true', and 'half-true', while statements linked to </a:t>
+            </a:r>
+            <a:r>
+              <a:rPr lang="en-US" b="1" dirty="0"/>
+              <a:t>Democrats</a:t>
+            </a:r>
+            <a:r>
+              <a:rPr lang="en-US" dirty="0"/>
+              <a:t> cluster heavily in the more credible 'mostly-true' and 'true' labels. </a:t>
+            </a:r>
+          </a:p>
+        </p:txBody>
+      </p:sp>
+      <p:pic>
+        <p:nvPicPr>
+          <p:cNvPr id="10" name="Picture 9">
+            <a:extLst>
+              <a:ext uri="{FF2B5EF4-FFF2-40B4-BE49-F238E27FC236}">
+                <a16:creationId xmlns:a16="http://schemas.microsoft.com/office/drawing/2014/main" id="{4CE09C5D-6862-4372-8B6A-016D8B256656}"/>
+              </a:ext>
+            </a:extLst>
+          </p:cNvPr>
+          <p:cNvPicPr>
+            <a:picLocks noChangeAspect="1"/>
+          </p:cNvPicPr>
+          <p:nvPr/>
+        </p:nvPicPr>
+        <p:blipFill>
+          <a:blip r:embed="rId3"/>
+          <a:stretch>
+            <a:fillRect/>
+          </a:stretch>
+        </p:blipFill>
+        <p:spPr>
+          <a:xfrm>
+            <a:off x="5469579" y="188900"/>
+            <a:ext cx="6488390" cy="3728098"/>
+          </a:xfrm>
+          <a:prstGeom prst="rect">
+            <a:avLst/>
+          </a:prstGeom>
+        </p:spPr>
+      </p:pic>
+      <p:sp>
+        <p:nvSpPr>
+          <p:cNvPr id="11" name="TextBox 10">
+            <a:extLst>
+              <a:ext uri="{FF2B5EF4-FFF2-40B4-BE49-F238E27FC236}">
+                <a16:creationId xmlns:a16="http://schemas.microsoft.com/office/drawing/2014/main" id="{DFE9A690-D434-45AD-B5C6-1BC7D978A161}"/>
+              </a:ext>
+            </a:extLst>
+          </p:cNvPr>
+          <p:cNvSpPr txBox="1"/>
+          <p:nvPr/>
+        </p:nvSpPr>
+        <p:spPr>
+          <a:xfrm>
+            <a:off x="320511" y="1329178"/>
+            <a:ext cx="4742695" cy="2031325"/>
+          </a:xfrm>
+          <a:prstGeom prst="rect">
+            <a:avLst/>
+          </a:prstGeom>
+          <a:noFill/>
+        </p:spPr>
+        <p:txBody>
+          <a:bodyPr wrap="square" rtlCol="0">
+            <a:spAutoFit/>
+          </a:bodyPr>
+          <a:lstStyle/>
+          <a:p>
+            <a:r>
+              <a:rPr lang="en-US" dirty="0"/>
+              <a:t>the dataset is highly concentrated among a few prominent individuals (like Barack Obama), which is critical for modeling. The most useful insight is not the speakers themselves, but the need to properly leverage the historical credibility counts associated with them. </a:t>
+            </a:r>
+          </a:p>
+        </p:txBody>
+      </p:sp>
+    </p:spTree>
+    <p:extLst>
+      <p:ext uri="{BB962C8B-B14F-4D97-AF65-F5344CB8AC3E}">
+        <p14:creationId xmlns:p14="http://schemas.microsoft.com/office/powerpoint/2010/main" val="2228389332"/>
+      </p:ext>
+    </p:extLst>
+  </p:cSld>
+  <p:clrMapOvr>
+    <a:masterClrMapping/>
+  </p:clrMapOvr>
+</p:sld>
+</file>
+
+<file path=ppt/slides/slide6.xml><?xml version="1.0" encoding="utf-8"?>
+<p:sld xmlns:a="http://schemas.openxmlformats.org/drawingml/2006/main" xmlns:r="http://schemas.openxmlformats.org/officeDocument/2006/relationships" xmlns:p="http://schemas.openxmlformats.org/presentationml/2006/main">
+  <p:cSld>
+    <p:spTree>
+      <p:nvGrpSpPr>
+        <p:cNvPr id="1" name=""/>
+        <p:cNvGrpSpPr/>
+        <p:nvPr/>
+      </p:nvGrpSpPr>
+      <p:grpSpPr>
+        <a:xfrm>
+          <a:off x="0" y="0"/>
+          <a:ext cx="0" cy="0"/>
+          <a:chOff x="0" y="0"/>
+          <a:chExt cx="0" cy="0"/>
+        </a:xfrm>
+      </p:grpSpPr>
+      <p:sp>
+        <p:nvSpPr>
+          <p:cNvPr id="2" name="Title 1">
+            <a:extLst>
+              <a:ext uri="{FF2B5EF4-FFF2-40B4-BE49-F238E27FC236}">
+                <a16:creationId xmlns:a16="http://schemas.microsoft.com/office/drawing/2014/main" id="{F3B286A8-3334-46C4-8C48-958B61158EFA}"/>
+              </a:ext>
+            </a:extLst>
+          </p:cNvPr>
+          <p:cNvSpPr>
+            <a:spLocks noGrp="1"/>
+          </p:cNvSpPr>
+          <p:nvPr>
+            <p:ph type="title"/>
+          </p:nvPr>
+        </p:nvSpPr>
+        <p:spPr/>
+        <p:txBody>
+          <a:bodyPr/>
+          <a:lstStyle/>
+          <a:p>
+            <a:r>
+              <a:rPr lang="en-US" b="1" dirty="0"/>
+              <a:t>🛠️ Methodology</a:t>
+            </a:r>
+            <a:endParaRPr lang="en-US" dirty="0"/>
+          </a:p>
+        </p:txBody>
+      </p:sp>
+      <p:sp>
+        <p:nvSpPr>
+          <p:cNvPr id="3" name="Content Placeholder 2">
+            <a:extLst>
+              <a:ext uri="{FF2B5EF4-FFF2-40B4-BE49-F238E27FC236}">
+                <a16:creationId xmlns:a16="http://schemas.microsoft.com/office/drawing/2014/main" id="{5A94D5F1-C9B9-4E17-9D8C-F8B3E9E68525}"/>
+              </a:ext>
+            </a:extLst>
+          </p:cNvPr>
+          <p:cNvSpPr>
+            <a:spLocks noGrp="1"/>
+          </p:cNvSpPr>
+          <p:nvPr>
+            <p:ph idx="1"/>
+          </p:nvPr>
+        </p:nvSpPr>
+        <p:spPr>
+          <a:xfrm>
+            <a:off x="4790823" y="3908775"/>
+            <a:ext cx="1478002" cy="646331"/>
+          </a:xfrm>
+        </p:spPr>
+        <p:txBody>
+          <a:bodyPr>
+            <a:normAutofit/>
+          </a:bodyPr>
+          <a:lstStyle/>
+          <a:p>
+            <a:pPr marL="0" indent="0" algn="ctr">
+              <a:buNone/>
+            </a:pPr>
+            <a:r>
+              <a:rPr lang="en-US" dirty="0">
+                <a:hlinkClick r:id="rId2"/>
+              </a:rPr>
+              <a:t>View Flow Chart Online </a:t>
+            </a:r>
+            <a:endParaRPr lang="en-US" dirty="0"/>
+          </a:p>
+        </p:txBody>
+      </p:sp>
+      <p:sp>
+        <p:nvSpPr>
+          <p:cNvPr id="4" name="TextBox 3">
+            <a:extLst>
+              <a:ext uri="{FF2B5EF4-FFF2-40B4-BE49-F238E27FC236}">
+                <a16:creationId xmlns:a16="http://schemas.microsoft.com/office/drawing/2014/main" id="{DAA1F43C-179D-453C-A3B4-DE7AA63EB418}"/>
+              </a:ext>
+            </a:extLst>
+          </p:cNvPr>
+          <p:cNvSpPr txBox="1"/>
+          <p:nvPr/>
+        </p:nvSpPr>
+        <p:spPr>
+          <a:xfrm>
+            <a:off x="4507015" y="1944715"/>
+            <a:ext cx="2045618" cy="646331"/>
+          </a:xfrm>
+          <a:prstGeom prst="rect">
+            <a:avLst/>
+          </a:prstGeom>
+          <a:noFill/>
+        </p:spPr>
+        <p:txBody>
+          <a:bodyPr wrap="square" rtlCol="0">
+            <a:spAutoFit/>
+          </a:bodyPr>
+          <a:lstStyle/>
+          <a:p>
+            <a:pPr algn="ctr"/>
+            <a:r>
+              <a:rPr lang="en-US" dirty="0">
+                <a:hlinkClick r:id="rId3" action="ppaction://hlinkfile"/>
+              </a:rPr>
+              <a:t>Download Flow Chart HTML File</a:t>
+            </a:r>
+            <a:endParaRPr lang="en-US" dirty="0"/>
+          </a:p>
+        </p:txBody>
+      </p:sp>
+      <p:sp>
+        <p:nvSpPr>
+          <p:cNvPr id="5" name="TextBox 4">
+            <a:extLst>
+              <a:ext uri="{FF2B5EF4-FFF2-40B4-BE49-F238E27FC236}">
+                <a16:creationId xmlns:a16="http://schemas.microsoft.com/office/drawing/2014/main" id="{A5FC419D-2AB1-4638-ADE2-D194F44BC924}"/>
+              </a:ext>
+            </a:extLst>
+          </p:cNvPr>
+          <p:cNvSpPr txBox="1"/>
+          <p:nvPr/>
+        </p:nvSpPr>
+        <p:spPr>
+          <a:xfrm>
+            <a:off x="5297865" y="3059668"/>
+            <a:ext cx="474810" cy="369332"/>
+          </a:xfrm>
+          <a:prstGeom prst="rect">
+            <a:avLst/>
+          </a:prstGeom>
+          <a:noFill/>
+        </p:spPr>
+        <p:txBody>
+          <a:bodyPr wrap="none" rtlCol="0">
+            <a:spAutoFit/>
+          </a:bodyPr>
+          <a:lstStyle/>
+          <a:p>
+            <a:r>
+              <a:rPr lang="en-US" dirty="0">
+                <a:solidFill>
+                  <a:schemeClr val="accent1">
+                    <a:lumMod val="75000"/>
+                  </a:schemeClr>
+                </a:solidFill>
+              </a:rPr>
+              <a:t>OR</a:t>
+            </a:r>
+          </a:p>
+        </p:txBody>
+      </p:sp>
+    </p:spTree>
+    <p:extLst>
+      <p:ext uri="{BB962C8B-B14F-4D97-AF65-F5344CB8AC3E}">
+        <p14:creationId xmlns:p14="http://schemas.microsoft.com/office/powerpoint/2010/main" val="3686092881"/>
+      </p:ext>
+    </p:extLst>
+  </p:cSld>
+  <p:clrMapOvr>
+    <a:masterClrMapping/>
+  </p:clrMapOvr>
+</p:sld>
+</file>
+
+<file path=ppt/slides/slide7.xml><?xml version="1.0" encoding="utf-8"?>
+<p:sld xmlns:a="http://schemas.openxmlformats.org/drawingml/2006/main" xmlns:r="http://schemas.openxmlformats.org/officeDocument/2006/relationships" xmlns:p="http://schemas.openxmlformats.org/presentationml/2006/main">
+  <p:cSld>
+    <p:spTree>
+      <p:nvGrpSpPr>
+        <p:cNvPr id="1" name=""/>
+        <p:cNvGrpSpPr/>
+        <p:nvPr/>
+      </p:nvGrpSpPr>
+      <p:grpSpPr>
+        <a:xfrm>
+          <a:off x="0" y="0"/>
+          <a:ext cx="0" cy="0"/>
+          <a:chOff x="0" y="0"/>
+          <a:chExt cx="0" cy="0"/>
+        </a:xfrm>
+      </p:grpSpPr>
+      <p:sp>
+        <p:nvSpPr>
+          <p:cNvPr id="2" name="Title 1">
+            <a:extLst>
+              <a:ext uri="{FF2B5EF4-FFF2-40B4-BE49-F238E27FC236}">
+                <a16:creationId xmlns:a16="http://schemas.microsoft.com/office/drawing/2014/main" id="{A9201D04-41FB-46D4-A2E1-1D7DD790FD1D}"/>
+              </a:ext>
+            </a:extLst>
+          </p:cNvPr>
+          <p:cNvSpPr>
+            <a:spLocks noGrp="1"/>
+          </p:cNvSpPr>
+          <p:nvPr>
+            <p:ph type="title"/>
+          </p:nvPr>
+        </p:nvSpPr>
+        <p:spPr>
+          <a:xfrm>
+            <a:off x="677334" y="609600"/>
+            <a:ext cx="3442180" cy="804421"/>
+          </a:xfrm>
+        </p:spPr>
+        <p:txBody>
+          <a:bodyPr/>
+          <a:lstStyle/>
+          <a:p>
+            <a:r>
+              <a:rPr lang="en-US" dirty="0"/>
+              <a:t>Preprocessing</a:t>
+            </a:r>
+          </a:p>
+        </p:txBody>
+      </p:sp>
+      <p:sp>
+        <p:nvSpPr>
+          <p:cNvPr id="4" name="Rectangle 3">
+            <a:extLst>
+              <a:ext uri="{FF2B5EF4-FFF2-40B4-BE49-F238E27FC236}">
+                <a16:creationId xmlns:a16="http://schemas.microsoft.com/office/drawing/2014/main" id="{D3449EDF-D02F-4A7D-8125-E3D836380180}"/>
+              </a:ext>
+            </a:extLst>
+          </p:cNvPr>
+          <p:cNvSpPr/>
+          <p:nvPr/>
+        </p:nvSpPr>
+        <p:spPr>
+          <a:xfrm>
+            <a:off x="677334" y="1654928"/>
+            <a:ext cx="2092751" cy="914400"/>
+          </a:xfrm>
+          <a:prstGeom prst="rect">
+            <a:avLst/>
+          </a:prstGeom>
+        </p:spPr>
+        <p:style>
+          <a:lnRef idx="2">
+            <a:schemeClr val="accent1">
+              <a:shade val="50000"/>
+            </a:schemeClr>
+          </a:lnRef>
+          <a:fillRef idx="1">
+            <a:schemeClr val="accent1"/>
+          </a:fillRef>
+          <a:effectRef idx="0">
+            <a:schemeClr val="accent1"/>
+          </a:effectRef>
+          <a:fontRef idx="minor">
+            <a:schemeClr val="lt1"/>
+          </a:fontRef>
+        </p:style>
+        <p:txBody>
+          <a:bodyPr rtlCol="0" anchor="ctr"/>
+          <a:lstStyle/>
+          <a:p>
+            <a:pPr algn="ctr"/>
+            <a:r>
+              <a:rPr lang="en-US" dirty="0"/>
+              <a:t>Basic</a:t>
+            </a:r>
+          </a:p>
+        </p:txBody>
+      </p:sp>
+      <p:sp>
+        <p:nvSpPr>
+          <p:cNvPr id="5" name="Rectangle 4">
+            <a:extLst>
+              <a:ext uri="{FF2B5EF4-FFF2-40B4-BE49-F238E27FC236}">
+                <a16:creationId xmlns:a16="http://schemas.microsoft.com/office/drawing/2014/main" id="{9332BEF2-C0F6-4DA0-AF64-C097A63ECC68}"/>
+              </a:ext>
+            </a:extLst>
+          </p:cNvPr>
+          <p:cNvSpPr/>
+          <p:nvPr/>
+        </p:nvSpPr>
+        <p:spPr>
+          <a:xfrm>
+            <a:off x="677333" y="3473516"/>
+            <a:ext cx="2092751" cy="914400"/>
+          </a:xfrm>
+          <a:prstGeom prst="rect">
+            <a:avLst/>
+          </a:prstGeom>
+        </p:spPr>
+        <p:style>
+          <a:lnRef idx="2">
+            <a:schemeClr val="accent1">
+              <a:shade val="50000"/>
+            </a:schemeClr>
+          </a:lnRef>
+          <a:fillRef idx="1">
+            <a:schemeClr val="accent1"/>
+          </a:fillRef>
+          <a:effectRef idx="0">
+            <a:schemeClr val="accent1"/>
+          </a:effectRef>
+          <a:fontRef idx="minor">
+            <a:schemeClr val="lt1"/>
+          </a:fontRef>
+        </p:style>
+        <p:txBody>
+          <a:bodyPr rtlCol="0" anchor="ctr"/>
+          <a:lstStyle/>
+          <a:p>
+            <a:pPr algn="ctr"/>
+            <a:r>
+              <a:rPr lang="en-US" dirty="0"/>
+              <a:t>Stemming</a:t>
+            </a:r>
+          </a:p>
+        </p:txBody>
+      </p:sp>
+      <p:sp>
+        <p:nvSpPr>
+          <p:cNvPr id="6" name="Rectangle 5">
+            <a:extLst>
+              <a:ext uri="{FF2B5EF4-FFF2-40B4-BE49-F238E27FC236}">
+                <a16:creationId xmlns:a16="http://schemas.microsoft.com/office/drawing/2014/main" id="{2158BE21-936E-4593-B098-AADDF8D41421}"/>
+              </a:ext>
+            </a:extLst>
+          </p:cNvPr>
+          <p:cNvSpPr/>
+          <p:nvPr/>
+        </p:nvSpPr>
+        <p:spPr>
+          <a:xfrm>
+            <a:off x="677333" y="5292104"/>
+            <a:ext cx="2092751" cy="914400"/>
+          </a:xfrm>
+          <a:prstGeom prst="rect">
+            <a:avLst/>
+          </a:prstGeom>
+        </p:spPr>
+        <p:style>
+          <a:lnRef idx="2">
+            <a:schemeClr val="accent1">
+              <a:shade val="50000"/>
+            </a:schemeClr>
+          </a:lnRef>
+          <a:fillRef idx="1">
+            <a:schemeClr val="accent1"/>
+          </a:fillRef>
+          <a:effectRef idx="0">
+            <a:schemeClr val="accent1"/>
+          </a:effectRef>
+          <a:fontRef idx="minor">
+            <a:schemeClr val="lt1"/>
+          </a:fontRef>
+        </p:style>
+        <p:txBody>
+          <a:bodyPr rtlCol="0" anchor="ctr"/>
+          <a:lstStyle/>
+          <a:p>
+            <a:pPr algn="ctr"/>
+            <a:r>
+              <a:rPr lang="en-US" dirty="0"/>
+              <a:t>TF-IDF</a:t>
+            </a:r>
+          </a:p>
+        </p:txBody>
+      </p:sp>
+      <p:sp>
+        <p:nvSpPr>
+          <p:cNvPr id="7" name="Equals 6">
+            <a:extLst>
+              <a:ext uri="{FF2B5EF4-FFF2-40B4-BE49-F238E27FC236}">
+                <a16:creationId xmlns:a16="http://schemas.microsoft.com/office/drawing/2014/main" id="{E8FB06B5-7C49-491C-9C23-501DD40D4F6D}"/>
+              </a:ext>
+            </a:extLst>
+          </p:cNvPr>
+          <p:cNvSpPr/>
+          <p:nvPr/>
+        </p:nvSpPr>
+        <p:spPr>
+          <a:xfrm>
+            <a:off x="3205114" y="5292104"/>
+            <a:ext cx="914400" cy="914400"/>
+          </a:xfrm>
+          <a:prstGeom prst="mathEqual">
+            <a:avLst/>
+          </a:prstGeom>
+        </p:spPr>
+        <p:style>
+          <a:lnRef idx="2">
+            <a:schemeClr val="accent1">
+              <a:shade val="50000"/>
+            </a:schemeClr>
+          </a:lnRef>
+          <a:fillRef idx="1">
+            <a:schemeClr val="accent1"/>
+          </a:fillRef>
+          <a:effectRef idx="0">
+            <a:schemeClr val="accent1"/>
+          </a:effectRef>
+          <a:fontRef idx="minor">
+            <a:schemeClr val="lt1"/>
+          </a:fontRef>
+        </p:style>
+        <p:txBody>
+          <a:bodyPr rtlCol="0" anchor="ctr"/>
+          <a:lstStyle/>
+          <a:p>
+            <a:pPr algn="ctr"/>
+            <a:endParaRPr lang="en-US">
+              <a:solidFill>
+                <a:schemeClr val="tx1"/>
+              </a:solidFill>
+            </a:endParaRPr>
+          </a:p>
+        </p:txBody>
+      </p:sp>
+      <p:sp>
+        <p:nvSpPr>
+          <p:cNvPr id="8" name="Equals 7">
+            <a:extLst>
+              <a:ext uri="{FF2B5EF4-FFF2-40B4-BE49-F238E27FC236}">
+                <a16:creationId xmlns:a16="http://schemas.microsoft.com/office/drawing/2014/main" id="{B69A50DD-B2B5-4DD8-AA12-3DB16339D4D7}"/>
+              </a:ext>
+            </a:extLst>
+          </p:cNvPr>
+          <p:cNvSpPr/>
+          <p:nvPr/>
+        </p:nvSpPr>
+        <p:spPr>
+          <a:xfrm>
+            <a:off x="3205114" y="3473516"/>
+            <a:ext cx="914400" cy="914400"/>
+          </a:xfrm>
+          <a:prstGeom prst="mathEqual">
+            <a:avLst/>
+          </a:prstGeom>
+        </p:spPr>
+        <p:style>
+          <a:lnRef idx="2">
+            <a:schemeClr val="accent1">
+              <a:shade val="50000"/>
+            </a:schemeClr>
+          </a:lnRef>
+          <a:fillRef idx="1">
+            <a:schemeClr val="accent1"/>
+          </a:fillRef>
+          <a:effectRef idx="0">
+            <a:schemeClr val="accent1"/>
+          </a:effectRef>
+          <a:fontRef idx="minor">
+            <a:schemeClr val="lt1"/>
+          </a:fontRef>
+        </p:style>
+        <p:txBody>
+          <a:bodyPr rtlCol="0" anchor="ctr"/>
+          <a:lstStyle/>
+          <a:p>
+            <a:pPr algn="ctr"/>
+            <a:endParaRPr lang="en-US">
+              <a:solidFill>
+                <a:schemeClr val="tx1"/>
+              </a:solidFill>
+            </a:endParaRPr>
+          </a:p>
+        </p:txBody>
+      </p:sp>
+      <p:sp>
+        <p:nvSpPr>
+          <p:cNvPr id="9" name="Equals 8">
+            <a:extLst>
+              <a:ext uri="{FF2B5EF4-FFF2-40B4-BE49-F238E27FC236}">
+                <a16:creationId xmlns:a16="http://schemas.microsoft.com/office/drawing/2014/main" id="{1A851C8B-CDD0-4604-98AE-871365A21179}"/>
+              </a:ext>
+            </a:extLst>
+          </p:cNvPr>
+          <p:cNvSpPr/>
+          <p:nvPr/>
+        </p:nvSpPr>
+        <p:spPr>
+          <a:xfrm>
+            <a:off x="3205114" y="1654928"/>
+            <a:ext cx="914400" cy="914400"/>
+          </a:xfrm>
+          <a:prstGeom prst="mathEqual">
+            <a:avLst/>
+          </a:prstGeom>
+        </p:spPr>
+        <p:style>
+          <a:lnRef idx="2">
+            <a:schemeClr val="accent1">
+              <a:shade val="50000"/>
+            </a:schemeClr>
+          </a:lnRef>
+          <a:fillRef idx="1">
+            <a:schemeClr val="accent1"/>
+          </a:fillRef>
+          <a:effectRef idx="0">
+            <a:schemeClr val="accent1"/>
+          </a:effectRef>
+          <a:fontRef idx="minor">
+            <a:schemeClr val="lt1"/>
+          </a:fontRef>
+        </p:style>
+        <p:txBody>
+          <a:bodyPr rtlCol="0" anchor="ctr"/>
+          <a:lstStyle/>
+          <a:p>
+            <a:pPr algn="ctr"/>
+            <a:endParaRPr lang="en-US">
+              <a:solidFill>
+                <a:schemeClr val="tx1"/>
+              </a:solidFill>
+            </a:endParaRPr>
+          </a:p>
+        </p:txBody>
+      </p:sp>
+      <p:sp>
+        <p:nvSpPr>
+          <p:cNvPr id="13" name="TextBox 12">
+            <a:extLst>
+              <a:ext uri="{FF2B5EF4-FFF2-40B4-BE49-F238E27FC236}">
+                <a16:creationId xmlns:a16="http://schemas.microsoft.com/office/drawing/2014/main" id="{649D65BF-3D6A-4F3F-B225-269B77D28B10}"/>
+              </a:ext>
+            </a:extLst>
+          </p:cNvPr>
+          <p:cNvSpPr txBox="1"/>
+          <p:nvPr/>
+        </p:nvSpPr>
+        <p:spPr>
+          <a:xfrm>
+            <a:off x="4119514" y="1818875"/>
+            <a:ext cx="3280528" cy="646331"/>
+          </a:xfrm>
+          <a:prstGeom prst="rect">
+            <a:avLst/>
+          </a:prstGeom>
+          <a:noFill/>
+        </p:spPr>
+        <p:txBody>
+          <a:bodyPr wrap="square" rtlCol="0">
+            <a:spAutoFit/>
+          </a:bodyPr>
+          <a:lstStyle/>
+          <a:p>
+            <a:r>
+              <a:rPr lang="en-US" dirty="0"/>
+              <a:t>"The PRESIDENT is running!!! For Re-election 2024."</a:t>
+            </a:r>
+          </a:p>
+        </p:txBody>
+      </p:sp>
+      <p:sp>
+        <p:nvSpPr>
+          <p:cNvPr id="14" name="Arrow: Right 13">
+            <a:extLst>
+              <a:ext uri="{FF2B5EF4-FFF2-40B4-BE49-F238E27FC236}">
+                <a16:creationId xmlns:a16="http://schemas.microsoft.com/office/drawing/2014/main" id="{4FB1428A-D4B9-4782-9BFA-268959B37D69}"/>
+              </a:ext>
+            </a:extLst>
+          </p:cNvPr>
+          <p:cNvSpPr/>
+          <p:nvPr/>
+        </p:nvSpPr>
+        <p:spPr>
+          <a:xfrm>
+            <a:off x="7381188" y="1869049"/>
+            <a:ext cx="978408" cy="484632"/>
+          </a:xfrm>
+          <a:prstGeom prst="rightArrow">
+            <a:avLst/>
+          </a:prstGeom>
+        </p:spPr>
+        <p:style>
+          <a:lnRef idx="2">
+            <a:schemeClr val="accent1">
+              <a:shade val="50000"/>
+            </a:schemeClr>
+          </a:lnRef>
+          <a:fillRef idx="1">
+            <a:schemeClr val="accent1"/>
+          </a:fillRef>
+          <a:effectRef idx="0">
+            <a:schemeClr val="accent1"/>
+          </a:effectRef>
+          <a:fontRef idx="minor">
+            <a:schemeClr val="lt1"/>
+          </a:fontRef>
+        </p:style>
+        <p:txBody>
+          <a:bodyPr rtlCol="0" anchor="ctr"/>
+          <a:lstStyle/>
+          <a:p>
+            <a:pPr algn="ctr"/>
+            <a:endParaRPr lang="en-US"/>
+          </a:p>
+        </p:txBody>
+      </p:sp>
+      <p:sp>
+        <p:nvSpPr>
+          <p:cNvPr id="15" name="TextBox 14">
+            <a:extLst>
+              <a:ext uri="{FF2B5EF4-FFF2-40B4-BE49-F238E27FC236}">
+                <a16:creationId xmlns:a16="http://schemas.microsoft.com/office/drawing/2014/main" id="{B7172F17-1E23-4E7B-8DFE-43E1ED57A90B}"/>
+              </a:ext>
+            </a:extLst>
+          </p:cNvPr>
+          <p:cNvSpPr txBox="1"/>
+          <p:nvPr/>
+        </p:nvSpPr>
+        <p:spPr>
+          <a:xfrm>
+            <a:off x="8564253" y="1926699"/>
+            <a:ext cx="3627747" cy="369332"/>
+          </a:xfrm>
+          <a:prstGeom prst="rect">
+            <a:avLst/>
+          </a:prstGeom>
+          <a:noFill/>
+        </p:spPr>
+        <p:txBody>
+          <a:bodyPr wrap="square" rtlCol="0">
+            <a:spAutoFit/>
+          </a:bodyPr>
+          <a:lstStyle/>
+          <a:p>
+            <a:r>
+              <a:rPr lang="en-US" dirty="0"/>
+              <a:t>"president running re election"</a:t>
+            </a:r>
+          </a:p>
+        </p:txBody>
+      </p:sp>
+      <p:sp>
+        <p:nvSpPr>
+          <p:cNvPr id="17" name="TextBox 16">
+            <a:extLst>
+              <a:ext uri="{FF2B5EF4-FFF2-40B4-BE49-F238E27FC236}">
+                <a16:creationId xmlns:a16="http://schemas.microsoft.com/office/drawing/2014/main" id="{EA77E445-3E69-4FB0-B7A7-D96311487F49}"/>
+              </a:ext>
+            </a:extLst>
+          </p:cNvPr>
+          <p:cNvSpPr txBox="1"/>
+          <p:nvPr/>
+        </p:nvSpPr>
+        <p:spPr>
+          <a:xfrm>
+            <a:off x="4296650" y="3568352"/>
+            <a:ext cx="3280528" cy="646331"/>
+          </a:xfrm>
+          <a:prstGeom prst="rect">
+            <a:avLst/>
+          </a:prstGeom>
+          <a:noFill/>
+        </p:spPr>
+        <p:txBody>
+          <a:bodyPr wrap="square" rtlCol="0">
+            <a:spAutoFit/>
+          </a:bodyPr>
+          <a:lstStyle/>
+          <a:p>
+            <a:r>
+              <a:rPr lang="en-US" dirty="0"/>
+              <a:t>["running", "elections", "happily"]</a:t>
+            </a:r>
+          </a:p>
+        </p:txBody>
+      </p:sp>
+      <p:sp>
+        <p:nvSpPr>
+          <p:cNvPr id="18" name="Arrow: Right 17">
+            <a:extLst>
+              <a:ext uri="{FF2B5EF4-FFF2-40B4-BE49-F238E27FC236}">
+                <a16:creationId xmlns:a16="http://schemas.microsoft.com/office/drawing/2014/main" id="{DA01C722-9D9D-437C-80AE-1A6E8762B5B0}"/>
+              </a:ext>
+            </a:extLst>
+          </p:cNvPr>
+          <p:cNvSpPr/>
+          <p:nvPr/>
+        </p:nvSpPr>
+        <p:spPr>
+          <a:xfrm>
+            <a:off x="7407495" y="3679540"/>
+            <a:ext cx="978408" cy="484632"/>
+          </a:xfrm>
+          <a:prstGeom prst="rightArrow">
+            <a:avLst/>
+          </a:prstGeom>
+        </p:spPr>
+        <p:style>
+          <a:lnRef idx="2">
+            <a:schemeClr val="accent1">
+              <a:shade val="50000"/>
+            </a:schemeClr>
+          </a:lnRef>
+          <a:fillRef idx="1">
+            <a:schemeClr val="accent1"/>
+          </a:fillRef>
+          <a:effectRef idx="0">
+            <a:schemeClr val="accent1"/>
+          </a:effectRef>
+          <a:fontRef idx="minor">
+            <a:schemeClr val="lt1"/>
+          </a:fontRef>
+        </p:style>
+        <p:txBody>
+          <a:bodyPr rtlCol="0" anchor="ctr"/>
+          <a:lstStyle/>
+          <a:p>
+            <a:pPr algn="ctr"/>
+            <a:endParaRPr lang="en-US"/>
+          </a:p>
+        </p:txBody>
+      </p:sp>
+      <p:sp>
+        <p:nvSpPr>
+          <p:cNvPr id="19" name="TextBox 18">
+            <a:extLst>
+              <a:ext uri="{FF2B5EF4-FFF2-40B4-BE49-F238E27FC236}">
+                <a16:creationId xmlns:a16="http://schemas.microsoft.com/office/drawing/2014/main" id="{B575D70B-DBD1-4DD0-8800-C1C38F01855F}"/>
+              </a:ext>
+            </a:extLst>
+          </p:cNvPr>
+          <p:cNvSpPr txBox="1"/>
+          <p:nvPr/>
+        </p:nvSpPr>
+        <p:spPr>
+          <a:xfrm>
+            <a:off x="9165595" y="3737190"/>
+            <a:ext cx="3627747" cy="369332"/>
+          </a:xfrm>
+          <a:prstGeom prst="rect">
+            <a:avLst/>
+          </a:prstGeom>
+          <a:noFill/>
+        </p:spPr>
+        <p:txBody>
+          <a:bodyPr wrap="square" rtlCol="0">
+            <a:spAutoFit/>
+          </a:bodyPr>
+          <a:lstStyle/>
+          <a:p>
+            <a:r>
+              <a:rPr lang="en-US" dirty="0"/>
+              <a:t>["run", "elect", "</a:t>
+            </a:r>
+            <a:r>
+              <a:rPr lang="en-US" dirty="0" err="1"/>
+              <a:t>happi</a:t>
+            </a:r>
+            <a:r>
+              <a:rPr lang="en-US" dirty="0"/>
+              <a:t>"]</a:t>
+            </a:r>
+          </a:p>
+        </p:txBody>
+      </p:sp>
+      <p:sp>
+        <p:nvSpPr>
+          <p:cNvPr id="20" name="TextBox 19">
+            <a:extLst>
+              <a:ext uri="{FF2B5EF4-FFF2-40B4-BE49-F238E27FC236}">
+                <a16:creationId xmlns:a16="http://schemas.microsoft.com/office/drawing/2014/main" id="{6BDF532C-E46F-476E-8F4D-54AC95C4D174}"/>
+              </a:ext>
+            </a:extLst>
+          </p:cNvPr>
+          <p:cNvSpPr txBox="1"/>
+          <p:nvPr/>
+        </p:nvSpPr>
+        <p:spPr>
+          <a:xfrm>
+            <a:off x="4296650" y="5439857"/>
+            <a:ext cx="3280528" cy="646331"/>
+          </a:xfrm>
+          <a:prstGeom prst="rect">
+            <a:avLst/>
+          </a:prstGeom>
+          <a:noFill/>
+        </p:spPr>
+        <p:txBody>
+          <a:bodyPr wrap="square" rtlCol="0">
+            <a:spAutoFit/>
+          </a:bodyPr>
+          <a:lstStyle/>
+          <a:p>
+            <a:r>
+              <a:rPr lang="en-US" dirty="0"/>
+              <a:t>["president", "running", "election"]</a:t>
+            </a:r>
+          </a:p>
+        </p:txBody>
+      </p:sp>
+      <p:sp>
+        <p:nvSpPr>
+          <p:cNvPr id="21" name="Arrow: Right 20">
+            <a:extLst>
+              <a:ext uri="{FF2B5EF4-FFF2-40B4-BE49-F238E27FC236}">
+                <a16:creationId xmlns:a16="http://schemas.microsoft.com/office/drawing/2014/main" id="{13FE65CB-0D29-4941-878A-48C71BAF827C}"/>
+              </a:ext>
+            </a:extLst>
+          </p:cNvPr>
+          <p:cNvSpPr/>
+          <p:nvPr/>
+        </p:nvSpPr>
+        <p:spPr>
+          <a:xfrm>
+            <a:off x="7381188" y="5490031"/>
+            <a:ext cx="978408" cy="484632"/>
+          </a:xfrm>
+          <a:prstGeom prst="rightArrow">
+            <a:avLst/>
+          </a:prstGeom>
+        </p:spPr>
+        <p:style>
+          <a:lnRef idx="2">
+            <a:schemeClr val="accent1">
+              <a:shade val="50000"/>
+            </a:schemeClr>
+          </a:lnRef>
+          <a:fillRef idx="1">
+            <a:schemeClr val="accent1"/>
+          </a:fillRef>
+          <a:effectRef idx="0">
+            <a:schemeClr val="accent1"/>
+          </a:effectRef>
+          <a:fontRef idx="minor">
+            <a:schemeClr val="lt1"/>
+          </a:fontRef>
+        </p:style>
+        <p:txBody>
+          <a:bodyPr rtlCol="0" anchor="ctr"/>
+          <a:lstStyle/>
+          <a:p>
+            <a:pPr algn="ctr"/>
+            <a:endParaRPr lang="en-US"/>
+          </a:p>
+        </p:txBody>
+      </p:sp>
+      <p:sp>
+        <p:nvSpPr>
+          <p:cNvPr id="22" name="TextBox 21">
+            <a:extLst>
+              <a:ext uri="{FF2B5EF4-FFF2-40B4-BE49-F238E27FC236}">
+                <a16:creationId xmlns:a16="http://schemas.microsoft.com/office/drawing/2014/main" id="{8DBA91D6-95BD-4675-B959-813C19972D3B}"/>
+              </a:ext>
+            </a:extLst>
+          </p:cNvPr>
+          <p:cNvSpPr txBox="1"/>
+          <p:nvPr/>
+        </p:nvSpPr>
+        <p:spPr>
+          <a:xfrm>
+            <a:off x="9355701" y="5542974"/>
+            <a:ext cx="2097463" cy="369332"/>
+          </a:xfrm>
+          <a:prstGeom prst="rect">
+            <a:avLst/>
+          </a:prstGeom>
+          <a:noFill/>
+        </p:spPr>
+        <p:txBody>
+          <a:bodyPr wrap="square" rtlCol="0">
+            <a:spAutoFit/>
+          </a:bodyPr>
+          <a:lstStyle/>
+          <a:p>
+            <a:r>
+              <a:rPr lang="en-US" dirty="0"/>
+              <a:t>[0.32, 0.12, 0.56]</a:t>
+            </a:r>
+          </a:p>
+        </p:txBody>
+      </p:sp>
+    </p:spTree>
+    <p:extLst>
+      <p:ext uri="{BB962C8B-B14F-4D97-AF65-F5344CB8AC3E}">
+        <p14:creationId xmlns:p14="http://schemas.microsoft.com/office/powerpoint/2010/main" val="941659376"/>
+      </p:ext>
+    </p:extLst>
+  </p:cSld>
+  <p:clrMapOvr>
+    <a:masterClrMapping/>
+  </p:clrMapOvr>
+</p:sld>
+</file>
+
+<file path=ppt/slides/slide8.xml><?xml version="1.0" encoding="utf-8"?>
+<p:sld xmlns:a="http://schemas.openxmlformats.org/drawingml/2006/main" xmlns:r="http://schemas.openxmlformats.org/officeDocument/2006/relationships" xmlns:p="http://schemas.openxmlformats.org/presentationml/2006/main">
+  <p:cSld>
+    <p:spTree>
+      <p:nvGrpSpPr>
+        <p:cNvPr id="1" name=""/>
+        <p:cNvGrpSpPr/>
+        <p:nvPr/>
+      </p:nvGrpSpPr>
+      <p:grpSpPr>
+        <a:xfrm>
+          <a:off x="0" y="0"/>
+          <a:ext cx="0" cy="0"/>
+          <a:chOff x="0" y="0"/>
+          <a:chExt cx="0" cy="0"/>
+        </a:xfrm>
+      </p:grpSpPr>
+      <p:sp>
+        <p:nvSpPr>
+          <p:cNvPr id="2" name="Title 1">
+            <a:extLst>
+              <a:ext uri="{FF2B5EF4-FFF2-40B4-BE49-F238E27FC236}">
+                <a16:creationId xmlns:a16="http://schemas.microsoft.com/office/drawing/2014/main" id="{A9201D04-41FB-46D4-A2E1-1D7DD790FD1D}"/>
+              </a:ext>
+            </a:extLst>
+          </p:cNvPr>
+          <p:cNvSpPr>
+            <a:spLocks noGrp="1"/>
+          </p:cNvSpPr>
+          <p:nvPr>
+            <p:ph type="title"/>
+          </p:nvPr>
+        </p:nvSpPr>
+        <p:spPr/>
+        <p:txBody>
+          <a:bodyPr/>
+          <a:lstStyle/>
+          <a:p>
+            <a:r>
+              <a:rPr lang="en-US" dirty="0" err="1"/>
+              <a:t>Cont</a:t>
+            </a:r>
+            <a:r>
+              <a:rPr lang="en-US" dirty="0"/>
+              <a:t>…</a:t>
+            </a:r>
+          </a:p>
+        </p:txBody>
+      </p:sp>
+      <p:sp>
+        <p:nvSpPr>
+          <p:cNvPr id="4" name="Rectangle 3">
+            <a:extLst>
+              <a:ext uri="{FF2B5EF4-FFF2-40B4-BE49-F238E27FC236}">
+                <a16:creationId xmlns:a16="http://schemas.microsoft.com/office/drawing/2014/main" id="{D3449EDF-D02F-4A7D-8125-E3D836380180}"/>
+              </a:ext>
+            </a:extLst>
+          </p:cNvPr>
+          <p:cNvSpPr/>
+          <p:nvPr/>
+        </p:nvSpPr>
+        <p:spPr>
+          <a:xfrm>
+            <a:off x="677334" y="1654928"/>
+            <a:ext cx="2092751" cy="914400"/>
+          </a:xfrm>
+          <a:prstGeom prst="rect">
+            <a:avLst/>
+          </a:prstGeom>
+        </p:spPr>
+        <p:style>
+          <a:lnRef idx="2">
+            <a:schemeClr val="accent1">
+              <a:shade val="50000"/>
+            </a:schemeClr>
+          </a:lnRef>
+          <a:fillRef idx="1">
+            <a:schemeClr val="accent1"/>
+          </a:fillRef>
+          <a:effectRef idx="0">
+            <a:schemeClr val="accent1"/>
+          </a:effectRef>
+          <a:fontRef idx="minor">
+            <a:schemeClr val="lt1"/>
+          </a:fontRef>
+        </p:style>
+        <p:txBody>
+          <a:bodyPr rtlCol="0" anchor="ctr"/>
+          <a:lstStyle/>
+          <a:p>
+            <a:pPr algn="ctr"/>
+            <a:r>
+              <a:rPr lang="en-US" dirty="0"/>
+              <a:t>One Hot Encoder</a:t>
+            </a:r>
+          </a:p>
+        </p:txBody>
+      </p:sp>
+      <p:sp>
+        <p:nvSpPr>
+          <p:cNvPr id="5" name="Rectangle 4">
+            <a:extLst>
+              <a:ext uri="{FF2B5EF4-FFF2-40B4-BE49-F238E27FC236}">
+                <a16:creationId xmlns:a16="http://schemas.microsoft.com/office/drawing/2014/main" id="{9332BEF2-C0F6-4DA0-AF64-C097A63ECC68}"/>
+              </a:ext>
+            </a:extLst>
+          </p:cNvPr>
+          <p:cNvSpPr/>
+          <p:nvPr/>
+        </p:nvSpPr>
+        <p:spPr>
+          <a:xfrm>
+            <a:off x="677333" y="3473516"/>
+            <a:ext cx="2092751" cy="914400"/>
+          </a:xfrm>
+          <a:prstGeom prst="rect">
+            <a:avLst/>
+          </a:prstGeom>
+        </p:spPr>
+        <p:style>
+          <a:lnRef idx="2">
+            <a:schemeClr val="accent1">
+              <a:shade val="50000"/>
+            </a:schemeClr>
+          </a:lnRef>
+          <a:fillRef idx="1">
+            <a:schemeClr val="accent1"/>
+          </a:fillRef>
+          <a:effectRef idx="0">
+            <a:schemeClr val="accent1"/>
+          </a:effectRef>
+          <a:fontRef idx="minor">
+            <a:schemeClr val="lt1"/>
+          </a:fontRef>
+        </p:style>
+        <p:txBody>
+          <a:bodyPr rtlCol="0" anchor="ctr"/>
+          <a:lstStyle/>
+          <a:p>
+            <a:pPr algn="ctr"/>
+            <a:r>
+              <a:rPr lang="en-US" dirty="0"/>
+              <a:t>Lemmatization</a:t>
+            </a:r>
+          </a:p>
+        </p:txBody>
+      </p:sp>
+      <p:sp>
+        <p:nvSpPr>
+          <p:cNvPr id="6" name="Rectangle 5">
+            <a:extLst>
+              <a:ext uri="{FF2B5EF4-FFF2-40B4-BE49-F238E27FC236}">
+                <a16:creationId xmlns:a16="http://schemas.microsoft.com/office/drawing/2014/main" id="{2158BE21-936E-4593-B098-AADDF8D41421}"/>
+              </a:ext>
+            </a:extLst>
+          </p:cNvPr>
+          <p:cNvSpPr/>
+          <p:nvPr/>
+        </p:nvSpPr>
+        <p:spPr>
+          <a:xfrm>
+            <a:off x="677333" y="5292104"/>
+            <a:ext cx="2092751" cy="914400"/>
+          </a:xfrm>
+          <a:prstGeom prst="rect">
+            <a:avLst/>
+          </a:prstGeom>
+        </p:spPr>
+        <p:style>
+          <a:lnRef idx="2">
+            <a:schemeClr val="accent1">
+              <a:shade val="50000"/>
+            </a:schemeClr>
+          </a:lnRef>
+          <a:fillRef idx="1">
+            <a:schemeClr val="accent1"/>
+          </a:fillRef>
+          <a:effectRef idx="0">
+            <a:schemeClr val="accent1"/>
+          </a:effectRef>
+          <a:fontRef idx="minor">
+            <a:schemeClr val="lt1"/>
+          </a:fontRef>
+        </p:style>
+        <p:txBody>
+          <a:bodyPr rtlCol="0" anchor="ctr"/>
+          <a:lstStyle/>
+          <a:p>
+            <a:pPr algn="ctr"/>
+            <a:r>
+              <a:rPr lang="en-US" dirty="0"/>
+              <a:t>Tokenization</a:t>
+            </a:r>
+          </a:p>
+        </p:txBody>
+      </p:sp>
+      <p:sp>
+        <p:nvSpPr>
+          <p:cNvPr id="7" name="Equals 6">
+            <a:extLst>
+              <a:ext uri="{FF2B5EF4-FFF2-40B4-BE49-F238E27FC236}">
+                <a16:creationId xmlns:a16="http://schemas.microsoft.com/office/drawing/2014/main" id="{E8FB06B5-7C49-491C-9C23-501DD40D4F6D}"/>
+              </a:ext>
+            </a:extLst>
+          </p:cNvPr>
+          <p:cNvSpPr/>
+          <p:nvPr/>
+        </p:nvSpPr>
+        <p:spPr>
+          <a:xfrm>
+            <a:off x="3205114" y="5292104"/>
+            <a:ext cx="914400" cy="914400"/>
+          </a:xfrm>
+          <a:prstGeom prst="mathEqual">
+            <a:avLst/>
+          </a:prstGeom>
+        </p:spPr>
+        <p:style>
+          <a:lnRef idx="2">
+            <a:schemeClr val="accent1">
+              <a:shade val="50000"/>
+            </a:schemeClr>
+          </a:lnRef>
+          <a:fillRef idx="1">
+            <a:schemeClr val="accent1"/>
+          </a:fillRef>
+          <a:effectRef idx="0">
+            <a:schemeClr val="accent1"/>
+          </a:effectRef>
+          <a:fontRef idx="minor">
+            <a:schemeClr val="lt1"/>
+          </a:fontRef>
+        </p:style>
+        <p:txBody>
+          <a:bodyPr rtlCol="0" anchor="ctr"/>
+          <a:lstStyle/>
+          <a:p>
+            <a:pPr algn="ctr"/>
+            <a:endParaRPr lang="en-US">
+              <a:solidFill>
+                <a:schemeClr val="tx1"/>
+              </a:solidFill>
+            </a:endParaRPr>
+          </a:p>
+        </p:txBody>
+      </p:sp>
+      <p:sp>
+        <p:nvSpPr>
+          <p:cNvPr id="8" name="Equals 7">
+            <a:extLst>
+              <a:ext uri="{FF2B5EF4-FFF2-40B4-BE49-F238E27FC236}">
+                <a16:creationId xmlns:a16="http://schemas.microsoft.com/office/drawing/2014/main" id="{B69A50DD-B2B5-4DD8-AA12-3DB16339D4D7}"/>
+              </a:ext>
+            </a:extLst>
+          </p:cNvPr>
+          <p:cNvSpPr/>
+          <p:nvPr/>
+        </p:nvSpPr>
+        <p:spPr>
+          <a:xfrm>
+            <a:off x="3205114" y="3473516"/>
+            <a:ext cx="914400" cy="914400"/>
+          </a:xfrm>
+          <a:prstGeom prst="mathEqual">
+            <a:avLst/>
+          </a:prstGeom>
+        </p:spPr>
+        <p:style>
+          <a:lnRef idx="2">
+            <a:schemeClr val="accent1">
+              <a:shade val="50000"/>
+            </a:schemeClr>
+          </a:lnRef>
+          <a:fillRef idx="1">
+            <a:schemeClr val="accent1"/>
+          </a:fillRef>
+          <a:effectRef idx="0">
+            <a:schemeClr val="accent1"/>
+          </a:effectRef>
+          <a:fontRef idx="minor">
+            <a:schemeClr val="lt1"/>
+          </a:fontRef>
+        </p:style>
+        <p:txBody>
+          <a:bodyPr rtlCol="0" anchor="ctr"/>
+          <a:lstStyle/>
+          <a:p>
+            <a:pPr algn="ctr"/>
+            <a:endParaRPr lang="en-US">
+              <a:solidFill>
+                <a:schemeClr val="tx1"/>
+              </a:solidFill>
+            </a:endParaRPr>
+          </a:p>
+        </p:txBody>
+      </p:sp>
+      <p:sp>
+        <p:nvSpPr>
+          <p:cNvPr id="9" name="Equals 8">
+            <a:extLst>
+              <a:ext uri="{FF2B5EF4-FFF2-40B4-BE49-F238E27FC236}">
+                <a16:creationId xmlns:a16="http://schemas.microsoft.com/office/drawing/2014/main" id="{1A851C8B-CDD0-4604-98AE-871365A21179}"/>
+              </a:ext>
+            </a:extLst>
+          </p:cNvPr>
+          <p:cNvSpPr/>
+          <p:nvPr/>
+        </p:nvSpPr>
+        <p:spPr>
+          <a:xfrm>
+            <a:off x="3205114" y="1654928"/>
+            <a:ext cx="914400" cy="914400"/>
+          </a:xfrm>
+          <a:prstGeom prst="mathEqual">
+            <a:avLst/>
+          </a:prstGeom>
+        </p:spPr>
+        <p:style>
+          <a:lnRef idx="2">
+            <a:schemeClr val="accent1">
+              <a:shade val="50000"/>
+            </a:schemeClr>
+          </a:lnRef>
+          <a:fillRef idx="1">
+            <a:schemeClr val="accent1"/>
+          </a:fillRef>
+          <a:effectRef idx="0">
+            <a:schemeClr val="accent1"/>
+          </a:effectRef>
+          <a:fontRef idx="minor">
+            <a:schemeClr val="lt1"/>
+          </a:fontRef>
+        </p:style>
+        <p:txBody>
+          <a:bodyPr rtlCol="0" anchor="ctr"/>
+          <a:lstStyle/>
+          <a:p>
+            <a:pPr algn="ctr"/>
+            <a:endParaRPr lang="en-US">
+              <a:solidFill>
+                <a:schemeClr val="tx1"/>
+              </a:solidFill>
+            </a:endParaRPr>
+          </a:p>
+        </p:txBody>
+      </p:sp>
+      <p:sp>
+        <p:nvSpPr>
+          <p:cNvPr id="10" name="TextBox 9">
+            <a:extLst>
+              <a:ext uri="{FF2B5EF4-FFF2-40B4-BE49-F238E27FC236}">
+                <a16:creationId xmlns:a16="http://schemas.microsoft.com/office/drawing/2014/main" id="{F206D266-A9A4-4F6E-A237-80EA7FF31ABF}"/>
+              </a:ext>
+            </a:extLst>
+          </p:cNvPr>
+          <p:cNvSpPr txBox="1"/>
+          <p:nvPr/>
+        </p:nvSpPr>
+        <p:spPr>
+          <a:xfrm>
+            <a:off x="4298623" y="5287639"/>
+            <a:ext cx="3280528" cy="923330"/>
+          </a:xfrm>
+          <a:prstGeom prst="rect">
+            <a:avLst/>
+          </a:prstGeom>
+          <a:noFill/>
+        </p:spPr>
+        <p:txBody>
+          <a:bodyPr wrap="square" rtlCol="0">
+            <a:spAutoFit/>
+          </a:bodyPr>
+          <a:lstStyle/>
+          <a:p>
+            <a:r>
+              <a:rPr lang="en-US" dirty="0"/>
+              <a:t>"The president is running for re-election in the upcoming general election!"</a:t>
+            </a:r>
+          </a:p>
+        </p:txBody>
+      </p:sp>
+      <p:sp>
+        <p:nvSpPr>
+          <p:cNvPr id="11" name="Arrow: Right 10">
+            <a:extLst>
+              <a:ext uri="{FF2B5EF4-FFF2-40B4-BE49-F238E27FC236}">
+                <a16:creationId xmlns:a16="http://schemas.microsoft.com/office/drawing/2014/main" id="{E19F4E77-FFDA-4FDB-A2D8-EE7457FF1803}"/>
+              </a:ext>
+            </a:extLst>
+          </p:cNvPr>
+          <p:cNvSpPr/>
+          <p:nvPr/>
+        </p:nvSpPr>
+        <p:spPr>
+          <a:xfrm>
+            <a:off x="7466029" y="5506988"/>
+            <a:ext cx="978408" cy="484632"/>
+          </a:xfrm>
+          <a:prstGeom prst="rightArrow">
+            <a:avLst/>
+          </a:prstGeom>
+        </p:spPr>
+        <p:style>
+          <a:lnRef idx="2">
+            <a:schemeClr val="accent1">
+              <a:shade val="50000"/>
+            </a:schemeClr>
+          </a:lnRef>
+          <a:fillRef idx="1">
+            <a:schemeClr val="accent1"/>
+          </a:fillRef>
+          <a:effectRef idx="0">
+            <a:schemeClr val="accent1"/>
+          </a:effectRef>
+          <a:fontRef idx="minor">
+            <a:schemeClr val="lt1"/>
+          </a:fontRef>
+        </p:style>
+        <p:txBody>
+          <a:bodyPr rtlCol="0" anchor="ctr"/>
+          <a:lstStyle/>
+          <a:p>
+            <a:pPr algn="ctr"/>
+            <a:endParaRPr lang="en-US"/>
+          </a:p>
+        </p:txBody>
+      </p:sp>
+      <p:sp>
+        <p:nvSpPr>
+          <p:cNvPr id="13" name="TextBox 12">
+            <a:extLst>
+              <a:ext uri="{FF2B5EF4-FFF2-40B4-BE49-F238E27FC236}">
+                <a16:creationId xmlns:a16="http://schemas.microsoft.com/office/drawing/2014/main" id="{572005A5-9D24-46F9-81E2-F360B81964D2}"/>
+              </a:ext>
+            </a:extLst>
+          </p:cNvPr>
+          <p:cNvSpPr txBox="1"/>
+          <p:nvPr/>
+        </p:nvSpPr>
+        <p:spPr>
+          <a:xfrm>
+            <a:off x="8573680" y="5149139"/>
+            <a:ext cx="3627747" cy="1200329"/>
+          </a:xfrm>
+          <a:prstGeom prst="rect">
+            <a:avLst/>
+          </a:prstGeom>
+          <a:noFill/>
+        </p:spPr>
+        <p:txBody>
+          <a:bodyPr wrap="square" rtlCol="0">
+            <a:spAutoFit/>
+          </a:bodyPr>
+          <a:lstStyle/>
+          <a:p>
+            <a:r>
+              <a:rPr lang="en-US" dirty="0"/>
+              <a:t>["The", "president", "is", "running", "for", "re", "election", "in", "the", "upcoming", "general", "election"]</a:t>
+            </a:r>
+          </a:p>
+        </p:txBody>
+      </p:sp>
+      <p:sp>
+        <p:nvSpPr>
+          <p:cNvPr id="14" name="TextBox 13">
+            <a:extLst>
+              <a:ext uri="{FF2B5EF4-FFF2-40B4-BE49-F238E27FC236}">
+                <a16:creationId xmlns:a16="http://schemas.microsoft.com/office/drawing/2014/main" id="{819B10BA-2ABF-493F-A220-0E366B16F9A6}"/>
+              </a:ext>
+            </a:extLst>
+          </p:cNvPr>
+          <p:cNvSpPr txBox="1"/>
+          <p:nvPr/>
+        </p:nvSpPr>
+        <p:spPr>
+          <a:xfrm>
+            <a:off x="4119514" y="3603084"/>
+            <a:ext cx="3280528" cy="646331"/>
+          </a:xfrm>
+          <a:prstGeom prst="rect">
+            <a:avLst/>
+          </a:prstGeom>
+          <a:noFill/>
+        </p:spPr>
+        <p:txBody>
+          <a:bodyPr wrap="square" rtlCol="0">
+            <a:spAutoFit/>
+          </a:bodyPr>
+          <a:lstStyle/>
+          <a:p>
+            <a:r>
+              <a:rPr lang="en-US" dirty="0"/>
+              <a:t>["running", "elections", "was", "better"]</a:t>
+            </a:r>
+          </a:p>
+        </p:txBody>
+      </p:sp>
+      <p:sp>
+        <p:nvSpPr>
+          <p:cNvPr id="15" name="Arrow: Right 14">
+            <a:extLst>
+              <a:ext uri="{FF2B5EF4-FFF2-40B4-BE49-F238E27FC236}">
+                <a16:creationId xmlns:a16="http://schemas.microsoft.com/office/drawing/2014/main" id="{6CDA05E9-5ED2-42CD-97E1-2783700ECDD6}"/>
+              </a:ext>
+            </a:extLst>
+          </p:cNvPr>
+          <p:cNvSpPr/>
+          <p:nvPr/>
+        </p:nvSpPr>
+        <p:spPr>
+          <a:xfrm>
+            <a:off x="7286920" y="3683935"/>
+            <a:ext cx="978408" cy="484632"/>
+          </a:xfrm>
+          <a:prstGeom prst="rightArrow">
+            <a:avLst/>
+          </a:prstGeom>
+        </p:spPr>
+        <p:style>
+          <a:lnRef idx="2">
+            <a:schemeClr val="accent1">
+              <a:shade val="50000"/>
+            </a:schemeClr>
+          </a:lnRef>
+          <a:fillRef idx="1">
+            <a:schemeClr val="accent1"/>
+          </a:fillRef>
+          <a:effectRef idx="0">
+            <a:schemeClr val="accent1"/>
+          </a:effectRef>
+          <a:fontRef idx="minor">
+            <a:schemeClr val="lt1"/>
+          </a:fontRef>
+        </p:style>
+        <p:txBody>
+          <a:bodyPr rtlCol="0" anchor="ctr"/>
+          <a:lstStyle/>
+          <a:p>
+            <a:pPr algn="ctr"/>
+            <a:endParaRPr lang="en-US"/>
+          </a:p>
+        </p:txBody>
+      </p:sp>
+      <p:sp>
+        <p:nvSpPr>
+          <p:cNvPr id="16" name="TextBox 15">
+            <a:extLst>
+              <a:ext uri="{FF2B5EF4-FFF2-40B4-BE49-F238E27FC236}">
+                <a16:creationId xmlns:a16="http://schemas.microsoft.com/office/drawing/2014/main" id="{60FEC1BF-422F-4FD2-A8A9-5091EEB7D67B}"/>
+              </a:ext>
+            </a:extLst>
+          </p:cNvPr>
+          <p:cNvSpPr txBox="1"/>
+          <p:nvPr/>
+        </p:nvSpPr>
+        <p:spPr>
+          <a:xfrm>
+            <a:off x="8444437" y="3683935"/>
+            <a:ext cx="3627747" cy="369332"/>
+          </a:xfrm>
+          <a:prstGeom prst="rect">
+            <a:avLst/>
+          </a:prstGeom>
+          <a:noFill/>
+        </p:spPr>
+        <p:txBody>
+          <a:bodyPr wrap="square" rtlCol="0">
+            <a:spAutoFit/>
+          </a:bodyPr>
+          <a:lstStyle/>
+          <a:p>
+            <a:r>
+              <a:rPr lang="en-US" dirty="0"/>
+              <a:t>["run", "election", "be", "good"]</a:t>
+            </a:r>
+          </a:p>
+        </p:txBody>
+      </p:sp>
+      <p:sp>
+        <p:nvSpPr>
+          <p:cNvPr id="19" name="TextBox 18">
+            <a:extLst>
+              <a:ext uri="{FF2B5EF4-FFF2-40B4-BE49-F238E27FC236}">
+                <a16:creationId xmlns:a16="http://schemas.microsoft.com/office/drawing/2014/main" id="{84CF19A2-C291-4377-8091-0F79A17F855B}"/>
+              </a:ext>
+            </a:extLst>
+          </p:cNvPr>
+          <p:cNvSpPr txBox="1"/>
+          <p:nvPr/>
+        </p:nvSpPr>
+        <p:spPr>
+          <a:xfrm>
+            <a:off x="4185501" y="1758356"/>
+            <a:ext cx="3280528" cy="646331"/>
+          </a:xfrm>
+          <a:prstGeom prst="rect">
+            <a:avLst/>
+          </a:prstGeom>
+          <a:noFill/>
+        </p:spPr>
+        <p:txBody>
+          <a:bodyPr wrap="square" rtlCol="0">
+            <a:spAutoFit/>
+          </a:bodyPr>
+          <a:lstStyle/>
+          <a:p>
+            <a:r>
+              <a:rPr lang="en-US" dirty="0"/>
+              <a:t>Party: ["Democrat", "Republican", "Independent"]</a:t>
+            </a:r>
+          </a:p>
+        </p:txBody>
+      </p:sp>
+      <p:sp>
+        <p:nvSpPr>
+          <p:cNvPr id="20" name="Arrow: Right 19">
+            <a:extLst>
+              <a:ext uri="{FF2B5EF4-FFF2-40B4-BE49-F238E27FC236}">
+                <a16:creationId xmlns:a16="http://schemas.microsoft.com/office/drawing/2014/main" id="{CC542B96-ACC3-4042-9B05-DA9A562C551B}"/>
+              </a:ext>
+            </a:extLst>
+          </p:cNvPr>
+          <p:cNvSpPr/>
+          <p:nvPr/>
+        </p:nvSpPr>
+        <p:spPr>
+          <a:xfrm>
+            <a:off x="7466029" y="1878096"/>
+            <a:ext cx="978408" cy="484632"/>
+          </a:xfrm>
+          <a:prstGeom prst="rightArrow">
+            <a:avLst/>
+          </a:prstGeom>
+        </p:spPr>
+        <p:style>
+          <a:lnRef idx="2">
+            <a:schemeClr val="accent1">
+              <a:shade val="50000"/>
+            </a:schemeClr>
+          </a:lnRef>
+          <a:fillRef idx="1">
+            <a:schemeClr val="accent1"/>
+          </a:fillRef>
+          <a:effectRef idx="0">
+            <a:schemeClr val="accent1"/>
+          </a:effectRef>
+          <a:fontRef idx="minor">
+            <a:schemeClr val="lt1"/>
+          </a:fontRef>
+        </p:style>
+        <p:txBody>
+          <a:bodyPr rtlCol="0" anchor="ctr"/>
+          <a:lstStyle/>
+          <a:p>
+            <a:pPr algn="ctr"/>
+            <a:endParaRPr lang="en-US"/>
+          </a:p>
+        </p:txBody>
+      </p:sp>
+      <p:sp>
+        <p:nvSpPr>
+          <p:cNvPr id="21" name="TextBox 20">
+            <a:extLst>
+              <a:ext uri="{FF2B5EF4-FFF2-40B4-BE49-F238E27FC236}">
+                <a16:creationId xmlns:a16="http://schemas.microsoft.com/office/drawing/2014/main" id="{C6B7539F-DE9A-4B7E-96E7-118FCEB6E427}"/>
+              </a:ext>
+            </a:extLst>
+          </p:cNvPr>
+          <p:cNvSpPr txBox="1"/>
+          <p:nvPr/>
+        </p:nvSpPr>
+        <p:spPr>
+          <a:xfrm>
+            <a:off x="8573680" y="1650463"/>
+            <a:ext cx="3627747" cy="923330"/>
+          </a:xfrm>
+          <a:prstGeom prst="rect">
+            <a:avLst/>
+          </a:prstGeom>
+          <a:noFill/>
+        </p:spPr>
+        <p:txBody>
+          <a:bodyPr wrap="square" rtlCol="0">
+            <a:spAutoFit/>
+          </a:bodyPr>
+          <a:lstStyle/>
+          <a:p>
+            <a:r>
+              <a:rPr lang="en-US" dirty="0"/>
+              <a:t>Democrat: [1, 0, 0]</a:t>
+            </a:r>
+          </a:p>
+          <a:p>
+            <a:r>
+              <a:rPr lang="en-US" dirty="0"/>
+              <a:t>Republican: [0, 1, 0]</a:t>
+            </a:r>
+          </a:p>
+          <a:p>
+            <a:r>
+              <a:rPr lang="en-US" dirty="0"/>
+              <a:t>Independent: [0, 0, 1]</a:t>
+            </a:r>
+          </a:p>
+        </p:txBody>
+      </p:sp>
+    </p:spTree>
+    <p:extLst>
+      <p:ext uri="{BB962C8B-B14F-4D97-AF65-F5344CB8AC3E}">
+        <p14:creationId xmlns:p14="http://schemas.microsoft.com/office/powerpoint/2010/main" val="193861332"/>
+      </p:ext>
+    </p:extLst>
+  </p:cSld>
+  <p:clrMapOvr>
+    <a:masterClrMapping/>
+  </p:clrMapOvr>
+</p:sld>
+</file>
+
 <file path=ppt/slides/slide9.xml><?xml version="1.0" encoding="utf-8"?>
 <p:sld xmlns:a="http://schemas.openxmlformats.org/drawingml/2006/main" xmlns:r="http://schemas.openxmlformats.org/officeDocument/2006/relationships" xmlns:p="http://schemas.openxmlformats.org/presentationml/2006/main">
   <p:cSld>
@@ -10396,7 +13173,7 @@
           <p:cNvPr id="2" name="Title 1">
             <a:extLst>
               <a:ext uri="{FF2B5EF4-FFF2-40B4-BE49-F238E27FC236}">
-                <a16:creationId xmlns:a16="http://schemas.microsoft.com/office/drawing/2014/main" id="{6E1D51D1-E209-4996-8825-E032DB57E9DE}"/>
+                <a16:creationId xmlns:a16="http://schemas.microsoft.com/office/drawing/2014/main" id="{2E6490BD-726B-42E6-81EE-5C7F2D2289B7}"/>
               </a:ext>
             </a:extLst>
           </p:cNvPr>
@@ -10414,46 +13191,564 @@
           <a:p>
             <a:r>
               <a:rPr lang="en-US" dirty="0"/>
-              <a:t>Deployed URL</a:t>
-            </a:r>
-          </a:p>
-        </p:txBody>
-      </p:sp>
-      <p:sp>
-        <p:nvSpPr>
-          <p:cNvPr id="3" name="Content Placeholder 2">
+              <a:t>Model Explanation</a:t>
+            </a:r>
+          </a:p>
+        </p:txBody>
+      </p:sp>
+      <p:sp>
+        <p:nvSpPr>
+          <p:cNvPr id="4" name="Rectangle 3">
             <a:extLst>
               <a:ext uri="{FF2B5EF4-FFF2-40B4-BE49-F238E27FC236}">
-                <a16:creationId xmlns:a16="http://schemas.microsoft.com/office/drawing/2014/main" id="{7AA95387-778C-4B01-8FDA-732132701C59}"/>
+                <a16:creationId xmlns:a16="http://schemas.microsoft.com/office/drawing/2014/main" id="{0D30BB94-A0E9-4B9E-AC5D-EEF164548C31}"/>
               </a:ext>
             </a:extLst>
           </p:cNvPr>
-          <p:cNvSpPr>
-            <a:spLocks noGrp="1"/>
-          </p:cNvSpPr>
-          <p:nvPr>
-            <p:ph idx="1"/>
-          </p:nvPr>
-        </p:nvSpPr>
-        <p:spPr/>
-        <p:txBody>
-          <a:bodyPr/>
-          <a:lstStyle/>
-          <a:p>
-            <a:r>
-              <a:rPr lang="en-US" dirty="0">
-                <a:hlinkClick r:id="rId2"/>
-              </a:rPr>
-              <a:t>Click to open</a:t>
-            </a:r>
-            <a:endParaRPr lang="en-US" dirty="0"/>
+          <p:cNvSpPr/>
+          <p:nvPr/>
+        </p:nvSpPr>
+        <p:spPr>
+          <a:xfrm>
+            <a:off x="886120" y="1602557"/>
+            <a:ext cx="1894787" cy="961534"/>
+          </a:xfrm>
+          <a:prstGeom prst="rect">
+            <a:avLst/>
+          </a:prstGeom>
+        </p:spPr>
+        <p:style>
+          <a:lnRef idx="2">
+            <a:schemeClr val="accent1">
+              <a:shade val="50000"/>
+            </a:schemeClr>
+          </a:lnRef>
+          <a:fillRef idx="1">
+            <a:schemeClr val="accent1"/>
+          </a:fillRef>
+          <a:effectRef idx="0">
+            <a:schemeClr val="accent1"/>
+          </a:effectRef>
+          <a:fontRef idx="minor">
+            <a:schemeClr val="lt1"/>
+          </a:fontRef>
+        </p:style>
+        <p:txBody>
+          <a:bodyPr rtlCol="0" anchor="ctr"/>
+          <a:lstStyle/>
+          <a:p>
+            <a:pPr algn="ctr"/>
+            <a:r>
+              <a:rPr lang="en-US" dirty="0"/>
+              <a:t>Logistic Regression</a:t>
+            </a:r>
+          </a:p>
+        </p:txBody>
+      </p:sp>
+      <p:sp>
+        <p:nvSpPr>
+          <p:cNvPr id="5" name="Rectangle 4">
+            <a:extLst>
+              <a:ext uri="{FF2B5EF4-FFF2-40B4-BE49-F238E27FC236}">
+                <a16:creationId xmlns:a16="http://schemas.microsoft.com/office/drawing/2014/main" id="{0B133180-AC7E-48A2-8233-52C2C207BB95}"/>
+              </a:ext>
+            </a:extLst>
+          </p:cNvPr>
+          <p:cNvSpPr/>
+          <p:nvPr/>
+        </p:nvSpPr>
+        <p:spPr>
+          <a:xfrm>
+            <a:off x="4976366" y="1602557"/>
+            <a:ext cx="1894787" cy="961534"/>
+          </a:xfrm>
+          <a:prstGeom prst="rect">
+            <a:avLst/>
+          </a:prstGeom>
+        </p:spPr>
+        <p:style>
+          <a:lnRef idx="2">
+            <a:schemeClr val="accent1">
+              <a:shade val="50000"/>
+            </a:schemeClr>
+          </a:lnRef>
+          <a:fillRef idx="1">
+            <a:schemeClr val="accent1"/>
+          </a:fillRef>
+          <a:effectRef idx="0">
+            <a:schemeClr val="accent1"/>
+          </a:effectRef>
+          <a:fontRef idx="minor">
+            <a:schemeClr val="lt1"/>
+          </a:fontRef>
+        </p:style>
+        <p:txBody>
+          <a:bodyPr rtlCol="0" anchor="ctr"/>
+          <a:lstStyle/>
+          <a:p>
+            <a:pPr algn="ctr"/>
+            <a:r>
+              <a:rPr lang="en-US" dirty="0"/>
+              <a:t>Gradient Boosting</a:t>
+            </a:r>
+          </a:p>
+        </p:txBody>
+      </p:sp>
+      <p:sp>
+        <p:nvSpPr>
+          <p:cNvPr id="6" name="Rectangle 5">
+            <a:extLst>
+              <a:ext uri="{FF2B5EF4-FFF2-40B4-BE49-F238E27FC236}">
+                <a16:creationId xmlns:a16="http://schemas.microsoft.com/office/drawing/2014/main" id="{FC9B4A99-425C-4C2C-B9BE-6CEE5486D887}"/>
+              </a:ext>
+            </a:extLst>
+          </p:cNvPr>
+          <p:cNvSpPr/>
+          <p:nvPr/>
+        </p:nvSpPr>
+        <p:spPr>
+          <a:xfrm>
+            <a:off x="9066614" y="1602557"/>
+            <a:ext cx="1894787" cy="961534"/>
+          </a:xfrm>
+          <a:prstGeom prst="rect">
+            <a:avLst/>
+          </a:prstGeom>
+        </p:spPr>
+        <p:style>
+          <a:lnRef idx="2">
+            <a:schemeClr val="accent1">
+              <a:shade val="50000"/>
+            </a:schemeClr>
+          </a:lnRef>
+          <a:fillRef idx="1">
+            <a:schemeClr val="accent1"/>
+          </a:fillRef>
+          <a:effectRef idx="0">
+            <a:schemeClr val="accent1"/>
+          </a:effectRef>
+          <a:fontRef idx="minor">
+            <a:schemeClr val="lt1"/>
+          </a:fontRef>
+        </p:style>
+        <p:txBody>
+          <a:bodyPr rtlCol="0" anchor="ctr"/>
+          <a:lstStyle/>
+          <a:p>
+            <a:pPr algn="ctr"/>
+            <a:r>
+              <a:rPr lang="en-US" dirty="0"/>
+              <a:t>Random Forest</a:t>
+            </a:r>
+          </a:p>
+        </p:txBody>
+      </p:sp>
+      <p:sp>
+        <p:nvSpPr>
+          <p:cNvPr id="9" name="Arrow: Down 8">
+            <a:extLst>
+              <a:ext uri="{FF2B5EF4-FFF2-40B4-BE49-F238E27FC236}">
+                <a16:creationId xmlns:a16="http://schemas.microsoft.com/office/drawing/2014/main" id="{A62AC8CE-01A3-40EC-AFCD-564C50E506E5}"/>
+              </a:ext>
+            </a:extLst>
+          </p:cNvPr>
+          <p:cNvSpPr/>
+          <p:nvPr/>
+        </p:nvSpPr>
+        <p:spPr>
+          <a:xfrm>
+            <a:off x="1591197" y="2771480"/>
+            <a:ext cx="484632" cy="978408"/>
+          </a:xfrm>
+          <a:prstGeom prst="downArrow">
+            <a:avLst/>
+          </a:prstGeom>
+        </p:spPr>
+        <p:style>
+          <a:lnRef idx="2">
+            <a:schemeClr val="accent1">
+              <a:shade val="50000"/>
+            </a:schemeClr>
+          </a:lnRef>
+          <a:fillRef idx="1">
+            <a:schemeClr val="accent1"/>
+          </a:fillRef>
+          <a:effectRef idx="0">
+            <a:schemeClr val="accent1"/>
+          </a:effectRef>
+          <a:fontRef idx="minor">
+            <a:schemeClr val="lt1"/>
+          </a:fontRef>
+        </p:style>
+        <p:txBody>
+          <a:bodyPr rtlCol="0" anchor="ctr"/>
+          <a:lstStyle/>
+          <a:p>
+            <a:pPr algn="ctr"/>
+            <a:endParaRPr lang="en-US"/>
+          </a:p>
+        </p:txBody>
+      </p:sp>
+      <p:sp>
+        <p:nvSpPr>
+          <p:cNvPr id="10" name="Arrow: Down 9">
+            <a:extLst>
+              <a:ext uri="{FF2B5EF4-FFF2-40B4-BE49-F238E27FC236}">
+                <a16:creationId xmlns:a16="http://schemas.microsoft.com/office/drawing/2014/main" id="{5791F881-80F5-4243-AE28-9886503445B1}"/>
+              </a:ext>
+            </a:extLst>
+          </p:cNvPr>
+          <p:cNvSpPr/>
+          <p:nvPr/>
+        </p:nvSpPr>
+        <p:spPr>
+          <a:xfrm>
+            <a:off x="5681443" y="2812330"/>
+            <a:ext cx="484632" cy="978408"/>
+          </a:xfrm>
+          <a:prstGeom prst="downArrow">
+            <a:avLst/>
+          </a:prstGeom>
+        </p:spPr>
+        <p:style>
+          <a:lnRef idx="2">
+            <a:schemeClr val="accent1">
+              <a:shade val="50000"/>
+            </a:schemeClr>
+          </a:lnRef>
+          <a:fillRef idx="1">
+            <a:schemeClr val="accent1"/>
+          </a:fillRef>
+          <a:effectRef idx="0">
+            <a:schemeClr val="accent1"/>
+          </a:effectRef>
+          <a:fontRef idx="minor">
+            <a:schemeClr val="lt1"/>
+          </a:fontRef>
+        </p:style>
+        <p:txBody>
+          <a:bodyPr rtlCol="0" anchor="ctr"/>
+          <a:lstStyle/>
+          <a:p>
+            <a:pPr algn="ctr"/>
+            <a:endParaRPr lang="en-US"/>
+          </a:p>
+        </p:txBody>
+      </p:sp>
+      <p:sp>
+        <p:nvSpPr>
+          <p:cNvPr id="11" name="Arrow: Down 10">
+            <a:extLst>
+              <a:ext uri="{FF2B5EF4-FFF2-40B4-BE49-F238E27FC236}">
+                <a16:creationId xmlns:a16="http://schemas.microsoft.com/office/drawing/2014/main" id="{D157294F-A68E-44B1-AF93-7BB997AE7684}"/>
+              </a:ext>
+            </a:extLst>
+          </p:cNvPr>
+          <p:cNvSpPr/>
+          <p:nvPr/>
+        </p:nvSpPr>
+        <p:spPr>
+          <a:xfrm>
+            <a:off x="9771691" y="2771480"/>
+            <a:ext cx="484632" cy="978408"/>
+          </a:xfrm>
+          <a:prstGeom prst="downArrow">
+            <a:avLst/>
+          </a:prstGeom>
+        </p:spPr>
+        <p:style>
+          <a:lnRef idx="2">
+            <a:schemeClr val="accent1">
+              <a:shade val="50000"/>
+            </a:schemeClr>
+          </a:lnRef>
+          <a:fillRef idx="1">
+            <a:schemeClr val="accent1"/>
+          </a:fillRef>
+          <a:effectRef idx="0">
+            <a:schemeClr val="accent1"/>
+          </a:effectRef>
+          <a:fontRef idx="minor">
+            <a:schemeClr val="lt1"/>
+          </a:fontRef>
+        </p:style>
+        <p:txBody>
+          <a:bodyPr rtlCol="0" anchor="ctr"/>
+          <a:lstStyle/>
+          <a:p>
+            <a:pPr algn="ctr"/>
+            <a:endParaRPr lang="en-US"/>
+          </a:p>
+        </p:txBody>
+      </p:sp>
+      <p:sp>
+        <p:nvSpPr>
+          <p:cNvPr id="15" name="TextBox 14">
+            <a:extLst>
+              <a:ext uri="{FF2B5EF4-FFF2-40B4-BE49-F238E27FC236}">
+                <a16:creationId xmlns:a16="http://schemas.microsoft.com/office/drawing/2014/main" id="{08276678-14DC-4922-B017-ECF2FB82A242}"/>
+              </a:ext>
+            </a:extLst>
+          </p:cNvPr>
+          <p:cNvSpPr txBox="1"/>
+          <p:nvPr/>
+        </p:nvSpPr>
+        <p:spPr>
+          <a:xfrm>
+            <a:off x="352852" y="4134450"/>
+            <a:ext cx="2961319" cy="1754326"/>
+          </a:xfrm>
+          <a:prstGeom prst="rect">
+            <a:avLst/>
+          </a:prstGeom>
+          <a:noFill/>
+        </p:spPr>
+        <p:txBody>
+          <a:bodyPr wrap="square" rtlCol="0">
+            <a:spAutoFit/>
+          </a:bodyPr>
+          <a:lstStyle/>
+          <a:p>
+            <a:pPr algn="ctr"/>
+            <a:r>
+              <a:rPr lang="en-US" dirty="0"/>
+              <a:t>A simple linear baseline that works well with TF-IDF features. Used to establish initial performance and interpret feature importance.</a:t>
+            </a:r>
+          </a:p>
+        </p:txBody>
+      </p:sp>
+      <p:sp>
+        <p:nvSpPr>
+          <p:cNvPr id="16" name="Rectangle 15">
+            <a:extLst>
+              <a:ext uri="{FF2B5EF4-FFF2-40B4-BE49-F238E27FC236}">
+                <a16:creationId xmlns:a16="http://schemas.microsoft.com/office/drawing/2014/main" id="{7F7C5406-3EDA-41BF-92CA-F0326DDBB70A}"/>
+              </a:ext>
+            </a:extLst>
+          </p:cNvPr>
+          <p:cNvSpPr/>
+          <p:nvPr/>
+        </p:nvSpPr>
+        <p:spPr>
+          <a:xfrm>
+            <a:off x="352852" y="4093766"/>
+            <a:ext cx="2961319" cy="1835694"/>
+          </a:xfrm>
+          <a:prstGeom prst="rect">
+            <a:avLst/>
+          </a:prstGeom>
+          <a:noFill/>
+          <a:ln>
+            <a:solidFill>
+              <a:schemeClr val="tx1"/>
+            </a:solidFill>
+          </a:ln>
+        </p:spPr>
+        <p:style>
+          <a:lnRef idx="2">
+            <a:schemeClr val="accent1">
+              <a:shade val="50000"/>
+            </a:schemeClr>
+          </a:lnRef>
+          <a:fillRef idx="1">
+            <a:schemeClr val="accent1"/>
+          </a:fillRef>
+          <a:effectRef idx="0">
+            <a:schemeClr val="accent1"/>
+          </a:effectRef>
+          <a:fontRef idx="minor">
+            <a:schemeClr val="lt1"/>
+          </a:fontRef>
+        </p:style>
+        <p:txBody>
+          <a:bodyPr rtlCol="0" anchor="ctr"/>
+          <a:lstStyle/>
+          <a:p>
+            <a:pPr algn="ctr"/>
+            <a:endParaRPr lang="en-US"/>
+          </a:p>
+        </p:txBody>
+      </p:sp>
+      <p:sp>
+        <p:nvSpPr>
+          <p:cNvPr id="21" name="TextBox 20">
+            <a:extLst>
+              <a:ext uri="{FF2B5EF4-FFF2-40B4-BE49-F238E27FC236}">
+                <a16:creationId xmlns:a16="http://schemas.microsoft.com/office/drawing/2014/main" id="{22AE711B-8A96-402C-A5AA-0C7D39C51556}"/>
+              </a:ext>
+            </a:extLst>
+          </p:cNvPr>
+          <p:cNvSpPr txBox="1"/>
+          <p:nvPr/>
+        </p:nvSpPr>
+        <p:spPr>
+          <a:xfrm>
+            <a:off x="4445656" y="4272949"/>
+            <a:ext cx="2961319" cy="1477328"/>
+          </a:xfrm>
+          <a:prstGeom prst="rect">
+            <a:avLst/>
+          </a:prstGeom>
+          <a:noFill/>
+        </p:spPr>
+        <p:txBody>
+          <a:bodyPr wrap="square" rtlCol="0">
+            <a:spAutoFit/>
+          </a:bodyPr>
+          <a:lstStyle/>
+          <a:p>
+            <a:pPr algn="ctr"/>
+            <a:r>
+              <a:rPr lang="en-US" dirty="0"/>
+              <a:t>Builds models sequentially to correct previous errors. Chosen for its ability to capture complex patterns and improve accuracy.</a:t>
+            </a:r>
+          </a:p>
+        </p:txBody>
+      </p:sp>
+      <p:sp>
+        <p:nvSpPr>
+          <p:cNvPr id="22" name="Rectangle 21">
+            <a:extLst>
+              <a:ext uri="{FF2B5EF4-FFF2-40B4-BE49-F238E27FC236}">
+                <a16:creationId xmlns:a16="http://schemas.microsoft.com/office/drawing/2014/main" id="{A7FF966D-CC40-49E5-810E-DB98E9B7BB87}"/>
+              </a:ext>
+            </a:extLst>
+          </p:cNvPr>
+          <p:cNvSpPr/>
+          <p:nvPr/>
+        </p:nvSpPr>
+        <p:spPr>
+          <a:xfrm>
+            <a:off x="4445656" y="4093766"/>
+            <a:ext cx="2961319" cy="1835694"/>
+          </a:xfrm>
+          <a:prstGeom prst="rect">
+            <a:avLst/>
+          </a:prstGeom>
+          <a:noFill/>
+          <a:ln>
+            <a:solidFill>
+              <a:schemeClr val="tx1"/>
+            </a:solidFill>
+          </a:ln>
+        </p:spPr>
+        <p:style>
+          <a:lnRef idx="2">
+            <a:schemeClr val="accent1">
+              <a:shade val="50000"/>
+            </a:schemeClr>
+          </a:lnRef>
+          <a:fillRef idx="1">
+            <a:schemeClr val="accent1"/>
+          </a:fillRef>
+          <a:effectRef idx="0">
+            <a:schemeClr val="accent1"/>
+          </a:effectRef>
+          <a:fontRef idx="minor">
+            <a:schemeClr val="lt1"/>
+          </a:fontRef>
+        </p:style>
+        <p:txBody>
+          <a:bodyPr rtlCol="0" anchor="ctr"/>
+          <a:lstStyle/>
+          <a:p>
+            <a:pPr algn="ctr"/>
+            <a:endParaRPr lang="en-US"/>
+          </a:p>
+        </p:txBody>
+      </p:sp>
+      <p:sp>
+        <p:nvSpPr>
+          <p:cNvPr id="23" name="TextBox 22">
+            <a:extLst>
+              <a:ext uri="{FF2B5EF4-FFF2-40B4-BE49-F238E27FC236}">
+                <a16:creationId xmlns:a16="http://schemas.microsoft.com/office/drawing/2014/main" id="{08D38404-47E2-4620-BC3C-2B1DF42CF0F2}"/>
+              </a:ext>
+            </a:extLst>
+          </p:cNvPr>
+          <p:cNvSpPr txBox="1"/>
+          <p:nvPr/>
+        </p:nvSpPr>
+        <p:spPr>
+          <a:xfrm>
+            <a:off x="8538459" y="4272949"/>
+            <a:ext cx="2961319" cy="1477328"/>
+          </a:xfrm>
+          <a:prstGeom prst="rect">
+            <a:avLst/>
+          </a:prstGeom>
+          <a:noFill/>
+        </p:spPr>
+        <p:txBody>
+          <a:bodyPr wrap="square" rtlCol="0">
+            <a:spAutoFit/>
+          </a:bodyPr>
+          <a:lstStyle/>
+          <a:p>
+            <a:pPr algn="ctr"/>
+            <a:r>
+              <a:rPr lang="en-US" dirty="0"/>
+              <a:t>An ensemble model combining many decision trees to reduce overfitting and improve robustness over simple models.</a:t>
+            </a:r>
+          </a:p>
+        </p:txBody>
+      </p:sp>
+      <p:sp>
+        <p:nvSpPr>
+          <p:cNvPr id="24" name="Rectangle 23">
+            <a:extLst>
+              <a:ext uri="{FF2B5EF4-FFF2-40B4-BE49-F238E27FC236}">
+                <a16:creationId xmlns:a16="http://schemas.microsoft.com/office/drawing/2014/main" id="{F3DFE7E5-AFCE-45E5-A850-A26338686942}"/>
+              </a:ext>
+            </a:extLst>
+          </p:cNvPr>
+          <p:cNvSpPr/>
+          <p:nvPr/>
+        </p:nvSpPr>
+        <p:spPr>
+          <a:xfrm>
+            <a:off x="8538459" y="4093766"/>
+            <a:ext cx="2961319" cy="1835694"/>
+          </a:xfrm>
+          <a:prstGeom prst="rect">
+            <a:avLst/>
+          </a:prstGeom>
+          <a:noFill/>
+          <a:ln>
+            <a:solidFill>
+              <a:schemeClr val="tx1"/>
+            </a:solidFill>
+          </a:ln>
+        </p:spPr>
+        <p:style>
+          <a:lnRef idx="2">
+            <a:schemeClr val="accent1">
+              <a:shade val="50000"/>
+            </a:schemeClr>
+          </a:lnRef>
+          <a:fillRef idx="1">
+            <a:schemeClr val="accent1"/>
+          </a:fillRef>
+          <a:effectRef idx="0">
+            <a:schemeClr val="accent1"/>
+          </a:effectRef>
+          <a:fontRef idx="minor">
+            <a:schemeClr val="lt1"/>
+          </a:fontRef>
+        </p:style>
+        <p:txBody>
+          <a:bodyPr rtlCol="0" anchor="ctr"/>
+          <a:lstStyle/>
+          <a:p>
+            <a:pPr algn="ctr"/>
+            <a:endParaRPr lang="en-US"/>
           </a:p>
         </p:txBody>
       </p:sp>
     </p:spTree>
     <p:extLst>
       <p:ext uri="{BB962C8B-B14F-4D97-AF65-F5344CB8AC3E}">
-        <p14:creationId xmlns:p14="http://schemas.microsoft.com/office/powerpoint/2010/main" val="4201121988"/>
+        <p14:creationId xmlns:p14="http://schemas.microsoft.com/office/powerpoint/2010/main" val="3938803988"/>
       </p:ext>
     </p:extLst>
   </p:cSld>
@@ -10718,4 +14013,299 @@
     </a:ext>
   </a:extLst>
 </a:theme>
+</file>
+
+<file path=ppt/theme/theme2.xml><?xml version="1.0" encoding="utf-8"?>
+<a:theme xmlns:a="http://schemas.openxmlformats.org/drawingml/2006/main" name="Office Theme">
+  <a:themeElements>
+    <a:clrScheme name="Office">
+      <a:dk1>
+        <a:sysClr val="windowText" lastClr="000000"/>
+      </a:dk1>
+      <a:lt1>
+        <a:sysClr val="window" lastClr="FFFFFF"/>
+      </a:lt1>
+      <a:dk2>
+        <a:srgbClr val="44546A"/>
+      </a:dk2>
+      <a:lt2>
+        <a:srgbClr val="E7E6E6"/>
+      </a:lt2>
+      <a:accent1>
+        <a:srgbClr val="4472C4"/>
+      </a:accent1>
+      <a:accent2>
+        <a:srgbClr val="ED7D31"/>
+      </a:accent2>
+      <a:accent3>
+        <a:srgbClr val="A5A5A5"/>
+      </a:accent3>
+      <a:accent4>
+        <a:srgbClr val="FFC000"/>
+      </a:accent4>
+      <a:accent5>
+        <a:srgbClr val="5B9BD5"/>
+      </a:accent5>
+      <a:accent6>
+        <a:srgbClr val="70AD47"/>
+      </a:accent6>
+      <a:hlink>
+        <a:srgbClr val="0563C1"/>
+      </a:hlink>
+      <a:folHlink>
+        <a:srgbClr val="954F72"/>
+      </a:folHlink>
+    </a:clrScheme>
+    <a:fontScheme name="Office">
+      <a:majorFont>
+        <a:latin typeface="Calibri Light" panose="020F0302020204030204"/>
+        <a:ea typeface=""/>
+        <a:cs typeface=""/>
+        <a:font script="Jpan" typeface="游ゴシック Light"/>
+        <a:font script="Hang" typeface="맑은 고딕"/>
+        <a:font script="Hans" typeface="等线 Light"/>
+        <a:font script="Hant" typeface="新細明體"/>
+        <a:font script="Arab" typeface="Times New Roman"/>
+        <a:font script="Hebr" typeface="Times New Roman"/>
+        <a:font script="Thai" typeface="Angsana New"/>
+        <a:font script="Ethi" typeface="Nyala"/>
+        <a:font script="Beng" typeface="Vrinda"/>
+        <a:font script="Gujr" typeface="Shruti"/>
+        <a:font script="Khmr" typeface="MoolBoran"/>
+        <a:font script="Knda" typeface="Tunga"/>
+        <a:font script="Guru" typeface="Raavi"/>
+        <a:font script="Cans" typeface="Euphemia"/>
+        <a:font script="Cher" typeface="Plantagenet Cherokee"/>
+        <a:font script="Yiii" typeface="Microsoft Yi Baiti"/>
+        <a:font script="Tibt" typeface="Microsoft Himalaya"/>
+        <a:font script="Thaa" typeface="MV Boli"/>
+        <a:font script="Deva" typeface="Mangal"/>
+        <a:font script="Telu" typeface="Gautami"/>
+        <a:font script="Taml" typeface="Latha"/>
+        <a:font script="Syrc" typeface="Estrangelo Edessa"/>
+        <a:font script="Orya" typeface="Kalinga"/>
+        <a:font script="Mlym" typeface="Kartika"/>
+        <a:font script="Laoo" typeface="DokChampa"/>
+        <a:font script="Sinh" typeface="Iskoola Pota"/>
+        <a:font script="Mong" typeface="Mongolian Baiti"/>
+        <a:font script="Viet" typeface="Times New Roman"/>
+        <a:font script="Uigh" typeface="Microsoft Uighur"/>
+        <a:font script="Geor" typeface="Sylfaen"/>
+        <a:font script="Armn" typeface="Arial"/>
+        <a:font script="Bugi" typeface="Leelawadee UI"/>
+        <a:font script="Bopo" typeface="Microsoft JhengHei"/>
+        <a:font script="Java" typeface="Javanese Text"/>
+        <a:font script="Lisu" typeface="Segoe UI"/>
+        <a:font script="Mymr" typeface="Myanmar Text"/>
+        <a:font script="Nkoo" typeface="Ebrima"/>
+        <a:font script="Olck" typeface="Nirmala UI"/>
+        <a:font script="Osma" typeface="Ebrima"/>
+        <a:font script="Phag" typeface="Phagspa"/>
+        <a:font script="Syrn" typeface="Estrangelo Edessa"/>
+        <a:font script="Syrj" typeface="Estrangelo Edessa"/>
+        <a:font script="Syre" typeface="Estrangelo Edessa"/>
+        <a:font script="Sora" typeface="Nirmala UI"/>
+        <a:font script="Tale" typeface="Microsoft Tai Le"/>
+        <a:font script="Talu" typeface="Microsoft New Tai Lue"/>
+        <a:font script="Tfng" typeface="Ebrima"/>
+      </a:majorFont>
+      <a:minorFont>
+        <a:latin typeface="Calibri" panose="020F0502020204030204"/>
+        <a:ea typeface=""/>
+        <a:cs typeface=""/>
+        <a:font script="Jpan" typeface="游ゴシック"/>
+        <a:font script="Hang" typeface="맑은 고딕"/>
+        <a:font script="Hans" typeface="等线"/>
+        <a:font script="Hant" typeface="新細明體"/>
+        <a:font script="Arab" typeface="Arial"/>
+        <a:font script="Hebr" typeface="Arial"/>
+        <a:font script="Thai" typeface="Cordia New"/>
+        <a:font script="Ethi" typeface="Nyala"/>
+        <a:font script="Beng" typeface="Vrinda"/>
+        <a:font script="Gujr" typeface="Shruti"/>
+        <a:font script="Khmr" typeface="DaunPenh"/>
+        <a:font script="Knda" typeface="Tunga"/>
+        <a:font script="Guru" typeface="Raavi"/>
+        <a:font script="Cans" typeface="Euphemia"/>
+        <a:font script="Cher" typeface="Plantagenet Cherokee"/>
+        <a:font script="Yiii" typeface="Microsoft Yi Baiti"/>
+        <a:font script="Tibt" typeface="Microsoft Himalaya"/>
+        <a:font script="Thaa" typeface="MV Boli"/>
+        <a:font script="Deva" typeface="Mangal"/>
+        <a:font script="Telu" typeface="Gautami"/>
+        <a:font script="Taml" typeface="Latha"/>
+        <a:font script="Syrc" typeface="Estrangelo Edessa"/>
+        <a:font script="Orya" typeface="Kalinga"/>
+        <a:font script="Mlym" typeface="Kartika"/>
+        <a:font script="Laoo" typeface="DokChampa"/>
+        <a:font script="Sinh" typeface="Iskoola Pota"/>
+        <a:font script="Mong" typeface="Mongolian Baiti"/>
+        <a:font script="Viet" typeface="Arial"/>
+        <a:font script="Uigh" typeface="Microsoft Uighur"/>
+        <a:font script="Geor" typeface="Sylfaen"/>
+        <a:font script="Armn" typeface="Arial"/>
+        <a:font script="Bugi" typeface="Leelawadee UI"/>
+        <a:font script="Bopo" typeface="Microsoft JhengHei"/>
+        <a:font script="Java" typeface="Javanese Text"/>
+        <a:font script="Lisu" typeface="Segoe UI"/>
+        <a:font script="Mymr" typeface="Myanmar Text"/>
+        <a:font script="Nkoo" typeface="Ebrima"/>
+        <a:font script="Olck" typeface="Nirmala UI"/>
+        <a:font script="Osma" typeface="Ebrima"/>
+        <a:font script="Phag" typeface="Phagspa"/>
+        <a:font script="Syrn" typeface="Estrangelo Edessa"/>
+        <a:font script="Syrj" typeface="Estrangelo Edessa"/>
+        <a:font script="Syre" typeface="Estrangelo Edessa"/>
+        <a:font script="Sora" typeface="Nirmala UI"/>
+        <a:font script="Tale" typeface="Microsoft Tai Le"/>
+        <a:font script="Talu" typeface="Microsoft New Tai Lue"/>
+        <a:font script="Tfng" typeface="Ebrima"/>
+      </a:minorFont>
+    </a:fontScheme>
+    <a:fmtScheme name="Office">
+      <a:fillStyleLst>
+        <a:solidFill>
+          <a:schemeClr val="phClr"/>
+        </a:solidFill>
+        <a:gradFill rotWithShape="1">
+          <a:gsLst>
+            <a:gs pos="0">
+              <a:schemeClr val="phClr">
+                <a:lumMod val="110000"/>
+                <a:satMod val="105000"/>
+                <a:tint val="67000"/>
+              </a:schemeClr>
+            </a:gs>
+            <a:gs pos="50000">
+              <a:schemeClr val="phClr">
+                <a:lumMod val="105000"/>
+                <a:satMod val="103000"/>
+                <a:tint val="73000"/>
+              </a:schemeClr>
+            </a:gs>
+            <a:gs pos="100000">
+              <a:schemeClr val="phClr">
+                <a:lumMod val="105000"/>
+                <a:satMod val="109000"/>
+                <a:tint val="81000"/>
+              </a:schemeClr>
+            </a:gs>
+          </a:gsLst>
+          <a:lin ang="5400000" scaled="0"/>
+        </a:gradFill>
+        <a:gradFill rotWithShape="1">
+          <a:gsLst>
+            <a:gs pos="0">
+              <a:schemeClr val="phClr">
+                <a:satMod val="103000"/>
+                <a:lumMod val="102000"/>
+                <a:tint val="94000"/>
+              </a:schemeClr>
+            </a:gs>
+            <a:gs pos="50000">
+              <a:schemeClr val="phClr">
+                <a:satMod val="110000"/>
+                <a:lumMod val="100000"/>
+                <a:shade val="100000"/>
+              </a:schemeClr>
+            </a:gs>
+            <a:gs pos="100000">
+              <a:schemeClr val="phClr">
+                <a:lumMod val="99000"/>
+                <a:satMod val="120000"/>
+                <a:shade val="78000"/>
+              </a:schemeClr>
+            </a:gs>
+          </a:gsLst>
+          <a:lin ang="5400000" scaled="0"/>
+        </a:gradFill>
+      </a:fillStyleLst>
+      <a:lnStyleLst>
+        <a:ln w="6350" cap="flat" cmpd="sng" algn="ctr">
+          <a:solidFill>
+            <a:schemeClr val="phClr"/>
+          </a:solidFill>
+          <a:prstDash val="solid"/>
+          <a:miter lim="800000"/>
+        </a:ln>
+        <a:ln w="12700" cap="flat" cmpd="sng" algn="ctr">
+          <a:solidFill>
+            <a:schemeClr val="phClr"/>
+          </a:solidFill>
+          <a:prstDash val="solid"/>
+          <a:miter lim="800000"/>
+        </a:ln>
+        <a:ln w="19050" cap="flat" cmpd="sng" algn="ctr">
+          <a:solidFill>
+            <a:schemeClr val="phClr"/>
+          </a:solidFill>
+          <a:prstDash val="solid"/>
+          <a:miter lim="800000"/>
+        </a:ln>
+      </a:lnStyleLst>
+      <a:effectStyleLst>
+        <a:effectStyle>
+          <a:effectLst/>
+        </a:effectStyle>
+        <a:effectStyle>
+          <a:effectLst/>
+        </a:effectStyle>
+        <a:effectStyle>
+          <a:effectLst>
+            <a:outerShdw blurRad="57150" dist="19050" dir="5400000" algn="ctr" rotWithShape="0">
+              <a:srgbClr val="000000">
+                <a:alpha val="63000"/>
+              </a:srgbClr>
+            </a:outerShdw>
+          </a:effectLst>
+        </a:effectStyle>
+      </a:effectStyleLst>
+      <a:bgFillStyleLst>
+        <a:solidFill>
+          <a:schemeClr val="phClr"/>
+        </a:solidFill>
+        <a:solidFill>
+          <a:schemeClr val="phClr">
+            <a:tint val="95000"/>
+            <a:satMod val="170000"/>
+          </a:schemeClr>
+        </a:solidFill>
+        <a:gradFill rotWithShape="1">
+          <a:gsLst>
+            <a:gs pos="0">
+              <a:schemeClr val="phClr">
+                <a:tint val="93000"/>
+                <a:satMod val="150000"/>
+                <a:shade val="98000"/>
+                <a:lumMod val="102000"/>
+              </a:schemeClr>
+            </a:gs>
+            <a:gs pos="50000">
+              <a:schemeClr val="phClr">
+                <a:tint val="98000"/>
+                <a:satMod val="130000"/>
+                <a:shade val="90000"/>
+                <a:lumMod val="103000"/>
+              </a:schemeClr>
+            </a:gs>
+            <a:gs pos="100000">
+              <a:schemeClr val="phClr">
+                <a:shade val="63000"/>
+                <a:satMod val="120000"/>
+              </a:schemeClr>
+            </a:gs>
+          </a:gsLst>
+          <a:lin ang="5400000" scaled="0"/>
+        </a:gradFill>
+      </a:bgFillStyleLst>
+    </a:fmtScheme>
+  </a:themeElements>
+  <a:objectDefaults/>
+  <a:extraClrSchemeLst/>
+  <a:extLst>
+    <a:ext uri="{05A4C25C-085E-4340-85A3-A5531E510DB2}">
+      <thm15:themeFamily xmlns:thm15="http://schemas.microsoft.com/office/thememl/2012/main" name="Office Theme" id="{62F939B6-93AF-4DB8-9C6B-D6C7DFDC589F}" vid="{4A3C46E8-61CC-4603-A589-7422A47A8E4A}"/>
+    </a:ext>
+  </a:extLst>
+</a:theme>
 </file>
--- a/Imposter.pptx
+++ b/Imposter.pptx
@@ -19,8 +19,8 @@
     <p:sldId id="266" r:id="rId10"/>
     <p:sldId id="267" r:id="rId11"/>
     <p:sldId id="264" r:id="rId12"/>
-    <p:sldId id="271" r:id="rId13"/>
-    <p:sldId id="260" r:id="rId14"/>
+    <p:sldId id="260" r:id="rId13"/>
+    <p:sldId id="272" r:id="rId14"/>
     <p:sldId id="265" r:id="rId15"/>
     <p:sldId id="261" r:id="rId16"/>
   </p:sldIdLst>
@@ -211,7 +211,7 @@
           <a:p>
             <a:fld id="{8095211E-FF04-4F66-BD9B-ED115027C58E}" type="datetimeFigureOut">
               <a:rPr lang="en-US" smtClean="0"/>
-              <a:t>10/16/2025</a:t>
+              <a:t>10/19/2025</a:t>
             </a:fld>
             <a:endParaRPr lang="en-US"/>
           </a:p>
@@ -1224,7 +1224,7 @@
             <a:fld id="{B61BEF0D-F0BB-DE4B-95CE-6DB70DBA9567}" type="datetimeFigureOut">
               <a:rPr lang="en-US" dirty="0"/>
               <a:pPr/>
-              <a:t>10/16/2025</a:t>
+              <a:t>10/19/2025</a:t>
             </a:fld>
             <a:endParaRPr lang="en-US" dirty="0"/>
           </a:p>
@@ -1472,7 +1472,7 @@
             <a:fld id="{B61BEF0D-F0BB-DE4B-95CE-6DB70DBA9567}" type="datetimeFigureOut">
               <a:rPr lang="en-US" dirty="0"/>
               <a:pPr/>
-              <a:t>10/16/2025</a:t>
+              <a:t>10/19/2025</a:t>
             </a:fld>
             <a:endParaRPr lang="en-US" dirty="0"/>
           </a:p>
@@ -1783,7 +1783,7 @@
             <a:fld id="{B61BEF0D-F0BB-DE4B-95CE-6DB70DBA9567}" type="datetimeFigureOut">
               <a:rPr lang="en-US" dirty="0"/>
               <a:pPr/>
-              <a:t>10/16/2025</a:t>
+              <a:t>10/19/2025</a:t>
             </a:fld>
             <a:endParaRPr lang="en-US" dirty="0"/>
           </a:p>
@@ -2113,7 +2113,7 @@
             <a:fld id="{B61BEF0D-F0BB-DE4B-95CE-6DB70DBA9567}" type="datetimeFigureOut">
               <a:rPr lang="en-US" dirty="0"/>
               <a:pPr/>
-              <a:t>10/16/2025</a:t>
+              <a:t>10/19/2025</a:t>
             </a:fld>
             <a:endParaRPr lang="en-US" dirty="0"/>
           </a:p>
@@ -2424,7 +2424,7 @@
             <a:fld id="{B61BEF0D-F0BB-DE4B-95CE-6DB70DBA9567}" type="datetimeFigureOut">
               <a:rPr lang="en-US" dirty="0"/>
               <a:pPr/>
-              <a:t>10/16/2025</a:t>
+              <a:t>10/19/2025</a:t>
             </a:fld>
             <a:endParaRPr lang="en-US" dirty="0"/>
           </a:p>
@@ -2814,7 +2814,7 @@
             <a:fld id="{B61BEF0D-F0BB-DE4B-95CE-6DB70DBA9567}" type="datetimeFigureOut">
               <a:rPr lang="en-US" dirty="0"/>
               <a:pPr/>
-              <a:t>10/16/2025</a:t>
+              <a:t>10/19/2025</a:t>
             </a:fld>
             <a:endParaRPr lang="en-US" dirty="0"/>
           </a:p>
@@ -2980,7 +2980,7 @@
           <a:p>
             <a:fld id="{55C6B4A9-1611-4792-9094-5F34BCA07E0B}" type="datetimeFigureOut">
               <a:rPr lang="en-US" dirty="0"/>
-              <a:t>10/16/2025</a:t>
+              <a:t>10/19/2025</a:t>
             </a:fld>
             <a:endParaRPr lang="en-US" dirty="0"/>
           </a:p>
@@ -3156,7 +3156,7 @@
             <a:fld id="{B61BEF0D-F0BB-DE4B-95CE-6DB70DBA9567}" type="datetimeFigureOut">
               <a:rPr lang="en-US" dirty="0"/>
               <a:pPr/>
-              <a:t>10/16/2025</a:t>
+              <a:t>10/19/2025</a:t>
             </a:fld>
             <a:endParaRPr lang="en-US" dirty="0"/>
           </a:p>
@@ -3322,7 +3322,7 @@
           <a:p>
             <a:fld id="{42A54C80-263E-416B-A8E0-580EDEADCBDC}" type="datetimeFigureOut">
               <a:rPr lang="en-US" dirty="0"/>
-              <a:t>10/16/2025</a:t>
+              <a:t>10/19/2025</a:t>
             </a:fld>
             <a:endParaRPr lang="en-US" dirty="0"/>
           </a:p>
@@ -3565,7 +3565,7 @@
             <a:fld id="{B61BEF0D-F0BB-DE4B-95CE-6DB70DBA9567}" type="datetimeFigureOut">
               <a:rPr lang="en-US" dirty="0"/>
               <a:pPr/>
-              <a:t>10/16/2025</a:t>
+              <a:t>10/19/2025</a:t>
             </a:fld>
             <a:endParaRPr lang="en-US" dirty="0"/>
           </a:p>
@@ -3793,7 +3793,7 @@
           <a:p>
             <a:fld id="{42A54C80-263E-416B-A8E0-580EDEADCBDC}" type="datetimeFigureOut">
               <a:rPr lang="en-US" dirty="0"/>
-              <a:t>10/16/2025</a:t>
+              <a:t>10/19/2025</a:t>
             </a:fld>
             <a:endParaRPr lang="en-US" dirty="0"/>
           </a:p>
@@ -4163,7 +4163,7 @@
             <a:fld id="{B61BEF0D-F0BB-DE4B-95CE-6DB70DBA9567}" type="datetimeFigureOut">
               <a:rPr lang="en-US" dirty="0"/>
               <a:pPr/>
-              <a:t>10/16/2025</a:t>
+              <a:t>10/19/2025</a:t>
             </a:fld>
             <a:endParaRPr lang="en-US" dirty="0"/>
           </a:p>
@@ -4283,7 +4283,7 @@
             <a:fld id="{B61BEF0D-F0BB-DE4B-95CE-6DB70DBA9567}" type="datetimeFigureOut">
               <a:rPr lang="en-US" dirty="0"/>
               <a:pPr/>
-              <a:t>10/16/2025</a:t>
+              <a:t>10/19/2025</a:t>
             </a:fld>
             <a:endParaRPr lang="en-US" dirty="0"/>
           </a:p>
@@ -4375,7 +4375,7 @@
             <a:fld id="{B61BEF0D-F0BB-DE4B-95CE-6DB70DBA9567}" type="datetimeFigureOut">
               <a:rPr lang="en-US" dirty="0"/>
               <a:pPr/>
-              <a:t>10/16/2025</a:t>
+              <a:t>10/19/2025</a:t>
             </a:fld>
             <a:endParaRPr lang="en-US" dirty="0"/>
           </a:p>
@@ -4626,7 +4626,7 @@
           <a:p>
             <a:fld id="{42A54C80-263E-416B-A8E0-580EDEADCBDC}" type="datetimeFigureOut">
               <a:rPr lang="en-US" dirty="0"/>
-              <a:t>10/16/2025</a:t>
+              <a:t>10/19/2025</a:t>
             </a:fld>
             <a:endParaRPr lang="en-US" dirty="0"/>
           </a:p>
@@ -4928,7 +4928,7 @@
             <a:fld id="{B61BEF0D-F0BB-DE4B-95CE-6DB70DBA9567}" type="datetimeFigureOut">
               <a:rPr lang="en-US" dirty="0"/>
               <a:pPr/>
-              <a:t>10/16/2025</a:t>
+              <a:t>10/19/2025</a:t>
             </a:fld>
             <a:endParaRPr lang="en-US" dirty="0"/>
           </a:p>
@@ -5626,7 +5626,7 @@
             <a:fld id="{B61BEF0D-F0BB-DE4B-95CE-6DB70DBA9567}" type="datetimeFigureOut">
               <a:rPr lang="en-US" dirty="0"/>
               <a:pPr/>
-              <a:t>10/16/2025</a:t>
+              <a:t>10/19/2025</a:t>
             </a:fld>
             <a:endParaRPr lang="en-US" dirty="0"/>
           </a:p>
@@ -10244,64 +10244,6 @@
           <p:cNvPr id="2" name="Title 1">
             <a:extLst>
               <a:ext uri="{FF2B5EF4-FFF2-40B4-BE49-F238E27FC236}">
-                <a16:creationId xmlns:a16="http://schemas.microsoft.com/office/drawing/2014/main" id="{E15E2A07-24A1-4606-8916-2C008F5A519A}"/>
-              </a:ext>
-            </a:extLst>
-          </p:cNvPr>
-          <p:cNvSpPr>
-            <a:spLocks noGrp="1"/>
-          </p:cNvSpPr>
-          <p:nvPr>
-            <p:ph type="title"/>
-          </p:nvPr>
-        </p:nvSpPr>
-        <p:spPr/>
-        <p:txBody>
-          <a:bodyPr/>
-          <a:lstStyle/>
-          <a:p>
-            <a:r>
-              <a:rPr lang="en-US" dirty="0"/>
-              <a:t>Loss Curves (Top 2)</a:t>
-            </a:r>
-          </a:p>
-        </p:txBody>
-      </p:sp>
-    </p:spTree>
-    <p:extLst>
-      <p:ext uri="{BB962C8B-B14F-4D97-AF65-F5344CB8AC3E}">
-        <p14:creationId xmlns:p14="http://schemas.microsoft.com/office/powerpoint/2010/main" val="1301305411"/>
-      </p:ext>
-    </p:extLst>
-  </p:cSld>
-  <p:clrMapOvr>
-    <a:masterClrMapping/>
-  </p:clrMapOvr>
-</p:sld>
-</file>
-
-<file path=ppt/slides/slide13.xml><?xml version="1.0" encoding="utf-8"?>
-<p:sld xmlns:a="http://schemas.openxmlformats.org/drawingml/2006/main" xmlns:r="http://schemas.openxmlformats.org/officeDocument/2006/relationships" xmlns:p="http://schemas.openxmlformats.org/presentationml/2006/main">
-  <p:cSld>
-    <p:spTree>
-      <p:nvGrpSpPr>
-        <p:cNvPr id="1" name=""/>
-        <p:cNvGrpSpPr/>
-        <p:nvPr/>
-      </p:nvGrpSpPr>
-      <p:grpSpPr>
-        <a:xfrm>
-          <a:off x="0" y="0"/>
-          <a:ext cx="0" cy="0"/>
-          <a:chOff x="0" y="0"/>
-          <a:chExt cx="0" cy="0"/>
-        </a:xfrm>
-      </p:grpSpPr>
-      <p:sp>
-        <p:nvSpPr>
-          <p:cNvPr id="2" name="Title 1">
-            <a:extLst>
-              <a:ext uri="{FF2B5EF4-FFF2-40B4-BE49-F238E27FC236}">
                 <a16:creationId xmlns:a16="http://schemas.microsoft.com/office/drawing/2014/main" id="{0424FD6D-80EA-450A-A6AB-3F1D09A1D757}"/>
               </a:ext>
             </a:extLst>
@@ -10856,6 +10798,159 @@
     <p:extLst>
       <p:ext uri="{BB962C8B-B14F-4D97-AF65-F5344CB8AC3E}">
         <p14:creationId xmlns:p14="http://schemas.microsoft.com/office/powerpoint/2010/main" val="3674145016"/>
+      </p:ext>
+    </p:extLst>
+  </p:cSld>
+  <p:clrMapOvr>
+    <a:masterClrMapping/>
+  </p:clrMapOvr>
+</p:sld>
+</file>
+
+<file path=ppt/slides/slide13.xml><?xml version="1.0" encoding="utf-8"?>
+<p:sld xmlns:a="http://schemas.openxmlformats.org/drawingml/2006/main" xmlns:r="http://schemas.openxmlformats.org/officeDocument/2006/relationships" xmlns:p="http://schemas.openxmlformats.org/presentationml/2006/main">
+  <p:cSld>
+    <p:spTree>
+      <p:nvGrpSpPr>
+        <p:cNvPr id="1" name=""/>
+        <p:cNvGrpSpPr/>
+        <p:nvPr/>
+      </p:nvGrpSpPr>
+      <p:grpSpPr>
+        <a:xfrm>
+          <a:off x="0" y="0"/>
+          <a:ext cx="0" cy="0"/>
+          <a:chOff x="0" y="0"/>
+          <a:chExt cx="0" cy="0"/>
+        </a:xfrm>
+      </p:grpSpPr>
+      <p:sp>
+        <p:nvSpPr>
+          <p:cNvPr id="2" name="Title 1">
+            <a:extLst>
+              <a:ext uri="{FF2B5EF4-FFF2-40B4-BE49-F238E27FC236}">
+                <a16:creationId xmlns:a16="http://schemas.microsoft.com/office/drawing/2014/main" id="{D79FFA8D-9081-40B5-979D-887E668FE327}"/>
+              </a:ext>
+            </a:extLst>
+          </p:cNvPr>
+          <p:cNvSpPr>
+            <a:spLocks noGrp="1"/>
+          </p:cNvSpPr>
+          <p:nvPr>
+            <p:ph type="title"/>
+          </p:nvPr>
+        </p:nvSpPr>
+        <p:spPr/>
+        <p:txBody>
+          <a:bodyPr/>
+          <a:lstStyle/>
+          <a:p>
+            <a:r>
+              <a:rPr lang="en-US" dirty="0"/>
+              <a:t>Error Analysis</a:t>
+            </a:r>
+          </a:p>
+        </p:txBody>
+      </p:sp>
+      <p:pic>
+        <p:nvPicPr>
+          <p:cNvPr id="4" name="Picture 3">
+            <a:extLst>
+              <a:ext uri="{FF2B5EF4-FFF2-40B4-BE49-F238E27FC236}">
+                <a16:creationId xmlns:a16="http://schemas.microsoft.com/office/drawing/2014/main" id="{5179C47D-3873-4DC6-8527-9D5DCF7B5C62}"/>
+              </a:ext>
+            </a:extLst>
+          </p:cNvPr>
+          <p:cNvPicPr>
+            <a:picLocks noChangeAspect="1"/>
+          </p:cNvPicPr>
+          <p:nvPr/>
+        </p:nvPicPr>
+        <p:blipFill>
+          <a:blip r:embed="rId2"/>
+          <a:stretch>
+            <a:fillRect/>
+          </a:stretch>
+        </p:blipFill>
+        <p:spPr>
+          <a:xfrm>
+            <a:off x="3544478" y="161180"/>
+            <a:ext cx="3646200" cy="3073146"/>
+          </a:xfrm>
+          <a:prstGeom prst="rect">
+            <a:avLst/>
+          </a:prstGeom>
+        </p:spPr>
+      </p:pic>
+      <p:sp>
+        <p:nvSpPr>
+          <p:cNvPr id="5" name="TextBox 4">
+            <a:extLst>
+              <a:ext uri="{FF2B5EF4-FFF2-40B4-BE49-F238E27FC236}">
+                <a16:creationId xmlns:a16="http://schemas.microsoft.com/office/drawing/2014/main" id="{C011739C-3C41-45AC-A03A-63AADBF3DFC9}"/>
+              </a:ext>
+            </a:extLst>
+          </p:cNvPr>
+          <p:cNvSpPr txBox="1"/>
+          <p:nvPr/>
+        </p:nvSpPr>
+        <p:spPr>
+          <a:xfrm>
+            <a:off x="7447175" y="1483516"/>
+            <a:ext cx="4251490" cy="4801314"/>
+          </a:xfrm>
+          <a:prstGeom prst="rect">
+            <a:avLst/>
+          </a:prstGeom>
+          <a:noFill/>
+        </p:spPr>
+        <p:txBody>
+          <a:bodyPr wrap="square" rtlCol="0">
+            <a:spAutoFit/>
+          </a:bodyPr>
+          <a:lstStyle/>
+          <a:p>
+            <a:r>
+              <a:rPr lang="en-US" dirty="0"/>
+              <a:t>model's low performance (around 35% accuracy) is due to severe underfitting (high bias), which stems from a fundamental mismatch between the model and the feature engineering. Specifically, the use of One-Hot Encoding (OHE) on high-cardinality categorical features (like Speaker and Context) and the TF-IDF text features creates an extremely high-dimensional and sparse feature space. Gradient Boosting Classifiers struggle significantly to find meaningful patterns in this type of data, causing the model to fail to learn effectively and achieve low accuracy on both training and validation sets.</a:t>
+            </a:r>
+          </a:p>
+        </p:txBody>
+      </p:sp>
+      <p:pic>
+        <p:nvPicPr>
+          <p:cNvPr id="9" name="Picture 8">
+            <a:extLst>
+              <a:ext uri="{FF2B5EF4-FFF2-40B4-BE49-F238E27FC236}">
+                <a16:creationId xmlns:a16="http://schemas.microsoft.com/office/drawing/2014/main" id="{08AE9681-E17D-4C47-930B-C920F32DF6BA}"/>
+              </a:ext>
+            </a:extLst>
+          </p:cNvPr>
+          <p:cNvPicPr>
+            <a:picLocks noChangeAspect="1"/>
+          </p:cNvPicPr>
+          <p:nvPr/>
+        </p:nvPicPr>
+        <p:blipFill>
+          <a:blip r:embed="rId3"/>
+          <a:stretch>
+            <a:fillRect/>
+          </a:stretch>
+        </p:blipFill>
+        <p:spPr>
+          <a:xfrm>
+            <a:off x="370787" y="3229442"/>
+            <a:ext cx="5308687" cy="3396318"/>
+          </a:xfrm>
+          <a:prstGeom prst="rect">
+            <a:avLst/>
+          </a:prstGeom>
+        </p:spPr>
+      </p:pic>
+    </p:spTree>
+    <p:extLst>
+      <p:ext uri="{BB962C8B-B14F-4D97-AF65-F5344CB8AC3E}">
+        <p14:creationId xmlns:p14="http://schemas.microsoft.com/office/powerpoint/2010/main" val="1607983322"/>
       </p:ext>
     </p:extLst>
   </p:cSld>
